--- a/01_요구사항 실습/SW 요구사항 분석 및 설계_3조.pptx
+++ b/01_요구사항 실습/SW 요구사항 분석 및 설계_3조.pptx
@@ -1,27 +1,25 @@
 
 <file path=ppt/presentation.xml><?xml version="1.0" encoding="utf-8"?>
-<p:presentation xmlns:r="http://schemas.openxmlformats.org/officeDocument/2006/relationships" xmlns:c="http://schemas.openxmlformats.org/drawingml/2006/chart" xmlns:a="http://schemas.openxmlformats.org/drawingml/2006/main" xmlns:dgm="http://schemas.openxmlformats.org/drawingml/2006/diagram" xmlns:dsp="http://schemas.microsoft.com/office/drawing/2008/diagram" xmlns:p="http://schemas.openxmlformats.org/presentationml/2006/main">
+<p:presentation xmlns:a="http://schemas.openxmlformats.org/drawingml/2006/main" xmlns:r="http://schemas.openxmlformats.org/officeDocument/2006/relationships" xmlns:p="http://schemas.openxmlformats.org/presentationml/2006/main">
   <p:sldMasterIdLst>
-    <p:sldMasterId id="2147483750" r:id="rId1"/>
+    <p:sldMasterId id="2147483737" r:id="rId1"/>
   </p:sldMasterIdLst>
   <p:notesMasterIdLst>
-    <p:notesMasterId r:id="rId2"/>
+    <p:notesMasterId r:id="rId11"/>
   </p:notesMasterIdLst>
   <p:handoutMasterIdLst>
-    <p:handoutMasterId r:id="rId3"/>
+    <p:handoutMasterId r:id="rId12"/>
   </p:handoutMasterIdLst>
   <p:sldIdLst>
-    <p:sldId id="2076136653" r:id="rId4"/>
-    <p:sldId id="502" r:id="rId5"/>
-    <p:sldId id="2076136660" r:id="rId6"/>
-    <p:sldId id="507" r:id="rId7"/>
-    <p:sldId id="2076136661" r:id="rId8"/>
-    <p:sldId id="2076136654" r:id="rId9"/>
-    <p:sldId id="2076136655" r:id="rId10"/>
-    <p:sldId id="2076136656" r:id="rId11"/>
-    <p:sldId id="2076136657" r:id="rId12"/>
-    <p:sldId id="2076136658" r:id="rId13"/>
-    <p:sldId id="2076136659" r:id="rId14"/>
+    <p:sldId id="2076136653" r:id="rId2"/>
+    <p:sldId id="502" r:id="rId3"/>
+    <p:sldId id="2076136660" r:id="rId4"/>
+    <p:sldId id="507" r:id="rId5"/>
+    <p:sldId id="2076136655" r:id="rId6"/>
+    <p:sldId id="2076136656" r:id="rId7"/>
+    <p:sldId id="2076136657" r:id="rId8"/>
+    <p:sldId id="2076136658" r:id="rId9"/>
+    <p:sldId id="2076136659" r:id="rId10"/>
   </p:sldIdLst>
   <p:sldSz cx="12192000" cy="6858000"/>
   <p:notesSz cx="6797675" cy="9926638"/>
@@ -120,11 +118,35 @@
       </a:defRPr>
     </a:lvl9pPr>
   </p:defaultTextStyle>
+  <p:extLst>
+    <p:ext uri="{EFAFB233-063F-42B5-8137-9DF3F51BA10A}">
+      <p15:sldGuideLst xmlns:p15="http://schemas.microsoft.com/office/powerpoint/2012/main">
+        <p15:guide id="1" orient="horz" pos="4064">
+          <p15:clr>
+            <a:srgbClr val="A4A3A4"/>
+          </p15:clr>
+        </p15:guide>
+        <p15:guide id="2" pos="239">
+          <p15:clr>
+            <a:srgbClr val="A4A3A4"/>
+          </p15:clr>
+        </p15:guide>
+        <p15:guide id="3" pos="7469">
+          <p15:clr>
+            <a:srgbClr val="A4A3A4"/>
+          </p15:clr>
+        </p15:guide>
+      </p15:sldGuideLst>
+    </p:ext>
+    <p:ext uri="{2D200454-40CA-4A62-9FC3-DE9A4176ACB9}">
+      <p15:notesGuideLst xmlns:p15="http://schemas.microsoft.com/office/powerpoint/2012/main"/>
+    </p:ext>
+  </p:extLst>
 </p:presentation>
 </file>
 
 <file path=ppt/handoutMasters/handoutMaster1.xml><?xml version="1.0" encoding="utf-8"?>
-<p:handoutMaster xmlns:r="http://schemas.openxmlformats.org/officeDocument/2006/relationships" xmlns:c="http://schemas.openxmlformats.org/drawingml/2006/chart" xmlns:a="http://schemas.openxmlformats.org/drawingml/2006/main" xmlns:dgm="http://schemas.openxmlformats.org/drawingml/2006/diagram" xmlns:dsp="http://schemas.microsoft.com/office/drawing/2008/diagram" xmlns:p="http://schemas.openxmlformats.org/presentationml/2006/main">
+<p:handoutMaster xmlns:a="http://schemas.openxmlformats.org/drawingml/2006/main" xmlns:r="http://schemas.openxmlformats.org/officeDocument/2006/relationships" xmlns:p="http://schemas.openxmlformats.org/presentationml/2006/main">
   <p:cSld>
     <p:bg>
       <p:bgRef idx="1001">
@@ -152,7 +174,7 @@
             <a:spLocks noGrp="1"/>
           </p:cNvSpPr>
           <p:nvPr>
-            <p:ph type="hdr" sz="quarter" idx="0"/>
+            <p:ph type="hdr" sz="quarter"/>
           </p:nvPr>
         </p:nvSpPr>
         <p:spPr>
@@ -175,13 +197,6 @@
             <a:pPr lvl="0">
               <a:defRPr/>
             </a:pPr>
-            <a:r>
-              <a:rPr lang="ko-KR" altLang="en-US">
-                <a:latin typeface="프리젠테이션 7 Bold"/>
-                <a:ea typeface="프리젠테이션 7 Bold"/>
-              </a:rPr>
-              <a:t/>
-            </a:r>
             <a:endParaRPr lang="ko-KR" altLang="en-US">
               <a:latin typeface="프리젠테이션 7 Bold"/>
               <a:ea typeface="프리젠테이션 7 Bold"/>
@@ -227,7 +242,7 @@
               <a:pPr lvl="0">
                 <a:defRPr/>
               </a:pPr>
-              <a:t>2025-01-20</a:t>
+              <a:t>2025-01-21</a:t>
             </a:fld>
             <a:endParaRPr lang="ko-KR" altLang="en-US">
               <a:latin typeface="프리젠테이션 7 Bold"/>
@@ -266,13 +281,6 @@
             <a:pPr lvl="0">
               <a:defRPr/>
             </a:pPr>
-            <a:r>
-              <a:rPr lang="ko-KR" altLang="en-US">
-                <a:latin typeface="프리젠테이션 7 Bold"/>
-                <a:ea typeface="프리젠테이션 7 Bold"/>
-              </a:rPr>
-              <a:t/>
-            </a:r>
             <a:endParaRPr lang="ko-KR" altLang="en-US">
               <a:latin typeface="프리젠테이션 7 Bold"/>
               <a:ea typeface="프리젠테이션 7 Bold"/>
@@ -328,13 +336,18 @@
         </p:txBody>
       </p:sp>
     </p:spTree>
+    <p:extLst>
+      <p:ext uri="{BB962C8B-B14F-4D97-AF65-F5344CB8AC3E}">
+        <p14:creationId xmlns:p14="http://schemas.microsoft.com/office/powerpoint/2010/main" val="1"/>
+      </p:ext>
+    </p:extLst>
   </p:cSld>
   <p:clrMap bg1="lt1" tx1="dk1" bg2="lt2" tx2="dk2" accent1="accent1" accent2="accent2" accent3="accent3" accent4="accent4" accent5="accent5" accent6="accent6" hlink="hlink" folHlink="folHlink"/>
 </p:handoutMaster>
 </file>
 
 <file path=ppt/notesMasters/notesMaster1.xml><?xml version="1.0" encoding="utf-8"?>
-<p:notesMaster xmlns:r="http://schemas.openxmlformats.org/officeDocument/2006/relationships" xmlns:c="http://schemas.openxmlformats.org/drawingml/2006/chart" xmlns:a="http://schemas.openxmlformats.org/drawingml/2006/main" xmlns:dgm="http://schemas.openxmlformats.org/drawingml/2006/diagram" xmlns:dsp="http://schemas.microsoft.com/office/drawing/2008/diagram" xmlns:p="http://schemas.openxmlformats.org/presentationml/2006/main">
+<p:notesMaster xmlns:a="http://schemas.openxmlformats.org/drawingml/2006/main" xmlns:r="http://schemas.openxmlformats.org/officeDocument/2006/relationships" xmlns:p="http://schemas.openxmlformats.org/presentationml/2006/main">
   <p:cSld>
     <p:bg>
       <p:bgRef idx="1001">
@@ -362,7 +375,7 @@
             <a:spLocks noGrp="1"/>
           </p:cNvSpPr>
           <p:nvPr>
-            <p:ph type="hdr" sz="quarter" idx="0"/>
+            <p:ph type="hdr" sz="quarter"/>
           </p:nvPr>
         </p:nvSpPr>
         <p:spPr>
@@ -388,10 +401,6 @@
             <a:pPr lvl="0">
               <a:defRPr/>
             </a:pPr>
-            <a:r>
-              <a:rPr lang="ko-KR" altLang="en-US"/>
-              <a:t/>
-            </a:r>
             <a:endParaRPr lang="ko-KR" altLang="en-US"/>
           </a:p>
         </p:txBody>
@@ -434,7 +443,7 @@
               <a:pPr lvl="0">
                 <a:defRPr/>
               </a:pPr>
-              <a:t>2025-01-20</a:t>
+              <a:t>2025-01-21</a:t>
             </a:fld>
             <a:endParaRPr lang="ko-KR" altLang="en-US"/>
           </a:p>
@@ -506,7 +515,6 @@
               <a:rPr lang="ko-KR" altLang="en-US"/>
               <a:t>마스터 텍스트 스타일 편집</a:t>
             </a:r>
-            <a:endParaRPr lang="ko-KR" altLang="en-US"/>
           </a:p>
           <a:p>
             <a:pPr lvl="1">
@@ -516,7 +524,6 @@
               <a:rPr lang="ko-KR" altLang="en-US"/>
               <a:t>둘째 수준</a:t>
             </a:r>
-            <a:endParaRPr lang="ko-KR" altLang="en-US"/>
           </a:p>
           <a:p>
             <a:pPr lvl="2">
@@ -526,7 +533,6 @@
               <a:rPr lang="ko-KR" altLang="en-US"/>
               <a:t>셋째 수준</a:t>
             </a:r>
-            <a:endParaRPr lang="ko-KR" altLang="en-US"/>
           </a:p>
           <a:p>
             <a:pPr lvl="3">
@@ -536,7 +542,6 @@
               <a:rPr lang="ko-KR" altLang="en-US"/>
               <a:t>넷째 수준</a:t>
             </a:r>
-            <a:endParaRPr lang="ko-KR" altLang="en-US"/>
           </a:p>
           <a:p>
             <a:pPr lvl="4">
@@ -546,7 +551,6 @@
               <a:rPr lang="ko-KR" altLang="en-US"/>
               <a:t>다섯째 수준</a:t>
             </a:r>
-            <a:endParaRPr lang="ko-KR" altLang="en-US"/>
           </a:p>
         </p:txBody>
       </p:sp>
@@ -627,10 +631,6 @@
             <a:pPr lvl="0">
               <a:defRPr/>
             </a:pPr>
-            <a:r>
-              <a:rPr lang="ko-KR" altLang="en-US"/>
-              <a:t/>
-            </a:r>
             <a:endParaRPr lang="ko-KR" altLang="en-US"/>
           </a:p>
         </p:txBody>
@@ -15217,182 +15217,8 @@
 </p:sld>
 </file>
 
-<file path=ppt/slides/slide10.xml><?xml version="1.0" encoding="utf-8"?>
+<file path=ppt/slides/slide2.xml><?xml version="1.0" encoding="utf-8"?>
 <p:sld xmlns:a="http://schemas.openxmlformats.org/drawingml/2006/main" xmlns:r="http://schemas.openxmlformats.org/officeDocument/2006/relationships" xmlns:p="http://schemas.openxmlformats.org/presentationml/2006/main">
-  <p:cSld>
-    <p:spTree>
-      <p:nvGrpSpPr>
-        <p:cNvPr id="1" name=""/>
-        <p:cNvGrpSpPr/>
-        <p:nvPr/>
-      </p:nvGrpSpPr>
-      <p:grpSpPr>
-        <a:xfrm>
-          <a:off x="0" y="0"/>
-          <a:ext cx="0" cy="0"/>
-          <a:chOff x="0" y="0"/>
-          <a:chExt cx="0" cy="0"/>
-        </a:xfrm>
-      </p:grpSpPr>
-      <p:sp>
-        <p:nvSpPr>
-          <p:cNvPr id="2" name="제목 1">
-            <a:extLst>
-              <a:ext uri="{FF2B5EF4-FFF2-40B4-BE49-F238E27FC236}">
-                <a16:creationId xmlns:a16="http://schemas.microsoft.com/office/drawing/2014/main" id="{89468A2C-6A19-C11C-81E6-EA7C9F5E0681}"/>
-              </a:ext>
-            </a:extLst>
-          </p:cNvPr>
-          <p:cNvSpPr>
-            <a:spLocks noGrp="1"/>
-          </p:cNvSpPr>
-          <p:nvPr>
-            <p:ph type="title"/>
-          </p:nvPr>
-        </p:nvSpPr>
-        <p:spPr/>
-        <p:txBody>
-          <a:bodyPr/>
-          <a:lstStyle/>
-          <a:p>
-            <a:r>
-              <a:rPr lang="en-US" altLang="ko-KR" dirty="0"/>
-              <a:t>6. </a:t>
-            </a:r>
-            <a:r>
-              <a:rPr lang="ko-KR" altLang="en-US" dirty="0"/>
-              <a:t>요구사항 검토 체크리스트</a:t>
-            </a:r>
-          </a:p>
-        </p:txBody>
-      </p:sp>
-      <p:sp>
-        <p:nvSpPr>
-          <p:cNvPr id="3" name="텍스트 개체 틀 2">
-            <a:extLst>
-              <a:ext uri="{FF2B5EF4-FFF2-40B4-BE49-F238E27FC236}">
-                <a16:creationId xmlns:a16="http://schemas.microsoft.com/office/drawing/2014/main" id="{6B27578D-77DB-BD75-A1D0-F41CACC63750}"/>
-              </a:ext>
-            </a:extLst>
-          </p:cNvPr>
-          <p:cNvSpPr>
-            <a:spLocks noGrp="1"/>
-          </p:cNvSpPr>
-          <p:nvPr>
-            <p:ph type="body" sz="quarter" idx="10"/>
-          </p:nvPr>
-        </p:nvSpPr>
-        <p:spPr/>
-        <p:txBody>
-          <a:bodyPr/>
-          <a:lstStyle/>
-          <a:p>
-            <a:endParaRPr lang="ko-KR" altLang="en-US"/>
-          </a:p>
-        </p:txBody>
-      </p:sp>
-    </p:spTree>
-    <p:extLst>
-      <p:ext uri="{BB962C8B-B14F-4D97-AF65-F5344CB8AC3E}">
-        <p14:creationId xmlns:p14="http://schemas.microsoft.com/office/powerpoint/2010/main" val="836117145"/>
-      </p:ext>
-    </p:extLst>
-  </p:cSld>
-  <p:clrMapOvr>
-    <a:masterClrMapping/>
-  </p:clrMapOvr>
-</p:sld>
-</file>
-
-<file path=ppt/slides/slide11.xml><?xml version="1.0" encoding="utf-8"?>
-<p:sld xmlns:a="http://schemas.openxmlformats.org/drawingml/2006/main" xmlns:r="http://schemas.openxmlformats.org/officeDocument/2006/relationships" xmlns:p="http://schemas.openxmlformats.org/presentationml/2006/main">
-  <p:cSld>
-    <p:spTree>
-      <p:nvGrpSpPr>
-        <p:cNvPr id="1" name=""/>
-        <p:cNvGrpSpPr/>
-        <p:nvPr/>
-      </p:nvGrpSpPr>
-      <p:grpSpPr>
-        <a:xfrm>
-          <a:off x="0" y="0"/>
-          <a:ext cx="0" cy="0"/>
-          <a:chOff x="0" y="0"/>
-          <a:chExt cx="0" cy="0"/>
-        </a:xfrm>
-      </p:grpSpPr>
-      <p:sp>
-        <p:nvSpPr>
-          <p:cNvPr id="2" name="제목 1">
-            <a:extLst>
-              <a:ext uri="{FF2B5EF4-FFF2-40B4-BE49-F238E27FC236}">
-                <a16:creationId xmlns:a16="http://schemas.microsoft.com/office/drawing/2014/main" id="{8415BE52-74A9-6CE6-241C-41221B52733B}"/>
-              </a:ext>
-            </a:extLst>
-          </p:cNvPr>
-          <p:cNvSpPr>
-            <a:spLocks noGrp="1"/>
-          </p:cNvSpPr>
-          <p:nvPr>
-            <p:ph type="title"/>
-          </p:nvPr>
-        </p:nvSpPr>
-        <p:spPr/>
-        <p:txBody>
-          <a:bodyPr/>
-          <a:lstStyle/>
-          <a:p>
-            <a:r>
-              <a:rPr lang="en-US" altLang="ko-KR" dirty="0"/>
-              <a:t>7. </a:t>
-            </a:r>
-            <a:r>
-              <a:rPr lang="ko-KR" altLang="en-US" dirty="0"/>
-              <a:t>요구사항 검토 결과</a:t>
-            </a:r>
-          </a:p>
-        </p:txBody>
-      </p:sp>
-      <p:sp>
-        <p:nvSpPr>
-          <p:cNvPr id="3" name="텍스트 개체 틀 2">
-            <a:extLst>
-              <a:ext uri="{FF2B5EF4-FFF2-40B4-BE49-F238E27FC236}">
-                <a16:creationId xmlns:a16="http://schemas.microsoft.com/office/drawing/2014/main" id="{DA30BADA-989E-6918-B592-3555A2D1C1A3}"/>
-              </a:ext>
-            </a:extLst>
-          </p:cNvPr>
-          <p:cNvSpPr>
-            <a:spLocks noGrp="1"/>
-          </p:cNvSpPr>
-          <p:nvPr>
-            <p:ph type="body" sz="quarter" idx="10"/>
-          </p:nvPr>
-        </p:nvSpPr>
-        <p:spPr/>
-        <p:txBody>
-          <a:bodyPr/>
-          <a:lstStyle/>
-          <a:p>
-            <a:endParaRPr lang="ko-KR" altLang="en-US"/>
-          </a:p>
-        </p:txBody>
-      </p:sp>
-    </p:spTree>
-    <p:extLst>
-      <p:ext uri="{BB962C8B-B14F-4D97-AF65-F5344CB8AC3E}">
-        <p14:creationId xmlns:p14="http://schemas.microsoft.com/office/powerpoint/2010/main" val="2126507577"/>
-      </p:ext>
-    </p:extLst>
-  </p:cSld>
-  <p:clrMapOvr>
-    <a:masterClrMapping/>
-  </p:clrMapOvr>
-</p:sld>
-</file>
-
-<file path=ppt/slides/slide2.xml><?xml version="1.0" encoding="utf-8"?>
-<p:sld xmlns:r="http://schemas.openxmlformats.org/officeDocument/2006/relationships" xmlns:c="http://schemas.openxmlformats.org/drawingml/2006/chart" xmlns:a="http://schemas.openxmlformats.org/drawingml/2006/main" xmlns:dgm="http://schemas.openxmlformats.org/drawingml/2006/diagram" xmlns:dsp="http://schemas.microsoft.com/office/drawing/2008/diagram" xmlns:p="http://schemas.openxmlformats.org/presentationml/2006/main">
   <p:cSld>
     <p:spTree>
       <p:nvGrpSpPr>
@@ -15415,7 +15241,7 @@
             <a:spLocks noGrp="1"/>
           </p:cNvSpPr>
           <p:nvPr>
-            <p:ph type="title" idx="0"/>
+            <p:ph type="title"/>
           </p:nvPr>
         </p:nvSpPr>
         <p:spPr/>
@@ -15442,7 +15268,6 @@
               <a:rPr lang="ko-KR" altLang="en-US"/>
               <a:t>이해관계자 식별 및 우선순위</a:t>
             </a:r>
-            <a:endParaRPr lang="ko-KR" altLang="en-US"/>
           </a:p>
         </p:txBody>
       </p:sp>
@@ -15477,7 +15302,6 @@
               <a:rPr lang="en-US" altLang="ko-KR" sz="1900"/>
               <a:t>?</a:t>
             </a:r>
-            <a:endParaRPr lang="en-US" altLang="ko-KR" sz="1900"/>
           </a:p>
           <a:p>
             <a:pPr lvl="1">
@@ -15495,7 +15319,6 @@
               <a:rPr lang="ko-KR" altLang="en-US" sz="1500"/>
               <a:t>상</a:t>
             </a:r>
-            <a:endParaRPr lang="ko-KR" altLang="en-US" sz="1500"/>
           </a:p>
           <a:p>
             <a:pPr lvl="0">
@@ -15509,7 +15332,6 @@
               <a:rPr lang="en-US" altLang="ko-KR" sz="1900"/>
               <a:t>?</a:t>
             </a:r>
-            <a:endParaRPr lang="en-US" altLang="ko-KR" sz="1900"/>
           </a:p>
           <a:p>
             <a:pPr lvl="1">
@@ -15527,7 +15349,6 @@
               <a:rPr lang="ko-KR" altLang="en-US" sz="1500"/>
               <a:t>상</a:t>
             </a:r>
-            <a:endParaRPr lang="ko-KR" altLang="en-US" sz="1500"/>
           </a:p>
           <a:p>
             <a:pPr lvl="0">
@@ -15541,7 +15362,6 @@
               <a:rPr lang="en-US" altLang="ko-KR" sz="1900"/>
               <a:t>?</a:t>
             </a:r>
-            <a:endParaRPr lang="en-US" altLang="ko-KR" sz="1900"/>
           </a:p>
           <a:p>
             <a:pPr lvl="1">
@@ -15559,7 +15379,6 @@
               <a:rPr lang="ko-KR" altLang="en-US" sz="1500"/>
               <a:t>하</a:t>
             </a:r>
-            <a:endParaRPr lang="ko-KR" altLang="en-US" sz="1500"/>
           </a:p>
           <a:p>
             <a:pPr lvl="1">
@@ -15577,7 +15396,6 @@
               <a:rPr lang="ko-KR" altLang="en-US" sz="1500"/>
               <a:t>상</a:t>
             </a:r>
-            <a:endParaRPr lang="ko-KR" altLang="en-US" sz="1500"/>
           </a:p>
           <a:p>
             <a:pPr lvl="0">
@@ -15591,7 +15409,6 @@
               <a:rPr lang="en-US" altLang="ko-KR" sz="1900"/>
               <a:t>?</a:t>
             </a:r>
-            <a:endParaRPr lang="en-US" altLang="ko-KR" sz="1900"/>
           </a:p>
           <a:p>
             <a:pPr lvl="1">
@@ -15617,7 +15434,6 @@
               <a:rPr lang="ko-KR" altLang="en-US" sz="1500"/>
               <a:t>중</a:t>
             </a:r>
-            <a:endParaRPr lang="ko-KR" altLang="en-US" sz="1500"/>
           </a:p>
           <a:p>
             <a:pPr lvl="0">
@@ -15631,7 +15447,6 @@
               <a:rPr lang="en-US" altLang="ko-KR" sz="1900"/>
               <a:t>?</a:t>
             </a:r>
-            <a:endParaRPr lang="en-US" altLang="ko-KR" sz="1900"/>
           </a:p>
           <a:p>
             <a:pPr lvl="1">
@@ -15649,7 +15464,6 @@
               <a:rPr lang="ko-KR" altLang="en-US" sz="1500"/>
               <a:t>하</a:t>
             </a:r>
-            <a:endParaRPr lang="ko-KR" altLang="en-US" sz="1500"/>
           </a:p>
           <a:p>
             <a:pPr lvl="0">
@@ -15664,11 +15478,11 @@
   <p:clrMapOvr>
     <a:masterClrMapping/>
   </p:clrMapOvr>
-  <mc:AlternateContent xmlns:mc="http://schemas.openxmlformats.org/markup-compatibility/2006">
-    <mc:Choice xmlns:p14="http://schemas.microsoft.com/office/powerpoint/2010/main" Requires="p14">
-      <p:transition xmlns:mc="http://schemas.openxmlformats.org/markup-compatibility/2006" xmlns:p14="http://schemas.microsoft.com/office/powerpoint/2010/main" mc:Ignorable="p14" p14:dur="500"/>
+  <mc:AlternateContent xmlns:mc="http://schemas.openxmlformats.org/markup-compatibility/2006" xmlns:p14="http://schemas.microsoft.com/office/powerpoint/2010/main">
+    <mc:Choice Requires="p14">
+      <p:transition/>
     </mc:Choice>
-    <mc:Fallback>
+    <mc:Fallback xmlns:dsp="http://schemas.microsoft.com/office/drawing/2008/diagram" xmlns:dgm="http://schemas.openxmlformats.org/drawingml/2006/diagram" xmlns:c="http://schemas.openxmlformats.org/drawingml/2006/chart" xmlns="">
       <p:transition/>
     </mc:Fallback>
   </mc:AlternateContent>
@@ -15676,7 +15490,7 @@
 </file>
 
 <file path=ppt/slides/slide3.xml><?xml version="1.0" encoding="utf-8"?>
-<p:sld xmlns:r="http://schemas.openxmlformats.org/officeDocument/2006/relationships" xmlns:c="http://schemas.openxmlformats.org/drawingml/2006/chart" xmlns:a="http://schemas.openxmlformats.org/drawingml/2006/main" xmlns:dgm="http://schemas.openxmlformats.org/drawingml/2006/diagram" xmlns:dsp="http://schemas.microsoft.com/office/drawing/2008/diagram" xmlns:p="http://schemas.openxmlformats.org/presentationml/2006/main">
+<p:sld xmlns:a="http://schemas.openxmlformats.org/drawingml/2006/main" xmlns:r="http://schemas.openxmlformats.org/officeDocument/2006/relationships" xmlns:p="http://schemas.openxmlformats.org/presentationml/2006/main">
   <p:cSld>
     <p:spTree>
       <p:nvGrpSpPr>
@@ -15699,7 +15513,7 @@
             <a:spLocks noGrp="1"/>
           </p:cNvSpPr>
           <p:nvPr>
-            <p:ph type="title" idx="0"/>
+            <p:ph type="title"/>
           </p:nvPr>
         </p:nvSpPr>
         <p:spPr/>
@@ -15726,7 +15540,6 @@
               <a:rPr lang="ko-KR" altLang="en-US"/>
               <a:t>이해관계자 식별 및 우선순위</a:t>
             </a:r>
-            <a:endParaRPr lang="ko-KR" altLang="en-US"/>
           </a:p>
         </p:txBody>
       </p:sp>
@@ -15761,7 +15574,6 @@
               <a:rPr lang="en-US" altLang="ko-KR"/>
               <a:t>?</a:t>
             </a:r>
-            <a:endParaRPr lang="en-US" altLang="ko-KR"/>
           </a:p>
           <a:p>
             <a:pPr lvl="1">
@@ -15795,7 +15607,6 @@
               <a:rPr lang="ko-KR" altLang="en-US"/>
               <a:t>상</a:t>
             </a:r>
-            <a:endParaRPr lang="ko-KR" altLang="en-US"/>
           </a:p>
           <a:p>
             <a:pPr lvl="1">
@@ -15829,7 +15640,6 @@
               <a:rPr lang="ko-KR" altLang="en-US"/>
               <a:t>상</a:t>
             </a:r>
-            <a:endParaRPr lang="ko-KR" altLang="en-US"/>
           </a:p>
           <a:p>
             <a:pPr lvl="0">
@@ -15843,7 +15653,6 @@
               <a:rPr lang="en-US" altLang="ko-KR"/>
               <a:t>?</a:t>
             </a:r>
-            <a:endParaRPr lang="en-US" altLang="ko-KR"/>
           </a:p>
           <a:p>
             <a:pPr lvl="1">
@@ -15861,7 +15670,6 @@
               <a:rPr lang="ko-KR" altLang="en-US"/>
               <a:t>상</a:t>
             </a:r>
-            <a:endParaRPr lang="ko-KR" altLang="en-US"/>
           </a:p>
           <a:p>
             <a:pPr lvl="0">
@@ -15875,7 +15683,6 @@
               <a:rPr lang="en-US" altLang="ko-KR"/>
               <a:t>?</a:t>
             </a:r>
-            <a:endParaRPr lang="en-US" altLang="ko-KR"/>
           </a:p>
           <a:p>
             <a:pPr lvl="1">
@@ -15893,7 +15700,6 @@
               <a:rPr lang="ko-KR" altLang="en-US"/>
               <a:t>상</a:t>
             </a:r>
-            <a:endParaRPr lang="ko-KR" altLang="en-US"/>
           </a:p>
           <a:p>
             <a:pPr lvl="1">
@@ -15911,7 +15717,6 @@
               <a:rPr lang="ko-KR" altLang="en-US"/>
               <a:t>상</a:t>
             </a:r>
-            <a:endParaRPr lang="ko-KR" altLang="en-US"/>
           </a:p>
           <a:p>
             <a:pPr lvl="1">
@@ -15929,7 +15734,6 @@
               <a:rPr lang="ko-KR" altLang="en-US"/>
               <a:t>중</a:t>
             </a:r>
-            <a:endParaRPr lang="ko-KR" altLang="en-US"/>
           </a:p>
           <a:p>
             <a:pPr lvl="1">
@@ -15944,11 +15748,11 @@
   <p:clrMapOvr>
     <a:masterClrMapping/>
   </p:clrMapOvr>
-  <mc:AlternateContent xmlns:mc="http://schemas.openxmlformats.org/markup-compatibility/2006">
-    <mc:Choice xmlns:p14="http://schemas.microsoft.com/office/powerpoint/2010/main" Requires="p14">
-      <p:transition xmlns:mc="http://schemas.openxmlformats.org/markup-compatibility/2006" xmlns:p14="http://schemas.microsoft.com/office/powerpoint/2010/main" mc:Ignorable="p14" p14:dur="500"/>
+  <mc:AlternateContent xmlns:mc="http://schemas.openxmlformats.org/markup-compatibility/2006" xmlns:p14="http://schemas.microsoft.com/office/powerpoint/2010/main">
+    <mc:Choice Requires="p14">
+      <p:transition/>
     </mc:Choice>
-    <mc:Fallback>
+    <mc:Fallback xmlns:dsp="http://schemas.microsoft.com/office/drawing/2008/diagram" xmlns:dgm="http://schemas.openxmlformats.org/drawingml/2006/diagram" xmlns:c="http://schemas.openxmlformats.org/drawingml/2006/chart" xmlns="">
       <p:transition/>
     </mc:Fallback>
   </mc:AlternateContent>
@@ -15956,7 +15760,7 @@
 </file>
 
 <file path=ppt/slides/slide4.xml><?xml version="1.0" encoding="utf-8"?>
-<p:sld xmlns:r="http://schemas.openxmlformats.org/officeDocument/2006/relationships" xmlns:c="http://schemas.openxmlformats.org/drawingml/2006/chart" xmlns:a="http://schemas.openxmlformats.org/drawingml/2006/main" xmlns:dgm="http://schemas.openxmlformats.org/drawingml/2006/diagram" xmlns:dsp="http://schemas.microsoft.com/office/drawing/2008/diagram" xmlns:p="http://schemas.openxmlformats.org/presentationml/2006/main">
+<p:sld xmlns:a="http://schemas.openxmlformats.org/drawingml/2006/main" xmlns:r="http://schemas.openxmlformats.org/officeDocument/2006/relationships" xmlns:p="http://schemas.openxmlformats.org/presentationml/2006/main">
   <p:cSld>
     <p:spTree>
       <p:nvGrpSpPr>
@@ -15979,7 +15783,7 @@
             <a:spLocks noGrp="1"/>
           </p:cNvSpPr>
           <p:nvPr>
-            <p:ph type="title" idx="0"/>
+            <p:ph type="title"/>
           </p:nvPr>
         </p:nvSpPr>
         <p:spPr/>
@@ -16006,7 +15810,6 @@
               <a:rPr lang="ko-KR" altLang="en-US"/>
               <a:t>이해관계자 요구사항 추출</a:t>
             </a:r>
-            <a:endParaRPr lang="ko-KR" altLang="en-US"/>
           </a:p>
         </p:txBody>
       </p:sp>
@@ -16029,18 +15832,61 @@
                 <a:tableStyleId>{2D5ABB26-0587-4C30-8999-92F81FD0307C}</a:tableStyleId>
               </a:tblPr>
               <a:tblGrid>
-                <a:gridCol w="780934"/>
-                <a:gridCol w="668891"/>
-                <a:gridCol w="1910636"/>
-                <a:gridCol w="1719403"/>
-                <a:gridCol w="1814597"/>
-                <a:gridCol w="3152379"/>
-                <a:gridCol w="715225"/>
+                <a:gridCol w="780934">
+                  <a:extLst>
+                    <a:ext uri="{9D8B030D-6E8A-4147-A177-3AD203B41FA5}">
+                      <a16:colId xmlns:a16="http://schemas.microsoft.com/office/drawing/2014/main" val="20000"/>
+                    </a:ext>
+                  </a:extLst>
+                </a:gridCol>
+                <a:gridCol w="668891">
+                  <a:extLst>
+                    <a:ext uri="{9D8B030D-6E8A-4147-A177-3AD203B41FA5}">
+                      <a16:colId xmlns:a16="http://schemas.microsoft.com/office/drawing/2014/main" val="20001"/>
+                    </a:ext>
+                  </a:extLst>
+                </a:gridCol>
+                <a:gridCol w="1910636">
+                  <a:extLst>
+                    <a:ext uri="{9D8B030D-6E8A-4147-A177-3AD203B41FA5}">
+                      <a16:colId xmlns:a16="http://schemas.microsoft.com/office/drawing/2014/main" val="20002"/>
+                    </a:ext>
+                  </a:extLst>
+                </a:gridCol>
+                <a:gridCol w="1719403">
+                  <a:extLst>
+                    <a:ext uri="{9D8B030D-6E8A-4147-A177-3AD203B41FA5}">
+                      <a16:colId xmlns:a16="http://schemas.microsoft.com/office/drawing/2014/main" val="20003"/>
+                    </a:ext>
+                  </a:extLst>
+                </a:gridCol>
+                <a:gridCol w="1814597">
+                  <a:extLst>
+                    <a:ext uri="{9D8B030D-6E8A-4147-A177-3AD203B41FA5}">
+                      <a16:colId xmlns:a16="http://schemas.microsoft.com/office/drawing/2014/main" val="20004"/>
+                    </a:ext>
+                  </a:extLst>
+                </a:gridCol>
+                <a:gridCol w="3152379">
+                  <a:extLst>
+                    <a:ext uri="{9D8B030D-6E8A-4147-A177-3AD203B41FA5}">
+                      <a16:colId xmlns:a16="http://schemas.microsoft.com/office/drawing/2014/main" val="20005"/>
+                    </a:ext>
+                  </a:extLst>
+                </a:gridCol>
+                <a:gridCol w="715225">
+                  <a:extLst>
+                    <a:ext uri="{9D8B030D-6E8A-4147-A177-3AD203B41FA5}">
+                      <a16:colId xmlns:a16="http://schemas.microsoft.com/office/drawing/2014/main" val="20006"/>
+                    </a:ext>
+                  </a:extLst>
+                </a:gridCol>
               </a:tblGrid>
               <a:tr h="396240">
                 <a:tc>
                   <a:txBody>
-                    <a:bodyPr vert="horz" lIns="0" tIns="36000" rIns="0" bIns="0" anchor="t" anchorCtr="0"/>
+                    <a:bodyPr/>
+                    <a:lstStyle/>
                     <a:p>
                       <a:pPr marL="90805" marR="107950">
                         <a:lnSpc>
@@ -16054,7 +15900,7 @@
                       <a:r>
                         <a:rPr sz="1100" b="1">
                           <a:solidFill>
-                            <a:srgbClr val="ffffff"/>
+                            <a:srgbClr val="FFFFFF"/>
                           </a:solidFill>
                           <a:latin typeface="나눔바른고딕"/>
                           <a:ea typeface="나눔바른고딕"/>
@@ -16065,7 +15911,7 @@
                       <a:r>
                         <a:rPr sz="1100" b="1" spc="5">
                           <a:solidFill>
-                            <a:srgbClr val="ffffff"/>
+                            <a:srgbClr val="FFFFFF"/>
                           </a:solidFill>
                           <a:latin typeface="나눔바른고딕"/>
                           <a:ea typeface="나눔바른고딕"/>
@@ -16076,7 +15922,7 @@
                       <a:r>
                         <a:rPr sz="1100" b="1">
                           <a:solidFill>
-                            <a:srgbClr val="ffffff"/>
+                            <a:srgbClr val="FFFFFF"/>
                           </a:solidFill>
                           <a:latin typeface="나눔바른고딕"/>
                           <a:ea typeface="나눔바른고딕"/>
@@ -16129,13 +15975,14 @@
                       <a:tailEnd w="med" len="med"/>
                     </a:lnB>
                     <a:solidFill>
-                      <a:srgbClr val="1d6fa9"/>
+                      <a:srgbClr val="1D6FA9"/>
                     </a:solidFill>
                   </a:tcPr>
                 </a:tc>
                 <a:tc>
                   <a:txBody>
-                    <a:bodyPr vert="horz" lIns="0" tIns="36000" rIns="0" bIns="0" anchor="t" anchorCtr="0"/>
+                    <a:bodyPr/>
+                    <a:lstStyle/>
                     <a:p>
                       <a:pPr marL="90805" marR="150495">
                         <a:lnSpc>
@@ -16149,7 +15996,7 @@
                       <a:r>
                         <a:rPr sz="1100" b="1">
                           <a:solidFill>
-                            <a:srgbClr val="ffffff"/>
+                            <a:srgbClr val="FFFFFF"/>
                           </a:solidFill>
                           <a:latin typeface="나눔바른고딕"/>
                           <a:ea typeface="나눔바른고딕"/>
@@ -16202,13 +16049,14 @@
                       <a:tailEnd w="med" len="med"/>
                     </a:lnB>
                     <a:solidFill>
-                      <a:srgbClr val="1d6fa9"/>
+                      <a:srgbClr val="1D6FA9"/>
                     </a:solidFill>
                   </a:tcPr>
                 </a:tc>
                 <a:tc>
                   <a:txBody>
-                    <a:bodyPr vert="horz" lIns="0" tIns="36000" rIns="0" bIns="0" anchor="t" anchorCtr="0"/>
+                    <a:bodyPr/>
+                    <a:lstStyle/>
                     <a:p>
                       <a:pPr marL="90805">
                         <a:lnSpc>
@@ -16222,7 +16070,7 @@
                       <a:r>
                         <a:rPr sz="1100" b="1">
                           <a:solidFill>
-                            <a:srgbClr val="ffffff"/>
+                            <a:srgbClr val="FFFFFF"/>
                           </a:solidFill>
                           <a:latin typeface="나눔바른고딕"/>
                           <a:ea typeface="나눔바른고딕"/>
@@ -16233,7 +16081,7 @@
                       <a:r>
                         <a:rPr sz="1100" b="1" spc="-60">
                           <a:solidFill>
-                            <a:srgbClr val="ffffff"/>
+                            <a:srgbClr val="FFFFFF"/>
                           </a:solidFill>
                           <a:latin typeface="나눔바른고딕"/>
                           <a:ea typeface="나눔바른고딕"/>
@@ -16244,7 +16092,7 @@
                       <a:r>
                         <a:rPr sz="1100" b="1">
                           <a:solidFill>
-                            <a:srgbClr val="ffffff"/>
+                            <a:srgbClr val="FFFFFF"/>
                           </a:solidFill>
                           <a:latin typeface="나눔바른고딕"/>
                           <a:ea typeface="나눔바른고딕"/>
@@ -16297,13 +16145,14 @@
                       <a:tailEnd w="med" len="med"/>
                     </a:lnB>
                     <a:solidFill>
-                      <a:srgbClr val="1d6fa9"/>
+                      <a:srgbClr val="1D6FA9"/>
                     </a:solidFill>
                   </a:tcPr>
                 </a:tc>
                 <a:tc>
                   <a:txBody>
-                    <a:bodyPr vert="horz" lIns="0" tIns="36000" rIns="0" bIns="0" anchor="t" anchorCtr="0"/>
+                    <a:bodyPr/>
+                    <a:lstStyle/>
                     <a:p>
                       <a:pPr marL="91440" marR="34290">
                         <a:lnSpc>
@@ -16317,7 +16166,7 @@
                       <a:r>
                         <a:rPr sz="1100" b="1">
                           <a:solidFill>
-                            <a:srgbClr val="ffffff"/>
+                            <a:srgbClr val="FFFFFF"/>
                           </a:solidFill>
                           <a:latin typeface="나눔바른고딕"/>
                           <a:ea typeface="나눔바른고딕"/>
@@ -16328,7 +16177,7 @@
                       <a:r>
                         <a:rPr sz="1100" b="1" spc="5">
                           <a:solidFill>
-                            <a:srgbClr val="ffffff"/>
+                            <a:srgbClr val="FFFFFF"/>
                           </a:solidFill>
                           <a:latin typeface="나눔바른고딕"/>
                           <a:ea typeface="나눔바른고딕"/>
@@ -16339,7 +16188,7 @@
                       <a:r>
                         <a:rPr sz="1100" b="1">
                           <a:solidFill>
-                            <a:srgbClr val="ffffff"/>
+                            <a:srgbClr val="FFFFFF"/>
                           </a:solidFill>
                           <a:latin typeface="나눔바른고딕"/>
                           <a:ea typeface="나눔바른고딕"/>
@@ -16350,7 +16199,7 @@
                       <a:r>
                         <a:rPr sz="1100" b="1" spc="-55">
                           <a:solidFill>
-                            <a:srgbClr val="ffffff"/>
+                            <a:srgbClr val="FFFFFF"/>
                           </a:solidFill>
                           <a:latin typeface="나눔바른고딕"/>
                           <a:ea typeface="나눔바른고딕"/>
@@ -16361,7 +16210,7 @@
                       <a:r>
                         <a:rPr sz="1100" b="1">
                           <a:solidFill>
-                            <a:srgbClr val="ffffff"/>
+                            <a:srgbClr val="FFFFFF"/>
                           </a:solidFill>
                           <a:latin typeface="나눔바른고딕"/>
                           <a:ea typeface="나눔바른고딕"/>
@@ -16372,7 +16221,7 @@
                       <a:r>
                         <a:rPr sz="1100" b="1" spc="-55">
                           <a:solidFill>
-                            <a:srgbClr val="ffffff"/>
+                            <a:srgbClr val="FFFFFF"/>
                           </a:solidFill>
                           <a:latin typeface="나눔바른고딕"/>
                           <a:ea typeface="나눔바른고딕"/>
@@ -16383,7 +16232,7 @@
                       <a:r>
                         <a:rPr sz="1100" b="1">
                           <a:solidFill>
-                            <a:srgbClr val="ffffff"/>
+                            <a:srgbClr val="FFFFFF"/>
                           </a:solidFill>
                           <a:latin typeface="나눔바른고딕"/>
                           <a:ea typeface="나눔바른고딕"/>
@@ -16436,13 +16285,14 @@
                       <a:tailEnd w="med" len="med"/>
                     </a:lnB>
                     <a:solidFill>
-                      <a:srgbClr val="1d6fa9"/>
+                      <a:srgbClr val="1D6FA9"/>
                     </a:solidFill>
                   </a:tcPr>
                 </a:tc>
                 <a:tc>
                   <a:txBody>
-                    <a:bodyPr vert="horz" lIns="0" tIns="36000" rIns="0" bIns="0" anchor="t" anchorCtr="0"/>
+                    <a:bodyPr/>
+                    <a:lstStyle/>
                     <a:p>
                       <a:pPr marL="90805" marR="208279">
                         <a:lnSpc>
@@ -16456,7 +16306,7 @@
                       <a:r>
                         <a:rPr sz="1100" b="1">
                           <a:solidFill>
-                            <a:srgbClr val="ffffff"/>
+                            <a:srgbClr val="FFFFFF"/>
                           </a:solidFill>
                           <a:latin typeface="나눔바른고딕"/>
                           <a:ea typeface="나눔바른고딕"/>
@@ -16467,7 +16317,7 @@
                       <a:r>
                         <a:rPr sz="1100" b="1" spc="-5">
                           <a:solidFill>
-                            <a:srgbClr val="ffffff"/>
+                            <a:srgbClr val="FFFFFF"/>
                           </a:solidFill>
                           <a:latin typeface="나눔바른고딕"/>
                           <a:ea typeface="나눔바른고딕"/>
@@ -16478,7 +16328,7 @@
                       <a:r>
                         <a:rPr sz="1100" b="1">
                           <a:solidFill>
-                            <a:srgbClr val="ffffff"/>
+                            <a:srgbClr val="FFFFFF"/>
                           </a:solidFill>
                           <a:latin typeface="나눔바른고딕"/>
                           <a:ea typeface="나눔바른고딕"/>
@@ -16489,7 +16339,7 @@
                       <a:r>
                         <a:rPr sz="1100" b="1" spc="-25">
                           <a:solidFill>
-                            <a:srgbClr val="ffffff"/>
+                            <a:srgbClr val="FFFFFF"/>
                           </a:solidFill>
                           <a:latin typeface="나눔바른고딕"/>
                           <a:ea typeface="나눔바른고딕"/>
@@ -16500,7 +16350,7 @@
                       <a:r>
                         <a:rPr sz="1100" b="1">
                           <a:solidFill>
-                            <a:srgbClr val="ffffff"/>
+                            <a:srgbClr val="FFFFFF"/>
                           </a:solidFill>
                           <a:latin typeface="나눔바른고딕"/>
                           <a:ea typeface="나눔바른고딕"/>
@@ -16553,13 +16403,14 @@
                       <a:tailEnd w="med" len="med"/>
                     </a:lnB>
                     <a:solidFill>
-                      <a:srgbClr val="1d6fa9"/>
+                      <a:srgbClr val="1D6FA9"/>
                     </a:solidFill>
                   </a:tcPr>
                 </a:tc>
                 <a:tc>
                   <a:txBody>
-                    <a:bodyPr vert="horz" lIns="0" tIns="36000" rIns="0" bIns="0" anchor="t" anchorCtr="0"/>
+                    <a:bodyPr/>
+                    <a:lstStyle/>
                     <a:p>
                       <a:pPr marL="90805">
                         <a:lnSpc>
@@ -16573,7 +16424,7 @@
                       <a:r>
                         <a:rPr sz="1100" b="1">
                           <a:solidFill>
-                            <a:srgbClr val="ffffff"/>
+                            <a:srgbClr val="FFFFFF"/>
                           </a:solidFill>
                           <a:latin typeface="나눔바른고딕"/>
                           <a:ea typeface="나눔바른고딕"/>
@@ -16584,7 +16435,7 @@
                       <a:r>
                         <a:rPr sz="1100" b="1" spc="-60">
                           <a:solidFill>
-                            <a:srgbClr val="ffffff"/>
+                            <a:srgbClr val="FFFFFF"/>
                           </a:solidFill>
                           <a:latin typeface="나눔바른고딕"/>
                           <a:ea typeface="나눔바른고딕"/>
@@ -16595,7 +16446,7 @@
                       <a:r>
                         <a:rPr sz="1100" b="1">
                           <a:solidFill>
-                            <a:srgbClr val="ffffff"/>
+                            <a:srgbClr val="FFFFFF"/>
                           </a:solidFill>
                           <a:latin typeface="나눔바른고딕"/>
                           <a:ea typeface="나눔바른고딕"/>
@@ -16648,13 +16499,14 @@
                       <a:tailEnd w="med" len="med"/>
                     </a:lnB>
                     <a:solidFill>
-                      <a:srgbClr val="1d6fa9"/>
+                      <a:srgbClr val="1D6FA9"/>
                     </a:solidFill>
                   </a:tcPr>
                 </a:tc>
                 <a:tc>
                   <a:txBody>
-                    <a:bodyPr vert="horz" lIns="0" tIns="36000" rIns="0" bIns="0" anchor="t" anchorCtr="0"/>
+                    <a:bodyPr/>
+                    <a:lstStyle/>
                     <a:p>
                       <a:pPr marL="90805" marR="186055">
                         <a:lnSpc>
@@ -16668,7 +16520,7 @@
                       <a:r>
                         <a:rPr sz="1100" b="1">
                           <a:solidFill>
-                            <a:srgbClr val="ffffff"/>
+                            <a:srgbClr val="FFFFFF"/>
                           </a:solidFill>
                           <a:latin typeface="나눔바른고딕"/>
                           <a:ea typeface="나눔바른고딕"/>
@@ -16721,15 +16573,21 @@
                       <a:tailEnd w="med" len="med"/>
                     </a:lnB>
                     <a:solidFill>
-                      <a:srgbClr val="1d6fa9"/>
+                      <a:srgbClr val="1D6FA9"/>
                     </a:solidFill>
                   </a:tcPr>
                 </a:tc>
+                <a:extLst>
+                  <a:ext uri="{0D108BD9-81ED-4DB2-BD59-A6C34878D82A}">
+                    <a16:rowId xmlns:a16="http://schemas.microsoft.com/office/drawing/2014/main" val="10000"/>
+                  </a:ext>
+                </a:extLst>
               </a:tr>
               <a:tr h="853440">
                 <a:tc>
                   <a:txBody>
-                    <a:bodyPr vert="horz" lIns="0" tIns="36000" rIns="0" bIns="0" anchor="t" anchorCtr="0"/>
+                    <a:bodyPr/>
+                    <a:lstStyle/>
                     <a:p>
                       <a:pPr marL="90805" marR="117475">
                         <a:lnSpc>
@@ -16740,7 +16598,7 @@
                       <a:r>
                         <a:rPr lang="ko-KR" altLang="en-US" sz="1100" spc="0" baseline="0">
                           <a:solidFill>
-                            <a:srgbClr val="7f7f7f"/>
+                            <a:srgbClr val="7F7F7F"/>
                           </a:solidFill>
                           <a:latin typeface="나눔바른고딕"/>
                           <a:ea typeface="나눔바른고딕"/>
@@ -16748,14 +16606,6 @@
                         </a:rPr>
                         <a:t>자녀를 둔 운전자</a:t>
                       </a:r>
-                      <a:endParaRPr lang="ko-KR" altLang="en-US" sz="1100" spc="0" baseline="0">
-                        <a:solidFill>
-                          <a:srgbClr val="7f7f7f"/>
-                        </a:solidFill>
-                        <a:latin typeface="나눔바른고딕"/>
-                        <a:ea typeface="나눔바른고딕"/>
-                        <a:cs typeface="맑은 고딕"/>
-                      </a:endParaRPr>
                     </a:p>
                   </a:txBody>
                   <a:tcPr marL="0" marR="0" marT="36000" marB="0">
@@ -16799,7 +16649,8 @@
                 </a:tc>
                 <a:tc>
                   <a:txBody>
-                    <a:bodyPr vert="horz" lIns="0" tIns="36000" rIns="0" bIns="0" anchor="t" anchorCtr="0"/>
+                    <a:bodyPr/>
+                    <a:lstStyle/>
                     <a:p>
                       <a:pPr marL="90805" marR="98425">
                         <a:lnSpc>
@@ -16815,11 +16666,6 @@
                         </a:rPr>
                         <a:t>브레인스토밍</a:t>
                       </a:r>
-                      <a:endParaRPr lang="ko-KR" altLang="en-US" sz="1050" spc="0" baseline="0">
-                        <a:latin typeface="나눔바른고딕"/>
-                        <a:ea typeface="나눔바른고딕"/>
-                        <a:cs typeface="Calibri"/>
-                      </a:endParaRPr>
                     </a:p>
                   </a:txBody>
                   <a:tcPr marL="0" marR="0" marT="36000" marB="0">
@@ -16863,7 +16709,8 @@
                 </a:tc>
                 <a:tc>
                   <a:txBody>
-                    <a:bodyPr vert="horz" lIns="0" tIns="36000" rIns="0" bIns="0" anchor="t" anchorCtr="0"/>
+                    <a:bodyPr/>
+                    <a:lstStyle/>
                     <a:p>
                       <a:pPr marL="90805" marR="111760" algn="just">
                         <a:lnSpc>
@@ -16882,7 +16729,6 @@
                         <a:rPr lang="ko-KR" altLang="en-US" sz="1000"/>
                         <a:t>을 하는 것을 자꾸 잊음</a:t>
                       </a:r>
-                      <a:endParaRPr lang="ko-KR" altLang="en-US" sz="1000"/>
                     </a:p>
                   </a:txBody>
                   <a:tcPr marL="0" marR="0" marT="36000" marB="0">
@@ -16926,7 +16772,8 @@
                 </a:tc>
                 <a:tc>
                   <a:txBody>
-                    <a:bodyPr vert="horz" lIns="0" tIns="36000" rIns="0" bIns="0" anchor="t" anchorCtr="0"/>
+                    <a:bodyPr/>
+                    <a:lstStyle/>
                     <a:p>
                       <a:pPr marL="90805" marR="111760" algn="just">
                         <a:lnSpc>
@@ -16945,7 +16792,6 @@
                         <a:rPr lang="ko-KR" altLang="en-US" sz="1000"/>
                         <a:t>을 하는 것을 잊고 차량 주행 중 자녀가 문을 여는 상황 발생</a:t>
                       </a:r>
-                      <a:endParaRPr lang="ko-KR" altLang="en-US" sz="1000"/>
                     </a:p>
                   </a:txBody>
                   <a:tcPr marL="0" marR="0" marT="36000" marB="0">
@@ -16989,7 +16835,8 @@
                 </a:tc>
                 <a:tc>
                   <a:txBody>
-                    <a:bodyPr vert="horz" lIns="0" tIns="36000" rIns="0" bIns="0" anchor="t" anchorCtr="0"/>
+                    <a:bodyPr/>
+                    <a:lstStyle/>
                     <a:p>
                       <a:pPr marL="90805" marR="97155">
                         <a:lnSpc>
@@ -17012,7 +16859,6 @@
                         <a:rPr lang="ko-KR" altLang="en-US" sz="1000"/>
                         <a:t>이 걸렸으면 좋겠음</a:t>
                       </a:r>
-                      <a:endParaRPr lang="ko-KR" altLang="en-US" sz="1000"/>
                     </a:p>
                   </a:txBody>
                   <a:tcPr marL="0" marR="0" marT="36000" marB="0">
@@ -17056,7 +16902,8 @@
                 </a:tc>
                 <a:tc>
                   <a:txBody>
-                    <a:bodyPr vert="horz" lIns="0" tIns="36000" rIns="0" bIns="0" anchor="t" anchorCtr="0"/>
+                    <a:bodyPr/>
+                    <a:lstStyle/>
                     <a:p>
                       <a:pPr marL="90805" marR="99060">
                         <a:lnSpc>
@@ -17087,7 +16934,6 @@
                         <a:rPr lang="ko-KR" altLang="en-US" sz="1000"/>
                         <a:t>단가 상승 방지를 위해 추가적인 센서를 사용하지 않고 차량에 이미 적용된 주행 중 문 닫힘 기능과 연동하여 개발 비용을 최소화 할 수 있음</a:t>
                       </a:r>
-                      <a:endParaRPr lang="ko-KR" altLang="en-US" sz="1000"/>
                     </a:p>
                   </a:txBody>
                   <a:tcPr marL="0" marR="0" marT="36000" marB="0">
@@ -17131,7 +16977,8 @@
                 </a:tc>
                 <a:tc>
                   <a:txBody>
-                    <a:bodyPr vert="horz" lIns="0" tIns="36000" rIns="0" bIns="0" anchor="t" anchorCtr="0"/>
+                    <a:bodyPr/>
+                    <a:lstStyle/>
                     <a:p>
                       <a:pPr>
                         <a:lnSpc>
@@ -17143,7 +16990,6 @@
                         <a:rPr lang="en-US" altLang="ko-KR" sz="1200"/>
                         <a:t>++</a:t>
                       </a:r>
-                      <a:endParaRPr lang="en-US" altLang="ko-KR" sz="1200"/>
                     </a:p>
                   </a:txBody>
                   <a:tcPr marL="0" marR="0" marT="36000" marB="0">
@@ -17185,11 +17031,17 @@
                     </a:lnB>
                   </a:tcPr>
                 </a:tc>
+                <a:extLst>
+                  <a:ext uri="{0D108BD9-81ED-4DB2-BD59-A6C34878D82A}">
+                    <a16:rowId xmlns:a16="http://schemas.microsoft.com/office/drawing/2014/main" val="10001"/>
+                  </a:ext>
+                </a:extLst>
               </a:tr>
               <a:tr h="853440">
                 <a:tc>
                   <a:txBody>
-                    <a:bodyPr vert="horz" lIns="0" tIns="36000" rIns="0" bIns="0" anchor="t" anchorCtr="0"/>
+                    <a:bodyPr/>
+                    <a:lstStyle/>
                     <a:p>
                       <a:pPr marL="90805" marR="117475">
                         <a:lnSpc>
@@ -17200,7 +17052,7 @@
                       <a:r>
                         <a:rPr lang="ko-KR" altLang="en-US" sz="1100" spc="0" baseline="0">
                           <a:solidFill>
-                            <a:srgbClr val="7f7f7f"/>
+                            <a:srgbClr val="7F7F7F"/>
                           </a:solidFill>
                           <a:latin typeface="나눔바른고딕"/>
                           <a:ea typeface="나눔바른고딕"/>
@@ -17211,7 +17063,7 @@
                       <a:r>
                         <a:rPr lang="en-US" altLang="ko-KR" sz="1100" spc="0" baseline="0">
                           <a:solidFill>
-                            <a:srgbClr val="7f7f7f"/>
+                            <a:srgbClr val="7F7F7F"/>
                           </a:solidFill>
                           <a:latin typeface="나눔바른고딕"/>
                           <a:ea typeface="나눔바른고딕"/>
@@ -17219,14 +17071,6 @@
                         </a:rPr>
                         <a:t>OEM</a:t>
                       </a:r>
-                      <a:endParaRPr lang="en-US" altLang="ko-KR" sz="1100" spc="0" baseline="0">
-                        <a:solidFill>
-                          <a:srgbClr val="7f7f7f"/>
-                        </a:solidFill>
-                        <a:latin typeface="나눔바른고딕"/>
-                        <a:ea typeface="나눔바른고딕"/>
-                        <a:cs typeface="맑은 고딕"/>
-                      </a:endParaRPr>
                     </a:p>
                   </a:txBody>
                   <a:tcPr marL="0" marR="0" marT="36000" marB="0">
@@ -17270,7 +17114,8 @@
                 </a:tc>
                 <a:tc>
                   <a:txBody>
-                    <a:bodyPr vert="horz" lIns="0" tIns="36000" rIns="0" bIns="0" anchor="t" anchorCtr="0"/>
+                    <a:bodyPr/>
+                    <a:lstStyle/>
                     <a:p>
                       <a:pPr marL="90805" marR="98425">
                         <a:lnSpc>
@@ -17286,11 +17131,6 @@
                         </a:rPr>
                         <a:t>브레인스토밍</a:t>
                       </a:r>
-                      <a:endParaRPr lang="ko-KR" altLang="en-US" sz="1050" spc="0" baseline="0">
-                        <a:latin typeface="나눔바른고딕"/>
-                        <a:ea typeface="나눔바른고딕"/>
-                        <a:cs typeface="Calibri"/>
-                      </a:endParaRPr>
                     </a:p>
                   </a:txBody>
                   <a:tcPr marL="0" marR="0" marT="36000" marB="0">
@@ -17334,7 +17174,8 @@
                 </a:tc>
                 <a:tc>
                   <a:txBody>
-                    <a:bodyPr vert="horz" lIns="0" tIns="36000" rIns="0" bIns="0" anchor="t" anchorCtr="0"/>
+                    <a:bodyPr/>
+                    <a:lstStyle/>
                     <a:p>
                       <a:pPr marL="90805" marR="92710">
                         <a:lnSpc>
@@ -17357,7 +17198,6 @@
                         <a:rPr lang="ko-KR" altLang="en-US" sz="1000"/>
                         <a:t>대비 높은 가격</a:t>
                       </a:r>
-                      <a:endParaRPr lang="ko-KR" altLang="en-US" sz="1000"/>
                     </a:p>
                   </a:txBody>
                   <a:tcPr marL="0" marR="0" marT="36000" marB="0">
@@ -17401,7 +17241,8 @@
                 </a:tc>
                 <a:tc>
                   <a:txBody>
-                    <a:bodyPr vert="horz" lIns="0" tIns="36000" rIns="0" bIns="0" anchor="t" anchorCtr="0"/>
+                    <a:bodyPr/>
+                    <a:lstStyle/>
                     <a:p>
                       <a:pPr marL="91440" marR="111125" algn="just">
                         <a:lnSpc>
@@ -17413,7 +17254,6 @@
                         <a:rPr lang="ko-KR" altLang="en-US" sz="1000"/>
                         <a:t>자동차 단가 상승으로 인한 제품 경쟁력 하락</a:t>
                       </a:r>
-                      <a:endParaRPr lang="ko-KR" altLang="en-US" sz="1000"/>
                     </a:p>
                   </a:txBody>
                   <a:tcPr marL="0" marR="0" marT="36000" marB="0">
@@ -17457,7 +17297,8 @@
                 </a:tc>
                 <a:tc>
                   <a:txBody>
-                    <a:bodyPr vert="horz" lIns="0" tIns="36000" rIns="0" bIns="0" anchor="t" anchorCtr="0"/>
+                    <a:bodyPr/>
+                    <a:lstStyle/>
                     <a:p>
                       <a:pPr marL="90805" marR="147955" algn="just">
                         <a:lnSpc>
@@ -17480,7 +17321,6 @@
                         <a:rPr lang="ko-KR" altLang="en-US" sz="1000"/>
                         <a:t>단가</a:t>
                       </a:r>
-                      <a:endParaRPr lang="ko-KR" altLang="en-US" sz="1000"/>
                     </a:p>
                   </a:txBody>
                   <a:tcPr marL="0" marR="0" marT="36000" marB="0">
@@ -17524,7 +17364,8 @@
                 </a:tc>
                 <a:tc>
                   <a:txBody>
-                    <a:bodyPr vert="horz" lIns="0" tIns="36000" rIns="0" bIns="0" anchor="t" anchorCtr="0"/>
+                    <a:bodyPr/>
+                    <a:lstStyle/>
                     <a:p>
                       <a:pPr marL="90805" marR="197485">
                         <a:lnSpc>
@@ -17544,7 +17385,6 @@
                         <a:rPr lang="ko-KR" altLang="en-US" sz="1000"/>
                         <a:t> 차량 단가적인 측면의 경쟁력을 확보할 수 있겠으나 비용 절감으로 인해 안전상 또는 품질 문제가 발생할 수 있으므로 적절한 단가에 대한 협의가 이루어져야 함</a:t>
                       </a:r>
-                      <a:endParaRPr lang="ko-KR" altLang="en-US" sz="1000"/>
                     </a:p>
                   </a:txBody>
                   <a:tcPr marL="0" marR="0" marT="36000" marB="0">
@@ -17588,7 +17428,8 @@
                 </a:tc>
                 <a:tc>
                   <a:txBody>
-                    <a:bodyPr vert="horz" lIns="0" tIns="36000" rIns="0" bIns="0" anchor="t" anchorCtr="0"/>
+                    <a:bodyPr/>
+                    <a:lstStyle/>
                     <a:p>
                       <a:pPr>
                         <a:lnSpc>
@@ -17600,7 +17441,6 @@
                         <a:rPr lang="en-US" altLang="ko-KR" sz="1200"/>
                         <a:t>+</a:t>
                       </a:r>
-                      <a:endParaRPr lang="en-US" altLang="ko-KR" sz="1200"/>
                     </a:p>
                   </a:txBody>
                   <a:tcPr marL="0" marR="0" marT="36000" marB="0">
@@ -17642,11 +17482,17 @@
                     </a:lnB>
                   </a:tcPr>
                 </a:tc>
+                <a:extLst>
+                  <a:ext uri="{0D108BD9-81ED-4DB2-BD59-A6C34878D82A}">
+                    <a16:rowId xmlns:a16="http://schemas.microsoft.com/office/drawing/2014/main" val="10002"/>
+                  </a:ext>
+                </a:extLst>
               </a:tr>
               <a:tr h="853440">
                 <a:tc>
                   <a:txBody>
-                    <a:bodyPr vert="horz" lIns="0" tIns="36000" rIns="0" bIns="0" anchor="t" anchorCtr="0"/>
+                    <a:bodyPr/>
+                    <a:lstStyle/>
                     <a:p>
                       <a:pPr marL="90805" marR="117475">
                         <a:lnSpc>
@@ -17657,7 +17503,7 @@
                       <a:r>
                         <a:rPr lang="ko-KR" altLang="en-US" sz="1100" spc="0" baseline="0">
                           <a:solidFill>
-                            <a:srgbClr val="7f7f7f"/>
+                            <a:srgbClr val="7F7F7F"/>
                           </a:solidFill>
                           <a:latin typeface="나눔바른고딕"/>
                           <a:ea typeface="나눔바른고딕"/>
@@ -17665,14 +17511,6 @@
                         </a:rPr>
                         <a:t>외부환경</a:t>
                       </a:r>
-                      <a:endParaRPr lang="ko-KR" altLang="en-US" sz="1100" spc="0" baseline="0">
-                        <a:solidFill>
-                          <a:srgbClr val="7f7f7f"/>
-                        </a:solidFill>
-                        <a:latin typeface="나눔바른고딕"/>
-                        <a:ea typeface="나눔바른고딕"/>
-                        <a:cs typeface="맑은 고딕"/>
-                      </a:endParaRPr>
                     </a:p>
                   </a:txBody>
                   <a:tcPr marL="0" marR="0" marT="36000" marB="0">
@@ -17716,7 +17554,8 @@
                 </a:tc>
                 <a:tc>
                   <a:txBody>
-                    <a:bodyPr vert="horz" lIns="0" tIns="36000" rIns="0" bIns="0" anchor="t" anchorCtr="0"/>
+                    <a:bodyPr/>
+                    <a:lstStyle/>
                     <a:p>
                       <a:pPr marL="90805" marR="98425">
                         <a:lnSpc>
@@ -17732,11 +17571,6 @@
                         </a:rPr>
                         <a:t>브레인스토밍</a:t>
                       </a:r>
-                      <a:endParaRPr lang="ko-KR" altLang="en-US" sz="1050" spc="0" baseline="0">
-                        <a:latin typeface="나눔바른고딕"/>
-                        <a:ea typeface="나눔바른고딕"/>
-                        <a:cs typeface="Calibri"/>
-                      </a:endParaRPr>
                     </a:p>
                   </a:txBody>
                   <a:tcPr marL="0" marR="0" marT="36000" marB="0">
@@ -17780,7 +17614,8 @@
                 </a:tc>
                 <a:tc>
                   <a:txBody>
-                    <a:bodyPr vert="horz" lIns="0" tIns="36000" rIns="0" bIns="0" anchor="t" anchorCtr="0"/>
+                    <a:bodyPr/>
+                    <a:lstStyle/>
                     <a:p>
                       <a:pPr marL="90805" marR="92710">
                         <a:lnSpc>
@@ -17803,7 +17638,6 @@
                         <a:rPr lang="ko-KR" altLang="en-US" sz="1000"/>
                         <a:t>해제 불가</a:t>
                       </a:r>
-                      <a:endParaRPr lang="ko-KR" altLang="en-US" sz="1000"/>
                     </a:p>
                   </a:txBody>
                   <a:tcPr marL="0" marR="0" marT="36000" marB="0">
@@ -17847,7 +17681,8 @@
                 </a:tc>
                 <a:tc>
                   <a:txBody>
-                    <a:bodyPr vert="horz" lIns="0" tIns="36000" rIns="0" bIns="0" anchor="t" anchorCtr="0"/>
+                    <a:bodyPr/>
+                    <a:lstStyle/>
                     <a:p>
                       <a:pPr marL="91440" marR="111125" algn="just">
                         <a:lnSpc>
@@ -17867,7 +17702,6 @@
                         <a:rPr lang="ko-KR" altLang="en-US" sz="1000"/>
                         <a:t>기능 고장으로 인해 인명피해가 발생</a:t>
                       </a:r>
-                      <a:endParaRPr lang="ko-KR" altLang="en-US" sz="1000"/>
                     </a:p>
                   </a:txBody>
                   <a:tcPr marL="0" marR="0" marT="36000" marB="0">
@@ -17911,7 +17745,8 @@
                 </a:tc>
                 <a:tc>
                   <a:txBody>
-                    <a:bodyPr vert="horz" lIns="0" tIns="36000" rIns="0" bIns="0" anchor="t" anchorCtr="0"/>
+                    <a:bodyPr/>
+                    <a:lstStyle/>
                     <a:p>
                       <a:pPr marL="90805" marR="147955" algn="just">
                         <a:lnSpc>
@@ -17934,7 +17769,6 @@
                         <a:rPr lang="ko-KR" altLang="en-US" sz="1000"/>
                         <a:t> 자동 해제</a:t>
                       </a:r>
-                      <a:endParaRPr lang="ko-KR" altLang="en-US" sz="1000"/>
                     </a:p>
                   </a:txBody>
                   <a:tcPr marL="0" marR="0" marT="36000" marB="0">
@@ -17978,7 +17812,8 @@
                 </a:tc>
                 <a:tc>
                   <a:txBody>
-                    <a:bodyPr vert="horz" lIns="0" tIns="36000" rIns="0" bIns="0" anchor="t" anchorCtr="0"/>
+                    <a:bodyPr/>
+                    <a:lstStyle/>
                     <a:p>
                       <a:pPr marL="90805" marR="197485">
                         <a:lnSpc>
@@ -18006,7 +17841,6 @@
                         <a:rPr lang="ko-KR" altLang="en-US" sz="1000"/>
                         <a:t>이 자동 해제되도록 만들어야 해서 단가가 상승할 수 있음</a:t>
                       </a:r>
-                      <a:endParaRPr lang="ko-KR" altLang="en-US" sz="1000"/>
                     </a:p>
                   </a:txBody>
                   <a:tcPr marL="0" marR="0" marT="36000" marB="0">
@@ -18050,7 +17884,8 @@
                 </a:tc>
                 <a:tc>
                   <a:txBody>
-                    <a:bodyPr vert="horz" lIns="0" tIns="36000" rIns="0" bIns="0" anchor="t" anchorCtr="0"/>
+                    <a:bodyPr/>
+                    <a:lstStyle/>
                     <a:p>
                       <a:pPr marL="90805">
                         <a:lnSpc>
@@ -18066,11 +17901,6 @@
                         </a:rPr>
                         <a:t>+++</a:t>
                       </a:r>
-                      <a:endParaRPr lang="en-US" altLang="ko-KR" sz="1200" spc="0" baseline="0">
-                        <a:latin typeface="나눔바른고딕"/>
-                        <a:ea typeface="나눔바른고딕"/>
-                        <a:cs typeface="Arial"/>
-                      </a:endParaRPr>
                     </a:p>
                   </a:txBody>
                   <a:tcPr marL="0" marR="0" marT="36000" marB="0">
@@ -18112,6 +17942,11 @@
                     </a:lnB>
                   </a:tcPr>
                 </a:tc>
+                <a:extLst>
+                  <a:ext uri="{0D108BD9-81ED-4DB2-BD59-A6C34878D82A}">
+                    <a16:rowId xmlns:a16="http://schemas.microsoft.com/office/drawing/2014/main" val="10003"/>
+                  </a:ext>
+                </a:extLst>
               </a:tr>
             </a:tbl>
           </a:graphicData>
@@ -18122,11 +17957,11 @@
   <p:clrMapOvr>
     <a:masterClrMapping/>
   </p:clrMapOvr>
-  <mc:AlternateContent xmlns:mc="http://schemas.openxmlformats.org/markup-compatibility/2006">
-    <mc:Choice xmlns:p14="http://schemas.microsoft.com/office/powerpoint/2010/main" Requires="p14">
-      <p:transition xmlns:mc="http://schemas.openxmlformats.org/markup-compatibility/2006" xmlns:p14="http://schemas.microsoft.com/office/powerpoint/2010/main" mc:Ignorable="p14" p14:dur="500"/>
+  <mc:AlternateContent xmlns:mc="http://schemas.openxmlformats.org/markup-compatibility/2006" xmlns:p14="http://schemas.microsoft.com/office/powerpoint/2010/main">
+    <mc:Choice Requires="p14">
+      <p:transition/>
     </mc:Choice>
-    <mc:Fallback>
+    <mc:Fallback xmlns:dsp="http://schemas.microsoft.com/office/drawing/2008/diagram" xmlns:dgm="http://schemas.openxmlformats.org/drawingml/2006/diagram" xmlns:c="http://schemas.openxmlformats.org/drawingml/2006/chart" xmlns="">
       <p:transition/>
     </mc:Fallback>
   </mc:AlternateContent>
@@ -18134,7 +17969,7 @@
 </file>
 
 <file path=ppt/slides/slide5.xml><?xml version="1.0" encoding="utf-8"?>
-<p:sld xmlns:r="http://schemas.openxmlformats.org/officeDocument/2006/relationships" xmlns:c="http://schemas.openxmlformats.org/drawingml/2006/chart" xmlns:a="http://schemas.openxmlformats.org/drawingml/2006/main" xmlns:dgm="http://schemas.openxmlformats.org/drawingml/2006/diagram" xmlns:dsp="http://schemas.microsoft.com/office/drawing/2008/diagram" xmlns:p="http://schemas.openxmlformats.org/presentationml/2006/main">
+<p:sld xmlns:a="http://schemas.openxmlformats.org/drawingml/2006/main" xmlns:r="http://schemas.openxmlformats.org/officeDocument/2006/relationships" xmlns:p="http://schemas.openxmlformats.org/presentationml/2006/main">
   <p:cSld>
     <p:spTree>
       <p:nvGrpSpPr>
@@ -18157,7 +17992,7 @@
             <a:spLocks noGrp="1"/>
           </p:cNvSpPr>
           <p:nvPr>
-            <p:ph type="title" idx="0"/>
+            <p:ph type="title"/>
           </p:nvPr>
         </p:nvSpPr>
         <p:spPr/>
@@ -18170,34 +18005,711 @@
             </a:pPr>
             <a:r>
               <a:rPr lang="en-US" altLang="ko-KR"/>
-              <a:t>1. </a:t>
+              <a:t>4. </a:t>
             </a:r>
             <a:r>
               <a:rPr lang="ko-KR" altLang="en-US"/>
-              <a:t>이해관계자 요구사항 </a:t>
+              <a:t>기능</a:t>
             </a:r>
             <a:r>
               <a:rPr lang="en-US" altLang="ko-KR"/>
-              <a:t>– </a:t>
+              <a:t> </a:t>
             </a:r>
             <a:r>
               <a:rPr lang="ko-KR" altLang="en-US"/>
-              <a:t>이해관계자 요구사항 추출</a:t>
+              <a:t>요구사항 명세 </a:t>
+            </a:r>
+            <a:r>
+              <a:rPr lang="en-US" altLang="ko-KR"/>
+              <a:t>: Usecase Diagram</a:t>
             </a:r>
             <a:endParaRPr lang="ko-KR" altLang="en-US"/>
           </a:p>
         </p:txBody>
       </p:sp>
+      <p:sp>
+        <p:nvSpPr>
+          <p:cNvPr id="4" name="타원 3">
+            <a:extLst>
+              <a:ext uri="{FF2B5EF4-FFF2-40B4-BE49-F238E27FC236}">
+                <a16:creationId xmlns:a16="http://schemas.microsoft.com/office/drawing/2014/main" id="{9AF32C12-5C90-6C28-E904-1E9817BA4C43}"/>
+              </a:ext>
+            </a:extLst>
+          </p:cNvPr>
+          <p:cNvSpPr/>
+          <p:nvPr/>
+        </p:nvSpPr>
+        <p:spPr>
+          <a:xfrm>
+            <a:off x="601133" y="1701800"/>
+            <a:ext cx="1405467" cy="863600"/>
+          </a:xfrm>
+          <a:prstGeom prst="ellipse">
+            <a:avLst/>
+          </a:prstGeom>
+          <a:ln/>
+        </p:spPr>
+        <p:style>
+          <a:lnRef idx="1">
+            <a:schemeClr val="accent3"/>
+          </a:lnRef>
+          <a:fillRef idx="2">
+            <a:schemeClr val="accent3"/>
+          </a:fillRef>
+          <a:effectRef idx="1">
+            <a:schemeClr val="accent3"/>
+          </a:effectRef>
+          <a:fontRef idx="minor">
+            <a:schemeClr val="dk1"/>
+          </a:fontRef>
+        </p:style>
+        <p:txBody>
+          <a:bodyPr rtlCol="0" anchor="ctr"/>
+          <a:lstStyle/>
+          <a:p>
+            <a:pPr algn="ctr"/>
+            <a:r>
+              <a:rPr lang="ko-KR" altLang="en-US" sz="1200" dirty="0">
+                <a:solidFill>
+                  <a:schemeClr val="tx1"/>
+                </a:solidFill>
+                <a:latin typeface="프리젠테이션 7 Bold"/>
+                <a:ea typeface="프리젠테이션 7 Bold"/>
+              </a:rPr>
+              <a:t>속도 센서</a:t>
+            </a:r>
+          </a:p>
+        </p:txBody>
+      </p:sp>
+      <p:cxnSp>
+        <p:nvCxnSpPr>
+          <p:cNvPr id="10" name="직선 화살표 연결선 9">
+            <a:extLst>
+              <a:ext uri="{FF2B5EF4-FFF2-40B4-BE49-F238E27FC236}">
+                <a16:creationId xmlns:a16="http://schemas.microsoft.com/office/drawing/2014/main" id="{F72473BF-F7A0-E0F1-3085-779D8D9749B4}"/>
+              </a:ext>
+            </a:extLst>
+          </p:cNvPr>
+          <p:cNvCxnSpPr>
+            <a:cxnSpLocks/>
+            <a:stCxn id="25" idx="6"/>
+            <a:endCxn id="15" idx="2"/>
+          </p:cNvCxnSpPr>
+          <p:nvPr/>
+        </p:nvCxnSpPr>
+        <p:spPr>
+          <a:xfrm flipV="1">
+            <a:off x="2192867" y="3048933"/>
+            <a:ext cx="317498" cy="733267"/>
+          </a:xfrm>
+          <a:prstGeom prst="straightConnector1">
+            <a:avLst/>
+          </a:prstGeom>
+          <a:ln>
+            <a:solidFill>
+              <a:schemeClr val="bg1">
+                <a:lumMod val="50000"/>
+              </a:schemeClr>
+            </a:solidFill>
+            <a:tailEnd type="triangle"/>
+          </a:ln>
+        </p:spPr>
+        <p:style>
+          <a:lnRef idx="1">
+            <a:schemeClr val="accent1"/>
+          </a:lnRef>
+          <a:fillRef idx="0">
+            <a:schemeClr val="accent1"/>
+          </a:fillRef>
+          <a:effectRef idx="0">
+            <a:schemeClr val="accent1"/>
+          </a:effectRef>
+          <a:fontRef idx="minor">
+            <a:schemeClr val="tx1"/>
+          </a:fontRef>
+        </p:style>
+      </p:cxnSp>
+      <p:sp>
+        <p:nvSpPr>
+          <p:cNvPr id="15" name="타원 14">
+            <a:extLst>
+              <a:ext uri="{FF2B5EF4-FFF2-40B4-BE49-F238E27FC236}">
+                <a16:creationId xmlns:a16="http://schemas.microsoft.com/office/drawing/2014/main" id="{F61051C5-75C3-51E4-D1CC-6D2F092579BA}"/>
+              </a:ext>
+            </a:extLst>
+          </p:cNvPr>
+          <p:cNvSpPr/>
+          <p:nvPr/>
+        </p:nvSpPr>
+        <p:spPr>
+          <a:xfrm>
+            <a:off x="2510365" y="2617133"/>
+            <a:ext cx="1405467" cy="863600"/>
+          </a:xfrm>
+          <a:prstGeom prst="ellipse">
+            <a:avLst/>
+          </a:prstGeom>
+          <a:ln/>
+        </p:spPr>
+        <p:style>
+          <a:lnRef idx="1">
+            <a:schemeClr val="accent3"/>
+          </a:lnRef>
+          <a:fillRef idx="2">
+            <a:schemeClr val="accent3"/>
+          </a:fillRef>
+          <a:effectRef idx="1">
+            <a:schemeClr val="accent3"/>
+          </a:effectRef>
+          <a:fontRef idx="minor">
+            <a:schemeClr val="dk1"/>
+          </a:fontRef>
+        </p:style>
+        <p:txBody>
+          <a:bodyPr rtlCol="0" anchor="ctr"/>
+          <a:lstStyle/>
+          <a:p>
+            <a:pPr algn="ctr"/>
+            <a:r>
+              <a:rPr lang="en-US" altLang="ko-KR" sz="1200" dirty="0">
+                <a:solidFill>
+                  <a:schemeClr val="tx1"/>
+                </a:solidFill>
+                <a:latin typeface="프리젠테이션 7 Bold"/>
+                <a:ea typeface="프리젠테이션 7 Bold"/>
+              </a:rPr>
+              <a:t>Data Provider</a:t>
+            </a:r>
+            <a:endParaRPr lang="ko-KR" altLang="en-US" sz="1200" dirty="0">
+              <a:solidFill>
+                <a:schemeClr val="tx1"/>
+              </a:solidFill>
+              <a:latin typeface="프리젠테이션 7 Bold"/>
+              <a:ea typeface="프리젠테이션 7 Bold"/>
+            </a:endParaRPr>
+          </a:p>
+        </p:txBody>
+      </p:sp>
+      <p:cxnSp>
+        <p:nvCxnSpPr>
+          <p:cNvPr id="16" name="직선 화살표 연결선 15">
+            <a:extLst>
+              <a:ext uri="{FF2B5EF4-FFF2-40B4-BE49-F238E27FC236}">
+                <a16:creationId xmlns:a16="http://schemas.microsoft.com/office/drawing/2014/main" id="{E87CC6FF-F6AE-E973-11C4-F43A12FD9EE0}"/>
+              </a:ext>
+            </a:extLst>
+          </p:cNvPr>
+          <p:cNvCxnSpPr>
+            <a:cxnSpLocks/>
+            <a:stCxn id="4" idx="6"/>
+            <a:endCxn id="15" idx="2"/>
+          </p:cNvCxnSpPr>
+          <p:nvPr/>
+        </p:nvCxnSpPr>
+        <p:spPr>
+          <a:xfrm>
+            <a:off x="2006600" y="2133600"/>
+            <a:ext cx="503765" cy="915333"/>
+          </a:xfrm>
+          <a:prstGeom prst="straightConnector1">
+            <a:avLst/>
+          </a:prstGeom>
+          <a:ln>
+            <a:solidFill>
+              <a:schemeClr val="bg1">
+                <a:lumMod val="50000"/>
+              </a:schemeClr>
+            </a:solidFill>
+            <a:tailEnd type="triangle"/>
+          </a:ln>
+        </p:spPr>
+        <p:style>
+          <a:lnRef idx="1">
+            <a:schemeClr val="accent1"/>
+          </a:lnRef>
+          <a:fillRef idx="0">
+            <a:schemeClr val="accent1"/>
+          </a:fillRef>
+          <a:effectRef idx="0">
+            <a:schemeClr val="accent1"/>
+          </a:effectRef>
+          <a:fontRef idx="minor">
+            <a:schemeClr val="tx1"/>
+          </a:fontRef>
+        </p:style>
+      </p:cxnSp>
+      <p:sp>
+        <p:nvSpPr>
+          <p:cNvPr id="19" name="직사각형 18">
+            <a:extLst>
+              <a:ext uri="{FF2B5EF4-FFF2-40B4-BE49-F238E27FC236}">
+                <a16:creationId xmlns:a16="http://schemas.microsoft.com/office/drawing/2014/main" id="{413F85D9-9129-B6F5-3E76-18D37B154551}"/>
+              </a:ext>
+            </a:extLst>
+          </p:cNvPr>
+          <p:cNvSpPr/>
+          <p:nvPr/>
+        </p:nvSpPr>
+        <p:spPr>
+          <a:xfrm>
+            <a:off x="4165599" y="1176866"/>
+            <a:ext cx="4343400" cy="4504267"/>
+          </a:xfrm>
+          <a:prstGeom prst="rect">
+            <a:avLst/>
+          </a:prstGeom>
+          <a:ln/>
+        </p:spPr>
+        <p:style>
+          <a:lnRef idx="1">
+            <a:schemeClr val="accent5"/>
+          </a:lnRef>
+          <a:fillRef idx="2">
+            <a:schemeClr val="accent5"/>
+          </a:fillRef>
+          <a:effectRef idx="1">
+            <a:schemeClr val="accent5"/>
+          </a:effectRef>
+          <a:fontRef idx="minor">
+            <a:schemeClr val="dk1"/>
+          </a:fontRef>
+        </p:style>
+        <p:txBody>
+          <a:bodyPr rtlCol="0" anchor="t"/>
+          <a:lstStyle/>
+          <a:p>
+            <a:r>
+              <a:rPr lang="en-US" altLang="ko-KR" sz="3200" dirty="0">
+                <a:solidFill>
+                  <a:schemeClr val="tx1"/>
+                </a:solidFill>
+                <a:latin typeface="프리젠테이션 7 Bold"/>
+                <a:ea typeface="프리젠테이션 7 Bold"/>
+              </a:rPr>
+              <a:t>Child Lock </a:t>
+            </a:r>
+            <a:r>
+              <a:rPr lang="ko-KR" altLang="en-US" sz="3200" dirty="0">
+                <a:solidFill>
+                  <a:schemeClr val="tx1"/>
+                </a:solidFill>
+                <a:latin typeface="프리젠테이션 7 Bold"/>
+                <a:ea typeface="프리젠테이션 7 Bold"/>
+              </a:rPr>
+              <a:t>시스템</a:t>
+            </a:r>
+          </a:p>
+        </p:txBody>
+      </p:sp>
+      <p:sp>
+        <p:nvSpPr>
+          <p:cNvPr id="20" name="사각형: 둥근 모서리 19">
+            <a:extLst>
+              <a:ext uri="{FF2B5EF4-FFF2-40B4-BE49-F238E27FC236}">
+                <a16:creationId xmlns:a16="http://schemas.microsoft.com/office/drawing/2014/main" id="{9CEEF047-DC36-B3D8-9DF1-7F2A6799A85A}"/>
+              </a:ext>
+            </a:extLst>
+          </p:cNvPr>
+          <p:cNvSpPr/>
+          <p:nvPr/>
+        </p:nvSpPr>
+        <p:spPr>
+          <a:xfrm>
+            <a:off x="4415365" y="2065867"/>
+            <a:ext cx="3843867" cy="677333"/>
+          </a:xfrm>
+          <a:prstGeom prst="roundRect">
+            <a:avLst/>
+          </a:prstGeom>
+          <a:ln/>
+        </p:spPr>
+        <p:style>
+          <a:lnRef idx="1">
+            <a:schemeClr val="accent6"/>
+          </a:lnRef>
+          <a:fillRef idx="2">
+            <a:schemeClr val="accent6"/>
+          </a:fillRef>
+          <a:effectRef idx="1">
+            <a:schemeClr val="accent6"/>
+          </a:effectRef>
+          <a:fontRef idx="minor">
+            <a:schemeClr val="dk1"/>
+          </a:fontRef>
+        </p:style>
+        <p:txBody>
+          <a:bodyPr rtlCol="0" anchor="ctr"/>
+          <a:lstStyle/>
+          <a:p>
+            <a:pPr algn="ctr"/>
+            <a:r>
+              <a:rPr lang="en-US" altLang="ko-KR" sz="1200" dirty="0">
+                <a:solidFill>
+                  <a:schemeClr val="tx1"/>
+                </a:solidFill>
+                <a:latin typeface="프리젠테이션 7 Bold"/>
+                <a:ea typeface="프리젠테이션 7 Bold"/>
+              </a:rPr>
+              <a:t>Child Lock Auto </a:t>
+            </a:r>
+            <a:r>
+              <a:rPr lang="en-US" altLang="ko-KR" sz="1200" b="1" dirty="0">
+                <a:solidFill>
+                  <a:schemeClr val="tx1"/>
+                </a:solidFill>
+                <a:latin typeface="프리젠테이션 7 Bold"/>
+                <a:ea typeface="프리젠테이션 7 Bold"/>
+              </a:rPr>
+              <a:t>ON</a:t>
+            </a:r>
+            <a:endParaRPr lang="ko-KR" altLang="en-US" sz="1200" b="1" dirty="0">
+              <a:solidFill>
+                <a:schemeClr val="tx1"/>
+              </a:solidFill>
+              <a:latin typeface="프리젠테이션 7 Bold"/>
+              <a:ea typeface="프리젠테이션 7 Bold"/>
+            </a:endParaRPr>
+          </a:p>
+        </p:txBody>
+      </p:sp>
+      <p:cxnSp>
+        <p:nvCxnSpPr>
+          <p:cNvPr id="21" name="직선 화살표 연결선 20">
+            <a:extLst>
+              <a:ext uri="{FF2B5EF4-FFF2-40B4-BE49-F238E27FC236}">
+                <a16:creationId xmlns:a16="http://schemas.microsoft.com/office/drawing/2014/main" id="{F9BA2269-3675-2658-D91B-4781D21F8B10}"/>
+              </a:ext>
+            </a:extLst>
+          </p:cNvPr>
+          <p:cNvCxnSpPr>
+            <a:cxnSpLocks/>
+            <a:stCxn id="15" idx="6"/>
+            <a:endCxn id="20" idx="1"/>
+          </p:cNvCxnSpPr>
+          <p:nvPr/>
+        </p:nvCxnSpPr>
+        <p:spPr>
+          <a:xfrm flipV="1">
+            <a:off x="3915832" y="2404534"/>
+            <a:ext cx="499533" cy="644399"/>
+          </a:xfrm>
+          <a:prstGeom prst="straightConnector1">
+            <a:avLst/>
+          </a:prstGeom>
+          <a:ln>
+            <a:solidFill>
+              <a:schemeClr val="bg1">
+                <a:lumMod val="50000"/>
+              </a:schemeClr>
+            </a:solidFill>
+            <a:tailEnd type="triangle"/>
+          </a:ln>
+        </p:spPr>
+        <p:style>
+          <a:lnRef idx="1">
+            <a:schemeClr val="accent1"/>
+          </a:lnRef>
+          <a:fillRef idx="0">
+            <a:schemeClr val="accent1"/>
+          </a:fillRef>
+          <a:effectRef idx="0">
+            <a:schemeClr val="accent1"/>
+          </a:effectRef>
+          <a:fontRef idx="minor">
+            <a:schemeClr val="tx1"/>
+          </a:fontRef>
+        </p:style>
+      </p:cxnSp>
+      <p:sp>
+        <p:nvSpPr>
+          <p:cNvPr id="25" name="타원 24">
+            <a:extLst>
+              <a:ext uri="{FF2B5EF4-FFF2-40B4-BE49-F238E27FC236}">
+                <a16:creationId xmlns:a16="http://schemas.microsoft.com/office/drawing/2014/main" id="{FE8F337E-576A-7F71-75D4-B981A462B716}"/>
+              </a:ext>
+            </a:extLst>
+          </p:cNvPr>
+          <p:cNvSpPr/>
+          <p:nvPr/>
+        </p:nvSpPr>
+        <p:spPr>
+          <a:xfrm>
+            <a:off x="455082" y="3350400"/>
+            <a:ext cx="1737785" cy="863600"/>
+          </a:xfrm>
+          <a:prstGeom prst="ellipse">
+            <a:avLst/>
+          </a:prstGeom>
+          <a:ln/>
+        </p:spPr>
+        <p:style>
+          <a:lnRef idx="1">
+            <a:schemeClr val="accent3"/>
+          </a:lnRef>
+          <a:fillRef idx="2">
+            <a:schemeClr val="accent3"/>
+          </a:fillRef>
+          <a:effectRef idx="1">
+            <a:schemeClr val="accent3"/>
+          </a:effectRef>
+          <a:fontRef idx="minor">
+            <a:schemeClr val="dk1"/>
+          </a:fontRef>
+        </p:style>
+        <p:txBody>
+          <a:bodyPr rtlCol="0" anchor="ctr"/>
+          <a:lstStyle/>
+          <a:p>
+            <a:r>
+              <a:rPr lang="ko-KR" altLang="en-US" sz="1200" dirty="0">
+                <a:latin typeface="+mn-ea"/>
+              </a:rPr>
+              <a:t>충격 감지 센서</a:t>
+            </a:r>
+          </a:p>
+        </p:txBody>
+      </p:sp>
+      <p:sp>
+        <p:nvSpPr>
+          <p:cNvPr id="29" name="사각형: 둥근 모서리 28">
+            <a:extLst>
+              <a:ext uri="{FF2B5EF4-FFF2-40B4-BE49-F238E27FC236}">
+                <a16:creationId xmlns:a16="http://schemas.microsoft.com/office/drawing/2014/main" id="{5A726EA6-399A-CC85-F8E9-A6A8D613706B}"/>
+              </a:ext>
+            </a:extLst>
+          </p:cNvPr>
+          <p:cNvSpPr/>
+          <p:nvPr/>
+        </p:nvSpPr>
+        <p:spPr>
+          <a:xfrm>
+            <a:off x="4516965" y="3632201"/>
+            <a:ext cx="3843867" cy="677333"/>
+          </a:xfrm>
+          <a:prstGeom prst="roundRect">
+            <a:avLst/>
+          </a:prstGeom>
+          <a:ln/>
+        </p:spPr>
+        <p:style>
+          <a:lnRef idx="1">
+            <a:schemeClr val="accent6"/>
+          </a:lnRef>
+          <a:fillRef idx="2">
+            <a:schemeClr val="accent6"/>
+          </a:fillRef>
+          <a:effectRef idx="1">
+            <a:schemeClr val="accent6"/>
+          </a:effectRef>
+          <a:fontRef idx="minor">
+            <a:schemeClr val="dk1"/>
+          </a:fontRef>
+        </p:style>
+        <p:txBody>
+          <a:bodyPr rtlCol="0" anchor="ctr"/>
+          <a:lstStyle/>
+          <a:p>
+            <a:pPr algn="ctr"/>
+            <a:r>
+              <a:rPr lang="en-US" altLang="ko-KR" sz="1200" dirty="0">
+                <a:solidFill>
+                  <a:schemeClr val="tx1"/>
+                </a:solidFill>
+                <a:latin typeface="프리젠테이션 7 Bold"/>
+                <a:ea typeface="프리젠테이션 7 Bold"/>
+              </a:rPr>
+              <a:t>Child Lock Auto </a:t>
+            </a:r>
+            <a:r>
+              <a:rPr lang="en-US" altLang="ko-KR" sz="1200" b="1" dirty="0">
+                <a:solidFill>
+                  <a:schemeClr val="tx1"/>
+                </a:solidFill>
+                <a:latin typeface="프리젠테이션 7 Bold"/>
+                <a:ea typeface="프리젠테이션 7 Bold"/>
+              </a:rPr>
+              <a:t>OFF</a:t>
+            </a:r>
+            <a:endParaRPr lang="ko-KR" altLang="en-US" sz="1200" b="1" dirty="0">
+              <a:solidFill>
+                <a:schemeClr val="tx1"/>
+              </a:solidFill>
+              <a:latin typeface="프리젠테이션 7 Bold"/>
+              <a:ea typeface="프리젠테이션 7 Bold"/>
+            </a:endParaRPr>
+          </a:p>
+        </p:txBody>
+      </p:sp>
+      <p:cxnSp>
+        <p:nvCxnSpPr>
+          <p:cNvPr id="33" name="직선 화살표 연결선 32">
+            <a:extLst>
+              <a:ext uri="{FF2B5EF4-FFF2-40B4-BE49-F238E27FC236}">
+                <a16:creationId xmlns:a16="http://schemas.microsoft.com/office/drawing/2014/main" id="{8E619ED7-FFC0-48E6-8D9C-F65CC0FF28AB}"/>
+              </a:ext>
+            </a:extLst>
+          </p:cNvPr>
+          <p:cNvCxnSpPr>
+            <a:cxnSpLocks/>
+            <a:stCxn id="15" idx="6"/>
+            <a:endCxn id="29" idx="1"/>
+          </p:cNvCxnSpPr>
+          <p:nvPr/>
+        </p:nvCxnSpPr>
+        <p:spPr>
+          <a:xfrm>
+            <a:off x="3915832" y="3048933"/>
+            <a:ext cx="601133" cy="921935"/>
+          </a:xfrm>
+          <a:prstGeom prst="straightConnector1">
+            <a:avLst/>
+          </a:prstGeom>
+          <a:ln>
+            <a:solidFill>
+              <a:schemeClr val="bg1">
+                <a:lumMod val="50000"/>
+              </a:schemeClr>
+            </a:solidFill>
+            <a:tailEnd type="triangle"/>
+          </a:ln>
+        </p:spPr>
+        <p:style>
+          <a:lnRef idx="1">
+            <a:schemeClr val="accent1"/>
+          </a:lnRef>
+          <a:fillRef idx="0">
+            <a:schemeClr val="accent1"/>
+          </a:fillRef>
+          <a:effectRef idx="0">
+            <a:schemeClr val="accent1"/>
+          </a:effectRef>
+          <a:fontRef idx="minor">
+            <a:schemeClr val="tx1"/>
+          </a:fontRef>
+        </p:style>
+      </p:cxnSp>
+      <p:sp>
+        <p:nvSpPr>
+          <p:cNvPr id="37" name="순서도: 처리 36">
+            <a:extLst>
+              <a:ext uri="{FF2B5EF4-FFF2-40B4-BE49-F238E27FC236}">
+                <a16:creationId xmlns:a16="http://schemas.microsoft.com/office/drawing/2014/main" id="{55843A5D-C69E-ACA2-6F8D-014685CAC005}"/>
+              </a:ext>
+            </a:extLst>
+          </p:cNvPr>
+          <p:cNvSpPr/>
+          <p:nvPr/>
+        </p:nvSpPr>
+        <p:spPr>
+          <a:xfrm>
+            <a:off x="9105898" y="3773733"/>
+            <a:ext cx="2400302" cy="880534"/>
+          </a:xfrm>
+          <a:prstGeom prst="flowChartProcess">
+            <a:avLst/>
+          </a:prstGeom>
+          <a:ln/>
+        </p:spPr>
+        <p:style>
+          <a:lnRef idx="1">
+            <a:schemeClr val="accent4"/>
+          </a:lnRef>
+          <a:fillRef idx="2">
+            <a:schemeClr val="accent4"/>
+          </a:fillRef>
+          <a:effectRef idx="1">
+            <a:schemeClr val="accent4"/>
+          </a:effectRef>
+          <a:fontRef idx="minor">
+            <a:schemeClr val="dk1"/>
+          </a:fontRef>
+        </p:style>
+        <p:txBody>
+          <a:bodyPr rtlCol="0" anchor="ctr"/>
+          <a:lstStyle/>
+          <a:p>
+            <a:pPr algn="ctr"/>
+            <a:r>
+              <a:rPr lang="en-US" altLang="ko-KR" dirty="0">
+                <a:solidFill>
+                  <a:schemeClr val="tx1"/>
+                </a:solidFill>
+                <a:latin typeface="프리젠테이션 7 Bold"/>
+                <a:ea typeface="프리젠테이션 7 Bold"/>
+              </a:rPr>
+              <a:t>119 </a:t>
+            </a:r>
+            <a:r>
+              <a:rPr lang="ko-KR" altLang="en-US" dirty="0">
+                <a:solidFill>
+                  <a:schemeClr val="tx1"/>
+                </a:solidFill>
+                <a:latin typeface="프리젠테이션 7 Bold"/>
+                <a:ea typeface="프리젠테이션 7 Bold"/>
+              </a:rPr>
+              <a:t>자동 신고</a:t>
+            </a:r>
+          </a:p>
+        </p:txBody>
+      </p:sp>
+      <p:cxnSp>
+        <p:nvCxnSpPr>
+          <p:cNvPr id="38" name="직선 화살표 연결선 37">
+            <a:extLst>
+              <a:ext uri="{FF2B5EF4-FFF2-40B4-BE49-F238E27FC236}">
+                <a16:creationId xmlns:a16="http://schemas.microsoft.com/office/drawing/2014/main" id="{0724C1E8-E329-D9AE-3401-6D2C19F4BFF5}"/>
+              </a:ext>
+            </a:extLst>
+          </p:cNvPr>
+          <p:cNvCxnSpPr>
+            <a:cxnSpLocks/>
+            <a:stCxn id="29" idx="3"/>
+            <a:endCxn id="37" idx="1"/>
+          </p:cNvCxnSpPr>
+          <p:nvPr/>
+        </p:nvCxnSpPr>
+        <p:spPr>
+          <a:xfrm>
+            <a:off x="8360832" y="3970868"/>
+            <a:ext cx="745066" cy="243132"/>
+          </a:xfrm>
+          <a:prstGeom prst="straightConnector1">
+            <a:avLst/>
+          </a:prstGeom>
+          <a:ln>
+            <a:solidFill>
+              <a:schemeClr val="bg1">
+                <a:lumMod val="50000"/>
+              </a:schemeClr>
+            </a:solidFill>
+            <a:tailEnd type="triangle"/>
+          </a:ln>
+        </p:spPr>
+        <p:style>
+          <a:lnRef idx="1">
+            <a:schemeClr val="accent1"/>
+          </a:lnRef>
+          <a:fillRef idx="0">
+            <a:schemeClr val="accent1"/>
+          </a:fillRef>
+          <a:effectRef idx="0">
+            <a:schemeClr val="accent1"/>
+          </a:effectRef>
+          <a:fontRef idx="minor">
+            <a:schemeClr val="tx1"/>
+          </a:fontRef>
+        </p:style>
+      </p:cxnSp>
     </p:spTree>
   </p:cSld>
   <p:clrMapOvr>
     <a:masterClrMapping/>
   </p:clrMapOvr>
-  <mc:AlternateContent xmlns:mc="http://schemas.openxmlformats.org/markup-compatibility/2006">
-    <mc:Choice xmlns:p14="http://schemas.microsoft.com/office/powerpoint/2010/main" Requires="p14">
-      <p:transition xmlns:mc="http://schemas.openxmlformats.org/markup-compatibility/2006" xmlns:p14="http://schemas.microsoft.com/office/powerpoint/2010/main" mc:Ignorable="p14" p14:dur="500"/>
+  <mc:AlternateContent xmlns:mc="http://schemas.openxmlformats.org/markup-compatibility/2006" xmlns:p14="http://schemas.microsoft.com/office/powerpoint/2010/main">
+    <mc:Choice Requires="p14">
+      <p:transition/>
     </mc:Choice>
-    <mc:Fallback>
+    <mc:Fallback xmlns:dsp="http://schemas.microsoft.com/office/drawing/2008/diagram" xmlns:dgm="http://schemas.openxmlformats.org/drawingml/2006/diagram" xmlns:c="http://schemas.openxmlformats.org/drawingml/2006/chart" xmlns="">
       <p:transition/>
     </mc:Fallback>
   </mc:AlternateContent>
@@ -18205,901 +18717,6 @@
 </file>
 
 <file path=ppt/slides/slide6.xml><?xml version="1.0" encoding="utf-8"?>
-<p:sld xmlns:a="http://schemas.openxmlformats.org/drawingml/2006/main" xmlns:r="http://schemas.openxmlformats.org/officeDocument/2006/relationships" xmlns:p="http://schemas.openxmlformats.org/presentationml/2006/main">
-  <p:cSld>
-    <p:spTree>
-      <p:nvGrpSpPr>
-        <p:cNvPr id="1" name=""/>
-        <p:cNvGrpSpPr/>
-        <p:nvPr/>
-      </p:nvGrpSpPr>
-      <p:grpSpPr>
-        <a:xfrm>
-          <a:off x="0" y="0"/>
-          <a:ext cx="0" cy="0"/>
-          <a:chOff x="0" y="0"/>
-          <a:chExt cx="0" cy="0"/>
-        </a:xfrm>
-      </p:grpSpPr>
-      <p:sp>
-        <p:nvSpPr>
-          <p:cNvPr id="2" name="제목 1">
-            <a:extLst>
-              <a:ext uri="{FF2B5EF4-FFF2-40B4-BE49-F238E27FC236}">
-                <a16:creationId xmlns:a16="http://schemas.microsoft.com/office/drawing/2014/main" id="{BDD967F5-ABC3-48E0-8576-2B2EFCF30A93}"/>
-              </a:ext>
-            </a:extLst>
-          </p:cNvPr>
-          <p:cNvSpPr>
-            <a:spLocks noGrp="1"/>
-          </p:cNvSpPr>
-          <p:nvPr>
-            <p:ph type="title"/>
-          </p:nvPr>
-        </p:nvSpPr>
-        <p:spPr/>
-        <p:txBody>
-          <a:bodyPr/>
-          <a:lstStyle/>
-          <a:p>
-            <a:r>
-              <a:rPr lang="en-US" altLang="ko-KR" dirty="0"/>
-              <a:t>3. </a:t>
-            </a:r>
-            <a:r>
-              <a:rPr lang="ko-KR" altLang="en-US" dirty="0"/>
-              <a:t>전제조건 식별</a:t>
-            </a:r>
-          </a:p>
-        </p:txBody>
-      </p:sp>
-      <p:graphicFrame>
-        <p:nvGraphicFramePr>
-          <p:cNvPr id="4" name="Google Shape;158;g2ef8994fb9e_7_35">
-            <a:extLst>
-              <a:ext uri="{FF2B5EF4-FFF2-40B4-BE49-F238E27FC236}">
-                <a16:creationId xmlns:a16="http://schemas.microsoft.com/office/drawing/2014/main" id="{D96DB88D-D564-8B1A-BACD-3783CBAC9CC4}"/>
-              </a:ext>
-            </a:extLst>
-          </p:cNvPr>
-          <p:cNvGraphicFramePr/>
-          <p:nvPr>
-            <p:extLst>
-              <p:ext uri="{D42A27DB-BD31-4B8C-83A1-F6EECF244321}">
-                <p14:modId xmlns:p14="http://schemas.microsoft.com/office/powerpoint/2010/main" val="3966387857"/>
-              </p:ext>
-            </p:extLst>
-          </p:nvPr>
-        </p:nvGraphicFramePr>
-        <p:xfrm>
-          <a:off x="675820" y="1172048"/>
-          <a:ext cx="10771542" cy="4773311"/>
-        </p:xfrm>
-        <a:graphic>
-          <a:graphicData uri="http://schemas.openxmlformats.org/drawingml/2006/table">
-            <a:tbl>
-              <a:tblPr>
-                <a:noFill/>
-              </a:tblPr>
-              <a:tblGrid>
-                <a:gridCol w="1997012">
-                  <a:extLst>
-                    <a:ext uri="{9D8B030D-6E8A-4147-A177-3AD203B41FA5}">
-                      <a16:colId xmlns:a16="http://schemas.microsoft.com/office/drawing/2014/main" val="20000"/>
-                    </a:ext>
-                  </a:extLst>
-                </a:gridCol>
-                <a:gridCol w="7131668">
-                  <a:extLst>
-                    <a:ext uri="{9D8B030D-6E8A-4147-A177-3AD203B41FA5}">
-                      <a16:colId xmlns:a16="http://schemas.microsoft.com/office/drawing/2014/main" val="20001"/>
-                    </a:ext>
-                  </a:extLst>
-                </a:gridCol>
-                <a:gridCol w="1642862">
-                  <a:extLst>
-                    <a:ext uri="{9D8B030D-6E8A-4147-A177-3AD203B41FA5}">
-                      <a16:colId xmlns:a16="http://schemas.microsoft.com/office/drawing/2014/main" val="20002"/>
-                    </a:ext>
-                  </a:extLst>
-                </a:gridCol>
-              </a:tblGrid>
-              <a:tr h="502275">
-                <a:tc>
-                  <a:txBody>
-                    <a:bodyPr/>
-                    <a:lstStyle/>
-                    <a:p>
-                      <a:pPr marL="0" lvl="0" indent="0" algn="ctr" rtl="0">
-                        <a:spcBef>
-                          <a:spcPts val="0"/>
-                        </a:spcBef>
-                        <a:spcAft>
-                          <a:spcPts val="0"/>
-                        </a:spcAft>
-                        <a:buNone/>
-                      </a:pPr>
-                      <a:r>
-                        <a:rPr lang="en-US" b="1" dirty="0" err="1"/>
-                        <a:t>전제조건</a:t>
-                      </a:r>
-                      <a:endParaRPr b="1" dirty="0"/>
-                    </a:p>
-                  </a:txBody>
-                  <a:tcPr marL="91425" marR="91425" marT="91425" marB="91425">
-                    <a:solidFill>
-                      <a:srgbClr val="CFE2F3"/>
-                    </a:solidFill>
-                  </a:tcPr>
-                </a:tc>
-                <a:tc>
-                  <a:txBody>
-                    <a:bodyPr/>
-                    <a:lstStyle/>
-                    <a:p>
-                      <a:pPr marL="0" lvl="0" indent="0" algn="ctr" rtl="0">
-                        <a:spcBef>
-                          <a:spcPts val="0"/>
-                        </a:spcBef>
-                        <a:spcAft>
-                          <a:spcPts val="0"/>
-                        </a:spcAft>
-                        <a:buNone/>
-                      </a:pPr>
-                      <a:r>
-                        <a:rPr lang="en-US" b="1" dirty="0" err="1"/>
-                        <a:t>내용</a:t>
-                      </a:r>
-                      <a:endParaRPr b="1" dirty="0"/>
-                    </a:p>
-                  </a:txBody>
-                  <a:tcPr marL="91425" marR="91425" marT="91425" marB="91425">
-                    <a:solidFill>
-                      <a:srgbClr val="CFE2F3"/>
-                    </a:solidFill>
-                  </a:tcPr>
-                </a:tc>
-                <a:tc>
-                  <a:txBody>
-                    <a:bodyPr/>
-                    <a:lstStyle/>
-                    <a:p>
-                      <a:pPr marL="0" lvl="0" indent="0" algn="ctr" rtl="0">
-                        <a:spcBef>
-                          <a:spcPts val="0"/>
-                        </a:spcBef>
-                        <a:spcAft>
-                          <a:spcPts val="0"/>
-                        </a:spcAft>
-                        <a:buNone/>
-                      </a:pPr>
-                      <a:r>
-                        <a:rPr lang="en-US" b="1" dirty="0" err="1"/>
-                        <a:t>비고</a:t>
-                      </a:r>
-                      <a:endParaRPr b="1" dirty="0"/>
-                    </a:p>
-                  </a:txBody>
-                  <a:tcPr marL="91425" marR="91425" marT="91425" marB="91425">
-                    <a:solidFill>
-                      <a:srgbClr val="CFE2F3"/>
-                    </a:solidFill>
-                  </a:tcPr>
-                </a:tc>
-                <a:extLst>
-                  <a:ext uri="{0D108BD9-81ED-4DB2-BD59-A6C34878D82A}">
-                    <a16:rowId xmlns:a16="http://schemas.microsoft.com/office/drawing/2014/main" val="10000"/>
-                  </a:ext>
-                </a:extLst>
-              </a:tr>
-              <a:tr h="483025">
-                <a:tc>
-                  <a:txBody>
-                    <a:bodyPr/>
-                    <a:lstStyle/>
-                    <a:p>
-                      <a:pPr marL="0" lvl="0" indent="0" algn="l" rtl="0">
-                        <a:lnSpc>
-                          <a:spcPct val="120000"/>
-                        </a:lnSpc>
-                        <a:spcBef>
-                          <a:spcPts val="2000"/>
-                        </a:spcBef>
-                        <a:spcAft>
-                          <a:spcPts val="400"/>
-                        </a:spcAft>
-                        <a:buNone/>
-                      </a:pPr>
-                      <a:endParaRPr dirty="0"/>
-                    </a:p>
-                  </a:txBody>
-                  <a:tcPr marL="91425" marR="91425" marT="91425" marB="91425"/>
-                </a:tc>
-                <a:tc>
-                  <a:txBody>
-                    <a:bodyPr/>
-                    <a:lstStyle/>
-                    <a:p>
-                      <a:pPr marL="0" lvl="0" indent="0" algn="l" rtl="0">
-                        <a:spcBef>
-                          <a:spcPts val="0"/>
-                        </a:spcBef>
-                        <a:spcAft>
-                          <a:spcPts val="0"/>
-                        </a:spcAft>
-                        <a:buNone/>
-                      </a:pPr>
-                      <a:endParaRPr/>
-                    </a:p>
-                  </a:txBody>
-                  <a:tcPr marL="91425" marR="91425" marT="91425" marB="91425"/>
-                </a:tc>
-                <a:tc>
-                  <a:txBody>
-                    <a:bodyPr/>
-                    <a:lstStyle/>
-                    <a:p>
-                      <a:pPr marL="0" lvl="0" indent="0" algn="l" rtl="0">
-                        <a:spcBef>
-                          <a:spcPts val="0"/>
-                        </a:spcBef>
-                        <a:spcAft>
-                          <a:spcPts val="0"/>
-                        </a:spcAft>
-                        <a:buNone/>
-                      </a:pPr>
-                      <a:endParaRPr/>
-                    </a:p>
-                  </a:txBody>
-                  <a:tcPr marL="91425" marR="91425" marT="91425" marB="91425"/>
-                </a:tc>
-                <a:extLst>
-                  <a:ext uri="{0D108BD9-81ED-4DB2-BD59-A6C34878D82A}">
-                    <a16:rowId xmlns:a16="http://schemas.microsoft.com/office/drawing/2014/main" val="10001"/>
-                  </a:ext>
-                </a:extLst>
-              </a:tr>
-              <a:tr h="483025">
-                <a:tc>
-                  <a:txBody>
-                    <a:bodyPr/>
-                    <a:lstStyle/>
-                    <a:p>
-                      <a:pPr marL="0" lvl="0" indent="0" algn="l" rtl="0">
-                        <a:lnSpc>
-                          <a:spcPct val="120000"/>
-                        </a:lnSpc>
-                        <a:spcBef>
-                          <a:spcPts val="2000"/>
-                        </a:spcBef>
-                        <a:spcAft>
-                          <a:spcPts val="400"/>
-                        </a:spcAft>
-                        <a:buNone/>
-                      </a:pPr>
-                      <a:endParaRPr/>
-                    </a:p>
-                  </a:txBody>
-                  <a:tcPr marL="91425" marR="91425" marT="91425" marB="91425"/>
-                </a:tc>
-                <a:tc>
-                  <a:txBody>
-                    <a:bodyPr/>
-                    <a:lstStyle/>
-                    <a:p>
-                      <a:pPr marL="0" lvl="0" indent="0" algn="l" rtl="0">
-                        <a:spcBef>
-                          <a:spcPts val="0"/>
-                        </a:spcBef>
-                        <a:spcAft>
-                          <a:spcPts val="0"/>
-                        </a:spcAft>
-                        <a:buNone/>
-                      </a:pPr>
-                      <a:endParaRPr/>
-                    </a:p>
-                  </a:txBody>
-                  <a:tcPr marL="91425" marR="91425" marT="91425" marB="91425"/>
-                </a:tc>
-                <a:tc>
-                  <a:txBody>
-                    <a:bodyPr/>
-                    <a:lstStyle/>
-                    <a:p>
-                      <a:pPr marL="0" lvl="0" indent="0" algn="l" rtl="0">
-                        <a:spcBef>
-                          <a:spcPts val="0"/>
-                        </a:spcBef>
-                        <a:spcAft>
-                          <a:spcPts val="0"/>
-                        </a:spcAft>
-                        <a:buNone/>
-                      </a:pPr>
-                      <a:endParaRPr/>
-                    </a:p>
-                  </a:txBody>
-                  <a:tcPr marL="91425" marR="91425" marT="91425" marB="91425"/>
-                </a:tc>
-                <a:extLst>
-                  <a:ext uri="{0D108BD9-81ED-4DB2-BD59-A6C34878D82A}">
-                    <a16:rowId xmlns:a16="http://schemas.microsoft.com/office/drawing/2014/main" val="10002"/>
-                  </a:ext>
-                </a:extLst>
-              </a:tr>
-              <a:tr h="483025">
-                <a:tc>
-                  <a:txBody>
-                    <a:bodyPr/>
-                    <a:lstStyle/>
-                    <a:p>
-                      <a:pPr marL="0" lvl="0" indent="0" algn="l" rtl="0">
-                        <a:spcBef>
-                          <a:spcPts val="0"/>
-                        </a:spcBef>
-                        <a:spcAft>
-                          <a:spcPts val="0"/>
-                        </a:spcAft>
-                        <a:buNone/>
-                      </a:pPr>
-                      <a:endParaRPr dirty="0"/>
-                    </a:p>
-                  </a:txBody>
-                  <a:tcPr marL="91425" marR="91425" marT="91425" marB="91425"/>
-                </a:tc>
-                <a:tc>
-                  <a:txBody>
-                    <a:bodyPr/>
-                    <a:lstStyle/>
-                    <a:p>
-                      <a:pPr marL="0" lvl="0" indent="0" algn="l" rtl="0">
-                        <a:spcBef>
-                          <a:spcPts val="0"/>
-                        </a:spcBef>
-                        <a:spcAft>
-                          <a:spcPts val="0"/>
-                        </a:spcAft>
-                        <a:buNone/>
-                      </a:pPr>
-                      <a:endParaRPr/>
-                    </a:p>
-                  </a:txBody>
-                  <a:tcPr marL="91425" marR="91425" marT="91425" marB="91425"/>
-                </a:tc>
-                <a:tc>
-                  <a:txBody>
-                    <a:bodyPr/>
-                    <a:lstStyle/>
-                    <a:p>
-                      <a:pPr marL="0" lvl="0" indent="0" algn="l" rtl="0">
-                        <a:spcBef>
-                          <a:spcPts val="0"/>
-                        </a:spcBef>
-                        <a:spcAft>
-                          <a:spcPts val="0"/>
-                        </a:spcAft>
-                        <a:buNone/>
-                      </a:pPr>
-                      <a:endParaRPr/>
-                    </a:p>
-                  </a:txBody>
-                  <a:tcPr marL="91425" marR="91425" marT="91425" marB="91425"/>
-                </a:tc>
-                <a:extLst>
-                  <a:ext uri="{0D108BD9-81ED-4DB2-BD59-A6C34878D82A}">
-                    <a16:rowId xmlns:a16="http://schemas.microsoft.com/office/drawing/2014/main" val="10003"/>
-                  </a:ext>
-                </a:extLst>
-              </a:tr>
-              <a:tr h="483025">
-                <a:tc>
-                  <a:txBody>
-                    <a:bodyPr/>
-                    <a:lstStyle/>
-                    <a:p>
-                      <a:pPr marL="0" lvl="0" indent="0" algn="l" rtl="0">
-                        <a:spcBef>
-                          <a:spcPts val="0"/>
-                        </a:spcBef>
-                        <a:spcAft>
-                          <a:spcPts val="0"/>
-                        </a:spcAft>
-                        <a:buNone/>
-                      </a:pPr>
-                      <a:endParaRPr/>
-                    </a:p>
-                  </a:txBody>
-                  <a:tcPr marL="91425" marR="91425" marT="91425" marB="91425"/>
-                </a:tc>
-                <a:tc>
-                  <a:txBody>
-                    <a:bodyPr/>
-                    <a:lstStyle/>
-                    <a:p>
-                      <a:pPr marL="0" lvl="0" indent="0" algn="l" rtl="0">
-                        <a:spcBef>
-                          <a:spcPts val="0"/>
-                        </a:spcBef>
-                        <a:spcAft>
-                          <a:spcPts val="0"/>
-                        </a:spcAft>
-                        <a:buNone/>
-                      </a:pPr>
-                      <a:endParaRPr/>
-                    </a:p>
-                  </a:txBody>
-                  <a:tcPr marL="91425" marR="91425" marT="91425" marB="91425"/>
-                </a:tc>
-                <a:tc>
-                  <a:txBody>
-                    <a:bodyPr/>
-                    <a:lstStyle/>
-                    <a:p>
-                      <a:pPr marL="0" lvl="0" indent="0" algn="l" rtl="0">
-                        <a:spcBef>
-                          <a:spcPts val="0"/>
-                        </a:spcBef>
-                        <a:spcAft>
-                          <a:spcPts val="0"/>
-                        </a:spcAft>
-                        <a:buNone/>
-                      </a:pPr>
-                      <a:endParaRPr/>
-                    </a:p>
-                  </a:txBody>
-                  <a:tcPr marL="91425" marR="91425" marT="91425" marB="91425"/>
-                </a:tc>
-                <a:extLst>
-                  <a:ext uri="{0D108BD9-81ED-4DB2-BD59-A6C34878D82A}">
-                    <a16:rowId xmlns:a16="http://schemas.microsoft.com/office/drawing/2014/main" val="10004"/>
-                  </a:ext>
-                </a:extLst>
-              </a:tr>
-              <a:tr h="483025">
-                <a:tc>
-                  <a:txBody>
-                    <a:bodyPr/>
-                    <a:lstStyle/>
-                    <a:p>
-                      <a:pPr marL="0" lvl="0" indent="0" algn="l" rtl="0">
-                        <a:spcBef>
-                          <a:spcPts val="0"/>
-                        </a:spcBef>
-                        <a:spcAft>
-                          <a:spcPts val="0"/>
-                        </a:spcAft>
-                        <a:buNone/>
-                      </a:pPr>
-                      <a:endParaRPr/>
-                    </a:p>
-                  </a:txBody>
-                  <a:tcPr marL="91425" marR="91425" marT="91425" marB="91425"/>
-                </a:tc>
-                <a:tc>
-                  <a:txBody>
-                    <a:bodyPr/>
-                    <a:lstStyle/>
-                    <a:p>
-                      <a:pPr marL="0" lvl="0" indent="0" algn="l" rtl="0">
-                        <a:spcBef>
-                          <a:spcPts val="0"/>
-                        </a:spcBef>
-                        <a:spcAft>
-                          <a:spcPts val="0"/>
-                        </a:spcAft>
-                        <a:buNone/>
-                      </a:pPr>
-                      <a:endParaRPr dirty="0"/>
-                    </a:p>
-                  </a:txBody>
-                  <a:tcPr marL="91425" marR="91425" marT="91425" marB="91425"/>
-                </a:tc>
-                <a:tc>
-                  <a:txBody>
-                    <a:bodyPr/>
-                    <a:lstStyle/>
-                    <a:p>
-                      <a:pPr marL="0" lvl="0" indent="0" algn="l" rtl="0">
-                        <a:spcBef>
-                          <a:spcPts val="0"/>
-                        </a:spcBef>
-                        <a:spcAft>
-                          <a:spcPts val="0"/>
-                        </a:spcAft>
-                        <a:buNone/>
-                      </a:pPr>
-                      <a:endParaRPr/>
-                    </a:p>
-                  </a:txBody>
-                  <a:tcPr marL="91425" marR="91425" marT="91425" marB="91425"/>
-                </a:tc>
-                <a:extLst>
-                  <a:ext uri="{0D108BD9-81ED-4DB2-BD59-A6C34878D82A}">
-                    <a16:rowId xmlns:a16="http://schemas.microsoft.com/office/drawing/2014/main" val="10005"/>
-                  </a:ext>
-                </a:extLst>
-              </a:tr>
-              <a:tr h="483025">
-                <a:tc>
-                  <a:txBody>
-                    <a:bodyPr/>
-                    <a:lstStyle/>
-                    <a:p>
-                      <a:pPr marL="0" lvl="0" indent="0" algn="l" rtl="0">
-                        <a:spcBef>
-                          <a:spcPts val="0"/>
-                        </a:spcBef>
-                        <a:spcAft>
-                          <a:spcPts val="0"/>
-                        </a:spcAft>
-                        <a:buNone/>
-                      </a:pPr>
-                      <a:endParaRPr/>
-                    </a:p>
-                  </a:txBody>
-                  <a:tcPr marL="91425" marR="91425" marT="91425" marB="91425"/>
-                </a:tc>
-                <a:tc>
-                  <a:txBody>
-                    <a:bodyPr/>
-                    <a:lstStyle/>
-                    <a:p>
-                      <a:pPr marL="0" lvl="0" indent="0" algn="l" rtl="0">
-                        <a:spcBef>
-                          <a:spcPts val="0"/>
-                        </a:spcBef>
-                        <a:spcAft>
-                          <a:spcPts val="0"/>
-                        </a:spcAft>
-                        <a:buNone/>
-                      </a:pPr>
-                      <a:endParaRPr/>
-                    </a:p>
-                  </a:txBody>
-                  <a:tcPr marL="91425" marR="91425" marT="91425" marB="91425"/>
-                </a:tc>
-                <a:tc>
-                  <a:txBody>
-                    <a:bodyPr/>
-                    <a:lstStyle/>
-                    <a:p>
-                      <a:pPr marL="0" lvl="0" indent="0" algn="l" rtl="0">
-                        <a:spcBef>
-                          <a:spcPts val="0"/>
-                        </a:spcBef>
-                        <a:spcAft>
-                          <a:spcPts val="0"/>
-                        </a:spcAft>
-                        <a:buNone/>
-                      </a:pPr>
-                      <a:endParaRPr/>
-                    </a:p>
-                  </a:txBody>
-                  <a:tcPr marL="91425" marR="91425" marT="91425" marB="91425"/>
-                </a:tc>
-                <a:extLst>
-                  <a:ext uri="{0D108BD9-81ED-4DB2-BD59-A6C34878D82A}">
-                    <a16:rowId xmlns:a16="http://schemas.microsoft.com/office/drawing/2014/main" val="10006"/>
-                  </a:ext>
-                </a:extLst>
-              </a:tr>
-              <a:tr h="318125">
-                <a:tc>
-                  <a:txBody>
-                    <a:bodyPr/>
-                    <a:lstStyle/>
-                    <a:p>
-                      <a:pPr marL="0" lvl="0" indent="0" algn="l" rtl="0">
-                        <a:spcBef>
-                          <a:spcPts val="0"/>
-                        </a:spcBef>
-                        <a:spcAft>
-                          <a:spcPts val="0"/>
-                        </a:spcAft>
-                        <a:buNone/>
-                      </a:pPr>
-                      <a:endParaRPr/>
-                    </a:p>
-                  </a:txBody>
-                  <a:tcPr marL="91425" marR="91425" marT="91425" marB="91425"/>
-                </a:tc>
-                <a:tc>
-                  <a:txBody>
-                    <a:bodyPr/>
-                    <a:lstStyle/>
-                    <a:p>
-                      <a:pPr marL="0" lvl="0" indent="0" algn="l" rtl="0">
-                        <a:spcBef>
-                          <a:spcPts val="0"/>
-                        </a:spcBef>
-                        <a:spcAft>
-                          <a:spcPts val="0"/>
-                        </a:spcAft>
-                        <a:buNone/>
-                      </a:pPr>
-                      <a:endParaRPr/>
-                    </a:p>
-                  </a:txBody>
-                  <a:tcPr marL="91425" marR="91425" marT="91425" marB="91425"/>
-                </a:tc>
-                <a:tc>
-                  <a:txBody>
-                    <a:bodyPr/>
-                    <a:lstStyle/>
-                    <a:p>
-                      <a:pPr marL="0" lvl="0" indent="0" algn="l" rtl="0">
-                        <a:spcBef>
-                          <a:spcPts val="0"/>
-                        </a:spcBef>
-                        <a:spcAft>
-                          <a:spcPts val="0"/>
-                        </a:spcAft>
-                        <a:buNone/>
-                      </a:pPr>
-                      <a:endParaRPr/>
-                    </a:p>
-                  </a:txBody>
-                  <a:tcPr marL="91425" marR="91425" marT="91425" marB="91425"/>
-                </a:tc>
-                <a:extLst>
-                  <a:ext uri="{0D108BD9-81ED-4DB2-BD59-A6C34878D82A}">
-                    <a16:rowId xmlns:a16="http://schemas.microsoft.com/office/drawing/2014/main" val="10007"/>
-                  </a:ext>
-                </a:extLst>
-              </a:tr>
-              <a:tr h="318125">
-                <a:tc>
-                  <a:txBody>
-                    <a:bodyPr/>
-                    <a:lstStyle/>
-                    <a:p>
-                      <a:pPr marL="0" lvl="0" indent="0" algn="l" rtl="0">
-                        <a:spcBef>
-                          <a:spcPts val="0"/>
-                        </a:spcBef>
-                        <a:spcAft>
-                          <a:spcPts val="0"/>
-                        </a:spcAft>
-                        <a:buNone/>
-                      </a:pPr>
-                      <a:endParaRPr/>
-                    </a:p>
-                  </a:txBody>
-                  <a:tcPr marL="91425" marR="91425" marT="91425" marB="91425"/>
-                </a:tc>
-                <a:tc>
-                  <a:txBody>
-                    <a:bodyPr/>
-                    <a:lstStyle/>
-                    <a:p>
-                      <a:pPr marL="0" lvl="0" indent="0" algn="l" rtl="0">
-                        <a:spcBef>
-                          <a:spcPts val="0"/>
-                        </a:spcBef>
-                        <a:spcAft>
-                          <a:spcPts val="0"/>
-                        </a:spcAft>
-                        <a:buNone/>
-                      </a:pPr>
-                      <a:endParaRPr dirty="0"/>
-                    </a:p>
-                  </a:txBody>
-                  <a:tcPr marL="91425" marR="91425" marT="91425" marB="91425"/>
-                </a:tc>
-                <a:tc>
-                  <a:txBody>
-                    <a:bodyPr/>
-                    <a:lstStyle/>
-                    <a:p>
-                      <a:pPr marL="0" lvl="0" indent="0" algn="l" rtl="0">
-                        <a:spcBef>
-                          <a:spcPts val="0"/>
-                        </a:spcBef>
-                        <a:spcAft>
-                          <a:spcPts val="0"/>
-                        </a:spcAft>
-                        <a:buNone/>
-                      </a:pPr>
-                      <a:endParaRPr/>
-                    </a:p>
-                  </a:txBody>
-                  <a:tcPr marL="91425" marR="91425" marT="91425" marB="91425"/>
-                </a:tc>
-                <a:extLst>
-                  <a:ext uri="{0D108BD9-81ED-4DB2-BD59-A6C34878D82A}">
-                    <a16:rowId xmlns:a16="http://schemas.microsoft.com/office/drawing/2014/main" val="10008"/>
-                  </a:ext>
-                </a:extLst>
-              </a:tr>
-              <a:tr h="318125">
-                <a:tc>
-                  <a:txBody>
-                    <a:bodyPr/>
-                    <a:lstStyle/>
-                    <a:p>
-                      <a:pPr marL="0" lvl="0" indent="0" algn="l" rtl="0">
-                        <a:spcBef>
-                          <a:spcPts val="0"/>
-                        </a:spcBef>
-                        <a:spcAft>
-                          <a:spcPts val="0"/>
-                        </a:spcAft>
-                        <a:buNone/>
-                      </a:pPr>
-                      <a:endParaRPr/>
-                    </a:p>
-                  </a:txBody>
-                  <a:tcPr marL="91425" marR="91425" marT="91425" marB="91425"/>
-                </a:tc>
-                <a:tc>
-                  <a:txBody>
-                    <a:bodyPr/>
-                    <a:lstStyle/>
-                    <a:p>
-                      <a:pPr marL="0" lvl="0" indent="0" algn="l" rtl="0">
-                        <a:spcBef>
-                          <a:spcPts val="0"/>
-                        </a:spcBef>
-                        <a:spcAft>
-                          <a:spcPts val="0"/>
-                        </a:spcAft>
-                        <a:buNone/>
-                      </a:pPr>
-                      <a:endParaRPr dirty="0"/>
-                    </a:p>
-                  </a:txBody>
-                  <a:tcPr marL="91425" marR="91425" marT="91425" marB="91425"/>
-                </a:tc>
-                <a:tc>
-                  <a:txBody>
-                    <a:bodyPr/>
-                    <a:lstStyle/>
-                    <a:p>
-                      <a:pPr marL="0" lvl="0" indent="0" algn="l" rtl="0">
-                        <a:spcBef>
-                          <a:spcPts val="0"/>
-                        </a:spcBef>
-                        <a:spcAft>
-                          <a:spcPts val="0"/>
-                        </a:spcAft>
-                        <a:buNone/>
-                      </a:pPr>
-                      <a:endParaRPr dirty="0"/>
-                    </a:p>
-                  </a:txBody>
-                  <a:tcPr marL="91425" marR="91425" marT="91425" marB="91425"/>
-                </a:tc>
-                <a:extLst>
-                  <a:ext uri="{0D108BD9-81ED-4DB2-BD59-A6C34878D82A}">
-                    <a16:rowId xmlns:a16="http://schemas.microsoft.com/office/drawing/2014/main" val="10009"/>
-                  </a:ext>
-                </a:extLst>
-              </a:tr>
-            </a:tbl>
-          </a:graphicData>
-        </a:graphic>
-      </p:graphicFrame>
-    </p:spTree>
-    <p:extLst>
-      <p:ext uri="{BB962C8B-B14F-4D97-AF65-F5344CB8AC3E}">
-        <p14:creationId xmlns:p14="http://schemas.microsoft.com/office/powerpoint/2010/main" val="4080069606"/>
-      </p:ext>
-    </p:extLst>
-  </p:cSld>
-  <p:clrMapOvr>
-    <a:masterClrMapping/>
-  </p:clrMapOvr>
-</p:sld>
-</file>
-
-<file path=ppt/slides/slide7.xml><?xml version="1.0" encoding="utf-8"?>
-<p:sld xmlns:a="http://schemas.openxmlformats.org/drawingml/2006/main" xmlns:r="http://schemas.openxmlformats.org/officeDocument/2006/relationships" xmlns:p="http://schemas.openxmlformats.org/presentationml/2006/main">
-  <p:cSld>
-    <p:spTree>
-      <p:nvGrpSpPr>
-        <p:cNvPr id="1" name=""/>
-        <p:cNvGrpSpPr/>
-        <p:nvPr/>
-      </p:nvGrpSpPr>
-      <p:grpSpPr>
-        <a:xfrm>
-          <a:off x="0" y="0"/>
-          <a:ext cx="0" cy="0"/>
-          <a:chOff x="0" y="0"/>
-          <a:chExt cx="0" cy="0"/>
-        </a:xfrm>
-      </p:grpSpPr>
-      <p:sp>
-        <p:nvSpPr>
-          <p:cNvPr id="2" name="제목 1">
-            <a:extLst>
-              <a:ext uri="{FF2B5EF4-FFF2-40B4-BE49-F238E27FC236}">
-                <a16:creationId xmlns:a16="http://schemas.microsoft.com/office/drawing/2014/main" id="{6026231D-19C5-9BC0-520E-1345EFC53BCD}"/>
-              </a:ext>
-            </a:extLst>
-          </p:cNvPr>
-          <p:cNvSpPr>
-            <a:spLocks noGrp="1"/>
-          </p:cNvSpPr>
-          <p:nvPr>
-            <p:ph type="title"/>
-          </p:nvPr>
-        </p:nvSpPr>
-        <p:spPr/>
-        <p:txBody>
-          <a:bodyPr/>
-          <a:lstStyle/>
-          <a:p>
-            <a:r>
-              <a:rPr lang="en-US" altLang="ko-KR" dirty="0"/>
-              <a:t>4. </a:t>
-            </a:r>
-            <a:r>
-              <a:rPr lang="ko-KR" altLang="en-US" dirty="0"/>
-              <a:t>기능</a:t>
-            </a:r>
-            <a:r>
-              <a:rPr lang="en-US" altLang="ko-KR" dirty="0"/>
-              <a:t> </a:t>
-            </a:r>
-            <a:r>
-              <a:rPr lang="ko-KR" altLang="en-US" dirty="0"/>
-              <a:t>요구사항 명세 </a:t>
-            </a:r>
-            <a:r>
-              <a:rPr lang="en-US" altLang="ko-KR" dirty="0"/>
-              <a:t>: </a:t>
-            </a:r>
-            <a:r>
-              <a:rPr lang="en-US" altLang="ko-KR" dirty="0" err="1"/>
-              <a:t>Usecase</a:t>
-            </a:r>
-            <a:r>
-              <a:rPr lang="en-US" altLang="ko-KR" dirty="0"/>
-              <a:t> Diagram</a:t>
-            </a:r>
-            <a:endParaRPr lang="ko-KR" altLang="en-US" dirty="0"/>
-          </a:p>
-        </p:txBody>
-      </p:sp>
-      <p:sp>
-        <p:nvSpPr>
-          <p:cNvPr id="3" name="텍스트 개체 틀 2">
-            <a:extLst>
-              <a:ext uri="{FF2B5EF4-FFF2-40B4-BE49-F238E27FC236}">
-                <a16:creationId xmlns:a16="http://schemas.microsoft.com/office/drawing/2014/main" id="{AD20F2F1-F7A1-10AB-420D-56EED598579F}"/>
-              </a:ext>
-            </a:extLst>
-          </p:cNvPr>
-          <p:cNvSpPr>
-            <a:spLocks noGrp="1"/>
-          </p:cNvSpPr>
-          <p:nvPr>
-            <p:ph type="body" sz="quarter" idx="10"/>
-          </p:nvPr>
-        </p:nvSpPr>
-        <p:spPr/>
-        <p:txBody>
-          <a:bodyPr/>
-          <a:lstStyle/>
-          <a:p>
-            <a:endParaRPr lang="ko-KR" altLang="en-US"/>
-          </a:p>
-        </p:txBody>
-      </p:sp>
-    </p:spTree>
-    <p:extLst>
-      <p:ext uri="{BB962C8B-B14F-4D97-AF65-F5344CB8AC3E}">
-        <p14:creationId xmlns:p14="http://schemas.microsoft.com/office/powerpoint/2010/main" val="959549699"/>
-      </p:ext>
-    </p:extLst>
-  </p:cSld>
-  <p:clrMapOvr>
-    <a:masterClrMapping/>
-  </p:clrMapOvr>
-</p:sld>
-</file>
-
-<file path=ppt/slides/slide8.xml><?xml version="1.0" encoding="utf-8"?>
 <p:sld xmlns:a="http://schemas.openxmlformats.org/drawingml/2006/main" xmlns:r="http://schemas.openxmlformats.org/officeDocument/2006/relationships" xmlns:p="http://schemas.openxmlformats.org/presentationml/2006/main">
   <p:cSld>
     <p:spTree>
@@ -22598,7 +22215,7 @@
 </p:sld>
 </file>
 
-<file path=ppt/slides/slide9.xml><?xml version="1.0" encoding="utf-8"?>
+<file path=ppt/slides/slide7.xml><?xml version="1.0" encoding="utf-8"?>
 <p:sld xmlns:a="http://schemas.openxmlformats.org/drawingml/2006/main" xmlns:r="http://schemas.openxmlformats.org/officeDocument/2006/relationships" xmlns:p="http://schemas.openxmlformats.org/presentationml/2006/main">
   <p:cSld>
     <p:spTree>
@@ -23284,45 +22901,219 @@
 </p:sld>
 </file>
 
+<file path=ppt/slides/slide8.xml><?xml version="1.0" encoding="utf-8"?>
+<p:sld xmlns:a="http://schemas.openxmlformats.org/drawingml/2006/main" xmlns:r="http://schemas.openxmlformats.org/officeDocument/2006/relationships" xmlns:p="http://schemas.openxmlformats.org/presentationml/2006/main">
+  <p:cSld>
+    <p:spTree>
+      <p:nvGrpSpPr>
+        <p:cNvPr id="1" name=""/>
+        <p:cNvGrpSpPr/>
+        <p:nvPr/>
+      </p:nvGrpSpPr>
+      <p:grpSpPr>
+        <a:xfrm>
+          <a:off x="0" y="0"/>
+          <a:ext cx="0" cy="0"/>
+          <a:chOff x="0" y="0"/>
+          <a:chExt cx="0" cy="0"/>
+        </a:xfrm>
+      </p:grpSpPr>
+      <p:sp>
+        <p:nvSpPr>
+          <p:cNvPr id="2" name="제목 1">
+            <a:extLst>
+              <a:ext uri="{FF2B5EF4-FFF2-40B4-BE49-F238E27FC236}">
+                <a16:creationId xmlns:a16="http://schemas.microsoft.com/office/drawing/2014/main" id="{89468A2C-6A19-C11C-81E6-EA7C9F5E0681}"/>
+              </a:ext>
+            </a:extLst>
+          </p:cNvPr>
+          <p:cNvSpPr>
+            <a:spLocks noGrp="1"/>
+          </p:cNvSpPr>
+          <p:nvPr>
+            <p:ph type="title"/>
+          </p:nvPr>
+        </p:nvSpPr>
+        <p:spPr/>
+        <p:txBody>
+          <a:bodyPr/>
+          <a:lstStyle/>
+          <a:p>
+            <a:r>
+              <a:rPr lang="en-US" altLang="ko-KR" dirty="0"/>
+              <a:t>6. </a:t>
+            </a:r>
+            <a:r>
+              <a:rPr lang="ko-KR" altLang="en-US" dirty="0"/>
+              <a:t>요구사항 검토 체크리스트</a:t>
+            </a:r>
+          </a:p>
+        </p:txBody>
+      </p:sp>
+      <p:sp>
+        <p:nvSpPr>
+          <p:cNvPr id="3" name="텍스트 개체 틀 2">
+            <a:extLst>
+              <a:ext uri="{FF2B5EF4-FFF2-40B4-BE49-F238E27FC236}">
+                <a16:creationId xmlns:a16="http://schemas.microsoft.com/office/drawing/2014/main" id="{6B27578D-77DB-BD75-A1D0-F41CACC63750}"/>
+              </a:ext>
+            </a:extLst>
+          </p:cNvPr>
+          <p:cNvSpPr>
+            <a:spLocks noGrp="1"/>
+          </p:cNvSpPr>
+          <p:nvPr>
+            <p:ph type="body" sz="quarter" idx="10"/>
+          </p:nvPr>
+        </p:nvSpPr>
+        <p:spPr/>
+        <p:txBody>
+          <a:bodyPr/>
+          <a:lstStyle/>
+          <a:p>
+            <a:endParaRPr lang="ko-KR" altLang="en-US"/>
+          </a:p>
+        </p:txBody>
+      </p:sp>
+    </p:spTree>
+    <p:extLst>
+      <p:ext uri="{BB962C8B-B14F-4D97-AF65-F5344CB8AC3E}">
+        <p14:creationId xmlns:p14="http://schemas.microsoft.com/office/powerpoint/2010/main" val="836117145"/>
+      </p:ext>
+    </p:extLst>
+  </p:cSld>
+  <p:clrMapOvr>
+    <a:masterClrMapping/>
+  </p:clrMapOvr>
+</p:sld>
+</file>
+
+<file path=ppt/slides/slide9.xml><?xml version="1.0" encoding="utf-8"?>
+<p:sld xmlns:a="http://schemas.openxmlformats.org/drawingml/2006/main" xmlns:r="http://schemas.openxmlformats.org/officeDocument/2006/relationships" xmlns:p="http://schemas.openxmlformats.org/presentationml/2006/main">
+  <p:cSld>
+    <p:spTree>
+      <p:nvGrpSpPr>
+        <p:cNvPr id="1" name=""/>
+        <p:cNvGrpSpPr/>
+        <p:nvPr/>
+      </p:nvGrpSpPr>
+      <p:grpSpPr>
+        <a:xfrm>
+          <a:off x="0" y="0"/>
+          <a:ext cx="0" cy="0"/>
+          <a:chOff x="0" y="0"/>
+          <a:chExt cx="0" cy="0"/>
+        </a:xfrm>
+      </p:grpSpPr>
+      <p:sp>
+        <p:nvSpPr>
+          <p:cNvPr id="2" name="제목 1">
+            <a:extLst>
+              <a:ext uri="{FF2B5EF4-FFF2-40B4-BE49-F238E27FC236}">
+                <a16:creationId xmlns:a16="http://schemas.microsoft.com/office/drawing/2014/main" id="{8415BE52-74A9-6CE6-241C-41221B52733B}"/>
+              </a:ext>
+            </a:extLst>
+          </p:cNvPr>
+          <p:cNvSpPr>
+            <a:spLocks noGrp="1"/>
+          </p:cNvSpPr>
+          <p:nvPr>
+            <p:ph type="title"/>
+          </p:nvPr>
+        </p:nvSpPr>
+        <p:spPr/>
+        <p:txBody>
+          <a:bodyPr/>
+          <a:lstStyle/>
+          <a:p>
+            <a:r>
+              <a:rPr lang="en-US" altLang="ko-KR" dirty="0"/>
+              <a:t>7. </a:t>
+            </a:r>
+            <a:r>
+              <a:rPr lang="ko-KR" altLang="en-US" dirty="0"/>
+              <a:t>요구사항 검토 결과</a:t>
+            </a:r>
+          </a:p>
+        </p:txBody>
+      </p:sp>
+      <p:sp>
+        <p:nvSpPr>
+          <p:cNvPr id="3" name="텍스트 개체 틀 2">
+            <a:extLst>
+              <a:ext uri="{FF2B5EF4-FFF2-40B4-BE49-F238E27FC236}">
+                <a16:creationId xmlns:a16="http://schemas.microsoft.com/office/drawing/2014/main" id="{DA30BADA-989E-6918-B592-3555A2D1C1A3}"/>
+              </a:ext>
+            </a:extLst>
+          </p:cNvPr>
+          <p:cNvSpPr>
+            <a:spLocks noGrp="1"/>
+          </p:cNvSpPr>
+          <p:nvPr>
+            <p:ph type="body" sz="quarter" idx="10"/>
+          </p:nvPr>
+        </p:nvSpPr>
+        <p:spPr/>
+        <p:txBody>
+          <a:bodyPr/>
+          <a:lstStyle/>
+          <a:p>
+            <a:endParaRPr lang="ko-KR" altLang="en-US"/>
+          </a:p>
+        </p:txBody>
+      </p:sp>
+    </p:spTree>
+    <p:extLst>
+      <p:ext uri="{BB962C8B-B14F-4D97-AF65-F5344CB8AC3E}">
+        <p14:creationId xmlns:p14="http://schemas.microsoft.com/office/powerpoint/2010/main" val="2126507577"/>
+      </p:ext>
+    </p:extLst>
+  </p:cSld>
+  <p:clrMapOvr>
+    <a:masterClrMapping/>
+  </p:clrMapOvr>
+</p:sld>
+</file>
+
 <file path=ppt/theme/theme1.xml><?xml version="1.0" encoding="utf-8"?>
-<a:theme xmlns:r="http://schemas.openxmlformats.org/officeDocument/2006/relationships" xmlns:c="http://schemas.openxmlformats.org/drawingml/2006/chart" xmlns:dgm="http://schemas.openxmlformats.org/drawingml/2006/diagram" xmlns:dsp="http://schemas.microsoft.com/office/drawing/2008/diagram" xmlns:a="http://schemas.openxmlformats.org/drawingml/2006/main" xmlns:pic="http://schemas.openxmlformats.org/drawingml/2006/picture" xmlns:wp="http://schemas.openxmlformats.org/drawingml/2006/wordprocessingDrawing" xmlns:xdr="http://schemas.openxmlformats.org/drawingml/2006/spreadsheetDrawing" xmlns:lc="http://schemas.openxmlformats.org/drawingml/2006/lockedCanvas" xmlns:p="http://schemas.openxmlformats.org/presentationml/2006/main" name="1_Office 테마">
+<a:theme xmlns:a="http://schemas.openxmlformats.org/drawingml/2006/main" name="1_Office 테마">
   <a:themeElements>
     <a:clrScheme name="Office 2013 - 2022">
       <a:dk1>
         <a:sysClr val="windowText" lastClr="000000"/>
       </a:dk1>
       <a:lt1>
-        <a:sysClr val="window" lastClr="ffffff"/>
+        <a:sysClr val="window" lastClr="FFFFFF"/>
       </a:lt1>
       <a:dk2>
-        <a:srgbClr val="44546a"/>
+        <a:srgbClr val="44546A"/>
       </a:dk2>
       <a:lt2>
-        <a:srgbClr val="e7e6e6"/>
+        <a:srgbClr val="E7E6E6"/>
       </a:lt2>
       <a:accent1>
-        <a:srgbClr val="4472c4"/>
+        <a:srgbClr val="4472C4"/>
       </a:accent1>
       <a:accent2>
-        <a:srgbClr val="ed7d31"/>
+        <a:srgbClr val="ED7D31"/>
       </a:accent2>
       <a:accent3>
-        <a:srgbClr val="a5a5a5"/>
+        <a:srgbClr val="A5A5A5"/>
       </a:accent3>
       <a:accent4>
-        <a:srgbClr val="ffc000"/>
+        <a:srgbClr val="FFC000"/>
       </a:accent4>
       <a:accent5>
-        <a:srgbClr val="5b9bd5"/>
+        <a:srgbClr val="5B9BD5"/>
       </a:accent5>
       <a:accent6>
-        <a:srgbClr val="70ad47"/>
+        <a:srgbClr val="70AD47"/>
       </a:accent6>
       <a:hlink>
-        <a:srgbClr val="0563c1"/>
+        <a:srgbClr val="0563C1"/>
       </a:hlink>
       <a:folHlink>
-        <a:srgbClr val="954f72"/>
+        <a:srgbClr val="954F72"/>
       </a:folHlink>
     </a:clrScheme>
     <a:fontScheme name="사용자 지정 2">
@@ -23479,7 +23270,7 @@
     <a:spDef>
       <a:spPr>
         <a:solidFill>
-          <a:srgbClr val="356dde"/>
+          <a:srgbClr val="356DDE"/>
         </a:solidFill>
         <a:ln w="12700">
           <a:noFill/>
@@ -23557,48 +23348,49 @@
       </a:lstStyle>
     </a:txDef>
   </a:objectDefaults>
+  <a:extraClrSchemeLst/>
 </a:theme>
 </file>
 
 <file path=ppt/theme/theme2.xml><?xml version="1.0" encoding="utf-8"?>
-<a:theme xmlns:r="http://schemas.openxmlformats.org/officeDocument/2006/relationships" xmlns:c="http://schemas.openxmlformats.org/drawingml/2006/chart" xmlns:dgm="http://schemas.openxmlformats.org/drawingml/2006/diagram" xmlns:dsp="http://schemas.microsoft.com/office/drawing/2008/diagram" xmlns:a="http://schemas.openxmlformats.org/drawingml/2006/main" xmlns:pic="http://schemas.openxmlformats.org/drawingml/2006/picture" xmlns:wp="http://schemas.openxmlformats.org/drawingml/2006/wordprocessingDrawing" xmlns:xdr="http://schemas.openxmlformats.org/drawingml/2006/spreadsheetDrawing" xmlns:lc="http://schemas.openxmlformats.org/drawingml/2006/lockedCanvas" xmlns:p="http://schemas.openxmlformats.org/presentationml/2006/main" name="Office 테마">
+<a:theme xmlns:a="http://schemas.openxmlformats.org/drawingml/2006/main" name="Office 테마">
   <a:themeElements>
     <a:clrScheme name="Office">
       <a:dk1>
         <a:sysClr val="windowText" lastClr="000000"/>
       </a:dk1>
       <a:lt1>
-        <a:sysClr val="window" lastClr="ffffff"/>
+        <a:sysClr val="window" lastClr="FFFFFF"/>
       </a:lt1>
       <a:dk2>
-        <a:srgbClr val="44546a"/>
+        <a:srgbClr val="44546A"/>
       </a:dk2>
       <a:lt2>
-        <a:srgbClr val="e7e6e6"/>
+        <a:srgbClr val="E7E6E6"/>
       </a:lt2>
       <a:accent1>
-        <a:srgbClr val="5b9bd5"/>
+        <a:srgbClr val="5B9BD5"/>
       </a:accent1>
       <a:accent2>
-        <a:srgbClr val="ed7d31"/>
+        <a:srgbClr val="ED7D31"/>
       </a:accent2>
       <a:accent3>
-        <a:srgbClr val="a5a5a5"/>
+        <a:srgbClr val="A5A5A5"/>
       </a:accent3>
       <a:accent4>
-        <a:srgbClr val="ffc000"/>
+        <a:srgbClr val="FFC000"/>
       </a:accent4>
       <a:accent5>
-        <a:srgbClr val="4472c4"/>
+        <a:srgbClr val="4472C4"/>
       </a:accent5>
       <a:accent6>
-        <a:srgbClr val="70ad47"/>
+        <a:srgbClr val="70AD47"/>
       </a:accent6>
       <a:hlink>
-        <a:srgbClr val="0563c1"/>
+        <a:srgbClr val="0563C1"/>
       </a:hlink>
       <a:folHlink>
-        <a:srgbClr val="954f72"/>
+        <a:srgbClr val="954F72"/>
       </a:folHlink>
     </a:clrScheme>
     <a:fontScheme name="Office">
@@ -23811,48 +23603,50 @@
       </a:bgFillStyleLst>
     </a:fmtScheme>
   </a:themeElements>
+  <a:objectDefaults/>
+  <a:extraClrSchemeLst/>
 </a:theme>
 </file>
 
 <file path=ppt/theme/theme3.xml><?xml version="1.0" encoding="utf-8"?>
-<a:theme xmlns:r="http://schemas.openxmlformats.org/officeDocument/2006/relationships" xmlns:c="http://schemas.openxmlformats.org/drawingml/2006/chart" xmlns:dgm="http://schemas.openxmlformats.org/drawingml/2006/diagram" xmlns:dsp="http://schemas.microsoft.com/office/drawing/2008/diagram" xmlns:a="http://schemas.openxmlformats.org/drawingml/2006/main" xmlns:pic="http://schemas.openxmlformats.org/drawingml/2006/picture" xmlns:wp="http://schemas.openxmlformats.org/drawingml/2006/wordprocessingDrawing" xmlns:xdr="http://schemas.openxmlformats.org/drawingml/2006/spreadsheetDrawing" xmlns:lc="http://schemas.openxmlformats.org/drawingml/2006/lockedCanvas" xmlns:p="http://schemas.openxmlformats.org/presentationml/2006/main" name="Office 테마">
+<a:theme xmlns:a="http://schemas.openxmlformats.org/drawingml/2006/main" name="Office 테마">
   <a:themeElements>
     <a:clrScheme name="Office">
       <a:dk1>
         <a:sysClr val="windowText" lastClr="000000"/>
       </a:dk1>
       <a:lt1>
-        <a:sysClr val="window" lastClr="ffffff"/>
+        <a:sysClr val="window" lastClr="FFFFFF"/>
       </a:lt1>
       <a:dk2>
-        <a:srgbClr val="44546a"/>
+        <a:srgbClr val="44546A"/>
       </a:dk2>
       <a:lt2>
-        <a:srgbClr val="e7e6e6"/>
+        <a:srgbClr val="E7E6E6"/>
       </a:lt2>
       <a:accent1>
-        <a:srgbClr val="5b9bd5"/>
+        <a:srgbClr val="5B9BD5"/>
       </a:accent1>
       <a:accent2>
-        <a:srgbClr val="ed7d31"/>
+        <a:srgbClr val="ED7D31"/>
       </a:accent2>
       <a:accent3>
-        <a:srgbClr val="a5a5a5"/>
+        <a:srgbClr val="A5A5A5"/>
       </a:accent3>
       <a:accent4>
-        <a:srgbClr val="ffc000"/>
+        <a:srgbClr val="FFC000"/>
       </a:accent4>
       <a:accent5>
-        <a:srgbClr val="4472c4"/>
+        <a:srgbClr val="4472C4"/>
       </a:accent5>
       <a:accent6>
-        <a:srgbClr val="70ad47"/>
+        <a:srgbClr val="70AD47"/>
       </a:accent6>
       <a:hlink>
-        <a:srgbClr val="0563c1"/>
+        <a:srgbClr val="0563C1"/>
       </a:hlink>
       <a:folHlink>
-        <a:srgbClr val="954f72"/>
+        <a:srgbClr val="954F72"/>
       </a:folHlink>
     </a:clrScheme>
     <a:fontScheme name="Office">
@@ -24065,5 +23859,7 @@
       </a:bgFillStyleLst>
     </a:fmtScheme>
   </a:themeElements>
+  <a:objectDefaults/>
+  <a:extraClrSchemeLst/>
 </a:theme>
 </file>
--- a/01_요구사항 실습/SW 요구사항 분석 및 설계_3조.pptx
+++ b/01_요구사항 실습/SW 요구사항 분석 및 설계_3조.pptx
@@ -1,25 +1,25 @@
 
 <file path=ppt/presentation.xml><?xml version="1.0" encoding="utf-8"?>
-<p:presentation xmlns:a="http://schemas.openxmlformats.org/drawingml/2006/main" xmlns:r="http://schemas.openxmlformats.org/officeDocument/2006/relationships" xmlns:p="http://schemas.openxmlformats.org/presentationml/2006/main">
+<p:presentation xmlns:r="http://schemas.openxmlformats.org/officeDocument/2006/relationships" xmlns:c="http://schemas.openxmlformats.org/drawingml/2006/chart" xmlns:a="http://schemas.openxmlformats.org/drawingml/2006/main" xmlns:dgm="http://schemas.openxmlformats.org/drawingml/2006/diagram" xmlns:dsp="http://schemas.microsoft.com/office/drawing/2008/diagram" xmlns:p="http://schemas.openxmlformats.org/presentationml/2006/main">
   <p:sldMasterIdLst>
-    <p:sldMasterId id="2147483737" r:id="rId1"/>
+    <p:sldMasterId id="2147483751" r:id="rId1"/>
   </p:sldMasterIdLst>
   <p:notesMasterIdLst>
-    <p:notesMasterId r:id="rId11"/>
+    <p:notesMasterId r:id="rId2"/>
   </p:notesMasterIdLst>
   <p:handoutMasterIdLst>
-    <p:handoutMasterId r:id="rId12"/>
+    <p:handoutMasterId r:id="rId3"/>
   </p:handoutMasterIdLst>
   <p:sldIdLst>
-    <p:sldId id="2076136653" r:id="rId2"/>
-    <p:sldId id="502" r:id="rId3"/>
-    <p:sldId id="2076136660" r:id="rId4"/>
-    <p:sldId id="507" r:id="rId5"/>
-    <p:sldId id="2076136655" r:id="rId6"/>
-    <p:sldId id="2076136656" r:id="rId7"/>
-    <p:sldId id="2076136657" r:id="rId8"/>
-    <p:sldId id="2076136658" r:id="rId9"/>
-    <p:sldId id="2076136659" r:id="rId10"/>
+    <p:sldId id="2076136653" r:id="rId4"/>
+    <p:sldId id="502" r:id="rId5"/>
+    <p:sldId id="2076136660" r:id="rId6"/>
+    <p:sldId id="507" r:id="rId7"/>
+    <p:sldId id="2076136655" r:id="rId8"/>
+    <p:sldId id="2076136656" r:id="rId9"/>
+    <p:sldId id="2076136657" r:id="rId10"/>
+    <p:sldId id="2076136658" r:id="rId11"/>
+    <p:sldId id="2076136659" r:id="rId12"/>
   </p:sldIdLst>
   <p:sldSz cx="12192000" cy="6858000"/>
   <p:notesSz cx="6797675" cy="9926638"/>
@@ -118,35 +118,11 @@
       </a:defRPr>
     </a:lvl9pPr>
   </p:defaultTextStyle>
-  <p:extLst>
-    <p:ext uri="{EFAFB233-063F-42B5-8137-9DF3F51BA10A}">
-      <p15:sldGuideLst xmlns:p15="http://schemas.microsoft.com/office/powerpoint/2012/main">
-        <p15:guide id="1" orient="horz" pos="4064">
-          <p15:clr>
-            <a:srgbClr val="A4A3A4"/>
-          </p15:clr>
-        </p15:guide>
-        <p15:guide id="2" pos="239">
-          <p15:clr>
-            <a:srgbClr val="A4A3A4"/>
-          </p15:clr>
-        </p15:guide>
-        <p15:guide id="3" pos="7469">
-          <p15:clr>
-            <a:srgbClr val="A4A3A4"/>
-          </p15:clr>
-        </p15:guide>
-      </p15:sldGuideLst>
-    </p:ext>
-    <p:ext uri="{2D200454-40CA-4A62-9FC3-DE9A4176ACB9}">
-      <p15:notesGuideLst xmlns:p15="http://schemas.microsoft.com/office/powerpoint/2012/main"/>
-    </p:ext>
-  </p:extLst>
 </p:presentation>
 </file>
 
 <file path=ppt/handoutMasters/handoutMaster1.xml><?xml version="1.0" encoding="utf-8"?>
-<p:handoutMaster xmlns:a="http://schemas.openxmlformats.org/drawingml/2006/main" xmlns:r="http://schemas.openxmlformats.org/officeDocument/2006/relationships" xmlns:p="http://schemas.openxmlformats.org/presentationml/2006/main">
+<p:handoutMaster xmlns:r="http://schemas.openxmlformats.org/officeDocument/2006/relationships" xmlns:c="http://schemas.openxmlformats.org/drawingml/2006/chart" xmlns:a="http://schemas.openxmlformats.org/drawingml/2006/main" xmlns:dgm="http://schemas.openxmlformats.org/drawingml/2006/diagram" xmlns:dsp="http://schemas.microsoft.com/office/drawing/2008/diagram" xmlns:p="http://schemas.openxmlformats.org/presentationml/2006/main">
   <p:cSld>
     <p:bg>
       <p:bgRef idx="1001">
@@ -174,7 +150,7 @@
             <a:spLocks noGrp="1"/>
           </p:cNvSpPr>
           <p:nvPr>
-            <p:ph type="hdr" sz="quarter"/>
+            <p:ph type="hdr" sz="quarter" idx="0"/>
           </p:nvPr>
         </p:nvSpPr>
         <p:spPr>
@@ -197,6 +173,13 @@
             <a:pPr lvl="0">
               <a:defRPr/>
             </a:pPr>
+            <a:r>
+              <a:rPr lang="ko-KR" altLang="en-US">
+                <a:latin typeface="프리젠테이션 7 Bold"/>
+                <a:ea typeface="프리젠테이션 7 Bold"/>
+              </a:rPr>
+              <a:t/>
+            </a:r>
             <a:endParaRPr lang="ko-KR" altLang="en-US">
               <a:latin typeface="프리젠테이션 7 Bold"/>
               <a:ea typeface="프리젠테이션 7 Bold"/>
@@ -242,7 +225,7 @@
               <a:pPr lvl="0">
                 <a:defRPr/>
               </a:pPr>
-              <a:t>2025-01-21</a:t>
+              <a:t>2025-01-22</a:t>
             </a:fld>
             <a:endParaRPr lang="ko-KR" altLang="en-US">
               <a:latin typeface="프리젠테이션 7 Bold"/>
@@ -281,6 +264,13 @@
             <a:pPr lvl="0">
               <a:defRPr/>
             </a:pPr>
+            <a:r>
+              <a:rPr lang="ko-KR" altLang="en-US">
+                <a:latin typeface="프리젠테이션 7 Bold"/>
+                <a:ea typeface="프리젠테이션 7 Bold"/>
+              </a:rPr>
+              <a:t/>
+            </a:r>
             <a:endParaRPr lang="ko-KR" altLang="en-US">
               <a:latin typeface="프리젠테이션 7 Bold"/>
               <a:ea typeface="프리젠테이션 7 Bold"/>
@@ -336,18 +326,13 @@
         </p:txBody>
       </p:sp>
     </p:spTree>
-    <p:extLst>
-      <p:ext uri="{BB962C8B-B14F-4D97-AF65-F5344CB8AC3E}">
-        <p14:creationId xmlns:p14="http://schemas.microsoft.com/office/powerpoint/2010/main" val="1"/>
-      </p:ext>
-    </p:extLst>
   </p:cSld>
   <p:clrMap bg1="lt1" tx1="dk1" bg2="lt2" tx2="dk2" accent1="accent1" accent2="accent2" accent3="accent3" accent4="accent4" accent5="accent5" accent6="accent6" hlink="hlink" folHlink="folHlink"/>
 </p:handoutMaster>
 </file>
 
 <file path=ppt/notesMasters/notesMaster1.xml><?xml version="1.0" encoding="utf-8"?>
-<p:notesMaster xmlns:a="http://schemas.openxmlformats.org/drawingml/2006/main" xmlns:r="http://schemas.openxmlformats.org/officeDocument/2006/relationships" xmlns:p="http://schemas.openxmlformats.org/presentationml/2006/main">
+<p:notesMaster xmlns:r="http://schemas.openxmlformats.org/officeDocument/2006/relationships" xmlns:c="http://schemas.openxmlformats.org/drawingml/2006/chart" xmlns:a="http://schemas.openxmlformats.org/drawingml/2006/main" xmlns:dgm="http://schemas.openxmlformats.org/drawingml/2006/diagram" xmlns:dsp="http://schemas.microsoft.com/office/drawing/2008/diagram" xmlns:p="http://schemas.openxmlformats.org/presentationml/2006/main">
   <p:cSld>
     <p:bg>
       <p:bgRef idx="1001">
@@ -375,7 +360,7 @@
             <a:spLocks noGrp="1"/>
           </p:cNvSpPr>
           <p:nvPr>
-            <p:ph type="hdr" sz="quarter"/>
+            <p:ph type="hdr" sz="quarter" idx="0"/>
           </p:nvPr>
         </p:nvSpPr>
         <p:spPr>
@@ -401,6 +386,10 @@
             <a:pPr lvl="0">
               <a:defRPr/>
             </a:pPr>
+            <a:r>
+              <a:rPr lang="ko-KR" altLang="en-US"/>
+              <a:t/>
+            </a:r>
             <a:endParaRPr lang="ko-KR" altLang="en-US"/>
           </a:p>
         </p:txBody>
@@ -443,7 +432,7 @@
               <a:pPr lvl="0">
                 <a:defRPr/>
               </a:pPr>
-              <a:t>2025-01-21</a:t>
+              <a:t>2025-01-22</a:t>
             </a:fld>
             <a:endParaRPr lang="ko-KR" altLang="en-US"/>
           </a:p>
@@ -515,6 +504,7 @@
               <a:rPr lang="ko-KR" altLang="en-US"/>
               <a:t>마스터 텍스트 스타일 편집</a:t>
             </a:r>
+            <a:endParaRPr lang="ko-KR" altLang="en-US"/>
           </a:p>
           <a:p>
             <a:pPr lvl="1">
@@ -524,6 +514,7 @@
               <a:rPr lang="ko-KR" altLang="en-US"/>
               <a:t>둘째 수준</a:t>
             </a:r>
+            <a:endParaRPr lang="ko-KR" altLang="en-US"/>
           </a:p>
           <a:p>
             <a:pPr lvl="2">
@@ -533,6 +524,7 @@
               <a:rPr lang="ko-KR" altLang="en-US"/>
               <a:t>셋째 수준</a:t>
             </a:r>
+            <a:endParaRPr lang="ko-KR" altLang="en-US"/>
           </a:p>
           <a:p>
             <a:pPr lvl="3">
@@ -542,6 +534,7 @@
               <a:rPr lang="ko-KR" altLang="en-US"/>
               <a:t>넷째 수준</a:t>
             </a:r>
+            <a:endParaRPr lang="ko-KR" altLang="en-US"/>
           </a:p>
           <a:p>
             <a:pPr lvl="4">
@@ -551,6 +544,7 @@
               <a:rPr lang="ko-KR" altLang="en-US"/>
               <a:t>다섯째 수준</a:t>
             </a:r>
+            <a:endParaRPr lang="ko-KR" altLang="en-US"/>
           </a:p>
         </p:txBody>
       </p:sp>
@@ -631,6 +625,10 @@
             <a:pPr lvl="0">
               <a:defRPr/>
             </a:pPr>
+            <a:r>
+              <a:rPr lang="ko-KR" altLang="en-US"/>
+              <a:t/>
+            </a:r>
             <a:endParaRPr lang="ko-KR" altLang="en-US"/>
           </a:p>
         </p:txBody>
@@ -18717,7 +18715,7 @@
 </file>
 
 <file path=ppt/slides/slide6.xml><?xml version="1.0" encoding="utf-8"?>
-<p:sld xmlns:a="http://schemas.openxmlformats.org/drawingml/2006/main" xmlns:r="http://schemas.openxmlformats.org/officeDocument/2006/relationships" xmlns:p="http://schemas.openxmlformats.org/presentationml/2006/main">
+<p:sld xmlns:r="http://schemas.openxmlformats.org/officeDocument/2006/relationships" xmlns:c="http://schemas.openxmlformats.org/drawingml/2006/chart" xmlns:a="http://schemas.openxmlformats.org/drawingml/2006/main" xmlns:dgm="http://schemas.openxmlformats.org/drawingml/2006/diagram" xmlns:dsp="http://schemas.microsoft.com/office/drawing/2008/diagram" xmlns:p="http://schemas.openxmlformats.org/presentationml/2006/main">
   <p:cSld>
     <p:spTree>
       <p:nvGrpSpPr>
@@ -18735,18 +18733,12 @@
       </p:grpSpPr>
       <p:sp>
         <p:nvSpPr>
-          <p:cNvPr id="2" name="제목 1">
-            <a:extLst>
-              <a:ext uri="{FF2B5EF4-FFF2-40B4-BE49-F238E27FC236}">
-                <a16:creationId xmlns:a16="http://schemas.microsoft.com/office/drawing/2014/main" id="{435BF888-0DA4-6C9C-FD6D-A2FED7B300EA}"/>
-              </a:ext>
-            </a:extLst>
-          </p:cNvPr>
+          <p:cNvPr id="2" name="제목 1"/>
           <p:cNvSpPr>
             <a:spLocks noGrp="1"/>
           </p:cNvSpPr>
           <p:nvPr>
-            <p:ph type="title"/>
+            <p:ph type="title" idx="0"/>
           </p:nvPr>
         </p:nvSpPr>
         <p:spPr/>
@@ -18754,64 +18746,48 @@
           <a:bodyPr/>
           <a:lstStyle/>
           <a:p>
+            <a:pPr lvl="0">
+              <a:defRPr/>
+            </a:pPr>
             <a:r>
-              <a:rPr lang="en-US" altLang="ko-KR" dirty="0"/>
+              <a:rPr lang="en-US" altLang="ko-KR"/>
               <a:t>4. </a:t>
             </a:r>
             <a:r>
-              <a:rPr lang="ko-KR" altLang="en-US" dirty="0"/>
+              <a:rPr lang="ko-KR" altLang="en-US"/>
               <a:t>기능</a:t>
             </a:r>
             <a:r>
-              <a:rPr lang="en-US" altLang="ko-KR" dirty="0"/>
+              <a:rPr lang="en-US" altLang="ko-KR"/>
               <a:t> </a:t>
             </a:r>
             <a:r>
-              <a:rPr lang="ko-KR" altLang="en-US" dirty="0"/>
+              <a:rPr lang="ko-KR" altLang="en-US"/>
               <a:t>요구사항 명세 </a:t>
             </a:r>
             <a:r>
-              <a:rPr lang="en-US" altLang="ko-KR" dirty="0"/>
-              <a:t>: </a:t>
+              <a:rPr lang="en-US" altLang="ko-KR"/>
+              <a:t>: Usecase </a:t>
             </a:r>
             <a:r>
-              <a:rPr lang="en-US" altLang="ko-KR" dirty="0" err="1"/>
-              <a:t>Usecase</a:t>
-            </a:r>
-            <a:r>
-              <a:rPr lang="en-US" altLang="ko-KR" dirty="0"/>
-              <a:t> </a:t>
-            </a:r>
-            <a:r>
-              <a:rPr lang="ko-KR" altLang="en-US" dirty="0"/>
+              <a:rPr lang="ko-KR" altLang="en-US"/>
               <a:t>기술서 양식</a:t>
             </a:r>
+            <a:endParaRPr lang="ko-KR" altLang="en-US"/>
           </a:p>
         </p:txBody>
       </p:sp>
       <p:graphicFrame>
         <p:nvGraphicFramePr>
-          <p:cNvPr id="4" name="object 3">
-            <a:extLst>
-              <a:ext uri="{FF2B5EF4-FFF2-40B4-BE49-F238E27FC236}">
-                <a16:creationId xmlns:a16="http://schemas.microsoft.com/office/drawing/2014/main" id="{B4CC6214-AFB4-5B90-DA7B-BA2048206458}"/>
-              </a:ext>
-            </a:extLst>
-          </p:cNvPr>
+          <p:cNvPr id="4" name="object 3"/>
           <p:cNvGraphicFramePr>
             <a:graphicFrameLocks noGrp="1"/>
           </p:cNvGraphicFramePr>
-          <p:nvPr>
-            <p:extLst>
-              <p:ext uri="{D42A27DB-BD31-4B8C-83A1-F6EECF244321}">
-                <p14:modId xmlns:p14="http://schemas.microsoft.com/office/powerpoint/2010/main" val="3003549151"/>
-              </p:ext>
-            </p:extLst>
-          </p:nvPr>
+          <p:nvPr/>
         </p:nvGraphicFramePr>
         <p:xfrm>
-          <a:off x="485458" y="760169"/>
-          <a:ext cx="11170248" cy="5683242"/>
+          <a:off x="513830" y="1205262"/>
+          <a:ext cx="11164340" cy="5009518"/>
         </p:xfrm>
         <a:graphic>
           <a:graphicData uri="http://schemas.openxmlformats.org/drawingml/2006/table">
@@ -18820,33 +18796,14 @@
                 <a:tableStyleId>{2D5ABB26-0587-4C30-8999-92F81FD0307C}</a:tableStyleId>
               </a:tblPr>
               <a:tblGrid>
-                <a:gridCol w="2315615">
-                  <a:extLst>
-                    <a:ext uri="{9D8B030D-6E8A-4147-A177-3AD203B41FA5}">
-                      <a16:colId xmlns:a16="http://schemas.microsoft.com/office/drawing/2014/main" val="20000"/>
-                    </a:ext>
-                  </a:extLst>
-                </a:gridCol>
-                <a:gridCol w="4795210">
-                  <a:extLst>
-                    <a:ext uri="{9D8B030D-6E8A-4147-A177-3AD203B41FA5}">
-                      <a16:colId xmlns:a16="http://schemas.microsoft.com/office/drawing/2014/main" val="20001"/>
-                    </a:ext>
-                  </a:extLst>
-                </a:gridCol>
-                <a:gridCol w="4059423">
-                  <a:extLst>
-                    <a:ext uri="{9D8B030D-6E8A-4147-A177-3AD203B41FA5}">
-                      <a16:colId xmlns:a16="http://schemas.microsoft.com/office/drawing/2014/main" val="2582341048"/>
-                    </a:ext>
-                  </a:extLst>
-                </a:gridCol>
+                <a:gridCol w="2315615"/>
+                <a:gridCol w="3990975"/>
+                <a:gridCol w="4857750"/>
               </a:tblGrid>
               <a:tr h="269513">
                 <a:tc>
                   <a:txBody>
-                    <a:bodyPr/>
-                    <a:lstStyle/>
+                    <a:bodyPr vert="horz" lIns="0" tIns="59055" rIns="0" bIns="0" anchor="t" anchorCtr="0"/>
                     <a:p>
                       <a:pPr marL="67945">
                         <a:lnSpc>
@@ -18855,22 +18812,16 @@
                         <a:spcBef>
                           <a:spcPts val="465"/>
                         </a:spcBef>
+                        <a:defRPr/>
                       </a:pPr>
                       <a:r>
-                        <a:rPr lang="en-US" sz="1200" b="1" spc="-5" dirty="0" err="1">
+                        <a:rPr lang="en-US" sz="1200" b="1" spc="-5">
                           <a:latin typeface="맑은 고딕"/>
                           <a:cs typeface="맑은 고딕"/>
                         </a:rPr>
-                        <a:t>Usecase</a:t>
+                        <a:t>Usecase ID</a:t>
                       </a:r>
-                      <a:r>
-                        <a:rPr lang="en-US" sz="1200" b="1" spc="-5" dirty="0">
-                          <a:latin typeface="맑은 고딕"/>
-                          <a:cs typeface="맑은 고딕"/>
-                        </a:rPr>
-                        <a:t> ID</a:t>
-                      </a:r>
-                      <a:endParaRPr sz="1200" b="1" dirty="0">
+                      <a:endParaRPr sz="1200" b="1">
                         <a:latin typeface="맑은 고딕"/>
                         <a:cs typeface="맑은 고딕"/>
                       </a:endParaRPr>
@@ -18910,8 +18861,7 @@
                 </a:tc>
                 <a:tc gridSpan="2">
                   <a:txBody>
-                    <a:bodyPr/>
-                    <a:lstStyle/>
+                    <a:bodyPr vert="horz" lIns="0" tIns="59055" rIns="0" bIns="0" anchor="t" anchorCtr="0"/>
                     <a:p>
                       <a:pPr marL="67945">
                         <a:lnSpc>
@@ -18920,14 +18870,19 @@
                         <a:spcBef>
                           <a:spcPts val="465"/>
                         </a:spcBef>
+                        <a:defRPr/>
                       </a:pPr>
                       <a:r>
-                        <a:rPr lang="en-US" altLang="ko-KR" sz="1200" dirty="0">
+                        <a:rPr lang="en-US" altLang="ko-KR" sz="1200">
                           <a:latin typeface="맑은 고딕"/>
                           <a:cs typeface="맑은 고딕"/>
                         </a:rPr>
                         <a:t>UC-0001</a:t>
                       </a:r>
+                      <a:endParaRPr lang="en-US" altLang="ko-KR" sz="1200">
+                        <a:latin typeface="맑은 고딕"/>
+                        <a:cs typeface="맑은 고딕"/>
+                      </a:endParaRPr>
                     </a:p>
                   </a:txBody>
                   <a:tcPr marL="0" marR="0" marT="59055" marB="0">
@@ -18960,25 +18915,20 @@
                 <a:tc hMerge="1">
                   <a:txBody>
                     <a:bodyPr/>
-                    <a:lstStyle/>
                     <a:p>
-                      <a:pPr latinLnBrk="1"/>
+                      <a:pPr latinLnBrk="1">
+                        <a:defRPr/>
+                      </a:pPr>
                       <a:endParaRPr lang="ko-KR" altLang="en-US"/>
                     </a:p>
                   </a:txBody>
-                  <a:tcPr/>
+                  <a:tcPr marL="91440" marR="91440"/>
                 </a:tc>
-                <a:extLst>
-                  <a:ext uri="{0D108BD9-81ED-4DB2-BD59-A6C34878D82A}">
-                    <a16:rowId xmlns:a16="http://schemas.microsoft.com/office/drawing/2014/main" val="10000"/>
-                  </a:ext>
-                </a:extLst>
               </a:tr>
               <a:tr h="269513">
                 <a:tc>
                   <a:txBody>
-                    <a:bodyPr/>
-                    <a:lstStyle/>
+                    <a:bodyPr vert="horz" lIns="0" tIns="59055" rIns="0" bIns="0" anchor="t" anchorCtr="0"/>
                     <a:p>
                       <a:pPr marL="67945">
                         <a:lnSpc>
@@ -18987,29 +18937,23 @@
                         <a:spcBef>
                           <a:spcPts val="465"/>
                         </a:spcBef>
+                        <a:defRPr/>
                       </a:pPr>
                       <a:r>
-                        <a:rPr lang="en-US" sz="1200" b="1" dirty="0" err="1">
+                        <a:rPr lang="en-US" sz="1200" b="1">
                           <a:latin typeface="맑은 고딕"/>
                           <a:cs typeface="맑은 고딕"/>
                         </a:rPr>
-                        <a:t>Usecase</a:t>
+                        <a:t>Usecase </a:t>
                       </a:r>
                       <a:r>
-                        <a:rPr lang="en-US" sz="1200" b="1" dirty="0">
-                          <a:latin typeface="맑은 고딕"/>
-                          <a:cs typeface="맑은 고딕"/>
-                        </a:rPr>
-                        <a:t> </a:t>
-                      </a:r>
-                      <a:r>
-                        <a:rPr lang="ko-KR" altLang="en-US" sz="1200" b="1" dirty="0">
+                        <a:rPr lang="ko-KR" altLang="en-US" sz="1200" b="1">
                           <a:latin typeface="맑은 고딕"/>
                           <a:cs typeface="맑은 고딕"/>
                         </a:rPr>
                         <a:t>명</a:t>
                       </a:r>
-                      <a:endParaRPr sz="1200" b="1" dirty="0">
+                      <a:endParaRPr sz="1200" b="1">
                         <a:latin typeface="맑은 고딕"/>
                         <a:cs typeface="맑은 고딕"/>
                       </a:endParaRPr>
@@ -19028,8 +18972,8 @@
                       </a:solidFill>
                       <a:prstDash val="solid"/>
                       <a:round/>
-                      <a:headEnd type="none" w="med" len="med"/>
-                      <a:tailEnd type="none" w="med" len="med"/>
+                      <a:headEnd w="med" len="med"/>
+                      <a:tailEnd w="med" len="med"/>
                     </a:lnR>
                     <a:lnT w="9525" cap="flat" cmpd="sng" algn="ctr">
                       <a:solidFill>
@@ -19037,8 +18981,8 @@
                       </a:solidFill>
                       <a:prstDash val="solid"/>
                       <a:round/>
-                      <a:headEnd type="none" w="med" len="med"/>
-                      <a:tailEnd type="none" w="med" len="med"/>
+                      <a:headEnd w="med" len="med"/>
+                      <a:tailEnd w="med" len="med"/>
                     </a:lnT>
                     <a:lnB w="9525">
                       <a:solidFill>
@@ -19055,8 +18999,7 @@
                 </a:tc>
                 <a:tc gridSpan="2">
                   <a:txBody>
-                    <a:bodyPr/>
-                    <a:lstStyle/>
+                    <a:bodyPr vert="horz" lIns="0" tIns="59055" rIns="0" bIns="0" anchor="t" anchorCtr="0"/>
                     <a:p>
                       <a:pPr marL="67945">
                         <a:lnSpc>
@@ -19065,36 +19008,16 @@
                         <a:spcBef>
                           <a:spcPts val="465"/>
                         </a:spcBef>
+                        <a:defRPr/>
                       </a:pPr>
                       <a:r>
-                        <a:rPr lang="ko-KR" altLang="en-US" sz="1200" dirty="0">
+                        <a:rPr lang="en-US" altLang="ko-KR" sz="1200">
                           <a:latin typeface="맑은 고딕"/>
                           <a:cs typeface="맑은 고딕"/>
                         </a:rPr>
-                        <a:t>메신저를 사용하기 위해 로그인을 하거나</a:t>
+                        <a:t>Child Lock Auto ON/OFF</a:t>
                       </a:r>
-                      <a:r>
-                        <a:rPr lang="en-US" altLang="ko-KR" sz="1200" dirty="0">
-                          <a:latin typeface="맑은 고딕"/>
-                          <a:cs typeface="맑은 고딕"/>
-                        </a:rPr>
-                        <a:t>, </a:t>
-                      </a:r>
-                      <a:r>
-                        <a:rPr lang="ko-KR" altLang="en-US" sz="1200" dirty="0">
-                          <a:latin typeface="맑은 고딕"/>
-                          <a:cs typeface="맑은 고딕"/>
-                        </a:rPr>
-                        <a:t>메신저 사용 종료를 위해 로그아웃을 한다</a:t>
-                      </a:r>
-                      <a:r>
-                        <a:rPr lang="en-US" altLang="ko-KR" sz="1200" dirty="0">
-                          <a:latin typeface="맑은 고딕"/>
-                          <a:cs typeface="맑은 고딕"/>
-                        </a:rPr>
-                        <a:t>.</a:t>
-                      </a:r>
-                      <a:endParaRPr lang="en-US" sz="1200" dirty="0">
+                      <a:endParaRPr lang="en-US" altLang="ko-KR" sz="1200">
                         <a:latin typeface="맑은 고딕"/>
                         <a:cs typeface="맑은 고딕"/>
                       </a:endParaRPr>
@@ -19107,8 +19030,8 @@
                       </a:solidFill>
                       <a:prstDash val="solid"/>
                       <a:round/>
-                      <a:headEnd type="none" w="med" len="med"/>
-                      <a:tailEnd type="none" w="med" len="med"/>
+                      <a:headEnd w="med" len="med"/>
+                      <a:tailEnd w="med" len="med"/>
                     </a:lnL>
                     <a:lnR w="9525">
                       <a:solidFill>
@@ -19122,8 +19045,8 @@
                       </a:solidFill>
                       <a:prstDash val="solid"/>
                       <a:round/>
-                      <a:headEnd type="none" w="med" len="med"/>
-                      <a:tailEnd type="none" w="med" len="med"/>
+                      <a:headEnd w="med" len="med"/>
+                      <a:tailEnd w="med" len="med"/>
                     </a:lnT>
                     <a:lnB w="9525">
                       <a:solidFill>
@@ -19136,25 +19059,20 @@
                 <a:tc hMerge="1">
                   <a:txBody>
                     <a:bodyPr/>
-                    <a:lstStyle/>
                     <a:p>
-                      <a:pPr latinLnBrk="1"/>
+                      <a:pPr latinLnBrk="1">
+                        <a:defRPr/>
+                      </a:pPr>
                       <a:endParaRPr lang="ko-KR" altLang="en-US"/>
                     </a:p>
                   </a:txBody>
-                  <a:tcPr/>
+                  <a:tcPr marL="91440" marR="91440"/>
                 </a:tc>
-                <a:extLst>
-                  <a:ext uri="{0D108BD9-81ED-4DB2-BD59-A6C34878D82A}">
-                    <a16:rowId xmlns:a16="http://schemas.microsoft.com/office/drawing/2014/main" val="1524380835"/>
-                  </a:ext>
-                </a:extLst>
               </a:tr>
               <a:tr h="269513">
                 <a:tc>
                   <a:txBody>
-                    <a:bodyPr/>
-                    <a:lstStyle/>
+                    <a:bodyPr vert="horz" lIns="0" tIns="59055" rIns="0" bIns="0" anchor="t" anchorCtr="0"/>
                     <a:p>
                       <a:pPr marL="67945">
                         <a:lnSpc>
@@ -19163,29 +19081,23 @@
                         <a:spcBef>
                           <a:spcPts val="465"/>
                         </a:spcBef>
+                        <a:defRPr/>
                       </a:pPr>
                       <a:r>
-                        <a:rPr lang="en-US" sz="1200" b="1" dirty="0" err="1">
+                        <a:rPr lang="en-US" sz="1200" b="1">
                           <a:latin typeface="맑은 고딕"/>
                           <a:cs typeface="맑은 고딕"/>
                         </a:rPr>
-                        <a:t>Usecase</a:t>
+                        <a:t>Usecase </a:t>
                       </a:r>
                       <a:r>
-                        <a:rPr lang="en-US" sz="1200" b="1" dirty="0">
-                          <a:latin typeface="맑은 고딕"/>
-                          <a:cs typeface="맑은 고딕"/>
-                        </a:rPr>
-                        <a:t> </a:t>
-                      </a:r>
-                      <a:r>
-                        <a:rPr lang="ko-KR" altLang="en-US" sz="1200" b="1" dirty="0">
+                        <a:rPr lang="ko-KR" altLang="en-US" sz="1200" b="1">
                           <a:latin typeface="맑은 고딕"/>
                           <a:cs typeface="맑은 고딕"/>
                         </a:rPr>
                         <a:t>설명</a:t>
                       </a:r>
-                      <a:endParaRPr sz="1200" b="1" dirty="0">
+                      <a:endParaRPr sz="1200" b="1">
                         <a:latin typeface="맑은 고딕"/>
                         <a:cs typeface="맑은 고딕"/>
                       </a:endParaRPr>
@@ -19204,8 +19116,8 @@
                       </a:solidFill>
                       <a:prstDash val="solid"/>
                       <a:round/>
-                      <a:headEnd type="none" w="med" len="med"/>
-                      <a:tailEnd type="none" w="med" len="med"/>
+                      <a:headEnd w="med" len="med"/>
+                      <a:tailEnd w="med" len="med"/>
                     </a:lnR>
                     <a:lnT w="9525" cap="flat" cmpd="sng" algn="ctr">
                       <a:solidFill>
@@ -19213,8 +19125,8 @@
                       </a:solidFill>
                       <a:prstDash val="solid"/>
                       <a:round/>
-                      <a:headEnd type="none" w="med" len="med"/>
-                      <a:tailEnd type="none" w="med" len="med"/>
+                      <a:headEnd w="med" len="med"/>
+                      <a:tailEnd w="med" len="med"/>
                     </a:lnT>
                     <a:lnB w="9525">
                       <a:solidFill>
@@ -19231,10 +19143,9 @@
                 </a:tc>
                 <a:tc gridSpan="2">
                   <a:txBody>
-                    <a:bodyPr/>
-                    <a:lstStyle/>
+                    <a:bodyPr vert="horz" lIns="0" tIns="59055" rIns="0" bIns="0" anchor="t" anchorCtr="0"/>
                     <a:p>
-                      <a:pPr marL="67945" marR="0" lvl="0" indent="0" algn="l" defTabSz="914400" rtl="0" eaLnBrk="1" fontAlgn="auto" latinLnBrk="1" hangingPunct="1">
+                      <a:pPr marL="67945" marR="0" lvl="0" indent="0" algn="l" defTabSz="914400" rtl="0" eaLnBrk="1" latinLnBrk="1" hangingPunct="1">
                         <a:lnSpc>
                           <a:spcPct val="100000"/>
                         </a:lnSpc>
@@ -19245,20 +19156,46 @@
                           <a:spcPts val="0"/>
                         </a:spcAft>
                         <a:buClrTx/>
-                        <a:buSzTx/>
                         <a:buFontTx/>
                         <a:buNone/>
-                        <a:tabLst/>
                         <a:defRPr/>
                       </a:pPr>
                       <a:r>
-                        <a:rPr lang="ko-KR" altLang="en-US" sz="1200" dirty="0">
+                        <a:rPr lang="en-US" altLang="ko-KR" sz="1200">
                           <a:latin typeface="맑은 고딕"/>
                           <a:cs typeface="맑은 고딕"/>
                         </a:rPr>
-                        <a:t>로그인 및 로그아웃</a:t>
+                        <a:t>Child Lock</a:t>
                       </a:r>
-                      <a:endParaRPr lang="en-US" altLang="ko-KR" sz="1200" dirty="0">
+                      <a:r>
+                        <a:rPr lang="ko-KR" altLang="en-US" sz="1200">
+                          <a:latin typeface="맑은 고딕"/>
+                          <a:cs typeface="맑은 고딕"/>
+                        </a:rPr>
+                        <a:t>을 자동으로 </a:t>
+                      </a:r>
+                      <a:r>
+                        <a:rPr lang="en-US" altLang="ko-KR" sz="1200">
+                          <a:latin typeface="맑은 고딕"/>
+                          <a:cs typeface="맑은 고딕"/>
+                        </a:rPr>
+                        <a:t>ON/OFF </a:t>
+                      </a:r>
+                      <a:r>
+                        <a:rPr lang="ko-KR" altLang="en-US" sz="1200">
+                          <a:latin typeface="맑은 고딕"/>
+                          <a:cs typeface="맑은 고딕"/>
+                        </a:rPr>
+                        <a:t>시킨다</a:t>
+                      </a:r>
+                      <a:r>
+                        <a:rPr lang="en-US" altLang="ko-KR" sz="1200">
+                          <a:latin typeface="맑은 고딕"/>
+                          <a:cs typeface="맑은 고딕"/>
+                        </a:rPr>
+                        <a:t>.</a:t>
+                      </a:r>
+                      <a:endParaRPr lang="en-US" altLang="ko-KR" sz="1200">
                         <a:latin typeface="맑은 고딕"/>
                         <a:cs typeface="맑은 고딕"/>
                       </a:endParaRPr>
@@ -19271,8 +19208,8 @@
                       </a:solidFill>
                       <a:prstDash val="solid"/>
                       <a:round/>
-                      <a:headEnd type="none" w="med" len="med"/>
-                      <a:tailEnd type="none" w="med" len="med"/>
+                      <a:headEnd w="med" len="med"/>
+                      <a:tailEnd w="med" len="med"/>
                     </a:lnL>
                     <a:lnR w="9525">
                       <a:solidFill>
@@ -19286,8 +19223,8 @@
                       </a:solidFill>
                       <a:prstDash val="solid"/>
                       <a:round/>
-                      <a:headEnd type="none" w="med" len="med"/>
-                      <a:tailEnd type="none" w="med" len="med"/>
+                      <a:headEnd w="med" len="med"/>
+                      <a:tailEnd w="med" len="med"/>
                     </a:lnT>
                     <a:lnB w="9525">
                       <a:solidFill>
@@ -19300,25 +19237,20 @@
                 <a:tc hMerge="1">
                   <a:txBody>
                     <a:bodyPr/>
-                    <a:lstStyle/>
                     <a:p>
-                      <a:pPr latinLnBrk="1"/>
+                      <a:pPr latinLnBrk="1">
+                        <a:defRPr/>
+                      </a:pPr>
                       <a:endParaRPr lang="ko-KR" altLang="en-US"/>
                     </a:p>
                   </a:txBody>
-                  <a:tcPr/>
+                  <a:tcPr marL="91440" marR="91440"/>
                 </a:tc>
-                <a:extLst>
-                  <a:ext uri="{0D108BD9-81ED-4DB2-BD59-A6C34878D82A}">
-                    <a16:rowId xmlns:a16="http://schemas.microsoft.com/office/drawing/2014/main" val="1806992203"/>
-                  </a:ext>
-                </a:extLst>
               </a:tr>
               <a:tr h="257850">
                 <a:tc>
                   <a:txBody>
-                    <a:bodyPr/>
-                    <a:lstStyle/>
+                    <a:bodyPr vert="horz" lIns="0" tIns="59055" rIns="0" bIns="0" anchor="t" anchorCtr="0"/>
                     <a:p>
                       <a:pPr marL="67945">
                         <a:lnSpc>
@@ -19327,15 +19259,16 @@
                         <a:spcBef>
                           <a:spcPts val="465"/>
                         </a:spcBef>
+                        <a:defRPr/>
                       </a:pPr>
                       <a:r>
-                        <a:rPr sz="1200" b="1" spc="-5" dirty="0">
+                        <a:rPr sz="1200" b="1" spc="-5">
                           <a:latin typeface="맑은 고딕"/>
                           <a:cs typeface="맑은 고딕"/>
                         </a:rPr>
                         <a:t>Pre-condition</a:t>
                       </a:r>
-                      <a:endParaRPr sz="1200" b="1" dirty="0">
+                      <a:endParaRPr sz="1200" b="1">
                         <a:latin typeface="맑은 고딕"/>
                         <a:cs typeface="맑은 고딕"/>
                       </a:endParaRPr>
@@ -19375,8 +19308,7 @@
                 </a:tc>
                 <a:tc gridSpan="2">
                   <a:txBody>
-                    <a:bodyPr/>
-                    <a:lstStyle/>
+                    <a:bodyPr vert="horz" lIns="0" tIns="59055" rIns="0" bIns="0" anchor="t" anchorCtr="0"/>
                     <a:p>
                       <a:pPr marL="67945">
                         <a:lnSpc>
@@ -19385,22 +19317,16 @@
                         <a:spcBef>
                           <a:spcPts val="465"/>
                         </a:spcBef>
+                        <a:defRPr/>
                       </a:pPr>
                       <a:r>
-                        <a:rPr lang="ko-KR" altLang="en-US" sz="1200" dirty="0">
+                        <a:rPr lang="ko-KR" altLang="en-US" sz="1200">
                           <a:latin typeface="맑은 고딕"/>
                           <a:cs typeface="맑은 고딕"/>
                         </a:rPr>
-                        <a:t>프로그램을 실행시킨다</a:t>
+                        <a:t>차량 시동 상태 </a:t>
                       </a:r>
-                      <a:r>
-                        <a:rPr lang="en-US" altLang="ko-KR" sz="1200" dirty="0">
-                          <a:latin typeface="맑은 고딕"/>
-                          <a:cs typeface="맑은 고딕"/>
-                        </a:rPr>
-                        <a:t>.</a:t>
-                      </a:r>
-                      <a:endParaRPr sz="1200" dirty="0">
+                      <a:endParaRPr lang="ko-KR" altLang="en-US" sz="1200">
                         <a:latin typeface="맑은 고딕"/>
                         <a:cs typeface="맑은 고딕"/>
                       </a:endParaRPr>
@@ -19436,25 +19362,20 @@
                 <a:tc hMerge="1">
                   <a:txBody>
                     <a:bodyPr/>
-                    <a:lstStyle/>
                     <a:p>
-                      <a:pPr latinLnBrk="1"/>
+                      <a:pPr latinLnBrk="1">
+                        <a:defRPr/>
+                      </a:pPr>
                       <a:endParaRPr lang="ko-KR" altLang="en-US"/>
                     </a:p>
                   </a:txBody>
-                  <a:tcPr/>
+                  <a:tcPr marL="91440" marR="91440"/>
                 </a:tc>
-                <a:extLst>
-                  <a:ext uri="{0D108BD9-81ED-4DB2-BD59-A6C34878D82A}">
-                    <a16:rowId xmlns:a16="http://schemas.microsoft.com/office/drawing/2014/main" val="10001"/>
-                  </a:ext>
-                </a:extLst>
               </a:tr>
               <a:tr h="298212">
                 <a:tc>
                   <a:txBody>
-                    <a:bodyPr/>
-                    <a:lstStyle/>
+                    <a:bodyPr vert="horz" lIns="0" tIns="59055" rIns="0" bIns="0" anchor="t" anchorCtr="0"/>
                     <a:p>
                       <a:pPr marL="67945">
                         <a:lnSpc>
@@ -19463,9 +19384,10 @@
                         <a:spcBef>
                           <a:spcPts val="465"/>
                         </a:spcBef>
+                        <a:defRPr/>
                       </a:pPr>
                       <a:r>
-                        <a:rPr sz="1200" b="1" spc="-10" dirty="0">
+                        <a:rPr sz="1200" b="1" spc="-10">
                           <a:latin typeface="맑은 고딕"/>
                           <a:cs typeface="맑은 고딕"/>
                         </a:rPr>
@@ -19511,8 +19433,7 @@
                 </a:tc>
                 <a:tc gridSpan="2">
                   <a:txBody>
-                    <a:bodyPr/>
-                    <a:lstStyle/>
+                    <a:bodyPr vert="horz" lIns="0" tIns="59055" rIns="0" bIns="0" anchor="t" anchorCtr="0"/>
                     <a:p>
                       <a:pPr marL="67945">
                         <a:lnSpc>
@@ -19521,22 +19442,16 @@
                         <a:spcBef>
                           <a:spcPts val="465"/>
                         </a:spcBef>
+                        <a:defRPr/>
                       </a:pPr>
                       <a:r>
-                        <a:rPr lang="ko-KR" altLang="en-US" sz="1200" dirty="0">
+                        <a:rPr lang="en-US" altLang="ko-KR" sz="1200">
                           <a:latin typeface="맑은 고딕"/>
                           <a:cs typeface="맑은 고딕"/>
                         </a:rPr>
-                        <a:t>메인 화면이 실행된다</a:t>
+                        <a:t>Child Lock ON/OFF</a:t>
                       </a:r>
-                      <a:r>
-                        <a:rPr lang="en-US" altLang="ko-KR" sz="1200" dirty="0">
-                          <a:latin typeface="맑은 고딕"/>
-                          <a:cs typeface="맑은 고딕"/>
-                        </a:rPr>
-                        <a:t>.</a:t>
-                      </a:r>
-                      <a:endParaRPr sz="1200" dirty="0">
+                      <a:endParaRPr lang="en-US" altLang="ko-KR" sz="1200">
                         <a:latin typeface="맑은 고딕"/>
                         <a:cs typeface="맑은 고딕"/>
                       </a:endParaRPr>
@@ -19572,42 +19487,38 @@
                 <a:tc hMerge="1">
                   <a:txBody>
                     <a:bodyPr/>
-                    <a:lstStyle/>
                     <a:p>
-                      <a:pPr latinLnBrk="1"/>
+                      <a:pPr latinLnBrk="1">
+                        <a:defRPr/>
+                      </a:pPr>
                       <a:endParaRPr lang="ko-KR" altLang="en-US"/>
                     </a:p>
                   </a:txBody>
-                  <a:tcPr/>
+                  <a:tcPr marL="91440" marR="91440"/>
                 </a:tc>
-                <a:extLst>
-                  <a:ext uri="{0D108BD9-81ED-4DB2-BD59-A6C34878D82A}">
-                    <a16:rowId xmlns:a16="http://schemas.microsoft.com/office/drawing/2014/main" val="10002"/>
-                  </a:ext>
-                </a:extLst>
               </a:tr>
               <a:tr h="269513">
                 <a:tc>
                   <a:txBody>
-                    <a:bodyPr/>
-                    <a:lstStyle/>
+                    <a:bodyPr vert="horz" lIns="0" tIns="59690" rIns="0" bIns="0" anchor="t" anchorCtr="0"/>
                     <a:p>
                       <a:pPr marL="67945">
                         <a:lnSpc>
                           <a:spcPct val="100000"/>
                         </a:lnSpc>
                         <a:spcBef>
-                          <a:spcPts val="470"/>
+                          <a:spcPts val="469"/>
                         </a:spcBef>
+                        <a:defRPr/>
                       </a:pPr>
                       <a:r>
-                        <a:rPr sz="1200" b="1" spc="-20" dirty="0">
+                        <a:rPr sz="1200" b="1" spc="-20">
                           <a:latin typeface="맑은 고딕"/>
                           <a:cs typeface="맑은 고딕"/>
                         </a:rPr>
                         <a:t>Trigger</a:t>
                       </a:r>
-                      <a:endParaRPr sz="1200" b="1" dirty="0">
+                      <a:endParaRPr sz="1200" b="1">
                         <a:latin typeface="맑은 고딕"/>
                         <a:cs typeface="맑은 고딕"/>
                       </a:endParaRPr>
@@ -19647,25 +19558,53 @@
                 </a:tc>
                 <a:tc gridSpan="2">
                   <a:txBody>
-                    <a:bodyPr/>
-                    <a:lstStyle/>
+                    <a:bodyPr vert="horz" lIns="0" tIns="59690" rIns="0" bIns="0" anchor="t" anchorCtr="0"/>
                     <a:p>
                       <a:pPr marL="67945">
                         <a:lnSpc>
                           <a:spcPct val="100000"/>
                         </a:lnSpc>
                         <a:spcBef>
-                          <a:spcPts val="470"/>
+                          <a:spcPts val="469"/>
                         </a:spcBef>
+                        <a:defRPr/>
                       </a:pPr>
                       <a:r>
-                        <a:rPr lang="ko-KR" altLang="en-US" sz="1200" dirty="0">
+                        <a:rPr lang="en-US" altLang="ko-KR" sz="1200">
                           <a:latin typeface="맑은 고딕"/>
                           <a:cs typeface="맑은 고딕"/>
                         </a:rPr>
-                        <a:t>로그인 버튼 클릭</a:t>
+                        <a:t>30km/h </a:t>
                       </a:r>
-                      <a:endParaRPr sz="1200" dirty="0">
+                      <a:r>
+                        <a:rPr lang="ko-KR" altLang="en-US" sz="1200">
+                          <a:latin typeface="맑은 고딕"/>
+                          <a:cs typeface="맑은 고딕"/>
+                        </a:rPr>
+                        <a:t>이상의 속도로 주행일 때 </a:t>
+                      </a:r>
+                      <a:r>
+                        <a:rPr lang="en-US" altLang="ko-KR" sz="1200">
+                          <a:latin typeface="맑은 고딕"/>
+                          <a:cs typeface="맑은 고딕"/>
+                        </a:rPr>
+                        <a:t>Child Lock ON, </a:t>
+                      </a:r>
+                      <a:r>
+                        <a:rPr lang="ko-KR" altLang="en-US" sz="1200">
+                          <a:latin typeface="맑은 고딕"/>
+                          <a:cs typeface="맑은 고딕"/>
+                        </a:rPr>
+                        <a:t>차량의 시동이 꺼졌을 때 </a:t>
+                      </a:r>
+                      <a:r>
+                        <a:rPr lang="en-US" altLang="ko-KR" sz="1200">
+                          <a:latin typeface="맑은 고딕"/>
+                          <a:cs typeface="맑은 고딕"/>
+                        </a:rPr>
+                        <a:t>Child Lock OFF</a:t>
+                      </a:r>
+                      <a:endParaRPr lang="en-US" altLang="ko-KR" sz="1200">
                         <a:latin typeface="맑은 고딕"/>
                         <a:cs typeface="맑은 고딕"/>
                       </a:endParaRPr>
@@ -19701,42 +19640,38 @@
                 <a:tc hMerge="1">
                   <a:txBody>
                     <a:bodyPr/>
-                    <a:lstStyle/>
                     <a:p>
-                      <a:pPr latinLnBrk="1"/>
+                      <a:pPr latinLnBrk="1">
+                        <a:defRPr/>
+                      </a:pPr>
                       <a:endParaRPr lang="ko-KR" altLang="en-US"/>
                     </a:p>
                   </a:txBody>
-                  <a:tcPr/>
+                  <a:tcPr marL="91440" marR="91440"/>
                 </a:tc>
-                <a:extLst>
-                  <a:ext uri="{0D108BD9-81ED-4DB2-BD59-A6C34878D82A}">
-                    <a16:rowId xmlns:a16="http://schemas.microsoft.com/office/drawing/2014/main" val="10003"/>
-                  </a:ext>
-                </a:extLst>
               </a:tr>
               <a:tr h="269513">
                 <a:tc>
                   <a:txBody>
-                    <a:bodyPr/>
-                    <a:lstStyle/>
+                    <a:bodyPr vert="horz" lIns="0" tIns="59690" rIns="0" bIns="0" anchor="t" anchorCtr="0"/>
                     <a:p>
                       <a:pPr marL="67945">
                         <a:lnSpc>
                           <a:spcPct val="100000"/>
                         </a:lnSpc>
                         <a:spcBef>
-                          <a:spcPts val="470"/>
+                          <a:spcPts val="469"/>
                         </a:spcBef>
+                        <a:defRPr/>
                       </a:pPr>
                       <a:r>
-                        <a:rPr lang="en-US" altLang="ko-KR" sz="1200" b="1" spc="-5" dirty="0">
+                        <a:rPr lang="en-US" altLang="ko-KR" sz="1200" b="1" spc="-5">
                           <a:latin typeface="맑은 고딕"/>
                           <a:cs typeface="맑은 고딕"/>
                         </a:rPr>
                         <a:t>Scenario</a:t>
                       </a:r>
-                      <a:endParaRPr sz="1200" b="1" dirty="0">
+                      <a:endParaRPr sz="1200" b="1">
                         <a:latin typeface="맑은 고딕"/>
                         <a:cs typeface="맑은 고딕"/>
                       </a:endParaRPr>
@@ -19755,8 +19690,8 @@
                       </a:solidFill>
                       <a:prstDash val="solid"/>
                       <a:round/>
-                      <a:headEnd type="none" w="med" len="med"/>
-                      <a:tailEnd type="none" w="med" len="med"/>
+                      <a:headEnd w="med" len="med"/>
+                      <a:tailEnd w="med" len="med"/>
                     </a:lnR>
                     <a:lnT w="9525" cap="flat" cmpd="sng" algn="ctr">
                       <a:solidFill>
@@ -19764,8 +19699,8 @@
                       </a:solidFill>
                       <a:prstDash val="solid"/>
                       <a:round/>
-                      <a:headEnd type="none" w="med" len="med"/>
-                      <a:tailEnd type="none" w="med" len="med"/>
+                      <a:headEnd w="med" len="med"/>
+                      <a:tailEnd w="med" len="med"/>
                     </a:lnT>
                     <a:lnB w="9525">
                       <a:solidFill>
@@ -19782,25 +19717,25 @@
                 </a:tc>
                 <a:tc>
                   <a:txBody>
-                    <a:bodyPr/>
-                    <a:lstStyle/>
+                    <a:bodyPr vert="horz" lIns="0" tIns="59690" rIns="0" bIns="0" anchor="t" anchorCtr="0"/>
                     <a:p>
                       <a:pPr marL="67945">
                         <a:lnSpc>
                           <a:spcPct val="100000"/>
                         </a:lnSpc>
                         <a:spcBef>
-                          <a:spcPts val="470"/>
+                          <a:spcPts val="469"/>
                         </a:spcBef>
+                        <a:defRPr/>
                       </a:pPr>
                       <a:r>
-                        <a:rPr lang="en-US" sz="1200" b="1" dirty="0">
+                        <a:rPr lang="en-US" sz="1200" b="1">
                           <a:latin typeface="맑은 고딕"/>
                           <a:cs typeface="맑은 고딕"/>
                         </a:rPr>
                         <a:t>Actor</a:t>
                       </a:r>
-                      <a:endParaRPr sz="1200" b="1" dirty="0">
+                      <a:endParaRPr sz="1200" b="1">
                         <a:latin typeface="맑은 고딕"/>
                         <a:cs typeface="맑은 고딕"/>
                       </a:endParaRPr>
@@ -19813,8 +19748,8 @@
                       </a:solidFill>
                       <a:prstDash val="solid"/>
                       <a:round/>
-                      <a:headEnd type="none" w="med" len="med"/>
-                      <a:tailEnd type="none" w="med" len="med"/>
+                      <a:headEnd w="med" len="med"/>
+                      <a:tailEnd w="med" len="med"/>
                     </a:lnL>
                     <a:lnR w="9525" cap="flat" cmpd="sng" algn="ctr">
                       <a:solidFill>
@@ -19822,8 +19757,8 @@
                       </a:solidFill>
                       <a:prstDash val="solid"/>
                       <a:round/>
-                      <a:headEnd type="none" w="med" len="med"/>
-                      <a:tailEnd type="none" w="med" len="med"/>
+                      <a:headEnd w="med" len="med"/>
+                      <a:tailEnd w="med" len="med"/>
                     </a:lnR>
                     <a:lnT w="9525" cap="flat" cmpd="sng" algn="ctr">
                       <a:solidFill>
@@ -19831,8 +19766,8 @@
                       </a:solidFill>
                       <a:prstDash val="solid"/>
                       <a:round/>
-                      <a:headEnd type="none" w="med" len="med"/>
-                      <a:tailEnd type="none" w="med" len="med"/>
+                      <a:headEnd w="med" len="med"/>
+                      <a:tailEnd w="med" len="med"/>
                     </a:lnT>
                     <a:lnB w="9525">
                       <a:solidFill>
@@ -19849,25 +19784,25 @@
                 </a:tc>
                 <a:tc>
                   <a:txBody>
-                    <a:bodyPr/>
-                    <a:lstStyle/>
+                    <a:bodyPr vert="horz" lIns="0" tIns="59690" rIns="0" bIns="0" anchor="t" anchorCtr="0"/>
                     <a:p>
                       <a:pPr marL="67945">
                         <a:lnSpc>
                           <a:spcPct val="100000"/>
                         </a:lnSpc>
                         <a:spcBef>
-                          <a:spcPts val="470"/>
+                          <a:spcPts val="469"/>
                         </a:spcBef>
+                        <a:defRPr/>
                       </a:pPr>
                       <a:r>
-                        <a:rPr lang="ko-KR" altLang="en-US" sz="1200" b="1" dirty="0">
+                        <a:rPr lang="ko-KR" altLang="en-US" sz="1200" b="1">
                           <a:latin typeface="맑은 고딕"/>
                           <a:cs typeface="맑은 고딕"/>
                         </a:rPr>
                         <a:t>시스템</a:t>
                       </a:r>
-                      <a:endParaRPr sz="1200" b="1" dirty="0">
+                      <a:endParaRPr sz="1200" b="1">
                         <a:latin typeface="맑은 고딕"/>
                         <a:cs typeface="맑은 고딕"/>
                       </a:endParaRPr>
@@ -19880,8 +19815,8 @@
                       </a:solidFill>
                       <a:prstDash val="solid"/>
                       <a:round/>
-                      <a:headEnd type="none" w="med" len="med"/>
-                      <a:tailEnd type="none" w="med" len="med"/>
+                      <a:headEnd w="med" len="med"/>
+                      <a:tailEnd w="med" len="med"/>
                     </a:lnL>
                     <a:lnR w="9525">
                       <a:solidFill>
@@ -19895,8 +19830,8 @@
                       </a:solidFill>
                       <a:prstDash val="solid"/>
                       <a:round/>
-                      <a:headEnd type="none" w="med" len="med"/>
-                      <a:tailEnd type="none" w="med" len="med"/>
+                      <a:headEnd w="med" len="med"/>
+                      <a:tailEnd w="med" len="med"/>
                     </a:lnT>
                     <a:lnB w="9525" cap="flat" cmpd="sng" algn="ctr">
                       <a:solidFill>
@@ -19904,8 +19839,8 @@
                       </a:solidFill>
                       <a:prstDash val="solid"/>
                       <a:round/>
-                      <a:headEnd type="none" w="med" len="med"/>
-                      <a:tailEnd type="none" w="med" len="med"/>
+                      <a:headEnd w="med" len="med"/>
+                      <a:tailEnd w="med" len="med"/>
                     </a:lnB>
                     <a:solidFill>
                       <a:schemeClr val="bg1">
@@ -19914,17 +19849,11 @@
                     </a:solidFill>
                   </a:tcPr>
                 </a:tc>
-                <a:extLst>
-                  <a:ext uri="{0D108BD9-81ED-4DB2-BD59-A6C34878D82A}">
-                    <a16:rowId xmlns:a16="http://schemas.microsoft.com/office/drawing/2014/main" val="3389796054"/>
-                  </a:ext>
-                </a:extLst>
               </a:tr>
               <a:tr h="269513">
-                <a:tc rowSpan="5">
+                <a:tc rowSpan="4">
                   <a:txBody>
-                    <a:bodyPr/>
-                    <a:lstStyle/>
+                    <a:bodyPr vert="horz" lIns="0" tIns="71120" rIns="0" bIns="0" anchor="t" anchorCtr="0"/>
                     <a:p>
                       <a:pPr marL="67945" marR="586740">
                         <a:lnSpc>
@@ -19933,29 +19862,30 @@
                         <a:spcBef>
                           <a:spcPts val="560"/>
                         </a:spcBef>
+                        <a:defRPr/>
                       </a:pPr>
                       <a:r>
-                        <a:rPr sz="1200" b="1" spc="-5" dirty="0">
+                        <a:rPr sz="1200" b="1" spc="-5">
                           <a:latin typeface="맑은 고딕"/>
                           <a:cs typeface="맑은 고딕"/>
                         </a:rPr>
                         <a:t>Main Success Scenar</a:t>
                       </a:r>
                       <a:r>
-                        <a:rPr lang="en-US" sz="1200" b="1" spc="-5" dirty="0">
+                        <a:rPr lang="en-US" sz="1200" b="1" spc="-5">
                           <a:latin typeface="맑은 고딕"/>
                           <a:cs typeface="맑은 고딕"/>
                         </a:rPr>
                         <a:t>i</a:t>
                       </a:r>
                       <a:r>
-                        <a:rPr sz="1200" b="1" spc="-5" dirty="0">
+                        <a:rPr sz="1200" b="1" spc="-5">
                           <a:latin typeface="맑은 고딕"/>
                           <a:cs typeface="맑은 고딕"/>
                         </a:rPr>
                         <a:t>o</a:t>
                       </a:r>
-                      <a:endParaRPr sz="1200" b="1" dirty="0">
+                      <a:endParaRPr sz="1200" b="1">
                         <a:latin typeface="맑은 고딕"/>
                         <a:cs typeface="맑은 고딕"/>
                       </a:endParaRPr>
@@ -19995,8 +19925,7 @@
                 </a:tc>
                 <a:tc>
                   <a:txBody>
-                    <a:bodyPr/>
-                    <a:lstStyle/>
+                    <a:bodyPr vert="horz" lIns="0" tIns="44450" rIns="0" bIns="0" anchor="t" anchorCtr="0"/>
                     <a:p>
                       <a:pPr marL="67309" indent="0">
                         <a:lnSpc>
@@ -20009,22 +19938,44 @@
                         <a:tabLst>
                           <a:tab pos="240665" algn="l"/>
                         </a:tabLst>
+                        <a:defRPr/>
                       </a:pPr>
                       <a:r>
-                        <a:rPr lang="en-US" sz="1200" dirty="0">
+                        <a:rPr lang="en-US" sz="1200">
                           <a:latin typeface="맑은 고딕"/>
                           <a:cs typeface="맑은 고딕"/>
                         </a:rPr>
                         <a:t>1. </a:t>
                       </a:r>
                       <a:r>
-                        <a:rPr lang="ko-KR" altLang="en-US" sz="1200" dirty="0">
+                        <a:rPr lang="ko-KR" altLang="en-US" sz="1200">
                           <a:latin typeface="맑은 고딕"/>
                           <a:cs typeface="맑은 고딕"/>
                         </a:rPr>
-                        <a:t>사용자가 시동 버튼을 누른다</a:t>
+                        <a:t>운전자가 </a:t>
                       </a:r>
-                      <a:endParaRPr sz="1200" dirty="0">
+                      <a:r>
+                        <a:rPr lang="en-US" altLang="ko-KR" sz="1200">
+                          <a:latin typeface="맑은 고딕"/>
+                          <a:cs typeface="맑은 고딕"/>
+                        </a:rPr>
+                        <a:t>30km/h</a:t>
+                      </a:r>
+                      <a:r>
+                        <a:rPr lang="ko-KR" altLang="en-US" sz="1200">
+                          <a:latin typeface="맑은 고딕"/>
+                          <a:cs typeface="맑은 고딕"/>
+                        </a:rPr>
+                        <a:t> 이상의 속도로 주행중이다</a:t>
+                      </a:r>
+                      <a:r>
+                        <a:rPr lang="en-US" altLang="ko-KR" sz="1200">
+                          <a:latin typeface="맑은 고딕"/>
+                          <a:cs typeface="맑은 고딕"/>
+                        </a:rPr>
+                        <a:t>.</a:t>
+                      </a:r>
+                      <a:endParaRPr lang="en-US" altLang="ko-KR" sz="1200">
                         <a:latin typeface="맑은 고딕"/>
                         <a:cs typeface="맑은 고딕"/>
                       </a:endParaRPr>
@@ -20043,8 +19994,8 @@
                       </a:solidFill>
                       <a:prstDash val="solid"/>
                       <a:round/>
-                      <a:headEnd type="none" w="med" len="med"/>
-                      <a:tailEnd type="none" w="med" len="med"/>
+                      <a:headEnd w="med" len="med"/>
+                      <a:tailEnd w="med" len="med"/>
                     </a:lnR>
                     <a:lnT w="9525">
                       <a:solidFill>
@@ -20058,15 +20009,14 @@
                       </a:solidFill>
                       <a:prstDash val="solid"/>
                       <a:round/>
-                      <a:headEnd type="none" w="med" len="med"/>
-                      <a:tailEnd type="none" w="med" len="med"/>
+                      <a:headEnd w="med" len="med"/>
+                      <a:tailEnd w="med" len="med"/>
                     </a:lnB>
                   </a:tcPr>
                 </a:tc>
                 <a:tc>
                   <a:txBody>
-                    <a:bodyPr/>
-                    <a:lstStyle/>
+                    <a:bodyPr vert="horz" lIns="0" tIns="44450" rIns="0" bIns="0" anchor="t" anchorCtr="0"/>
                     <a:p>
                       <a:pPr marL="67309" indent="0">
                         <a:lnSpc>
@@ -20079,29 +20029,30 @@
                         <a:tabLst>
                           <a:tab pos="240665" algn="l"/>
                         </a:tabLst>
+                        <a:defRPr/>
                       </a:pPr>
                       <a:r>
-                        <a:rPr lang="en-US" sz="1200" dirty="0">
+                        <a:rPr lang="en-US" sz="1200">
                           <a:latin typeface="맑은 고딕"/>
                           <a:cs typeface="맑은 고딕"/>
                         </a:rPr>
                         <a:t>1A. </a:t>
                       </a:r>
                       <a:r>
-                        <a:rPr lang="ko-KR" altLang="en-US" sz="1200" dirty="0">
+                        <a:rPr lang="ko-KR" altLang="en-US" sz="1200">
                           <a:latin typeface="맑은 고딕"/>
                           <a:cs typeface="맑은 고딕"/>
                         </a:rPr>
-                        <a:t>시스템은 전원을 인가하고</a:t>
+                        <a:t>차량의 속도 센서로부터 값을 전달받는다</a:t>
                       </a:r>
                       <a:r>
                         <a:rPr lang="en-US" altLang="ko-KR" sz="1200">
                           <a:latin typeface="맑은 고딕"/>
                           <a:cs typeface="맑은 고딕"/>
                         </a:rPr>
-                        <a:t>…</a:t>
+                        <a:t>.</a:t>
                       </a:r>
-                      <a:endParaRPr sz="1200" dirty="0">
+                      <a:endParaRPr lang="en-US" altLang="ko-KR" sz="1200">
                         <a:latin typeface="맑은 고딕"/>
                         <a:cs typeface="맑은 고딕"/>
                       </a:endParaRPr>
@@ -20114,8 +20065,8 @@
                       </a:solidFill>
                       <a:prstDash val="solid"/>
                       <a:round/>
-                      <a:headEnd type="none" w="med" len="med"/>
-                      <a:tailEnd type="none" w="med" len="med"/>
+                      <a:headEnd w="med" len="med"/>
+                      <a:tailEnd w="med" len="med"/>
                     </a:lnL>
                     <a:lnR w="9525">
                       <a:solidFill>
@@ -20129,8 +20080,8 @@
                       </a:solidFill>
                       <a:prstDash val="solid"/>
                       <a:round/>
-                      <a:headEnd type="none" w="med" len="med"/>
-                      <a:tailEnd type="none" w="med" len="med"/>
+                      <a:headEnd w="med" len="med"/>
+                      <a:tailEnd w="med" len="med"/>
                     </a:lnT>
                     <a:lnB w="9525" cap="flat" cmpd="sng" algn="ctr">
                       <a:solidFill>
@@ -20138,33 +20089,28 @@
                       </a:solidFill>
                       <a:prstDash val="solid"/>
                       <a:round/>
-                      <a:headEnd type="none" w="med" len="med"/>
-                      <a:tailEnd type="none" w="med" len="med"/>
+                      <a:headEnd w="med" len="med"/>
+                      <a:tailEnd w="med" len="med"/>
                     </a:lnB>
                   </a:tcPr>
                 </a:tc>
-                <a:extLst>
-                  <a:ext uri="{0D108BD9-81ED-4DB2-BD59-A6C34878D82A}">
-                    <a16:rowId xmlns:a16="http://schemas.microsoft.com/office/drawing/2014/main" val="10004"/>
-                  </a:ext>
-                </a:extLst>
               </a:tr>
               <a:tr h="269513">
                 <a:tc vMerge="1">
                   <a:txBody>
                     <a:bodyPr/>
-                    <a:lstStyle/>
                     <a:p>
-                      <a:pPr latinLnBrk="1"/>
+                      <a:pPr latinLnBrk="1">
+                        <a:defRPr/>
+                      </a:pPr>
                       <a:endParaRPr lang="ko-KR" altLang="en-US"/>
                     </a:p>
                   </a:txBody>
-                  <a:tcPr/>
+                  <a:tcPr marL="91440" marR="91440"/>
                 </a:tc>
                 <a:tc>
                   <a:txBody>
-                    <a:bodyPr/>
-                    <a:lstStyle/>
+                    <a:bodyPr vert="horz" lIns="0" tIns="44450" rIns="0" bIns="0" anchor="t" anchorCtr="0"/>
                     <a:p>
                       <a:pPr marL="67309" indent="0">
                         <a:lnSpc>
@@ -20177,15 +20123,9 @@
                         <a:tabLst>
                           <a:tab pos="240665" algn="l"/>
                         </a:tabLst>
+                        <a:defRPr/>
                       </a:pPr>
-                      <a:r>
-                        <a:rPr lang="en-US" sz="1200" dirty="0">
-                          <a:latin typeface="맑은 고딕"/>
-                          <a:cs typeface="맑은 고딕"/>
-                        </a:rPr>
-                        <a:t>2.</a:t>
-                      </a:r>
-                      <a:endParaRPr sz="1200" dirty="0">
+                      <a:endParaRPr lang="en-US" altLang="ko-KR" sz="1200">
                         <a:latin typeface="맑은 고딕"/>
                         <a:cs typeface="맑은 고딕"/>
                       </a:endParaRPr>
@@ -20198,8 +20138,8 @@
                       </a:solidFill>
                       <a:prstDash val="solid"/>
                       <a:round/>
-                      <a:headEnd type="none" w="med" len="med"/>
-                      <a:tailEnd type="none" w="med" len="med"/>
+                      <a:headEnd w="med" len="med"/>
+                      <a:tailEnd w="med" len="med"/>
                     </a:lnL>
                     <a:lnR w="9525" cap="flat" cmpd="sng" algn="ctr">
                       <a:solidFill>
@@ -20207,8 +20147,8 @@
                       </a:solidFill>
                       <a:prstDash val="solid"/>
                       <a:round/>
-                      <a:headEnd type="none" w="med" len="med"/>
-                      <a:tailEnd type="none" w="med" len="med"/>
+                      <a:headEnd w="med" len="med"/>
+                      <a:tailEnd w="med" len="med"/>
                     </a:lnR>
                     <a:lnT w="9525" cap="flat" cmpd="sng" algn="ctr">
                       <a:solidFill>
@@ -20216,8 +20156,8 @@
                       </a:solidFill>
                       <a:prstDash val="solid"/>
                       <a:round/>
-                      <a:headEnd type="none" w="med" len="med"/>
-                      <a:tailEnd type="none" w="med" len="med"/>
+                      <a:headEnd w="med" len="med"/>
+                      <a:tailEnd w="med" len="med"/>
                     </a:lnT>
                     <a:lnB w="9525" cap="flat" cmpd="sng" algn="ctr">
                       <a:solidFill>
@@ -20225,15 +20165,14 @@
                       </a:solidFill>
                       <a:prstDash val="solid"/>
                       <a:round/>
-                      <a:headEnd type="none" w="med" len="med"/>
-                      <a:tailEnd type="none" w="med" len="med"/>
+                      <a:headEnd w="med" len="med"/>
+                      <a:tailEnd w="med" len="med"/>
                     </a:lnB>
                   </a:tcPr>
                 </a:tc>
                 <a:tc>
                   <a:txBody>
-                    <a:bodyPr/>
-                    <a:lstStyle/>
+                    <a:bodyPr vert="horz" lIns="0" tIns="44450" rIns="0" bIns="0" anchor="t" anchorCtr="0"/>
                     <a:p>
                       <a:pPr marL="67309" indent="0">
                         <a:lnSpc>
@@ -20246,15 +20185,58 @@
                         <a:tabLst>
                           <a:tab pos="240665" algn="l"/>
                         </a:tabLst>
+                        <a:defRPr/>
                       </a:pPr>
                       <a:r>
-                        <a:rPr lang="en-US" sz="1200" dirty="0">
+                        <a:rPr lang="en-US" altLang="ko-KR" sz="1200">
                           <a:latin typeface="맑은 고딕"/>
                           <a:cs typeface="맑은 고딕"/>
                         </a:rPr>
-                        <a:t>2A</a:t>
+                        <a:t>1B.</a:t>
                       </a:r>
-                      <a:endParaRPr sz="1200" dirty="0">
+                      <a:r>
+                        <a:rPr lang="ko-KR" altLang="en-US" sz="1200">
+                          <a:latin typeface="맑은 고딕"/>
+                          <a:cs typeface="맑은 고딕"/>
+                        </a:rPr>
+                        <a:t> </a:t>
+                      </a:r>
+                      <a:r>
+                        <a:rPr lang="en-US" altLang="ko-KR" sz="1200">
+                          <a:latin typeface="맑은 고딕"/>
+                          <a:cs typeface="맑은 고딕"/>
+                        </a:rPr>
+                        <a:t>Child Lock</a:t>
+                      </a:r>
+                      <a:r>
+                        <a:rPr lang="ko-KR" altLang="en-US" sz="1200">
+                          <a:latin typeface="맑은 고딕"/>
+                          <a:cs typeface="맑은 고딕"/>
+                        </a:rPr>
+                        <a:t>을 </a:t>
+                      </a:r>
+                      <a:r>
+                        <a:rPr lang="en-US" altLang="ko-KR" sz="1200">
+                          <a:latin typeface="맑은 고딕"/>
+                          <a:cs typeface="맑은 고딕"/>
+                        </a:rPr>
+                        <a:t>ON </a:t>
+                      </a:r>
+                      <a:r>
+                        <a:rPr lang="ko-KR" altLang="en-US" sz="1200">
+                          <a:latin typeface="맑은 고딕"/>
+                          <a:cs typeface="맑은 고딕"/>
+                        </a:rPr>
+                        <a:t>한다</a:t>
+                      </a:r>
+                      <a:r>
+                        <a:rPr lang="en-US" altLang="ko-KR" sz="1200">
+                          <a:latin typeface="맑은 고딕"/>
+                          <a:cs typeface="맑은 고딕"/>
+                        </a:rPr>
+                        <a:t>.</a:t>
+                      </a:r>
+                      <a:endParaRPr lang="en-US" altLang="ko-KR" sz="1200">
                         <a:latin typeface="맑은 고딕"/>
                         <a:cs typeface="맑은 고딕"/>
                       </a:endParaRPr>
@@ -20267,8 +20249,8 @@
                       </a:solidFill>
                       <a:prstDash val="solid"/>
                       <a:round/>
-                      <a:headEnd type="none" w="med" len="med"/>
-                      <a:tailEnd type="none" w="med" len="med"/>
+                      <a:headEnd w="med" len="med"/>
+                      <a:tailEnd w="med" len="med"/>
                     </a:lnL>
                     <a:lnR w="9525" cap="flat" cmpd="sng" algn="ctr">
                       <a:solidFill>
@@ -20276,8 +20258,8 @@
                       </a:solidFill>
                       <a:prstDash val="solid"/>
                       <a:round/>
-                      <a:headEnd type="none" w="med" len="med"/>
-                      <a:tailEnd type="none" w="med" len="med"/>
+                      <a:headEnd w="med" len="med"/>
+                      <a:tailEnd w="med" len="med"/>
                     </a:lnR>
                     <a:lnT w="9525" cap="flat" cmpd="sng" algn="ctr">
                       <a:solidFill>
@@ -20285,8 +20267,8 @@
                       </a:solidFill>
                       <a:prstDash val="solid"/>
                       <a:round/>
-                      <a:headEnd type="none" w="med" len="med"/>
-                      <a:tailEnd type="none" w="med" len="med"/>
+                      <a:headEnd w="med" len="med"/>
+                      <a:tailEnd w="med" len="med"/>
                     </a:lnT>
                     <a:lnB w="9525" cap="flat" cmpd="sng" algn="ctr">
                       <a:solidFill>
@@ -20294,33 +20276,236 @@
                       </a:solidFill>
                       <a:prstDash val="solid"/>
                       <a:round/>
-                      <a:headEnd type="none" w="med" len="med"/>
-                      <a:tailEnd type="none" w="med" len="med"/>
+                      <a:headEnd w="med" len="med"/>
+                      <a:tailEnd w="med" len="med"/>
                     </a:lnB>
                   </a:tcPr>
                 </a:tc>
-                <a:extLst>
-                  <a:ext uri="{0D108BD9-81ED-4DB2-BD59-A6C34878D82A}">
-                    <a16:rowId xmlns:a16="http://schemas.microsoft.com/office/drawing/2014/main" val="2836730588"/>
-                  </a:ext>
-                </a:extLst>
               </a:tr>
               <a:tr h="269513">
                 <a:tc vMerge="1">
                   <a:txBody>
                     <a:bodyPr/>
-                    <a:lstStyle/>
                     <a:p>
-                      <a:pPr latinLnBrk="1"/>
+                      <a:pPr latinLnBrk="1">
+                        <a:defRPr/>
+                      </a:pPr>
                       <a:endParaRPr lang="ko-KR" altLang="en-US"/>
                     </a:p>
                   </a:txBody>
-                  <a:tcPr/>
+                  <a:tcPr marL="91440" marR="91440"/>
                 </a:tc>
                 <a:tc>
                   <a:txBody>
+                    <a:bodyPr vert="horz" lIns="0" tIns="44450" rIns="0" bIns="0" anchor="t" anchorCtr="0"/>
+                    <a:p>
+                      <a:pPr marL="67309" indent="0">
+                        <a:lnSpc>
+                          <a:spcPts val="1430"/>
+                        </a:lnSpc>
+                        <a:spcBef>
+                          <a:spcPts val="350"/>
+                        </a:spcBef>
+                        <a:buNone/>
+                        <a:tabLst>
+                          <a:tab pos="240665" algn="l"/>
+                        </a:tabLst>
+                        <a:defRPr/>
+                      </a:pPr>
+                      <a:r>
+                        <a:rPr lang="en-US" altLang="ko-KR" sz="1200">
+                          <a:latin typeface="맑은 고딕"/>
+                          <a:cs typeface="맑은 고딕"/>
+                        </a:rPr>
+                        <a:t>2. </a:t>
+                      </a:r>
+                      <a:r>
+                        <a:rPr lang="ko-KR" altLang="en-US" sz="1200">
+                          <a:latin typeface="맑은 고딕"/>
+                          <a:cs typeface="맑은 고딕"/>
+                        </a:rPr>
+                        <a:t>운전자가 차량의 시동을 끈다</a:t>
+                      </a:r>
+                      <a:r>
+                        <a:rPr lang="en-US" altLang="ko-KR" sz="1200">
+                          <a:latin typeface="맑은 고딕"/>
+                          <a:cs typeface="맑은 고딕"/>
+                        </a:rPr>
+                        <a:t>.</a:t>
+                      </a:r>
+                      <a:endParaRPr sz="1200">
+                        <a:latin typeface="맑은 고딕"/>
+                        <a:cs typeface="맑은 고딕"/>
+                      </a:endParaRPr>
+                    </a:p>
+                  </a:txBody>
+                  <a:tcPr marL="0" marR="0" marT="44450" marB="0">
+                    <a:lnL w="9525" cap="flat" cmpd="sng" algn="ctr">
+                      <a:solidFill>
+                        <a:srgbClr val="000000"/>
+                      </a:solidFill>
+                      <a:prstDash val="solid"/>
+                      <a:round/>
+                      <a:headEnd w="med" len="med"/>
+                      <a:tailEnd w="med" len="med"/>
+                    </a:lnL>
+                    <a:lnR w="9525" cap="flat" cmpd="sng" algn="ctr">
+                      <a:solidFill>
+                        <a:srgbClr val="000000"/>
+                      </a:solidFill>
+                      <a:prstDash val="solid"/>
+                      <a:round/>
+                      <a:headEnd w="med" len="med"/>
+                      <a:tailEnd w="med" len="med"/>
+                    </a:lnR>
+                    <a:lnT w="9525" cap="flat" cmpd="sng" algn="ctr">
+                      <a:solidFill>
+                        <a:srgbClr val="000000"/>
+                      </a:solidFill>
+                      <a:prstDash val="solid"/>
+                      <a:round/>
+                      <a:headEnd w="med" len="med"/>
+                      <a:tailEnd w="med" len="med"/>
+                    </a:lnT>
+                    <a:lnB w="9525" cap="flat" cmpd="sng" algn="ctr">
+                      <a:solidFill>
+                        <a:srgbClr val="000000"/>
+                      </a:solidFill>
+                      <a:prstDash val="solid"/>
+                      <a:round/>
+                      <a:headEnd w="med" len="med"/>
+                      <a:tailEnd w="med" len="med"/>
+                    </a:lnB>
+                  </a:tcPr>
+                </a:tc>
+                <a:tc>
+                  <a:txBody>
+                    <a:bodyPr vert="horz" lIns="0" tIns="44450" rIns="0" bIns="0" anchor="t" anchorCtr="0"/>
+                    <a:p>
+                      <a:pPr marL="67309" indent="0">
+                        <a:lnSpc>
+                          <a:spcPts val="1430"/>
+                        </a:lnSpc>
+                        <a:spcBef>
+                          <a:spcPts val="350"/>
+                        </a:spcBef>
+                        <a:buNone/>
+                        <a:tabLst>
+                          <a:tab pos="240665" algn="l"/>
+                        </a:tabLst>
+                        <a:defRPr/>
+                      </a:pPr>
+                      <a:r>
+                        <a:rPr lang="en-US" altLang="ko-KR" sz="1200">
+                          <a:latin typeface="맑은 고딕"/>
+                          <a:cs typeface="맑은 고딕"/>
+                        </a:rPr>
+                        <a:t>2.</a:t>
+                      </a:r>
+                      <a:r>
+                        <a:rPr lang="ko-KR" altLang="en-US" sz="1200">
+                          <a:latin typeface="맑은 고딕"/>
+                          <a:cs typeface="맑은 고딕"/>
+                        </a:rPr>
+                        <a:t> </a:t>
+                      </a:r>
+                      <a:r>
+                        <a:rPr lang="en-US" altLang="ko-KR" sz="1200">
+                          <a:latin typeface="맑은 고딕"/>
+                          <a:cs typeface="맑은 고딕"/>
+                        </a:rPr>
+                        <a:t>Child Lock</a:t>
+                      </a:r>
+                      <a:r>
+                        <a:rPr lang="ko-KR" altLang="en-US" sz="1200">
+                          <a:latin typeface="맑은 고딕"/>
+                          <a:cs typeface="맑은 고딕"/>
+                        </a:rPr>
+                        <a:t>을 </a:t>
+                      </a:r>
+                      <a:r>
+                        <a:rPr lang="en-US" altLang="ko-KR" sz="1200">
+                          <a:latin typeface="맑은 고딕"/>
+                          <a:cs typeface="맑은 고딕"/>
+                        </a:rPr>
+                        <a:t>OFF</a:t>
+                      </a:r>
+                      <a:r>
+                        <a:rPr lang="ko-KR" altLang="en-US" sz="1200">
+                          <a:latin typeface="맑은 고딕"/>
+                          <a:cs typeface="맑은 고딕"/>
+                        </a:rPr>
+                        <a:t> 한다</a:t>
+                      </a:r>
+                      <a:r>
+                        <a:rPr lang="en-US" altLang="ko-KR" sz="1200">
+                          <a:latin typeface="맑은 고딕"/>
+                          <a:cs typeface="맑은 고딕"/>
+                        </a:rPr>
+                        <a:t>.</a:t>
+                      </a:r>
+                      <a:endParaRPr lang="en-US" altLang="ko-KR" sz="1200">
+                        <a:latin typeface="맑은 고딕"/>
+                        <a:cs typeface="맑은 고딕"/>
+                      </a:endParaRPr>
+                    </a:p>
+                  </a:txBody>
+                  <a:tcPr marL="0" marR="0" marT="44450" marB="0">
+                    <a:lnL w="9525" cap="flat" cmpd="sng" algn="ctr">
+                      <a:solidFill>
+                        <a:srgbClr val="000000"/>
+                      </a:solidFill>
+                      <a:prstDash val="solid"/>
+                      <a:round/>
+                      <a:headEnd w="med" len="med"/>
+                      <a:tailEnd w="med" len="med"/>
+                    </a:lnL>
+                    <a:lnR w="9525" cap="flat" cmpd="sng" algn="ctr">
+                      <a:solidFill>
+                        <a:srgbClr val="000000"/>
+                      </a:solidFill>
+                      <a:prstDash val="solid"/>
+                      <a:round/>
+                      <a:headEnd w="med" len="med"/>
+                      <a:tailEnd w="med" len="med"/>
+                    </a:lnR>
+                    <a:lnT w="9525" cap="flat" cmpd="sng" algn="ctr">
+                      <a:solidFill>
+                        <a:srgbClr val="000000"/>
+                      </a:solidFill>
+                      <a:prstDash val="solid"/>
+                      <a:round/>
+                      <a:headEnd w="med" len="med"/>
+                      <a:tailEnd w="med" len="med"/>
+                    </a:lnT>
+                    <a:lnB w="9525" cap="flat" cmpd="sng" algn="ctr">
+                      <a:solidFill>
+                        <a:srgbClr val="000000"/>
+                      </a:solidFill>
+                      <a:prstDash val="solid"/>
+                      <a:round/>
+                      <a:headEnd w="med" len="med"/>
+                      <a:tailEnd w="med" len="med"/>
+                    </a:lnB>
+                  </a:tcPr>
+                </a:tc>
+              </a:tr>
+              <a:tr h="269513">
+                <a:tc vMerge="1">
+                  <a:txBody>
                     <a:bodyPr/>
-                    <a:lstStyle/>
+                    <a:p>
+                      <a:pPr latinLnBrk="1">
+                        <a:defRPr/>
+                      </a:pPr>
+                      <a:endParaRPr lang="ko-KR" altLang="en-US"/>
+                    </a:p>
+                  </a:txBody>
+                  <a:tcPr marL="91440" marR="91440"/>
+                </a:tc>
+                <a:tc>
+                  <a:txBody>
+                    <a:bodyPr vert="horz" lIns="0" tIns="44450" rIns="0" bIns="0" anchor="t" anchorCtr="0"/>
                     <a:p>
                       <a:pPr marL="240029" indent="-172720">
                         <a:lnSpc>
@@ -20333,8 +20518,9 @@
                         <a:tabLst>
                           <a:tab pos="240665" algn="l"/>
                         </a:tabLst>
+                        <a:defRPr/>
                       </a:pPr>
-                      <a:endParaRPr sz="1200" dirty="0">
+                      <a:endParaRPr sz="1200">
                         <a:latin typeface="맑은 고딕"/>
                         <a:cs typeface="맑은 고딕"/>
                       </a:endParaRPr>
@@ -20347,8 +20533,8 @@
                       </a:solidFill>
                       <a:prstDash val="solid"/>
                       <a:round/>
-                      <a:headEnd type="none" w="med" len="med"/>
-                      <a:tailEnd type="none" w="med" len="med"/>
+                      <a:headEnd w="med" len="med"/>
+                      <a:tailEnd w="med" len="med"/>
                     </a:lnL>
                     <a:lnR w="9525" cap="flat" cmpd="sng" algn="ctr">
                       <a:solidFill>
@@ -20356,8 +20542,8 @@
                       </a:solidFill>
                       <a:prstDash val="solid"/>
                       <a:round/>
-                      <a:headEnd type="none" w="med" len="med"/>
-                      <a:tailEnd type="none" w="med" len="med"/>
+                      <a:headEnd w="med" len="med"/>
+                      <a:tailEnd w="med" len="med"/>
                     </a:lnR>
                     <a:lnT w="9525" cap="flat" cmpd="sng" algn="ctr">
                       <a:solidFill>
@@ -20365,8 +20551,8 @@
                       </a:solidFill>
                       <a:prstDash val="solid"/>
                       <a:round/>
-                      <a:headEnd type="none" w="med" len="med"/>
-                      <a:tailEnd type="none" w="med" len="med"/>
+                      <a:headEnd w="med" len="med"/>
+                      <a:tailEnd w="med" len="med"/>
                     </a:lnT>
                     <a:lnB w="9525" cap="flat" cmpd="sng" algn="ctr">
                       <a:solidFill>
@@ -20374,15 +20560,14 @@
                       </a:solidFill>
                       <a:prstDash val="solid"/>
                       <a:round/>
-                      <a:headEnd type="none" w="med" len="med"/>
-                      <a:tailEnd type="none" w="med" len="med"/>
+                      <a:headEnd w="med" len="med"/>
+                      <a:tailEnd w="med" len="med"/>
                     </a:lnB>
                   </a:tcPr>
                 </a:tc>
                 <a:tc>
                   <a:txBody>
-                    <a:bodyPr/>
-                    <a:lstStyle/>
+                    <a:bodyPr vert="horz" lIns="0" tIns="44450" rIns="0" bIns="0" anchor="t" anchorCtr="0"/>
                     <a:p>
                       <a:pPr marL="240029" indent="-172720">
                         <a:lnSpc>
@@ -20395,8 +20580,9 @@
                         <a:tabLst>
                           <a:tab pos="240665" algn="l"/>
                         </a:tabLst>
+                        <a:defRPr/>
                       </a:pPr>
-                      <a:endParaRPr sz="1200" dirty="0">
+                      <a:endParaRPr sz="1200">
                         <a:latin typeface="맑은 고딕"/>
                         <a:cs typeface="맑은 고딕"/>
                       </a:endParaRPr>
@@ -20409,8 +20595,8 @@
                       </a:solidFill>
                       <a:prstDash val="solid"/>
                       <a:round/>
-                      <a:headEnd type="none" w="med" len="med"/>
-                      <a:tailEnd type="none" w="med" len="med"/>
+                      <a:headEnd w="med" len="med"/>
+                      <a:tailEnd w="med" len="med"/>
                     </a:lnL>
                     <a:lnR w="9525" cap="flat" cmpd="sng" algn="ctr">
                       <a:solidFill>
@@ -20418,8 +20604,8 @@
                       </a:solidFill>
                       <a:prstDash val="solid"/>
                       <a:round/>
-                      <a:headEnd type="none" w="med" len="med"/>
-                      <a:tailEnd type="none" w="med" len="med"/>
+                      <a:headEnd w="med" len="med"/>
+                      <a:tailEnd w="med" len="med"/>
                     </a:lnR>
                     <a:lnT w="9525" cap="flat" cmpd="sng" algn="ctr">
                       <a:solidFill>
@@ -20427,8 +20613,8 @@
                       </a:solidFill>
                       <a:prstDash val="solid"/>
                       <a:round/>
-                      <a:headEnd type="none" w="med" len="med"/>
-                      <a:tailEnd type="none" w="med" len="med"/>
+                      <a:headEnd w="med" len="med"/>
+                      <a:tailEnd w="med" len="med"/>
                     </a:lnT>
                     <a:lnB w="9525" cap="flat" cmpd="sng" algn="ctr">
                       <a:solidFill>
@@ -20436,347 +20622,65 @@
                       </a:solidFill>
                       <a:prstDash val="solid"/>
                       <a:round/>
-                      <a:headEnd type="none" w="med" len="med"/>
-                      <a:tailEnd type="none" w="med" len="med"/>
+                      <a:headEnd w="med" len="med"/>
+                      <a:tailEnd w="med" len="med"/>
                     </a:lnB>
                   </a:tcPr>
                 </a:tc>
-                <a:extLst>
-                  <a:ext uri="{0D108BD9-81ED-4DB2-BD59-A6C34878D82A}">
-                    <a16:rowId xmlns:a16="http://schemas.microsoft.com/office/drawing/2014/main" val="629794943"/>
-                  </a:ext>
-                </a:extLst>
-              </a:tr>
-              <a:tr h="269513">
-                <a:tc vMerge="1">
-                  <a:txBody>
-                    <a:bodyPr/>
-                    <a:lstStyle/>
-                    <a:p>
-                      <a:pPr latinLnBrk="1"/>
-                      <a:endParaRPr lang="ko-KR" altLang="en-US"/>
-                    </a:p>
-                  </a:txBody>
-                  <a:tcPr/>
-                </a:tc>
-                <a:tc>
-                  <a:txBody>
-                    <a:bodyPr/>
-                    <a:lstStyle/>
-                    <a:p>
-                      <a:pPr marL="240029" indent="-172720">
-                        <a:lnSpc>
-                          <a:spcPts val="1430"/>
-                        </a:lnSpc>
-                        <a:spcBef>
-                          <a:spcPts val="350"/>
-                        </a:spcBef>
-                        <a:buAutoNum type="arabicPeriod"/>
-                        <a:tabLst>
-                          <a:tab pos="240665" algn="l"/>
-                        </a:tabLst>
-                      </a:pPr>
-                      <a:endParaRPr sz="1200" dirty="0">
-                        <a:latin typeface="맑은 고딕"/>
-                        <a:cs typeface="맑은 고딕"/>
-                      </a:endParaRPr>
-                    </a:p>
-                  </a:txBody>
-                  <a:tcPr marL="0" marR="0" marT="44450" marB="0">
-                    <a:lnL w="9525" cap="flat" cmpd="sng" algn="ctr">
-                      <a:solidFill>
-                        <a:srgbClr val="000000"/>
-                      </a:solidFill>
-                      <a:prstDash val="solid"/>
-                      <a:round/>
-                      <a:headEnd type="none" w="med" len="med"/>
-                      <a:tailEnd type="none" w="med" len="med"/>
-                    </a:lnL>
-                    <a:lnR w="9525" cap="flat" cmpd="sng" algn="ctr">
-                      <a:solidFill>
-                        <a:srgbClr val="000000"/>
-                      </a:solidFill>
-                      <a:prstDash val="solid"/>
-                      <a:round/>
-                      <a:headEnd type="none" w="med" len="med"/>
-                      <a:tailEnd type="none" w="med" len="med"/>
-                    </a:lnR>
-                    <a:lnT w="9525" cap="flat" cmpd="sng" algn="ctr">
-                      <a:solidFill>
-                        <a:srgbClr val="000000"/>
-                      </a:solidFill>
-                      <a:prstDash val="solid"/>
-                      <a:round/>
-                      <a:headEnd type="none" w="med" len="med"/>
-                      <a:tailEnd type="none" w="med" len="med"/>
-                    </a:lnT>
-                    <a:lnB w="9525" cap="flat" cmpd="sng" algn="ctr">
-                      <a:solidFill>
-                        <a:srgbClr val="000000"/>
-                      </a:solidFill>
-                      <a:prstDash val="solid"/>
-                      <a:round/>
-                      <a:headEnd type="none" w="med" len="med"/>
-                      <a:tailEnd type="none" w="med" len="med"/>
-                    </a:lnB>
-                  </a:tcPr>
-                </a:tc>
-                <a:tc>
-                  <a:txBody>
-                    <a:bodyPr/>
-                    <a:lstStyle/>
-                    <a:p>
-                      <a:pPr marL="240029" indent="-172720">
-                        <a:lnSpc>
-                          <a:spcPts val="1430"/>
-                        </a:lnSpc>
-                        <a:spcBef>
-                          <a:spcPts val="350"/>
-                        </a:spcBef>
-                        <a:buAutoNum type="arabicPeriod"/>
-                        <a:tabLst>
-                          <a:tab pos="240665" algn="l"/>
-                        </a:tabLst>
-                      </a:pPr>
-                      <a:endParaRPr sz="1200" dirty="0">
-                        <a:latin typeface="맑은 고딕"/>
-                        <a:cs typeface="맑은 고딕"/>
-                      </a:endParaRPr>
-                    </a:p>
-                  </a:txBody>
-                  <a:tcPr marL="0" marR="0" marT="44450" marB="0">
-                    <a:lnL w="9525" cap="flat" cmpd="sng" algn="ctr">
-                      <a:solidFill>
-                        <a:srgbClr val="000000"/>
-                      </a:solidFill>
-                      <a:prstDash val="solid"/>
-                      <a:round/>
-                      <a:headEnd type="none" w="med" len="med"/>
-                      <a:tailEnd type="none" w="med" len="med"/>
-                    </a:lnL>
-                    <a:lnR w="9525" cap="flat" cmpd="sng" algn="ctr">
-                      <a:solidFill>
-                        <a:srgbClr val="000000"/>
-                      </a:solidFill>
-                      <a:prstDash val="solid"/>
-                      <a:round/>
-                      <a:headEnd type="none" w="med" len="med"/>
-                      <a:tailEnd type="none" w="med" len="med"/>
-                    </a:lnR>
-                    <a:lnT w="9525" cap="flat" cmpd="sng" algn="ctr">
-                      <a:solidFill>
-                        <a:srgbClr val="000000"/>
-                      </a:solidFill>
-                      <a:prstDash val="solid"/>
-                      <a:round/>
-                      <a:headEnd type="none" w="med" len="med"/>
-                      <a:tailEnd type="none" w="med" len="med"/>
-                    </a:lnT>
-                    <a:lnB w="9525" cap="flat" cmpd="sng" algn="ctr">
-                      <a:solidFill>
-                        <a:srgbClr val="000000"/>
-                      </a:solidFill>
-                      <a:prstDash val="solid"/>
-                      <a:round/>
-                      <a:headEnd type="none" w="med" len="med"/>
-                      <a:tailEnd type="none" w="med" len="med"/>
-                    </a:lnB>
-                  </a:tcPr>
-                </a:tc>
-                <a:extLst>
-                  <a:ext uri="{0D108BD9-81ED-4DB2-BD59-A6C34878D82A}">
-                    <a16:rowId xmlns:a16="http://schemas.microsoft.com/office/drawing/2014/main" val="3349003448"/>
-                  </a:ext>
-                </a:extLst>
-              </a:tr>
-              <a:tr h="269513">
-                <a:tc vMerge="1">
-                  <a:txBody>
-                    <a:bodyPr/>
-                    <a:lstStyle/>
-                    <a:p>
-                      <a:pPr latinLnBrk="1"/>
-                      <a:endParaRPr lang="ko-KR" altLang="en-US"/>
-                    </a:p>
-                  </a:txBody>
-                  <a:tcPr/>
-                </a:tc>
-                <a:tc>
-                  <a:txBody>
-                    <a:bodyPr/>
-                    <a:lstStyle/>
-                    <a:p>
-                      <a:pPr marL="240029" indent="-172720">
-                        <a:lnSpc>
-                          <a:spcPts val="1430"/>
-                        </a:lnSpc>
-                        <a:spcBef>
-                          <a:spcPts val="350"/>
-                        </a:spcBef>
-                        <a:buAutoNum type="arabicPeriod"/>
-                        <a:tabLst>
-                          <a:tab pos="240665" algn="l"/>
-                        </a:tabLst>
-                      </a:pPr>
-                      <a:endParaRPr sz="1200" dirty="0">
-                        <a:latin typeface="맑은 고딕"/>
-                        <a:cs typeface="맑은 고딕"/>
-                      </a:endParaRPr>
-                    </a:p>
-                  </a:txBody>
-                  <a:tcPr marL="0" marR="0" marT="44450" marB="0">
-                    <a:lnL w="9525" cap="flat" cmpd="sng" algn="ctr">
-                      <a:solidFill>
-                        <a:srgbClr val="000000"/>
-                      </a:solidFill>
-                      <a:prstDash val="solid"/>
-                      <a:round/>
-                      <a:headEnd type="none" w="med" len="med"/>
-                      <a:tailEnd type="none" w="med" len="med"/>
-                    </a:lnL>
-                    <a:lnR w="9525" cap="flat" cmpd="sng" algn="ctr">
-                      <a:solidFill>
-                        <a:srgbClr val="000000"/>
-                      </a:solidFill>
-                      <a:prstDash val="solid"/>
-                      <a:round/>
-                      <a:headEnd type="none" w="med" len="med"/>
-                      <a:tailEnd type="none" w="med" len="med"/>
-                    </a:lnR>
-                    <a:lnT w="9525" cap="flat" cmpd="sng" algn="ctr">
-                      <a:solidFill>
-                        <a:srgbClr val="000000"/>
-                      </a:solidFill>
-                      <a:prstDash val="solid"/>
-                      <a:round/>
-                      <a:headEnd type="none" w="med" len="med"/>
-                      <a:tailEnd type="none" w="med" len="med"/>
-                    </a:lnT>
-                    <a:lnB w="9525">
-                      <a:solidFill>
-                        <a:srgbClr val="000000"/>
-                      </a:solidFill>
-                      <a:prstDash val="solid"/>
-                    </a:lnB>
-                  </a:tcPr>
-                </a:tc>
-                <a:tc>
-                  <a:txBody>
-                    <a:bodyPr/>
-                    <a:lstStyle/>
-                    <a:p>
-                      <a:pPr marL="240029" indent="-172720">
-                        <a:lnSpc>
-                          <a:spcPts val="1430"/>
-                        </a:lnSpc>
-                        <a:spcBef>
-                          <a:spcPts val="350"/>
-                        </a:spcBef>
-                        <a:buAutoNum type="arabicPeriod"/>
-                        <a:tabLst>
-                          <a:tab pos="240665" algn="l"/>
-                        </a:tabLst>
-                      </a:pPr>
-                      <a:endParaRPr sz="1200" dirty="0">
-                        <a:latin typeface="맑은 고딕"/>
-                        <a:cs typeface="맑은 고딕"/>
-                      </a:endParaRPr>
-                    </a:p>
-                  </a:txBody>
-                  <a:tcPr marL="0" marR="0" marT="44450" marB="0">
-                    <a:lnL w="9525" cap="flat" cmpd="sng" algn="ctr">
-                      <a:solidFill>
-                        <a:srgbClr val="000000"/>
-                      </a:solidFill>
-                      <a:prstDash val="solid"/>
-                      <a:round/>
-                      <a:headEnd type="none" w="med" len="med"/>
-                      <a:tailEnd type="none" w="med" len="med"/>
-                    </a:lnL>
-                    <a:lnR w="9525" cap="flat" cmpd="sng" algn="ctr">
-                      <a:solidFill>
-                        <a:srgbClr val="000000"/>
-                      </a:solidFill>
-                      <a:prstDash val="solid"/>
-                      <a:round/>
-                      <a:headEnd type="none" w="med" len="med"/>
-                      <a:tailEnd type="none" w="med" len="med"/>
-                    </a:lnR>
-                    <a:lnT w="9525" cap="flat" cmpd="sng" algn="ctr">
-                      <a:solidFill>
-                        <a:srgbClr val="000000"/>
-                      </a:solidFill>
-                      <a:prstDash val="solid"/>
-                      <a:round/>
-                      <a:headEnd type="none" w="med" len="med"/>
-                      <a:tailEnd type="none" w="med" len="med"/>
-                    </a:lnT>
-                    <a:lnB w="9525" cap="flat" cmpd="sng" algn="ctr">
-                      <a:solidFill>
-                        <a:srgbClr val="000000"/>
-                      </a:solidFill>
-                      <a:prstDash val="solid"/>
-                      <a:round/>
-                      <a:headEnd type="none" w="med" len="med"/>
-                      <a:tailEnd type="none" w="med" len="med"/>
-                    </a:lnB>
-                  </a:tcPr>
-                </a:tc>
-                <a:extLst>
-                  <a:ext uri="{0D108BD9-81ED-4DB2-BD59-A6C34878D82A}">
-                    <a16:rowId xmlns:a16="http://schemas.microsoft.com/office/drawing/2014/main" val="1559324796"/>
-                  </a:ext>
-                </a:extLst>
               </a:tr>
               <a:tr h="244558">
-                <a:tc rowSpan="5">
+                <a:tc rowSpan="3">
                   <a:txBody>
-                    <a:bodyPr/>
-                    <a:lstStyle/>
+                    <a:bodyPr vert="horz" lIns="0" tIns="59690" rIns="0" bIns="0" anchor="t" anchorCtr="0"/>
                     <a:p>
                       <a:pPr marL="67945">
                         <a:lnSpc>
                           <a:spcPct val="100000"/>
                         </a:lnSpc>
                         <a:spcBef>
-                          <a:spcPts val="470"/>
+                          <a:spcPts val="469"/>
                         </a:spcBef>
+                        <a:defRPr/>
                       </a:pPr>
                       <a:r>
-                        <a:rPr sz="1200" b="1" spc="-5" dirty="0">
+                        <a:rPr sz="1200" b="1" spc="-5">
                           <a:latin typeface="맑은 고딕"/>
                           <a:cs typeface="맑은 고딕"/>
                         </a:rPr>
                         <a:t>Alternative</a:t>
                       </a:r>
                       <a:r>
-                        <a:rPr sz="1200" b="1" spc="-30" dirty="0">
+                        <a:rPr sz="1200" b="1" spc="-30">
                           <a:latin typeface="맑은 고딕"/>
                           <a:cs typeface="맑은 고딕"/>
                         </a:rPr>
                         <a:t> </a:t>
                       </a:r>
                       <a:r>
-                        <a:rPr sz="1200" b="1" spc="-5" dirty="0">
+                        <a:rPr sz="1200" b="1" spc="-5">
                           <a:latin typeface="맑은 고딕"/>
                           <a:cs typeface="맑은 고딕"/>
                         </a:rPr>
                         <a:t>Scenario</a:t>
                       </a:r>
                       <a:r>
-                        <a:rPr sz="1200" b="1" spc="-15" dirty="0">
+                        <a:rPr sz="1200" b="1" spc="-15">
                           <a:latin typeface="맑은 고딕"/>
                           <a:cs typeface="맑은 고딕"/>
                         </a:rPr>
                         <a:t> </a:t>
                       </a:r>
                       <a:r>
-                        <a:rPr sz="1200" b="1" dirty="0">
+                        <a:rPr sz="1200" b="1">
                           <a:latin typeface="맑은 고딕"/>
                           <a:cs typeface="맑은 고딕"/>
                         </a:rPr>
                         <a:t>1</a:t>
                       </a:r>
+                      <a:endParaRPr sz="1200" b="1">
+                        <a:latin typeface="맑은 고딕"/>
+                        <a:cs typeface="맑은 고딕"/>
+                      </a:endParaRPr>
                     </a:p>
                   </a:txBody>
                   <a:tcPr marL="0" marR="0" marT="59690" marB="0">
@@ -20813,8 +20717,126 @@
                 </a:tc>
                 <a:tc>
                   <a:txBody>
-                    <a:bodyPr/>
-                    <a:lstStyle/>
+                    <a:bodyPr vert="horz" lIns="0" tIns="44450" rIns="0" bIns="0" anchor="t" anchorCtr="0"/>
+                    <a:p>
+                      <a:pPr marL="67309" indent="0">
+                        <a:lnSpc>
+                          <a:spcPts val="1430"/>
+                        </a:lnSpc>
+                        <a:spcBef>
+                          <a:spcPts val="350"/>
+                        </a:spcBef>
+                        <a:buNone/>
+                        <a:tabLst>
+                          <a:tab pos="240665" algn="l"/>
+                        </a:tabLst>
+                        <a:defRPr/>
+                      </a:pPr>
+                      <a:r>
+                        <a:rPr lang="en-US" sz="1200">
+                          <a:latin typeface="맑은 고딕"/>
+                          <a:cs typeface="맑은 고딕"/>
+                        </a:rPr>
+                        <a:t>1. </a:t>
+                      </a:r>
+                      <a:r>
+                        <a:rPr lang="ko-KR" altLang="en-US" sz="1200">
+                          <a:latin typeface="맑은 고딕"/>
+                          <a:cs typeface="맑은 고딕"/>
+                        </a:rPr>
+                        <a:t>운전자가 주행 전에 수동으로</a:t>
+                      </a:r>
+                      <a:r>
+                        <a:rPr lang="en-US" altLang="ko-KR" sz="1200">
+                          <a:latin typeface="맑은 고딕"/>
+                          <a:cs typeface="맑은 고딕"/>
+                        </a:rPr>
+                        <a:t> Child Lock</a:t>
+                      </a:r>
+                      <a:r>
+                        <a:rPr lang="ko-KR" altLang="en-US" sz="1200">
+                          <a:latin typeface="맑은 고딕"/>
+                          <a:cs typeface="맑은 고딕"/>
+                        </a:rPr>
+                        <a:t>을 </a:t>
+                      </a:r>
+                      <a:r>
+                        <a:rPr lang="en-US" altLang="ko-KR" sz="1200">
+                          <a:latin typeface="맑은 고딕"/>
+                          <a:cs typeface="맑은 고딕"/>
+                        </a:rPr>
+                        <a:t>ON</a:t>
+                      </a:r>
+                      <a:r>
+                        <a:rPr lang="ko-KR" altLang="en-US" sz="1200">
+                          <a:latin typeface="맑은 고딕"/>
+                          <a:cs typeface="맑은 고딕"/>
+                        </a:rPr>
+                        <a:t>한 상태에서 </a:t>
+                      </a:r>
+                      <a:r>
+                        <a:rPr lang="en-US" altLang="ko-KR" sz="1200">
+                          <a:latin typeface="맑은 고딕"/>
+                          <a:cs typeface="맑은 고딕"/>
+                        </a:rPr>
+                        <a:t>30km/h </a:t>
+                      </a:r>
+                      <a:r>
+                        <a:rPr lang="ko-KR" altLang="en-US" sz="1200">
+                          <a:latin typeface="맑은 고딕"/>
+                          <a:cs typeface="맑은 고딕"/>
+                        </a:rPr>
+                        <a:t>이상의 속도로 주행중이다</a:t>
+                      </a:r>
+                      <a:r>
+                        <a:rPr lang="en-US" altLang="ko-KR" sz="1200">
+                          <a:latin typeface="맑은 고딕"/>
+                          <a:cs typeface="맑은 고딕"/>
+                        </a:rPr>
+                        <a:t>.</a:t>
+                      </a:r>
+                      <a:endParaRPr lang="en-US" altLang="ko-KR" sz="1200">
+                        <a:latin typeface="맑은 고딕"/>
+                        <a:cs typeface="맑은 고딕"/>
+                      </a:endParaRPr>
+                    </a:p>
+                  </a:txBody>
+                  <a:tcPr marL="0" marR="0" marT="44450" marB="0">
+                    <a:lnL w="9525">
+                      <a:solidFill>
+                        <a:srgbClr val="000000"/>
+                      </a:solidFill>
+                      <a:prstDash val="solid"/>
+                    </a:lnL>
+                    <a:lnR w="9525" cap="flat" cmpd="sng" algn="ctr">
+                      <a:solidFill>
+                        <a:srgbClr val="000000"/>
+                      </a:solidFill>
+                      <a:prstDash val="solid"/>
+                      <a:round/>
+                      <a:headEnd w="med" len="med"/>
+                      <a:tailEnd w="med" len="med"/>
+                    </a:lnR>
+                    <a:lnT w="9525">
+                      <a:solidFill>
+                        <a:srgbClr val="000000"/>
+                      </a:solidFill>
+                      <a:prstDash val="solid"/>
+                    </a:lnT>
+                    <a:lnB w="9525" cap="flat" cmpd="sng" algn="ctr">
+                      <a:solidFill>
+                        <a:srgbClr val="000000"/>
+                      </a:solidFill>
+                      <a:prstDash val="solid"/>
+                      <a:round/>
+                      <a:headEnd w="med" len="med"/>
+                      <a:tailEnd w="med" len="med"/>
+                    </a:lnB>
+                  </a:tcPr>
+                </a:tc>
+                <a:tc>
+                  <a:txBody>
+                    <a:bodyPr vert="horz" lIns="0" tIns="71120" rIns="0" bIns="0" anchor="t" anchorCtr="0"/>
                     <a:p>
                       <a:pPr marL="176530" marR="1360170" indent="-107950">
                         <a:lnSpc>
@@ -20823,34 +20845,87 @@
                         <a:spcBef>
                           <a:spcPts val="560"/>
                         </a:spcBef>
+                        <a:defRPr/>
                       </a:pPr>
-                      <a:endParaRPr sz="1200" dirty="0">
+                      <a:r>
+                        <a:rPr lang="en-US" altLang="ko-KR" sz="1200">
+                          <a:latin typeface="맑은 고딕"/>
+                          <a:cs typeface="맑은 고딕"/>
+                        </a:rPr>
+                        <a:t>1.</a:t>
+                      </a:r>
+                      <a:r>
+                        <a:rPr lang="ko-KR" altLang="en-US" sz="1200">
+                          <a:latin typeface="맑은 고딕"/>
+                          <a:cs typeface="맑은 고딕"/>
+                        </a:rPr>
+                        <a:t> </a:t>
+                      </a:r>
+                      <a:r>
+                        <a:rPr lang="en-US" altLang="ko-KR" sz="1200">
+                          <a:latin typeface="맑은 고딕"/>
+                          <a:cs typeface="맑은 고딕"/>
+                        </a:rPr>
+                        <a:t>Child Lock</a:t>
+                      </a:r>
+                      <a:r>
+                        <a:rPr lang="ko-KR" altLang="en-US" sz="1200">
+                          <a:latin typeface="맑은 고딕"/>
+                          <a:cs typeface="맑은 고딕"/>
+                        </a:rPr>
+                        <a:t>은 </a:t>
+                      </a:r>
+                      <a:r>
+                        <a:rPr lang="en-US" altLang="ko-KR" sz="1200">
+                          <a:latin typeface="맑은 고딕"/>
+                          <a:cs typeface="맑은 고딕"/>
+                        </a:rPr>
+                        <a:t>ON </a:t>
+                      </a:r>
+                      <a:r>
+                        <a:rPr lang="ko-KR" altLang="en-US" sz="1200">
+                          <a:latin typeface="맑은 고딕"/>
+                          <a:cs typeface="맑은 고딕"/>
+                        </a:rPr>
+                        <a:t>상태를 유지한다</a:t>
+                      </a:r>
+                      <a:r>
+                        <a:rPr lang="en-US" altLang="ko-KR" sz="1200">
+                          <a:latin typeface="맑은 고딕"/>
+                          <a:cs typeface="맑은 고딕"/>
+                        </a:rPr>
+                        <a:t>.</a:t>
+                      </a:r>
+                      <a:endParaRPr lang="en-US" altLang="ko-KR" sz="1200">
                         <a:latin typeface="맑은 고딕"/>
                         <a:cs typeface="맑은 고딕"/>
                       </a:endParaRPr>
                     </a:p>
                   </a:txBody>
                   <a:tcPr marL="0" marR="0" marT="71120" marB="0">
-                    <a:lnL w="9525">
+                    <a:lnL w="9525" cap="flat" cmpd="sng" algn="ctr">
                       <a:solidFill>
                         <a:srgbClr val="000000"/>
                       </a:solidFill>
                       <a:prstDash val="solid"/>
+                      <a:round/>
+                      <a:headEnd w="med" len="med"/>
+                      <a:tailEnd w="med" len="med"/>
                     </a:lnL>
-                    <a:lnR w="9525" cap="flat" cmpd="sng" algn="ctr">
+                    <a:lnR w="9525">
                       <a:solidFill>
                         <a:srgbClr val="000000"/>
                       </a:solidFill>
                       <a:prstDash val="solid"/>
+                    </a:lnR>
+                    <a:lnT w="9525" cap="flat" cmpd="sng" algn="ctr">
+                      <a:solidFill>
+                        <a:srgbClr val="000000"/>
+                      </a:solidFill>
+                      <a:prstDash val="solid"/>
                       <a:round/>
-                      <a:headEnd type="none" w="med" len="med"/>
-                      <a:tailEnd type="none" w="med" len="med"/>
-                    </a:lnR>
-                    <a:lnT w="9525">
-                      <a:solidFill>
-                        <a:srgbClr val="000000"/>
-                      </a:solidFill>
-                      <a:prstDash val="solid"/>
+                      <a:headEnd w="med" len="med"/>
+                      <a:tailEnd w="med" len="med"/>
                     </a:lnT>
                     <a:lnB w="9525" cap="flat" cmpd="sng" algn="ctr">
                       <a:solidFill>
@@ -20858,15 +20933,28 @@
                       </a:solidFill>
                       <a:prstDash val="solid"/>
                       <a:round/>
-                      <a:headEnd type="none" w="med" len="med"/>
-                      <a:tailEnd type="none" w="med" len="med"/>
+                      <a:headEnd w="med" len="med"/>
+                      <a:tailEnd w="med" len="med"/>
                     </a:lnB>
                   </a:tcPr>
                 </a:tc>
+              </a:tr>
+              <a:tr h="244558">
+                <a:tc vMerge="1">
+                  <a:txBody>
+                    <a:bodyPr/>
+                    <a:p>
+                      <a:pPr latinLnBrk="1">
+                        <a:defRPr/>
+                      </a:pPr>
+                      <a:endParaRPr lang="ko-KR" altLang="en-US"/>
+                    </a:p>
+                  </a:txBody>
+                  <a:tcPr marL="91440" marR="91440"/>
+                </a:tc>
                 <a:tc>
                   <a:txBody>
-                    <a:bodyPr/>
-                    <a:lstStyle/>
+                    <a:bodyPr vert="horz" lIns="0" tIns="71120" rIns="0" bIns="0" anchor="t" anchorCtr="0"/>
                     <a:p>
                       <a:pPr marL="176530" marR="1360170" indent="-107950">
                         <a:lnSpc>
@@ -20875,8 +20963,37 @@
                         <a:spcBef>
                           <a:spcPts val="560"/>
                         </a:spcBef>
+                        <a:defRPr/>
                       </a:pPr>
-                      <a:endParaRPr sz="1200" dirty="0">
+                      <a:r>
+                        <a:rPr lang="en-US" altLang="ko-KR" sz="1200">
+                          <a:latin typeface="맑은 고딕"/>
+                          <a:cs typeface="맑은 고딕"/>
+                        </a:rPr>
+                        <a:t>2.</a:t>
+                      </a:r>
+                      <a:r>
+                        <a:rPr lang="ko-KR" altLang="en-US" sz="1200">
+                          <a:latin typeface="맑은 고딕"/>
+                          <a:cs typeface="맑은 고딕"/>
+                        </a:rPr>
+                        <a:t> 시동이 꺼졌으나 차량이 </a:t>
+                      </a:r>
+                      <a:r>
+                        <a:rPr lang="en-US" altLang="ko-KR" sz="1200">
+                          <a:latin typeface="맑은 고딕"/>
+                          <a:cs typeface="맑은 고딕"/>
+                        </a:rPr>
+                        <a:t>30km/h </a:t>
+                      </a:r>
+                      <a:r>
+                        <a:rPr lang="ko-KR" altLang="en-US" sz="1200">
+                          <a:latin typeface="맑은 고딕"/>
+                          <a:cs typeface="맑은 고딕"/>
+                        </a:rPr>
+                        <a:t>이상의 속도로 움직이는 경우</a:t>
+                      </a:r>
+                      <a:endParaRPr lang="ko-KR" altLang="en-US" sz="1200">
                         <a:latin typeface="맑은 고딕"/>
                         <a:cs typeface="맑은 고딕"/>
                       </a:endParaRPr>
@@ -20889,14 +21006,17 @@
                       </a:solidFill>
                       <a:prstDash val="solid"/>
                       <a:round/>
-                      <a:headEnd type="none" w="med" len="med"/>
-                      <a:tailEnd type="none" w="med" len="med"/>
+                      <a:headEnd w="med" len="med"/>
+                      <a:tailEnd w="med" len="med"/>
                     </a:lnL>
-                    <a:lnR w="9525">
+                    <a:lnR w="9525" cap="flat" cmpd="sng" algn="ctr">
                       <a:solidFill>
                         <a:srgbClr val="000000"/>
                       </a:solidFill>
                       <a:prstDash val="solid"/>
+                      <a:round/>
+                      <a:headEnd w="med" len="med"/>
+                      <a:tailEnd w="med" len="med"/>
                     </a:lnR>
                     <a:lnT w="9525" cap="flat" cmpd="sng" algn="ctr">
                       <a:solidFill>
@@ -20904,8 +21024,8 @@
                       </a:solidFill>
                       <a:prstDash val="solid"/>
                       <a:round/>
-                      <a:headEnd type="none" w="med" len="med"/>
-                      <a:tailEnd type="none" w="med" len="med"/>
+                      <a:headEnd w="med" len="med"/>
+                      <a:tailEnd w="med" len="med"/>
                     </a:lnT>
                     <a:lnB w="9525" cap="flat" cmpd="sng" algn="ctr">
                       <a:solidFill>
@@ -20913,33 +21033,14 @@
                       </a:solidFill>
                       <a:prstDash val="solid"/>
                       <a:round/>
-                      <a:headEnd type="none" w="med" len="med"/>
-                      <a:tailEnd type="none" w="med" len="med"/>
+                      <a:headEnd w="med" len="med"/>
+                      <a:tailEnd w="med" len="med"/>
                     </a:lnB>
                   </a:tcPr>
                 </a:tc>
-                <a:extLst>
-                  <a:ext uri="{0D108BD9-81ED-4DB2-BD59-A6C34878D82A}">
-                    <a16:rowId xmlns:a16="http://schemas.microsoft.com/office/drawing/2014/main" val="10005"/>
-                  </a:ext>
-                </a:extLst>
-              </a:tr>
-              <a:tr h="244558">
-                <a:tc vMerge="1">
-                  <a:txBody>
-                    <a:bodyPr/>
-                    <a:lstStyle/>
-                    <a:p>
-                      <a:pPr latinLnBrk="1"/>
-                      <a:endParaRPr lang="ko-KR" altLang="en-US"/>
-                    </a:p>
-                  </a:txBody>
-                  <a:tcPr/>
-                </a:tc>
                 <a:tc>
                   <a:txBody>
-                    <a:bodyPr/>
-                    <a:lstStyle/>
+                    <a:bodyPr vert="horz" lIns="0" tIns="71120" rIns="0" bIns="0" anchor="t" anchorCtr="0"/>
                     <a:p>
                       <a:pPr marL="176530" marR="1360170" indent="-107950">
                         <a:lnSpc>
@@ -20948,8 +21049,58 @@
                         <a:spcBef>
                           <a:spcPts val="560"/>
                         </a:spcBef>
+                        <a:defRPr/>
                       </a:pPr>
-                      <a:endParaRPr sz="1200" dirty="0">
+                      <a:r>
+                        <a:rPr lang="en-US" altLang="ko-KR" sz="1200">
+                          <a:latin typeface="맑은 고딕"/>
+                          <a:cs typeface="맑은 고딕"/>
+                        </a:rPr>
+                        <a:t>2.</a:t>
+                      </a:r>
+                      <a:r>
+                        <a:rPr lang="ko-KR" altLang="en-US" sz="1200">
+                          <a:latin typeface="맑은 고딕"/>
+                          <a:cs typeface="맑은 고딕"/>
+                        </a:rPr>
+                        <a:t> </a:t>
+                      </a:r>
+                      <a:r>
+                        <a:rPr lang="en-US" altLang="ko-KR" sz="1200">
+                          <a:latin typeface="맑은 고딕"/>
+                          <a:cs typeface="맑은 고딕"/>
+                        </a:rPr>
+                        <a:t>Child Lock</a:t>
+                      </a:r>
+                      <a:r>
+                        <a:rPr lang="ko-KR" altLang="en-US" sz="1200">
+                          <a:latin typeface="맑은 고딕"/>
+                          <a:cs typeface="맑은 고딕"/>
+                        </a:rPr>
+                        <a:t>은 </a:t>
+                      </a:r>
+                      <a:r>
+                        <a:rPr lang="en-US" altLang="ko-KR" sz="1200">
+                          <a:latin typeface="맑은 고딕"/>
+                          <a:cs typeface="맑은 고딕"/>
+                        </a:rPr>
+                        <a:t>ON </a:t>
+                      </a:r>
+                      <a:r>
+                        <a:rPr lang="ko-KR" altLang="en-US" sz="1200">
+                          <a:latin typeface="맑은 고딕"/>
+                          <a:cs typeface="맑은 고딕"/>
+                        </a:rPr>
+                        <a:t>상태를 유지한다</a:t>
+                      </a:r>
+                      <a:r>
+                        <a:rPr lang="en-US" altLang="ko-KR" sz="1200">
+                          <a:latin typeface="맑은 고딕"/>
+                          <a:cs typeface="맑은 고딕"/>
+                        </a:rPr>
+                        <a:t>.</a:t>
+                      </a:r>
+                      <a:endParaRPr lang="en-US" altLang="ko-KR" sz="1200">
                         <a:latin typeface="맑은 고딕"/>
                         <a:cs typeface="맑은 고딕"/>
                       </a:endParaRPr>
@@ -20962,8 +21113,8 @@
                       </a:solidFill>
                       <a:prstDash val="solid"/>
                       <a:round/>
-                      <a:headEnd type="none" w="med" len="med"/>
-                      <a:tailEnd type="none" w="med" len="med"/>
+                      <a:headEnd w="med" len="med"/>
+                      <a:tailEnd w="med" len="med"/>
                     </a:lnL>
                     <a:lnR w="9525" cap="flat" cmpd="sng" algn="ctr">
                       <a:solidFill>
@@ -20971,8 +21122,8 @@
                       </a:solidFill>
                       <a:prstDash val="solid"/>
                       <a:round/>
-                      <a:headEnd type="none" w="med" len="med"/>
-                      <a:tailEnd type="none" w="med" len="med"/>
+                      <a:headEnd w="med" len="med"/>
+                      <a:tailEnd w="med" len="med"/>
                     </a:lnR>
                     <a:lnT w="9525" cap="flat" cmpd="sng" algn="ctr">
                       <a:solidFill>
@@ -20980,8 +21131,8 @@
                       </a:solidFill>
                       <a:prstDash val="solid"/>
                       <a:round/>
-                      <a:headEnd type="none" w="med" len="med"/>
-                      <a:tailEnd type="none" w="med" len="med"/>
+                      <a:headEnd w="med" len="med"/>
+                      <a:tailEnd w="med" len="med"/>
                     </a:lnT>
                     <a:lnB w="9525" cap="flat" cmpd="sng" algn="ctr">
                       <a:solidFill>
@@ -20989,15 +21140,28 @@
                       </a:solidFill>
                       <a:prstDash val="solid"/>
                       <a:round/>
-                      <a:headEnd type="none" w="med" len="med"/>
-                      <a:tailEnd type="none" w="med" len="med"/>
+                      <a:headEnd w="med" len="med"/>
+                      <a:tailEnd w="med" len="med"/>
                     </a:lnB>
                   </a:tcPr>
                 </a:tc>
+              </a:tr>
+              <a:tr h="244558">
+                <a:tc vMerge="1">
+                  <a:txBody>
+                    <a:bodyPr/>
+                    <a:p>
+                      <a:pPr latinLnBrk="1">
+                        <a:defRPr/>
+                      </a:pPr>
+                      <a:endParaRPr lang="ko-KR" altLang="en-US"/>
+                    </a:p>
+                  </a:txBody>
+                  <a:tcPr marL="91440" marR="91440"/>
+                </a:tc>
                 <a:tc>
                   <a:txBody>
-                    <a:bodyPr/>
-                    <a:lstStyle/>
+                    <a:bodyPr vert="horz" lIns="0" tIns="71120" rIns="0" bIns="0" anchor="t" anchorCtr="0"/>
                     <a:p>
                       <a:pPr marL="176530" marR="1360170" indent="-107950">
                         <a:lnSpc>
@@ -21006,8 +21170,9 @@
                         <a:spcBef>
                           <a:spcPts val="560"/>
                         </a:spcBef>
+                        <a:defRPr/>
                       </a:pPr>
-                      <a:endParaRPr sz="1200" dirty="0">
+                      <a:endParaRPr sz="1200">
                         <a:latin typeface="맑은 고딕"/>
                         <a:cs typeface="맑은 고딕"/>
                       </a:endParaRPr>
@@ -21020,8 +21185,8 @@
                       </a:solidFill>
                       <a:prstDash val="solid"/>
                       <a:round/>
-                      <a:headEnd type="none" w="med" len="med"/>
-                      <a:tailEnd type="none" w="med" len="med"/>
+                      <a:headEnd w="med" len="med"/>
+                      <a:tailEnd w="med" len="med"/>
                     </a:lnL>
                     <a:lnR w="9525" cap="flat" cmpd="sng" algn="ctr">
                       <a:solidFill>
@@ -21029,8 +21194,8 @@
                       </a:solidFill>
                       <a:prstDash val="solid"/>
                       <a:round/>
-                      <a:headEnd type="none" w="med" len="med"/>
-                      <a:tailEnd type="none" w="med" len="med"/>
+                      <a:headEnd w="med" len="med"/>
+                      <a:tailEnd w="med" len="med"/>
                     </a:lnR>
                     <a:lnT w="9525" cap="flat" cmpd="sng" algn="ctr">
                       <a:solidFill>
@@ -21038,42 +21203,20 @@
                       </a:solidFill>
                       <a:prstDash val="solid"/>
                       <a:round/>
-                      <a:headEnd type="none" w="med" len="med"/>
-                      <a:tailEnd type="none" w="med" len="med"/>
+                      <a:headEnd w="med" len="med"/>
+                      <a:tailEnd w="med" len="med"/>
                     </a:lnT>
-                    <a:lnB w="9525" cap="flat" cmpd="sng" algn="ctr">
+                    <a:lnB w="9525">
                       <a:solidFill>
                         <a:srgbClr val="000000"/>
                       </a:solidFill>
                       <a:prstDash val="solid"/>
-                      <a:round/>
-                      <a:headEnd type="none" w="med" len="med"/>
-                      <a:tailEnd type="none" w="med" len="med"/>
                     </a:lnB>
                   </a:tcPr>
                 </a:tc>
-                <a:extLst>
-                  <a:ext uri="{0D108BD9-81ED-4DB2-BD59-A6C34878D82A}">
-                    <a16:rowId xmlns:a16="http://schemas.microsoft.com/office/drawing/2014/main" val="2270306197"/>
-                  </a:ext>
-                </a:extLst>
-              </a:tr>
-              <a:tr h="244558">
-                <a:tc vMerge="1">
-                  <a:txBody>
-                    <a:bodyPr/>
-                    <a:lstStyle/>
-                    <a:p>
-                      <a:pPr latinLnBrk="1"/>
-                      <a:endParaRPr lang="ko-KR" altLang="en-US"/>
-                    </a:p>
-                  </a:txBody>
-                  <a:tcPr/>
-                </a:tc>
                 <a:tc>
                   <a:txBody>
-                    <a:bodyPr/>
-                    <a:lstStyle/>
+                    <a:bodyPr vert="horz" lIns="0" tIns="71120" rIns="0" bIns="0" anchor="t" anchorCtr="0"/>
                     <a:p>
                       <a:pPr marL="176530" marR="1360170" indent="-107950">
                         <a:lnSpc>
@@ -21082,8 +21225,9 @@
                         <a:spcBef>
                           <a:spcPts val="560"/>
                         </a:spcBef>
+                        <a:defRPr/>
                       </a:pPr>
-                      <a:endParaRPr sz="1200" dirty="0">
+                      <a:endParaRPr sz="1200">
                         <a:latin typeface="맑은 고딕"/>
                         <a:cs typeface="맑은 고딕"/>
                       </a:endParaRPr>
@@ -21096,8 +21240,8 @@
                       </a:solidFill>
                       <a:prstDash val="solid"/>
                       <a:round/>
-                      <a:headEnd type="none" w="med" len="med"/>
-                      <a:tailEnd type="none" w="med" len="med"/>
+                      <a:headEnd w="med" len="med"/>
+                      <a:tailEnd w="med" len="med"/>
                     </a:lnL>
                     <a:lnR w="9525" cap="flat" cmpd="sng" algn="ctr">
                       <a:solidFill>
@@ -21105,8 +21249,8 @@
                       </a:solidFill>
                       <a:prstDash val="solid"/>
                       <a:round/>
-                      <a:headEnd type="none" w="med" len="med"/>
-                      <a:tailEnd type="none" w="med" len="med"/>
+                      <a:headEnd w="med" len="med"/>
+                      <a:tailEnd w="med" len="med"/>
                     </a:lnR>
                     <a:lnT w="9525" cap="flat" cmpd="sng" algn="ctr">
                       <a:solidFill>
@@ -21114,8 +21258,8 @@
                       </a:solidFill>
                       <a:prstDash val="solid"/>
                       <a:round/>
-                      <a:headEnd type="none" w="med" len="med"/>
-                      <a:tailEnd type="none" w="med" len="med"/>
+                      <a:headEnd w="med" len="med"/>
+                      <a:tailEnd w="med" len="med"/>
                     </a:lnT>
                     <a:lnB w="9525" cap="flat" cmpd="sng" algn="ctr">
                       <a:solidFill>
@@ -21123,376 +21267,48 @@
                       </a:solidFill>
                       <a:prstDash val="solid"/>
                       <a:round/>
-                      <a:headEnd type="none" w="med" len="med"/>
-                      <a:tailEnd type="none" w="med" len="med"/>
+                      <a:headEnd w="med" len="med"/>
+                      <a:tailEnd w="med" len="med"/>
                     </a:lnB>
                   </a:tcPr>
                 </a:tc>
-                <a:tc>
-                  <a:txBody>
-                    <a:bodyPr/>
-                    <a:lstStyle/>
-                    <a:p>
-                      <a:pPr marL="176530" marR="1360170" indent="-107950">
-                        <a:lnSpc>
-                          <a:spcPts val="1390"/>
-                        </a:lnSpc>
-                        <a:spcBef>
-                          <a:spcPts val="560"/>
-                        </a:spcBef>
-                      </a:pPr>
-                      <a:endParaRPr sz="1200" dirty="0">
-                        <a:latin typeface="맑은 고딕"/>
-                        <a:cs typeface="맑은 고딕"/>
-                      </a:endParaRPr>
-                    </a:p>
-                  </a:txBody>
-                  <a:tcPr marL="0" marR="0" marT="71120" marB="0">
-                    <a:lnL w="9525" cap="flat" cmpd="sng" algn="ctr">
-                      <a:solidFill>
-                        <a:srgbClr val="000000"/>
-                      </a:solidFill>
-                      <a:prstDash val="solid"/>
-                      <a:round/>
-                      <a:headEnd type="none" w="med" len="med"/>
-                      <a:tailEnd type="none" w="med" len="med"/>
-                    </a:lnL>
-                    <a:lnR w="9525" cap="flat" cmpd="sng" algn="ctr">
-                      <a:solidFill>
-                        <a:srgbClr val="000000"/>
-                      </a:solidFill>
-                      <a:prstDash val="solid"/>
-                      <a:round/>
-                      <a:headEnd type="none" w="med" len="med"/>
-                      <a:tailEnd type="none" w="med" len="med"/>
-                    </a:lnR>
-                    <a:lnT w="9525" cap="flat" cmpd="sng" algn="ctr">
-                      <a:solidFill>
-                        <a:srgbClr val="000000"/>
-                      </a:solidFill>
-                      <a:prstDash val="solid"/>
-                      <a:round/>
-                      <a:headEnd type="none" w="med" len="med"/>
-                      <a:tailEnd type="none" w="med" len="med"/>
-                    </a:lnT>
-                    <a:lnB w="9525" cap="flat" cmpd="sng" algn="ctr">
-                      <a:solidFill>
-                        <a:srgbClr val="000000"/>
-                      </a:solidFill>
-                      <a:prstDash val="solid"/>
-                      <a:round/>
-                      <a:headEnd type="none" w="med" len="med"/>
-                      <a:tailEnd type="none" w="med" len="med"/>
-                    </a:lnB>
-                  </a:tcPr>
-                </a:tc>
-                <a:extLst>
-                  <a:ext uri="{0D108BD9-81ED-4DB2-BD59-A6C34878D82A}">
-                    <a16:rowId xmlns:a16="http://schemas.microsoft.com/office/drawing/2014/main" val="2406507935"/>
-                  </a:ext>
-                </a:extLst>
-              </a:tr>
-              <a:tr h="244558">
-                <a:tc vMerge="1">
-                  <a:txBody>
-                    <a:bodyPr/>
-                    <a:lstStyle/>
-                    <a:p>
-                      <a:pPr latinLnBrk="1"/>
-                      <a:endParaRPr lang="ko-KR" altLang="en-US"/>
-                    </a:p>
-                  </a:txBody>
-                  <a:tcPr/>
-                </a:tc>
-                <a:tc>
-                  <a:txBody>
-                    <a:bodyPr/>
-                    <a:lstStyle/>
-                    <a:p>
-                      <a:pPr marL="176530" marR="1360170" indent="-107950">
-                        <a:lnSpc>
-                          <a:spcPts val="1390"/>
-                        </a:lnSpc>
-                        <a:spcBef>
-                          <a:spcPts val="560"/>
-                        </a:spcBef>
-                      </a:pPr>
-                      <a:endParaRPr sz="1200" dirty="0">
-                        <a:latin typeface="맑은 고딕"/>
-                        <a:cs typeface="맑은 고딕"/>
-                      </a:endParaRPr>
-                    </a:p>
-                  </a:txBody>
-                  <a:tcPr marL="0" marR="0" marT="71120" marB="0">
-                    <a:lnL w="9525" cap="flat" cmpd="sng" algn="ctr">
-                      <a:solidFill>
-                        <a:srgbClr val="000000"/>
-                      </a:solidFill>
-                      <a:prstDash val="solid"/>
-                      <a:round/>
-                      <a:headEnd type="none" w="med" len="med"/>
-                      <a:tailEnd type="none" w="med" len="med"/>
-                    </a:lnL>
-                    <a:lnR w="9525" cap="flat" cmpd="sng" algn="ctr">
-                      <a:solidFill>
-                        <a:srgbClr val="000000"/>
-                      </a:solidFill>
-                      <a:prstDash val="solid"/>
-                      <a:round/>
-                      <a:headEnd type="none" w="med" len="med"/>
-                      <a:tailEnd type="none" w="med" len="med"/>
-                    </a:lnR>
-                    <a:lnT w="9525" cap="flat" cmpd="sng" algn="ctr">
-                      <a:solidFill>
-                        <a:srgbClr val="000000"/>
-                      </a:solidFill>
-                      <a:prstDash val="solid"/>
-                      <a:round/>
-                      <a:headEnd type="none" w="med" len="med"/>
-                      <a:tailEnd type="none" w="med" len="med"/>
-                    </a:lnT>
-                    <a:lnB w="9525" cap="flat" cmpd="sng" algn="ctr">
-                      <a:solidFill>
-                        <a:srgbClr val="000000"/>
-                      </a:solidFill>
-                      <a:prstDash val="solid"/>
-                      <a:round/>
-                      <a:headEnd type="none" w="med" len="med"/>
-                      <a:tailEnd type="none" w="med" len="med"/>
-                    </a:lnB>
-                  </a:tcPr>
-                </a:tc>
-                <a:tc>
-                  <a:txBody>
-                    <a:bodyPr/>
-                    <a:lstStyle/>
-                    <a:p>
-                      <a:pPr marL="176530" marR="1360170" indent="-107950">
-                        <a:lnSpc>
-                          <a:spcPts val="1390"/>
-                        </a:lnSpc>
-                        <a:spcBef>
-                          <a:spcPts val="560"/>
-                        </a:spcBef>
-                      </a:pPr>
-                      <a:endParaRPr sz="1200" dirty="0">
-                        <a:latin typeface="맑은 고딕"/>
-                        <a:cs typeface="맑은 고딕"/>
-                      </a:endParaRPr>
-                    </a:p>
-                  </a:txBody>
-                  <a:tcPr marL="0" marR="0" marT="71120" marB="0">
-                    <a:lnL w="9525" cap="flat" cmpd="sng" algn="ctr">
-                      <a:solidFill>
-                        <a:srgbClr val="000000"/>
-                      </a:solidFill>
-                      <a:prstDash val="solid"/>
-                      <a:round/>
-                      <a:headEnd type="none" w="med" len="med"/>
-                      <a:tailEnd type="none" w="med" len="med"/>
-                    </a:lnL>
-                    <a:lnR w="9525" cap="flat" cmpd="sng" algn="ctr">
-                      <a:solidFill>
-                        <a:srgbClr val="000000"/>
-                      </a:solidFill>
-                      <a:prstDash val="solid"/>
-                      <a:round/>
-                      <a:headEnd type="none" w="med" len="med"/>
-                      <a:tailEnd type="none" w="med" len="med"/>
-                    </a:lnR>
-                    <a:lnT w="9525" cap="flat" cmpd="sng" algn="ctr">
-                      <a:solidFill>
-                        <a:srgbClr val="000000"/>
-                      </a:solidFill>
-                      <a:prstDash val="solid"/>
-                      <a:round/>
-                      <a:headEnd type="none" w="med" len="med"/>
-                      <a:tailEnd type="none" w="med" len="med"/>
-                    </a:lnT>
-                    <a:lnB w="9525" cap="flat" cmpd="sng" algn="ctr">
-                      <a:solidFill>
-                        <a:srgbClr val="000000"/>
-                      </a:solidFill>
-                      <a:prstDash val="solid"/>
-                      <a:round/>
-                      <a:headEnd type="none" w="med" len="med"/>
-                      <a:tailEnd type="none" w="med" len="med"/>
-                    </a:lnB>
-                  </a:tcPr>
-                </a:tc>
-                <a:extLst>
-                  <a:ext uri="{0D108BD9-81ED-4DB2-BD59-A6C34878D82A}">
-                    <a16:rowId xmlns:a16="http://schemas.microsoft.com/office/drawing/2014/main" val="2519220"/>
-                  </a:ext>
-                </a:extLst>
-              </a:tr>
-              <a:tr h="244558">
-                <a:tc vMerge="1">
-                  <a:txBody>
-                    <a:bodyPr/>
-                    <a:lstStyle/>
-                    <a:p>
-                      <a:pPr latinLnBrk="1"/>
-                      <a:endParaRPr lang="ko-KR" altLang="en-US"/>
-                    </a:p>
-                  </a:txBody>
-                  <a:tcPr/>
-                </a:tc>
-                <a:tc>
-                  <a:txBody>
-                    <a:bodyPr/>
-                    <a:lstStyle/>
-                    <a:p>
-                      <a:pPr marL="176530" marR="1360170" indent="-107950">
-                        <a:lnSpc>
-                          <a:spcPts val="1390"/>
-                        </a:lnSpc>
-                        <a:spcBef>
-                          <a:spcPts val="560"/>
-                        </a:spcBef>
-                      </a:pPr>
-                      <a:endParaRPr sz="1200" dirty="0">
-                        <a:latin typeface="맑은 고딕"/>
-                        <a:cs typeface="맑은 고딕"/>
-                      </a:endParaRPr>
-                    </a:p>
-                  </a:txBody>
-                  <a:tcPr marL="0" marR="0" marT="71120" marB="0">
-                    <a:lnL w="9525" cap="flat" cmpd="sng" algn="ctr">
-                      <a:solidFill>
-                        <a:srgbClr val="000000"/>
-                      </a:solidFill>
-                      <a:prstDash val="solid"/>
-                      <a:round/>
-                      <a:headEnd type="none" w="med" len="med"/>
-                      <a:tailEnd type="none" w="med" len="med"/>
-                    </a:lnL>
-                    <a:lnR w="9525" cap="flat" cmpd="sng" algn="ctr">
-                      <a:solidFill>
-                        <a:srgbClr val="000000"/>
-                      </a:solidFill>
-                      <a:prstDash val="solid"/>
-                      <a:round/>
-                      <a:headEnd type="none" w="med" len="med"/>
-                      <a:tailEnd type="none" w="med" len="med"/>
-                    </a:lnR>
-                    <a:lnT w="9525" cap="flat" cmpd="sng" algn="ctr">
-                      <a:solidFill>
-                        <a:srgbClr val="000000"/>
-                      </a:solidFill>
-                      <a:prstDash val="solid"/>
-                      <a:round/>
-                      <a:headEnd type="none" w="med" len="med"/>
-                      <a:tailEnd type="none" w="med" len="med"/>
-                    </a:lnT>
-                    <a:lnB w="9525">
-                      <a:solidFill>
-                        <a:srgbClr val="000000"/>
-                      </a:solidFill>
-                      <a:prstDash val="solid"/>
-                    </a:lnB>
-                  </a:tcPr>
-                </a:tc>
-                <a:tc>
-                  <a:txBody>
-                    <a:bodyPr/>
-                    <a:lstStyle/>
-                    <a:p>
-                      <a:pPr marL="176530" marR="1360170" indent="-107950">
-                        <a:lnSpc>
-                          <a:spcPts val="1390"/>
-                        </a:lnSpc>
-                        <a:spcBef>
-                          <a:spcPts val="560"/>
-                        </a:spcBef>
-                      </a:pPr>
-                      <a:endParaRPr sz="1200" dirty="0">
-                        <a:latin typeface="맑은 고딕"/>
-                        <a:cs typeface="맑은 고딕"/>
-                      </a:endParaRPr>
-                    </a:p>
-                  </a:txBody>
-                  <a:tcPr marL="0" marR="0" marT="71120" marB="0">
-                    <a:lnL w="9525" cap="flat" cmpd="sng" algn="ctr">
-                      <a:solidFill>
-                        <a:srgbClr val="000000"/>
-                      </a:solidFill>
-                      <a:prstDash val="solid"/>
-                      <a:round/>
-                      <a:headEnd type="none" w="med" len="med"/>
-                      <a:tailEnd type="none" w="med" len="med"/>
-                    </a:lnL>
-                    <a:lnR w="9525" cap="flat" cmpd="sng" algn="ctr">
-                      <a:solidFill>
-                        <a:srgbClr val="000000"/>
-                      </a:solidFill>
-                      <a:prstDash val="solid"/>
-                      <a:round/>
-                      <a:headEnd type="none" w="med" len="med"/>
-                      <a:tailEnd type="none" w="med" len="med"/>
-                    </a:lnR>
-                    <a:lnT w="9525" cap="flat" cmpd="sng" algn="ctr">
-                      <a:solidFill>
-                        <a:srgbClr val="000000"/>
-                      </a:solidFill>
-                      <a:prstDash val="solid"/>
-                      <a:round/>
-                      <a:headEnd type="none" w="med" len="med"/>
-                      <a:tailEnd type="none" w="med" len="med"/>
-                    </a:lnT>
-                    <a:lnB w="9525" cap="flat" cmpd="sng" algn="ctr">
-                      <a:solidFill>
-                        <a:srgbClr val="000000"/>
-                      </a:solidFill>
-                      <a:prstDash val="solid"/>
-                      <a:round/>
-                      <a:headEnd type="none" w="med" len="med"/>
-                      <a:tailEnd type="none" w="med" len="med"/>
-                    </a:lnB>
-                  </a:tcPr>
-                </a:tc>
-                <a:extLst>
-                  <a:ext uri="{0D108BD9-81ED-4DB2-BD59-A6C34878D82A}">
-                    <a16:rowId xmlns:a16="http://schemas.microsoft.com/office/drawing/2014/main" val="1525051659"/>
-                  </a:ext>
-                </a:extLst>
               </a:tr>
               <a:tr h="233329">
-                <a:tc rowSpan="5">
+                <a:tc rowSpan="4">
                   <a:txBody>
-                    <a:bodyPr/>
-                    <a:lstStyle/>
+                    <a:bodyPr vert="horz" lIns="0" tIns="59690" rIns="0" bIns="0" anchor="t" anchorCtr="0"/>
                     <a:p>
                       <a:pPr marL="67945">
                         <a:lnSpc>
                           <a:spcPct val="100000"/>
                         </a:lnSpc>
                         <a:spcBef>
-                          <a:spcPts val="470"/>
+                          <a:spcPts val="469"/>
                         </a:spcBef>
+                        <a:defRPr/>
                       </a:pPr>
                       <a:r>
-                        <a:rPr sz="1200" b="1" spc="-5" dirty="0">
+                        <a:rPr sz="1200" b="1" spc="-5">
                           <a:latin typeface="맑은 고딕"/>
                           <a:cs typeface="맑은 고딕"/>
                         </a:rPr>
                         <a:t>Exception</a:t>
                       </a:r>
                       <a:r>
-                        <a:rPr sz="1200" b="1" spc="-20" dirty="0">
+                        <a:rPr sz="1200" b="1" spc="-20">
                           <a:latin typeface="맑은 고딕"/>
                           <a:cs typeface="맑은 고딕"/>
                         </a:rPr>
                         <a:t> </a:t>
                       </a:r>
                       <a:r>
-                        <a:rPr sz="1200" b="1" spc="-5" dirty="0">
+                        <a:rPr sz="1200" b="1" spc="-5">
                           <a:latin typeface="맑은 고딕"/>
                           <a:cs typeface="맑은 고딕"/>
                         </a:rPr>
                         <a:t>Scenario</a:t>
                       </a:r>
-                      <a:endParaRPr sz="1200" b="1" dirty="0">
+                      <a:endParaRPr sz="1200" b="1">
                         <a:latin typeface="맑은 고딕"/>
                         <a:cs typeface="맑은 고딕"/>
                       </a:endParaRPr>
@@ -21511,8 +21327,8 @@
                       </a:solidFill>
                       <a:prstDash val="solid"/>
                       <a:round/>
-                      <a:headEnd type="none" w="med" len="med"/>
-                      <a:tailEnd type="none" w="med" len="med"/>
+                      <a:headEnd w="med" len="med"/>
+                      <a:tailEnd w="med" len="med"/>
                     </a:lnR>
                     <a:lnT w="9525" cap="flat" cmpd="sng" algn="ctr">
                       <a:solidFill>
@@ -21520,8 +21336,8 @@
                       </a:solidFill>
                       <a:prstDash val="solid"/>
                       <a:round/>
-                      <a:headEnd type="none" w="med" len="med"/>
-                      <a:tailEnd type="none" w="med" len="med"/>
+                      <a:headEnd w="med" len="med"/>
+                      <a:tailEnd w="med" len="med"/>
                     </a:lnT>
                     <a:lnB w="9525">
                       <a:solidFill>
@@ -21538,19 +21354,33 @@
                 </a:tc>
                 <a:tc>
                   <a:txBody>
-                    <a:bodyPr/>
-                    <a:lstStyle/>
+                    <a:bodyPr vert="horz" lIns="0" tIns="59690" rIns="0" bIns="0" anchor="t" anchorCtr="0"/>
                     <a:p>
-                      <a:pPr marL="296545" indent="-228600">
+                      <a:pPr marL="67945" indent="0">
                         <a:lnSpc>
                           <a:spcPts val="1415"/>
                         </a:lnSpc>
                         <a:spcBef>
-                          <a:spcPts val="470"/>
+                          <a:spcPts val="469"/>
                         </a:spcBef>
-                        <a:buAutoNum type="arabicPeriod"/>
+                        <a:buNone/>
+                        <a:defRPr/>
                       </a:pPr>
-                      <a:endParaRPr sz="1200" dirty="0">
+                      <a:r>
+                        <a:rPr lang="en-US" altLang="ko-KR" sz="1200">
+                          <a:latin typeface="맑은 고딕"/>
+                          <a:cs typeface="맑은 고딕"/>
+                        </a:rPr>
+                        <a:t>1.</a:t>
+                      </a:r>
+                      <a:r>
+                        <a:rPr lang="ko-KR" altLang="en-US" sz="1200">
+                          <a:latin typeface="맑은 고딕"/>
+                          <a:cs typeface="맑은 고딕"/>
+                        </a:rPr>
+                        <a:t> 속도 센서가 고장난 경우</a:t>
+                      </a:r>
+                      <a:endParaRPr lang="ko-KR" altLang="en-US" sz="1200">
                         <a:latin typeface="맑은 고딕"/>
                         <a:cs typeface="맑은 고딕"/>
                       </a:endParaRPr>
@@ -21563,8 +21393,8 @@
                       </a:solidFill>
                       <a:prstDash val="solid"/>
                       <a:round/>
-                      <a:headEnd type="none" w="med" len="med"/>
-                      <a:tailEnd type="none" w="med" len="med"/>
+                      <a:headEnd w="med" len="med"/>
+                      <a:tailEnd w="med" len="med"/>
                     </a:lnL>
                     <a:lnR w="9525" cap="flat" cmpd="sng" algn="ctr">
                       <a:solidFill>
@@ -21572,8 +21402,8 @@
                       </a:solidFill>
                       <a:prstDash val="solid"/>
                       <a:round/>
-                      <a:headEnd type="none" w="med" len="med"/>
-                      <a:tailEnd type="none" w="med" len="med"/>
+                      <a:headEnd w="med" len="med"/>
+                      <a:tailEnd w="med" len="med"/>
                     </a:lnR>
                     <a:lnT w="9525" cap="flat" cmpd="sng" algn="ctr">
                       <a:solidFill>
@@ -21581,8 +21411,8 @@
                       </a:solidFill>
                       <a:prstDash val="solid"/>
                       <a:round/>
-                      <a:headEnd type="none" w="med" len="med"/>
-                      <a:tailEnd type="none" w="med" len="med"/>
+                      <a:headEnd w="med" len="med"/>
+                      <a:tailEnd w="med" len="med"/>
                     </a:lnT>
                     <a:lnB w="9525" cap="flat" cmpd="sng" algn="ctr">
                       <a:solidFill>
@@ -21590,26 +21420,40 @@
                       </a:solidFill>
                       <a:prstDash val="solid"/>
                       <a:round/>
-                      <a:headEnd type="none" w="med" len="med"/>
-                      <a:tailEnd type="none" w="med" len="med"/>
+                      <a:headEnd w="med" len="med"/>
+                      <a:tailEnd w="med" len="med"/>
                     </a:lnB>
                   </a:tcPr>
                 </a:tc>
                 <a:tc>
                   <a:txBody>
-                    <a:bodyPr/>
-                    <a:lstStyle/>
+                    <a:bodyPr vert="horz" lIns="0" tIns="59690" rIns="0" bIns="0" anchor="t" anchorCtr="0"/>
                     <a:p>
                       <a:pPr marL="67945" indent="0">
                         <a:lnSpc>
                           <a:spcPts val="1415"/>
                         </a:lnSpc>
                         <a:spcBef>
-                          <a:spcPts val="470"/>
+                          <a:spcPts val="469"/>
                         </a:spcBef>
                         <a:buNone/>
+                        <a:defRPr/>
                       </a:pPr>
-                      <a:endParaRPr sz="1200" dirty="0">
+                      <a:r>
+                        <a:rPr lang="en-US" altLang="ko-KR" sz="1200">
+                          <a:latin typeface="맑은 고딕"/>
+                          <a:cs typeface="맑은 고딕"/>
+                        </a:rPr>
+                        <a:t>1.</a:t>
+                      </a:r>
+                      <a:r>
+                        <a:rPr lang="ko-KR" altLang="en-US" sz="1200">
+                          <a:latin typeface="맑은 고딕"/>
+                          <a:cs typeface="맑은 고딕"/>
+                        </a:rPr>
+                        <a:t> 센서 데이터를 잘못 전달받은 경우</a:t>
+                      </a:r>
+                      <a:endParaRPr lang="ko-KR" altLang="en-US" sz="1200">
                         <a:latin typeface="맑은 고딕"/>
                         <a:cs typeface="맑은 고딕"/>
                       </a:endParaRPr>
@@ -21622,8 +21466,8 @@
                       </a:solidFill>
                       <a:prstDash val="solid"/>
                       <a:round/>
-                      <a:headEnd type="none" w="med" len="med"/>
-                      <a:tailEnd type="none" w="med" len="med"/>
+                      <a:headEnd w="med" len="med"/>
+                      <a:tailEnd w="med" len="med"/>
                     </a:lnL>
                     <a:lnR w="9525">
                       <a:solidFill>
@@ -21637,8 +21481,8 @@
                       </a:solidFill>
                       <a:prstDash val="solid"/>
                       <a:round/>
-                      <a:headEnd type="none" w="med" len="med"/>
-                      <a:tailEnd type="none" w="med" len="med"/>
+                      <a:headEnd w="med" len="med"/>
+                      <a:tailEnd w="med" len="med"/>
                     </a:lnT>
                     <a:lnB w="9525" cap="flat" cmpd="sng" algn="ctr">
                       <a:solidFill>
@@ -21646,44 +21490,40 @@
                       </a:solidFill>
                       <a:prstDash val="solid"/>
                       <a:round/>
-                      <a:headEnd type="none" w="med" len="med"/>
-                      <a:tailEnd type="none" w="med" len="med"/>
+                      <a:headEnd w="med" len="med"/>
+                      <a:tailEnd w="med" len="med"/>
                     </a:lnB>
                   </a:tcPr>
                 </a:tc>
-                <a:extLst>
-                  <a:ext uri="{0D108BD9-81ED-4DB2-BD59-A6C34878D82A}">
-                    <a16:rowId xmlns:a16="http://schemas.microsoft.com/office/drawing/2014/main" val="10007"/>
-                  </a:ext>
-                </a:extLst>
               </a:tr>
               <a:tr h="233329">
                 <a:tc vMerge="1">
                   <a:txBody>
                     <a:bodyPr/>
-                    <a:lstStyle/>
                     <a:p>
-                      <a:pPr latinLnBrk="1"/>
+                      <a:pPr latinLnBrk="1">
+                        <a:defRPr/>
+                      </a:pPr>
                       <a:endParaRPr lang="ko-KR" altLang="en-US"/>
                     </a:p>
                   </a:txBody>
-                  <a:tcPr/>
+                  <a:tcPr marL="91440" marR="91440"/>
                 </a:tc>
                 <a:tc>
                   <a:txBody>
-                    <a:bodyPr/>
-                    <a:lstStyle/>
+                    <a:bodyPr vert="horz" lIns="0" tIns="59690" rIns="0" bIns="0" anchor="t" anchorCtr="0"/>
                     <a:p>
                       <a:pPr marL="296545" indent="-228600">
                         <a:lnSpc>
                           <a:spcPts val="1415"/>
                         </a:lnSpc>
                         <a:spcBef>
-                          <a:spcPts val="470"/>
+                          <a:spcPts val="469"/>
                         </a:spcBef>
                         <a:buAutoNum type="arabicPeriod"/>
+                        <a:defRPr/>
                       </a:pPr>
-                      <a:endParaRPr sz="1200" dirty="0">
+                      <a:endParaRPr sz="1200">
                         <a:latin typeface="맑은 고딕"/>
                         <a:cs typeface="맑은 고딕"/>
                       </a:endParaRPr>
@@ -21696,8 +21536,8 @@
                       </a:solidFill>
                       <a:prstDash val="solid"/>
                       <a:round/>
-                      <a:headEnd type="none" w="med" len="med"/>
-                      <a:tailEnd type="none" w="med" len="med"/>
+                      <a:headEnd w="med" len="med"/>
+                      <a:tailEnd w="med" len="med"/>
                     </a:lnL>
                     <a:lnR w="9525" cap="flat" cmpd="sng" algn="ctr">
                       <a:solidFill>
@@ -21705,8 +21545,8 @@
                       </a:solidFill>
                       <a:prstDash val="solid"/>
                       <a:round/>
-                      <a:headEnd type="none" w="med" len="med"/>
-                      <a:tailEnd type="none" w="med" len="med"/>
+                      <a:headEnd w="med" len="med"/>
+                      <a:tailEnd w="med" len="med"/>
                     </a:lnR>
                     <a:lnT w="9525" cap="flat" cmpd="sng" algn="ctr">
                       <a:solidFill>
@@ -21714,8 +21554,8 @@
                       </a:solidFill>
                       <a:prstDash val="solid"/>
                       <a:round/>
-                      <a:headEnd type="none" w="med" len="med"/>
-                      <a:tailEnd type="none" w="med" len="med"/>
+                      <a:headEnd w="med" len="med"/>
+                      <a:tailEnd w="med" len="med"/>
                     </a:lnT>
                     <a:lnB w="9525" cap="flat" cmpd="sng" algn="ctr">
                       <a:solidFill>
@@ -21723,26 +21563,26 @@
                       </a:solidFill>
                       <a:prstDash val="solid"/>
                       <a:round/>
-                      <a:headEnd type="none" w="med" len="med"/>
-                      <a:tailEnd type="none" w="med" len="med"/>
+                      <a:headEnd w="med" len="med"/>
+                      <a:tailEnd w="med" len="med"/>
                     </a:lnB>
                   </a:tcPr>
                 </a:tc>
                 <a:tc>
                   <a:txBody>
-                    <a:bodyPr/>
-                    <a:lstStyle/>
+                    <a:bodyPr vert="horz" lIns="0" tIns="59690" rIns="0" bIns="0" anchor="t" anchorCtr="0"/>
                     <a:p>
                       <a:pPr marL="67945" indent="0">
                         <a:lnSpc>
                           <a:spcPts val="1415"/>
                         </a:lnSpc>
                         <a:spcBef>
-                          <a:spcPts val="470"/>
+                          <a:spcPts val="469"/>
                         </a:spcBef>
                         <a:buNone/>
+                        <a:defRPr/>
                       </a:pPr>
-                      <a:endParaRPr sz="1200" dirty="0">
+                      <a:endParaRPr lang="ko-KR" altLang="en-US" sz="1200">
                         <a:latin typeface="맑은 고딕"/>
                         <a:cs typeface="맑은 고딕"/>
                       </a:endParaRPr>
@@ -21755,8 +21595,8 @@
                       </a:solidFill>
                       <a:prstDash val="solid"/>
                       <a:round/>
-                      <a:headEnd type="none" w="med" len="med"/>
-                      <a:tailEnd type="none" w="med" len="med"/>
+                      <a:headEnd w="med" len="med"/>
+                      <a:tailEnd w="med" len="med"/>
                     </a:lnL>
                     <a:lnR w="9525" cap="flat" cmpd="sng" algn="ctr">
                       <a:solidFill>
@@ -21764,8 +21604,8 @@
                       </a:solidFill>
                       <a:prstDash val="solid"/>
                       <a:round/>
-                      <a:headEnd type="none" w="med" len="med"/>
-                      <a:tailEnd type="none" w="med" len="med"/>
+                      <a:headEnd w="med" len="med"/>
+                      <a:tailEnd w="med" len="med"/>
                     </a:lnR>
                     <a:lnT w="9525" cap="flat" cmpd="sng" algn="ctr">
                       <a:solidFill>
@@ -21773,8 +21613,8 @@
                       </a:solidFill>
                       <a:prstDash val="solid"/>
                       <a:round/>
-                      <a:headEnd type="none" w="med" len="med"/>
-                      <a:tailEnd type="none" w="med" len="med"/>
+                      <a:headEnd w="med" len="med"/>
+                      <a:tailEnd w="med" len="med"/>
                     </a:lnT>
                     <a:lnB w="9525" cap="flat" cmpd="sng" algn="ctr">
                       <a:solidFill>
@@ -21782,44 +21622,40 @@
                       </a:solidFill>
                       <a:prstDash val="solid"/>
                       <a:round/>
-                      <a:headEnd type="none" w="med" len="med"/>
-                      <a:tailEnd type="none" w="med" len="med"/>
+                      <a:headEnd w="med" len="med"/>
+                      <a:tailEnd w="med" len="med"/>
                     </a:lnB>
                   </a:tcPr>
                 </a:tc>
-                <a:extLst>
-                  <a:ext uri="{0D108BD9-81ED-4DB2-BD59-A6C34878D82A}">
-                    <a16:rowId xmlns:a16="http://schemas.microsoft.com/office/drawing/2014/main" val="3463846349"/>
-                  </a:ext>
-                </a:extLst>
               </a:tr>
               <a:tr h="233329">
                 <a:tc vMerge="1">
                   <a:txBody>
                     <a:bodyPr/>
-                    <a:lstStyle/>
                     <a:p>
-                      <a:pPr latinLnBrk="1"/>
+                      <a:pPr latinLnBrk="1">
+                        <a:defRPr/>
+                      </a:pPr>
                       <a:endParaRPr lang="ko-KR" altLang="en-US"/>
                     </a:p>
                   </a:txBody>
-                  <a:tcPr/>
+                  <a:tcPr marL="91440" marR="91440"/>
                 </a:tc>
                 <a:tc>
                   <a:txBody>
-                    <a:bodyPr/>
-                    <a:lstStyle/>
+                    <a:bodyPr vert="horz" lIns="0" tIns="59690" rIns="0" bIns="0" anchor="t" anchorCtr="0"/>
                     <a:p>
                       <a:pPr marL="296545" indent="-228600">
                         <a:lnSpc>
                           <a:spcPts val="1415"/>
                         </a:lnSpc>
                         <a:spcBef>
-                          <a:spcPts val="470"/>
+                          <a:spcPts val="469"/>
                         </a:spcBef>
                         <a:buAutoNum type="arabicPeriod"/>
+                        <a:defRPr/>
                       </a:pPr>
-                      <a:endParaRPr sz="1200" dirty="0">
+                      <a:endParaRPr sz="1200">
                         <a:latin typeface="맑은 고딕"/>
                         <a:cs typeface="맑은 고딕"/>
                       </a:endParaRPr>
@@ -21832,8 +21668,8 @@
                       </a:solidFill>
                       <a:prstDash val="solid"/>
                       <a:round/>
-                      <a:headEnd type="none" w="med" len="med"/>
-                      <a:tailEnd type="none" w="med" len="med"/>
+                      <a:headEnd w="med" len="med"/>
+                      <a:tailEnd w="med" len="med"/>
                     </a:lnL>
                     <a:lnR w="9525" cap="flat" cmpd="sng" algn="ctr">
                       <a:solidFill>
@@ -21841,8 +21677,8 @@
                       </a:solidFill>
                       <a:prstDash val="solid"/>
                       <a:round/>
-                      <a:headEnd type="none" w="med" len="med"/>
-                      <a:tailEnd type="none" w="med" len="med"/>
+                      <a:headEnd w="med" len="med"/>
+                      <a:tailEnd w="med" len="med"/>
                     </a:lnR>
                     <a:lnT w="9525" cap="flat" cmpd="sng" algn="ctr">
                       <a:solidFill>
@@ -21850,8 +21686,8 @@
                       </a:solidFill>
                       <a:prstDash val="solid"/>
                       <a:round/>
-                      <a:headEnd type="none" w="med" len="med"/>
-                      <a:tailEnd type="none" w="med" len="med"/>
+                      <a:headEnd w="med" len="med"/>
+                      <a:tailEnd w="med" len="med"/>
                     </a:lnT>
                     <a:lnB w="9525" cap="flat" cmpd="sng" algn="ctr">
                       <a:solidFill>
@@ -21859,26 +21695,26 @@
                       </a:solidFill>
                       <a:prstDash val="solid"/>
                       <a:round/>
-                      <a:headEnd type="none" w="med" len="med"/>
-                      <a:tailEnd type="none" w="med" len="med"/>
+                      <a:headEnd w="med" len="med"/>
+                      <a:tailEnd w="med" len="med"/>
                     </a:lnB>
                   </a:tcPr>
                 </a:tc>
                 <a:tc>
                   <a:txBody>
-                    <a:bodyPr/>
-                    <a:lstStyle/>
+                    <a:bodyPr vert="horz" lIns="0" tIns="59690" rIns="0" bIns="0" anchor="t" anchorCtr="0"/>
                     <a:p>
                       <a:pPr marL="67945" indent="0">
                         <a:lnSpc>
                           <a:spcPts val="1415"/>
                         </a:lnSpc>
                         <a:spcBef>
-                          <a:spcPts val="470"/>
+                          <a:spcPts val="469"/>
                         </a:spcBef>
                         <a:buNone/>
+                        <a:defRPr/>
                       </a:pPr>
-                      <a:endParaRPr sz="1200" dirty="0">
+                      <a:endParaRPr sz="1200">
                         <a:latin typeface="맑은 고딕"/>
                         <a:cs typeface="맑은 고딕"/>
                       </a:endParaRPr>
@@ -21891,8 +21727,8 @@
                       </a:solidFill>
                       <a:prstDash val="solid"/>
                       <a:round/>
-                      <a:headEnd type="none" w="med" len="med"/>
-                      <a:tailEnd type="none" w="med" len="med"/>
+                      <a:headEnd w="med" len="med"/>
+                      <a:tailEnd w="med" len="med"/>
                     </a:lnL>
                     <a:lnR w="9525" cap="flat" cmpd="sng" algn="ctr">
                       <a:solidFill>
@@ -21900,8 +21736,8 @@
                       </a:solidFill>
                       <a:prstDash val="solid"/>
                       <a:round/>
-                      <a:headEnd type="none" w="med" len="med"/>
-                      <a:tailEnd type="none" w="med" len="med"/>
+                      <a:headEnd w="med" len="med"/>
+                      <a:tailEnd w="med" len="med"/>
                     </a:lnR>
                     <a:lnT w="9525" cap="flat" cmpd="sng" algn="ctr">
                       <a:solidFill>
@@ -21909,8 +21745,8 @@
                       </a:solidFill>
                       <a:prstDash val="solid"/>
                       <a:round/>
-                      <a:headEnd type="none" w="med" len="med"/>
-                      <a:tailEnd type="none" w="med" len="med"/>
+                      <a:headEnd w="med" len="med"/>
+                      <a:tailEnd w="med" len="med"/>
                     </a:lnT>
                     <a:lnB w="9525" cap="flat" cmpd="sng" algn="ctr">
                       <a:solidFill>
@@ -21918,44 +21754,40 @@
                       </a:solidFill>
                       <a:prstDash val="solid"/>
                       <a:round/>
-                      <a:headEnd type="none" w="med" len="med"/>
-                      <a:tailEnd type="none" w="med" len="med"/>
+                      <a:headEnd w="med" len="med"/>
+                      <a:tailEnd w="med" len="med"/>
                     </a:lnB>
                   </a:tcPr>
                 </a:tc>
-                <a:extLst>
-                  <a:ext uri="{0D108BD9-81ED-4DB2-BD59-A6C34878D82A}">
-                    <a16:rowId xmlns:a16="http://schemas.microsoft.com/office/drawing/2014/main" val="3856322938"/>
-                  </a:ext>
-                </a:extLst>
               </a:tr>
               <a:tr h="233329">
                 <a:tc vMerge="1">
                   <a:txBody>
                     <a:bodyPr/>
-                    <a:lstStyle/>
                     <a:p>
-                      <a:pPr latinLnBrk="1"/>
+                      <a:pPr latinLnBrk="1">
+                        <a:defRPr/>
+                      </a:pPr>
                       <a:endParaRPr lang="ko-KR" altLang="en-US"/>
                     </a:p>
                   </a:txBody>
-                  <a:tcPr/>
+                  <a:tcPr marL="91440" marR="91440"/>
                 </a:tc>
                 <a:tc>
                   <a:txBody>
-                    <a:bodyPr/>
-                    <a:lstStyle/>
+                    <a:bodyPr vert="horz" lIns="0" tIns="59690" rIns="0" bIns="0" anchor="t" anchorCtr="0"/>
                     <a:p>
                       <a:pPr marL="296545" indent="-228600">
                         <a:lnSpc>
                           <a:spcPts val="1415"/>
                         </a:lnSpc>
                         <a:spcBef>
-                          <a:spcPts val="470"/>
+                          <a:spcPts val="469"/>
                         </a:spcBef>
                         <a:buAutoNum type="arabicPeriod"/>
+                        <a:defRPr/>
                       </a:pPr>
-                      <a:endParaRPr sz="1200" dirty="0">
+                      <a:endParaRPr sz="1200">
                         <a:latin typeface="맑은 고딕"/>
                         <a:cs typeface="맑은 고딕"/>
                       </a:endParaRPr>
@@ -21968,8 +21800,8 @@
                       </a:solidFill>
                       <a:prstDash val="solid"/>
                       <a:round/>
-                      <a:headEnd type="none" w="med" len="med"/>
-                      <a:tailEnd type="none" w="med" len="med"/>
+                      <a:headEnd w="med" len="med"/>
+                      <a:tailEnd w="med" len="med"/>
                     </a:lnL>
                     <a:lnR w="9525" cap="flat" cmpd="sng" algn="ctr">
                       <a:solidFill>
@@ -21977,8 +21809,8 @@
                       </a:solidFill>
                       <a:prstDash val="solid"/>
                       <a:round/>
-                      <a:headEnd type="none" w="med" len="med"/>
-                      <a:tailEnd type="none" w="med" len="med"/>
+                      <a:headEnd w="med" len="med"/>
+                      <a:tailEnd w="med" len="med"/>
                     </a:lnR>
                     <a:lnT w="9525" cap="flat" cmpd="sng" algn="ctr">
                       <a:solidFill>
@@ -21986,8 +21818,8 @@
                       </a:solidFill>
                       <a:prstDash val="solid"/>
                       <a:round/>
-                      <a:headEnd type="none" w="med" len="med"/>
-                      <a:tailEnd type="none" w="med" len="med"/>
+                      <a:headEnd w="med" len="med"/>
+                      <a:tailEnd w="med" len="med"/>
                     </a:lnT>
                     <a:lnB w="9525" cap="flat" cmpd="sng" algn="ctr">
                       <a:solidFill>
@@ -21995,26 +21827,26 @@
                       </a:solidFill>
                       <a:prstDash val="solid"/>
                       <a:round/>
-                      <a:headEnd type="none" w="med" len="med"/>
-                      <a:tailEnd type="none" w="med" len="med"/>
+                      <a:headEnd w="med" len="med"/>
+                      <a:tailEnd w="med" len="med"/>
                     </a:lnB>
                   </a:tcPr>
                 </a:tc>
                 <a:tc>
                   <a:txBody>
-                    <a:bodyPr/>
-                    <a:lstStyle/>
+                    <a:bodyPr vert="horz" lIns="0" tIns="59690" rIns="0" bIns="0" anchor="t" anchorCtr="0"/>
                     <a:p>
                       <a:pPr marL="67945" indent="0">
                         <a:lnSpc>
                           <a:spcPts val="1415"/>
                         </a:lnSpc>
                         <a:spcBef>
-                          <a:spcPts val="470"/>
+                          <a:spcPts val="469"/>
                         </a:spcBef>
                         <a:buNone/>
+                        <a:defRPr/>
                       </a:pPr>
-                      <a:endParaRPr sz="1200" dirty="0">
+                      <a:endParaRPr sz="1200">
                         <a:latin typeface="맑은 고딕"/>
                         <a:cs typeface="맑은 고딕"/>
                       </a:endParaRPr>
@@ -22027,8 +21859,8 @@
                       </a:solidFill>
                       <a:prstDash val="solid"/>
                       <a:round/>
-                      <a:headEnd type="none" w="med" len="med"/>
-                      <a:tailEnd type="none" w="med" len="med"/>
+                      <a:headEnd w="med" len="med"/>
+                      <a:tailEnd w="med" len="med"/>
                     </a:lnL>
                     <a:lnR w="9525" cap="flat" cmpd="sng" algn="ctr">
                       <a:solidFill>
@@ -22036,8 +21868,8 @@
                       </a:solidFill>
                       <a:prstDash val="solid"/>
                       <a:round/>
-                      <a:headEnd type="none" w="med" len="med"/>
-                      <a:tailEnd type="none" w="med" len="med"/>
+                      <a:headEnd w="med" len="med"/>
+                      <a:tailEnd w="med" len="med"/>
                     </a:lnR>
                     <a:lnT w="9525" cap="flat" cmpd="sng" algn="ctr">
                       <a:solidFill>
@@ -22045,8 +21877,8 @@
                       </a:solidFill>
                       <a:prstDash val="solid"/>
                       <a:round/>
-                      <a:headEnd type="none" w="med" len="med"/>
-                      <a:tailEnd type="none" w="med" len="med"/>
+                      <a:headEnd w="med" len="med"/>
+                      <a:tailEnd w="med" len="med"/>
                     </a:lnT>
                     <a:lnB w="9525" cap="flat" cmpd="sng" algn="ctr">
                       <a:solidFill>
@@ -22054,164 +21886,29 @@
                       </a:solidFill>
                       <a:prstDash val="solid"/>
                       <a:round/>
-                      <a:headEnd type="none" w="med" len="med"/>
-                      <a:tailEnd type="none" w="med" len="med"/>
+                      <a:headEnd w="med" len="med"/>
+                      <a:tailEnd w="med" len="med"/>
                     </a:lnB>
                   </a:tcPr>
                 </a:tc>
-                <a:extLst>
-                  <a:ext uri="{0D108BD9-81ED-4DB2-BD59-A6C34878D82A}">
-                    <a16:rowId xmlns:a16="http://schemas.microsoft.com/office/drawing/2014/main" val="8957544"/>
-                  </a:ext>
-                </a:extLst>
-              </a:tr>
-              <a:tr h="233329">
-                <a:tc vMerge="1">
-                  <a:txBody>
-                    <a:bodyPr/>
-                    <a:lstStyle/>
-                    <a:p>
-                      <a:pPr latinLnBrk="1"/>
-                      <a:endParaRPr lang="ko-KR" altLang="en-US"/>
-                    </a:p>
-                  </a:txBody>
-                  <a:tcPr/>
-                </a:tc>
-                <a:tc>
-                  <a:txBody>
-                    <a:bodyPr/>
-                    <a:lstStyle/>
-                    <a:p>
-                      <a:pPr marL="296545" indent="-228600">
-                        <a:lnSpc>
-                          <a:spcPts val="1415"/>
-                        </a:lnSpc>
-                        <a:spcBef>
-                          <a:spcPts val="470"/>
-                        </a:spcBef>
-                        <a:buAutoNum type="arabicPeriod"/>
-                      </a:pPr>
-                      <a:endParaRPr sz="1200" dirty="0">
-                        <a:latin typeface="맑은 고딕"/>
-                        <a:cs typeface="맑은 고딕"/>
-                      </a:endParaRPr>
-                    </a:p>
-                  </a:txBody>
-                  <a:tcPr marL="0" marR="0" marT="59690" marB="0">
-                    <a:lnL w="9525" cap="flat" cmpd="sng" algn="ctr">
-                      <a:solidFill>
-                        <a:srgbClr val="000000"/>
-                      </a:solidFill>
-                      <a:prstDash val="solid"/>
-                      <a:round/>
-                      <a:headEnd type="none" w="med" len="med"/>
-                      <a:tailEnd type="none" w="med" len="med"/>
-                    </a:lnL>
-                    <a:lnR w="9525" cap="flat" cmpd="sng" algn="ctr">
-                      <a:solidFill>
-                        <a:srgbClr val="000000"/>
-                      </a:solidFill>
-                      <a:prstDash val="solid"/>
-                      <a:round/>
-                      <a:headEnd type="none" w="med" len="med"/>
-                      <a:tailEnd type="none" w="med" len="med"/>
-                    </a:lnR>
-                    <a:lnT w="9525" cap="flat" cmpd="sng" algn="ctr">
-                      <a:solidFill>
-                        <a:srgbClr val="000000"/>
-                      </a:solidFill>
-                      <a:prstDash val="solid"/>
-                      <a:round/>
-                      <a:headEnd type="none" w="med" len="med"/>
-                      <a:tailEnd type="none" w="med" len="med"/>
-                    </a:lnT>
-                    <a:lnB w="9525">
-                      <a:solidFill>
-                        <a:srgbClr val="000000"/>
-                      </a:solidFill>
-                      <a:prstDash val="solid"/>
-                    </a:lnB>
-                  </a:tcPr>
-                </a:tc>
-                <a:tc>
-                  <a:txBody>
-                    <a:bodyPr/>
-                    <a:lstStyle/>
-                    <a:p>
-                      <a:pPr marL="67945" indent="0">
-                        <a:lnSpc>
-                          <a:spcPts val="1415"/>
-                        </a:lnSpc>
-                        <a:spcBef>
-                          <a:spcPts val="470"/>
-                        </a:spcBef>
-                        <a:buNone/>
-                      </a:pPr>
-                      <a:endParaRPr sz="1200" dirty="0">
-                        <a:latin typeface="맑은 고딕"/>
-                        <a:cs typeface="맑은 고딕"/>
-                      </a:endParaRPr>
-                    </a:p>
-                  </a:txBody>
-                  <a:tcPr marL="0" marR="0" marT="59690" marB="0">
-                    <a:lnL w="9525" cap="flat" cmpd="sng" algn="ctr">
-                      <a:solidFill>
-                        <a:srgbClr val="000000"/>
-                      </a:solidFill>
-                      <a:prstDash val="solid"/>
-                      <a:round/>
-                      <a:headEnd type="none" w="med" len="med"/>
-                      <a:tailEnd type="none" w="med" len="med"/>
-                    </a:lnL>
-                    <a:lnR w="9525" cap="flat" cmpd="sng" algn="ctr">
-                      <a:solidFill>
-                        <a:srgbClr val="000000"/>
-                      </a:solidFill>
-                      <a:prstDash val="solid"/>
-                      <a:round/>
-                      <a:headEnd type="none" w="med" len="med"/>
-                      <a:tailEnd type="none" w="med" len="med"/>
-                    </a:lnR>
-                    <a:lnT w="9525" cap="flat" cmpd="sng" algn="ctr">
-                      <a:solidFill>
-                        <a:srgbClr val="000000"/>
-                      </a:solidFill>
-                      <a:prstDash val="solid"/>
-                      <a:round/>
-                      <a:headEnd type="none" w="med" len="med"/>
-                      <a:tailEnd type="none" w="med" len="med"/>
-                    </a:lnT>
-                    <a:lnB w="9525" cap="flat" cmpd="sng" algn="ctr">
-                      <a:solidFill>
-                        <a:srgbClr val="000000"/>
-                      </a:solidFill>
-                      <a:prstDash val="solid"/>
-                      <a:round/>
-                      <a:headEnd type="none" w="med" len="med"/>
-                      <a:tailEnd type="none" w="med" len="med"/>
-                    </a:lnB>
-                  </a:tcPr>
-                </a:tc>
-                <a:extLst>
-                  <a:ext uri="{0D108BD9-81ED-4DB2-BD59-A6C34878D82A}">
-                    <a16:rowId xmlns:a16="http://schemas.microsoft.com/office/drawing/2014/main" val="1669701264"/>
-                  </a:ext>
-                </a:extLst>
               </a:tr>
             </a:tbl>
           </a:graphicData>
         </a:graphic>
       </p:graphicFrame>
     </p:spTree>
-    <p:extLst>
-      <p:ext uri="{BB962C8B-B14F-4D97-AF65-F5344CB8AC3E}">
-        <p14:creationId xmlns:p14="http://schemas.microsoft.com/office/powerpoint/2010/main" val="3159771013"/>
-      </p:ext>
-    </p:extLst>
   </p:cSld>
   <p:clrMapOvr>
     <a:masterClrMapping/>
   </p:clrMapOvr>
+  <mc:AlternateContent xmlns:mc="http://schemas.openxmlformats.org/markup-compatibility/2006">
+    <mc:Choice xmlns:p14="http://schemas.microsoft.com/office/powerpoint/2010/main" Requires="p14">
+      <p:transition xmlns:mc="http://schemas.openxmlformats.org/markup-compatibility/2006" xmlns:p14="http://schemas.microsoft.com/office/powerpoint/2010/main" mc:Ignorable="p14" p14:dur="500"/>
+    </mc:Choice>
+    <mc:Fallback>
+      <p:transition/>
+    </mc:Fallback>
+  </mc:AlternateContent>
 </p:sld>
 </file>
 
@@ -23076,44 +22773,44 @@
 </file>
 
 <file path=ppt/theme/theme1.xml><?xml version="1.0" encoding="utf-8"?>
-<a:theme xmlns:a="http://schemas.openxmlformats.org/drawingml/2006/main" name="1_Office 테마">
+<a:theme xmlns:r="http://schemas.openxmlformats.org/officeDocument/2006/relationships" xmlns:c="http://schemas.openxmlformats.org/drawingml/2006/chart" xmlns:dgm="http://schemas.openxmlformats.org/drawingml/2006/diagram" xmlns:dsp="http://schemas.microsoft.com/office/drawing/2008/diagram" xmlns:a="http://schemas.openxmlformats.org/drawingml/2006/main" xmlns:pic="http://schemas.openxmlformats.org/drawingml/2006/picture" xmlns:wp="http://schemas.openxmlformats.org/drawingml/2006/wordprocessingDrawing" xmlns:xdr="http://schemas.openxmlformats.org/drawingml/2006/spreadsheetDrawing" xmlns:lc="http://schemas.openxmlformats.org/drawingml/2006/lockedCanvas" xmlns:p="http://schemas.openxmlformats.org/presentationml/2006/main" name="1_Office 테마">
   <a:themeElements>
     <a:clrScheme name="Office 2013 - 2022">
       <a:dk1>
         <a:sysClr val="windowText" lastClr="000000"/>
       </a:dk1>
       <a:lt1>
-        <a:sysClr val="window" lastClr="FFFFFF"/>
+        <a:sysClr val="window" lastClr="ffffff"/>
       </a:lt1>
       <a:dk2>
-        <a:srgbClr val="44546A"/>
+        <a:srgbClr val="44546a"/>
       </a:dk2>
       <a:lt2>
-        <a:srgbClr val="E7E6E6"/>
+        <a:srgbClr val="e7e6e6"/>
       </a:lt2>
       <a:accent1>
-        <a:srgbClr val="4472C4"/>
+        <a:srgbClr val="4472c4"/>
       </a:accent1>
       <a:accent2>
-        <a:srgbClr val="ED7D31"/>
+        <a:srgbClr val="ed7d31"/>
       </a:accent2>
       <a:accent3>
-        <a:srgbClr val="A5A5A5"/>
+        <a:srgbClr val="a5a5a5"/>
       </a:accent3>
       <a:accent4>
-        <a:srgbClr val="FFC000"/>
+        <a:srgbClr val="ffc000"/>
       </a:accent4>
       <a:accent5>
-        <a:srgbClr val="5B9BD5"/>
+        <a:srgbClr val="5b9bd5"/>
       </a:accent5>
       <a:accent6>
-        <a:srgbClr val="70AD47"/>
+        <a:srgbClr val="70ad47"/>
       </a:accent6>
       <a:hlink>
-        <a:srgbClr val="0563C1"/>
+        <a:srgbClr val="0563c1"/>
       </a:hlink>
       <a:folHlink>
-        <a:srgbClr val="954F72"/>
+        <a:srgbClr val="954f72"/>
       </a:folHlink>
     </a:clrScheme>
     <a:fontScheme name="사용자 지정 2">
@@ -23270,7 +22967,7 @@
     <a:spDef>
       <a:spPr>
         <a:solidFill>
-          <a:srgbClr val="356DDE"/>
+          <a:srgbClr val="356dde"/>
         </a:solidFill>
         <a:ln w="12700">
           <a:noFill/>
@@ -23348,49 +23045,48 @@
       </a:lstStyle>
     </a:txDef>
   </a:objectDefaults>
-  <a:extraClrSchemeLst/>
 </a:theme>
 </file>
 
 <file path=ppt/theme/theme2.xml><?xml version="1.0" encoding="utf-8"?>
-<a:theme xmlns:a="http://schemas.openxmlformats.org/drawingml/2006/main" name="Office 테마">
+<a:theme xmlns:r="http://schemas.openxmlformats.org/officeDocument/2006/relationships" xmlns:c="http://schemas.openxmlformats.org/drawingml/2006/chart" xmlns:dgm="http://schemas.openxmlformats.org/drawingml/2006/diagram" xmlns:dsp="http://schemas.microsoft.com/office/drawing/2008/diagram" xmlns:a="http://schemas.openxmlformats.org/drawingml/2006/main" xmlns:pic="http://schemas.openxmlformats.org/drawingml/2006/picture" xmlns:wp="http://schemas.openxmlformats.org/drawingml/2006/wordprocessingDrawing" xmlns:xdr="http://schemas.openxmlformats.org/drawingml/2006/spreadsheetDrawing" xmlns:lc="http://schemas.openxmlformats.org/drawingml/2006/lockedCanvas" xmlns:p="http://schemas.openxmlformats.org/presentationml/2006/main" name="Office 테마">
   <a:themeElements>
     <a:clrScheme name="Office">
       <a:dk1>
         <a:sysClr val="windowText" lastClr="000000"/>
       </a:dk1>
       <a:lt1>
-        <a:sysClr val="window" lastClr="FFFFFF"/>
+        <a:sysClr val="window" lastClr="ffffff"/>
       </a:lt1>
       <a:dk2>
-        <a:srgbClr val="44546A"/>
+        <a:srgbClr val="44546a"/>
       </a:dk2>
       <a:lt2>
-        <a:srgbClr val="E7E6E6"/>
+        <a:srgbClr val="e7e6e6"/>
       </a:lt2>
       <a:accent1>
-        <a:srgbClr val="5B9BD5"/>
+        <a:srgbClr val="5b9bd5"/>
       </a:accent1>
       <a:accent2>
-        <a:srgbClr val="ED7D31"/>
+        <a:srgbClr val="ed7d31"/>
       </a:accent2>
       <a:accent3>
-        <a:srgbClr val="A5A5A5"/>
+        <a:srgbClr val="a5a5a5"/>
       </a:accent3>
       <a:accent4>
-        <a:srgbClr val="FFC000"/>
+        <a:srgbClr val="ffc000"/>
       </a:accent4>
       <a:accent5>
-        <a:srgbClr val="4472C4"/>
+        <a:srgbClr val="4472c4"/>
       </a:accent5>
       <a:accent6>
-        <a:srgbClr val="70AD47"/>
+        <a:srgbClr val="70ad47"/>
       </a:accent6>
       <a:hlink>
-        <a:srgbClr val="0563C1"/>
+        <a:srgbClr val="0563c1"/>
       </a:hlink>
       <a:folHlink>
-        <a:srgbClr val="954F72"/>
+        <a:srgbClr val="954f72"/>
       </a:folHlink>
     </a:clrScheme>
     <a:fontScheme name="Office">
@@ -23603,50 +23299,48 @@
       </a:bgFillStyleLst>
     </a:fmtScheme>
   </a:themeElements>
-  <a:objectDefaults/>
-  <a:extraClrSchemeLst/>
 </a:theme>
 </file>
 
 <file path=ppt/theme/theme3.xml><?xml version="1.0" encoding="utf-8"?>
-<a:theme xmlns:a="http://schemas.openxmlformats.org/drawingml/2006/main" name="Office 테마">
+<a:theme xmlns:r="http://schemas.openxmlformats.org/officeDocument/2006/relationships" xmlns:c="http://schemas.openxmlformats.org/drawingml/2006/chart" xmlns:dgm="http://schemas.openxmlformats.org/drawingml/2006/diagram" xmlns:dsp="http://schemas.microsoft.com/office/drawing/2008/diagram" xmlns:a="http://schemas.openxmlformats.org/drawingml/2006/main" xmlns:pic="http://schemas.openxmlformats.org/drawingml/2006/picture" xmlns:wp="http://schemas.openxmlformats.org/drawingml/2006/wordprocessingDrawing" xmlns:xdr="http://schemas.openxmlformats.org/drawingml/2006/spreadsheetDrawing" xmlns:lc="http://schemas.openxmlformats.org/drawingml/2006/lockedCanvas" xmlns:p="http://schemas.openxmlformats.org/presentationml/2006/main" name="Office 테마">
   <a:themeElements>
     <a:clrScheme name="Office">
       <a:dk1>
         <a:sysClr val="windowText" lastClr="000000"/>
       </a:dk1>
       <a:lt1>
-        <a:sysClr val="window" lastClr="FFFFFF"/>
+        <a:sysClr val="window" lastClr="ffffff"/>
       </a:lt1>
       <a:dk2>
-        <a:srgbClr val="44546A"/>
+        <a:srgbClr val="44546a"/>
       </a:dk2>
       <a:lt2>
-        <a:srgbClr val="E7E6E6"/>
+        <a:srgbClr val="e7e6e6"/>
       </a:lt2>
       <a:accent1>
-        <a:srgbClr val="5B9BD5"/>
+        <a:srgbClr val="5b9bd5"/>
       </a:accent1>
       <a:accent2>
-        <a:srgbClr val="ED7D31"/>
+        <a:srgbClr val="ed7d31"/>
       </a:accent2>
       <a:accent3>
-        <a:srgbClr val="A5A5A5"/>
+        <a:srgbClr val="a5a5a5"/>
       </a:accent3>
       <a:accent4>
-        <a:srgbClr val="FFC000"/>
+        <a:srgbClr val="ffc000"/>
       </a:accent4>
       <a:accent5>
-        <a:srgbClr val="4472C4"/>
+        <a:srgbClr val="4472c4"/>
       </a:accent5>
       <a:accent6>
-        <a:srgbClr val="70AD47"/>
+        <a:srgbClr val="70ad47"/>
       </a:accent6>
       <a:hlink>
-        <a:srgbClr val="0563C1"/>
+        <a:srgbClr val="0563c1"/>
       </a:hlink>
       <a:folHlink>
-        <a:srgbClr val="954F72"/>
+        <a:srgbClr val="954f72"/>
       </a:folHlink>
     </a:clrScheme>
     <a:fontScheme name="Office">
@@ -23859,7 +23553,5 @@
       </a:bgFillStyleLst>
     </a:fmtScheme>
   </a:themeElements>
-  <a:objectDefaults/>
-  <a:extraClrSchemeLst/>
 </a:theme>
 </file>
--- a/01_요구사항 실습/SW 요구사항 분석 및 설계_3조.pptx
+++ b/01_요구사항 실습/SW 요구사항 분석 및 설계_3조.pptx
@@ -1,25 +1,26 @@
 
 <file path=ppt/presentation.xml><?xml version="1.0" encoding="utf-8"?>
-<p:presentation xmlns:r="http://schemas.openxmlformats.org/officeDocument/2006/relationships" xmlns:c="http://schemas.openxmlformats.org/drawingml/2006/chart" xmlns:a="http://schemas.openxmlformats.org/drawingml/2006/main" xmlns:dgm="http://schemas.openxmlformats.org/drawingml/2006/diagram" xmlns:dsp="http://schemas.microsoft.com/office/drawing/2008/diagram" xmlns:p="http://schemas.openxmlformats.org/presentationml/2006/main">
+<p:presentation xmlns:a="http://schemas.openxmlformats.org/drawingml/2006/main" xmlns:r="http://schemas.openxmlformats.org/officeDocument/2006/relationships" xmlns:p="http://schemas.openxmlformats.org/presentationml/2006/main">
   <p:sldMasterIdLst>
     <p:sldMasterId id="2147483751" r:id="rId1"/>
   </p:sldMasterIdLst>
   <p:notesMasterIdLst>
-    <p:notesMasterId r:id="rId2"/>
+    <p:notesMasterId r:id="rId12"/>
   </p:notesMasterIdLst>
   <p:handoutMasterIdLst>
-    <p:handoutMasterId r:id="rId3"/>
+    <p:handoutMasterId r:id="rId13"/>
   </p:handoutMasterIdLst>
   <p:sldIdLst>
-    <p:sldId id="2076136653" r:id="rId4"/>
-    <p:sldId id="502" r:id="rId5"/>
-    <p:sldId id="2076136660" r:id="rId6"/>
-    <p:sldId id="507" r:id="rId7"/>
-    <p:sldId id="2076136655" r:id="rId8"/>
-    <p:sldId id="2076136656" r:id="rId9"/>
-    <p:sldId id="2076136657" r:id="rId10"/>
-    <p:sldId id="2076136658" r:id="rId11"/>
-    <p:sldId id="2076136659" r:id="rId12"/>
+    <p:sldId id="2076136653" r:id="rId2"/>
+    <p:sldId id="502" r:id="rId3"/>
+    <p:sldId id="2076136660" r:id="rId4"/>
+    <p:sldId id="507" r:id="rId5"/>
+    <p:sldId id="2076136655" r:id="rId6"/>
+    <p:sldId id="2076136656" r:id="rId7"/>
+    <p:sldId id="2076136661" r:id="rId8"/>
+    <p:sldId id="2076136657" r:id="rId9"/>
+    <p:sldId id="2076136658" r:id="rId10"/>
+    <p:sldId id="2076136659" r:id="rId11"/>
   </p:sldIdLst>
   <p:sldSz cx="12192000" cy="6858000"/>
   <p:notesSz cx="6797675" cy="9926638"/>
@@ -118,11 +119,35 @@
       </a:defRPr>
     </a:lvl9pPr>
   </p:defaultTextStyle>
+  <p:extLst>
+    <p:ext uri="{EFAFB233-063F-42B5-8137-9DF3F51BA10A}">
+      <p15:sldGuideLst xmlns:p15="http://schemas.microsoft.com/office/powerpoint/2012/main">
+        <p15:guide id="1" orient="horz" pos="4064">
+          <p15:clr>
+            <a:srgbClr val="A4A3A4"/>
+          </p15:clr>
+        </p15:guide>
+        <p15:guide id="2" pos="238">
+          <p15:clr>
+            <a:srgbClr val="A4A3A4"/>
+          </p15:clr>
+        </p15:guide>
+        <p15:guide id="3" pos="7469">
+          <p15:clr>
+            <a:srgbClr val="A4A3A4"/>
+          </p15:clr>
+        </p15:guide>
+      </p15:sldGuideLst>
+    </p:ext>
+    <p:ext uri="{2D200454-40CA-4A62-9FC3-DE9A4176ACB9}">
+      <p15:notesGuideLst xmlns:p15="http://schemas.microsoft.com/office/powerpoint/2012/main"/>
+    </p:ext>
+  </p:extLst>
 </p:presentation>
 </file>
 
 <file path=ppt/handoutMasters/handoutMaster1.xml><?xml version="1.0" encoding="utf-8"?>
-<p:handoutMaster xmlns:r="http://schemas.openxmlformats.org/officeDocument/2006/relationships" xmlns:c="http://schemas.openxmlformats.org/drawingml/2006/chart" xmlns:a="http://schemas.openxmlformats.org/drawingml/2006/main" xmlns:dgm="http://schemas.openxmlformats.org/drawingml/2006/diagram" xmlns:dsp="http://schemas.microsoft.com/office/drawing/2008/diagram" xmlns:p="http://schemas.openxmlformats.org/presentationml/2006/main">
+<p:handoutMaster xmlns:a="http://schemas.openxmlformats.org/drawingml/2006/main" xmlns:r="http://schemas.openxmlformats.org/officeDocument/2006/relationships" xmlns:p="http://schemas.openxmlformats.org/presentationml/2006/main">
   <p:cSld>
     <p:bg>
       <p:bgRef idx="1001">
@@ -150,7 +175,7 @@
             <a:spLocks noGrp="1"/>
           </p:cNvSpPr>
           <p:nvPr>
-            <p:ph type="hdr" sz="quarter" idx="0"/>
+            <p:ph type="hdr" sz="quarter"/>
           </p:nvPr>
         </p:nvSpPr>
         <p:spPr>
@@ -173,13 +198,6 @@
             <a:pPr lvl="0">
               <a:defRPr/>
             </a:pPr>
-            <a:r>
-              <a:rPr lang="ko-KR" altLang="en-US">
-                <a:latin typeface="프리젠테이션 7 Bold"/>
-                <a:ea typeface="프리젠테이션 7 Bold"/>
-              </a:rPr>
-              <a:t/>
-            </a:r>
             <a:endParaRPr lang="ko-KR" altLang="en-US">
               <a:latin typeface="프리젠테이션 7 Bold"/>
               <a:ea typeface="프리젠테이션 7 Bold"/>
@@ -264,13 +282,6 @@
             <a:pPr lvl="0">
               <a:defRPr/>
             </a:pPr>
-            <a:r>
-              <a:rPr lang="ko-KR" altLang="en-US">
-                <a:latin typeface="프리젠테이션 7 Bold"/>
-                <a:ea typeface="프리젠테이션 7 Bold"/>
-              </a:rPr>
-              <a:t/>
-            </a:r>
             <a:endParaRPr lang="ko-KR" altLang="en-US">
               <a:latin typeface="프리젠테이션 7 Bold"/>
               <a:ea typeface="프리젠테이션 7 Bold"/>
@@ -326,13 +337,18 @@
         </p:txBody>
       </p:sp>
     </p:spTree>
+    <p:extLst>
+      <p:ext uri="{BB962C8B-B14F-4D97-AF65-F5344CB8AC3E}">
+        <p14:creationId xmlns:p14="http://schemas.microsoft.com/office/powerpoint/2010/main" val="1"/>
+      </p:ext>
+    </p:extLst>
   </p:cSld>
   <p:clrMap bg1="lt1" tx1="dk1" bg2="lt2" tx2="dk2" accent1="accent1" accent2="accent2" accent3="accent3" accent4="accent4" accent5="accent5" accent6="accent6" hlink="hlink" folHlink="folHlink"/>
 </p:handoutMaster>
 </file>
 
 <file path=ppt/notesMasters/notesMaster1.xml><?xml version="1.0" encoding="utf-8"?>
-<p:notesMaster xmlns:r="http://schemas.openxmlformats.org/officeDocument/2006/relationships" xmlns:c="http://schemas.openxmlformats.org/drawingml/2006/chart" xmlns:a="http://schemas.openxmlformats.org/drawingml/2006/main" xmlns:dgm="http://schemas.openxmlformats.org/drawingml/2006/diagram" xmlns:dsp="http://schemas.microsoft.com/office/drawing/2008/diagram" xmlns:p="http://schemas.openxmlformats.org/presentationml/2006/main">
+<p:notesMaster xmlns:a="http://schemas.openxmlformats.org/drawingml/2006/main" xmlns:r="http://schemas.openxmlformats.org/officeDocument/2006/relationships" xmlns:p="http://schemas.openxmlformats.org/presentationml/2006/main">
   <p:cSld>
     <p:bg>
       <p:bgRef idx="1001">
@@ -360,7 +376,7 @@
             <a:spLocks noGrp="1"/>
           </p:cNvSpPr>
           <p:nvPr>
-            <p:ph type="hdr" sz="quarter" idx="0"/>
+            <p:ph type="hdr" sz="quarter"/>
           </p:nvPr>
         </p:nvSpPr>
         <p:spPr>
@@ -386,10 +402,6 @@
             <a:pPr lvl="0">
               <a:defRPr/>
             </a:pPr>
-            <a:r>
-              <a:rPr lang="ko-KR" altLang="en-US"/>
-              <a:t/>
-            </a:r>
             <a:endParaRPr lang="ko-KR" altLang="en-US"/>
           </a:p>
         </p:txBody>
@@ -504,7 +516,6 @@
               <a:rPr lang="ko-KR" altLang="en-US"/>
               <a:t>마스터 텍스트 스타일 편집</a:t>
             </a:r>
-            <a:endParaRPr lang="ko-KR" altLang="en-US"/>
           </a:p>
           <a:p>
             <a:pPr lvl="1">
@@ -514,7 +525,6 @@
               <a:rPr lang="ko-KR" altLang="en-US"/>
               <a:t>둘째 수준</a:t>
             </a:r>
-            <a:endParaRPr lang="ko-KR" altLang="en-US"/>
           </a:p>
           <a:p>
             <a:pPr lvl="2">
@@ -524,7 +534,6 @@
               <a:rPr lang="ko-KR" altLang="en-US"/>
               <a:t>셋째 수준</a:t>
             </a:r>
-            <a:endParaRPr lang="ko-KR" altLang="en-US"/>
           </a:p>
           <a:p>
             <a:pPr lvl="3">
@@ -534,7 +543,6 @@
               <a:rPr lang="ko-KR" altLang="en-US"/>
               <a:t>넷째 수준</a:t>
             </a:r>
-            <a:endParaRPr lang="ko-KR" altLang="en-US"/>
           </a:p>
           <a:p>
             <a:pPr lvl="4">
@@ -544,7 +552,6 @@
               <a:rPr lang="ko-KR" altLang="en-US"/>
               <a:t>다섯째 수준</a:t>
             </a:r>
-            <a:endParaRPr lang="ko-KR" altLang="en-US"/>
           </a:p>
         </p:txBody>
       </p:sp>
@@ -625,10 +632,6 @@
             <a:pPr lvl="0">
               <a:defRPr/>
             </a:pPr>
-            <a:r>
-              <a:rPr lang="ko-KR" altLang="en-US"/>
-              <a:t/>
-            </a:r>
             <a:endParaRPr lang="ko-KR" altLang="en-US"/>
           </a:p>
         </p:txBody>
@@ -15215,6 +15218,93 @@
 </p:sld>
 </file>
 
+<file path=ppt/slides/slide10.xml><?xml version="1.0" encoding="utf-8"?>
+<p:sld xmlns:a="http://schemas.openxmlformats.org/drawingml/2006/main" xmlns:r="http://schemas.openxmlformats.org/officeDocument/2006/relationships" xmlns:p="http://schemas.openxmlformats.org/presentationml/2006/main">
+  <p:cSld>
+    <p:spTree>
+      <p:nvGrpSpPr>
+        <p:cNvPr id="1" name=""/>
+        <p:cNvGrpSpPr/>
+        <p:nvPr/>
+      </p:nvGrpSpPr>
+      <p:grpSpPr>
+        <a:xfrm>
+          <a:off x="0" y="0"/>
+          <a:ext cx="0" cy="0"/>
+          <a:chOff x="0" y="0"/>
+          <a:chExt cx="0" cy="0"/>
+        </a:xfrm>
+      </p:grpSpPr>
+      <p:sp>
+        <p:nvSpPr>
+          <p:cNvPr id="2" name="제목 1">
+            <a:extLst>
+              <a:ext uri="{FF2B5EF4-FFF2-40B4-BE49-F238E27FC236}">
+                <a16:creationId xmlns:a16="http://schemas.microsoft.com/office/drawing/2014/main" id="{8415BE52-74A9-6CE6-241C-41221B52733B}"/>
+              </a:ext>
+            </a:extLst>
+          </p:cNvPr>
+          <p:cNvSpPr>
+            <a:spLocks noGrp="1"/>
+          </p:cNvSpPr>
+          <p:nvPr>
+            <p:ph type="title"/>
+          </p:nvPr>
+        </p:nvSpPr>
+        <p:spPr/>
+        <p:txBody>
+          <a:bodyPr/>
+          <a:lstStyle/>
+          <a:p>
+            <a:r>
+              <a:rPr lang="en-US" altLang="ko-KR" dirty="0"/>
+              <a:t>7. </a:t>
+            </a:r>
+            <a:r>
+              <a:rPr lang="ko-KR" altLang="en-US" dirty="0"/>
+              <a:t>요구사항 검토 결과</a:t>
+            </a:r>
+          </a:p>
+        </p:txBody>
+      </p:sp>
+      <p:sp>
+        <p:nvSpPr>
+          <p:cNvPr id="3" name="텍스트 개체 틀 2">
+            <a:extLst>
+              <a:ext uri="{FF2B5EF4-FFF2-40B4-BE49-F238E27FC236}">
+                <a16:creationId xmlns:a16="http://schemas.microsoft.com/office/drawing/2014/main" id="{DA30BADA-989E-6918-B592-3555A2D1C1A3}"/>
+              </a:ext>
+            </a:extLst>
+          </p:cNvPr>
+          <p:cNvSpPr>
+            <a:spLocks noGrp="1"/>
+          </p:cNvSpPr>
+          <p:nvPr>
+            <p:ph type="body" sz="quarter" idx="10"/>
+          </p:nvPr>
+        </p:nvSpPr>
+        <p:spPr/>
+        <p:txBody>
+          <a:bodyPr/>
+          <a:lstStyle/>
+          <a:p>
+            <a:endParaRPr lang="ko-KR" altLang="en-US"/>
+          </a:p>
+        </p:txBody>
+      </p:sp>
+    </p:spTree>
+    <p:extLst>
+      <p:ext uri="{BB962C8B-B14F-4D97-AF65-F5344CB8AC3E}">
+        <p14:creationId xmlns:p14="http://schemas.microsoft.com/office/powerpoint/2010/main" val="2126507577"/>
+      </p:ext>
+    </p:extLst>
+  </p:cSld>
+  <p:clrMapOvr>
+    <a:masterClrMapping/>
+  </p:clrMapOvr>
+</p:sld>
+</file>
+
 <file path=ppt/slides/slide2.xml><?xml version="1.0" encoding="utf-8"?>
 <p:sld xmlns:a="http://schemas.openxmlformats.org/drawingml/2006/main" xmlns:r="http://schemas.openxmlformats.org/officeDocument/2006/relationships" xmlns:p="http://schemas.openxmlformats.org/presentationml/2006/main">
   <p:cSld>
@@ -15480,7 +15570,7 @@
     <mc:Choice Requires="p14">
       <p:transition/>
     </mc:Choice>
-    <mc:Fallback xmlns:dsp="http://schemas.microsoft.com/office/drawing/2008/diagram" xmlns:dgm="http://schemas.openxmlformats.org/drawingml/2006/diagram" xmlns:c="http://schemas.openxmlformats.org/drawingml/2006/chart" xmlns="">
+    <mc:Fallback xmlns="" xmlns:c="http://schemas.openxmlformats.org/drawingml/2006/chart" xmlns:dgm="http://schemas.openxmlformats.org/drawingml/2006/diagram" xmlns:dsp="http://schemas.microsoft.com/office/drawing/2008/diagram">
       <p:transition/>
     </mc:Fallback>
   </mc:AlternateContent>
@@ -15750,7 +15840,7 @@
     <mc:Choice Requires="p14">
       <p:transition/>
     </mc:Choice>
-    <mc:Fallback xmlns:dsp="http://schemas.microsoft.com/office/drawing/2008/diagram" xmlns:dgm="http://schemas.openxmlformats.org/drawingml/2006/diagram" xmlns:c="http://schemas.openxmlformats.org/drawingml/2006/chart" xmlns="">
+    <mc:Fallback xmlns="" xmlns:c="http://schemas.openxmlformats.org/drawingml/2006/chart" xmlns:dgm="http://schemas.openxmlformats.org/drawingml/2006/diagram" xmlns:dsp="http://schemas.microsoft.com/office/drawing/2008/diagram">
       <p:transition/>
     </mc:Fallback>
   </mc:AlternateContent>
@@ -17959,7 +18049,7 @@
     <mc:Choice Requires="p14">
       <p:transition/>
     </mc:Choice>
-    <mc:Fallback xmlns:dsp="http://schemas.microsoft.com/office/drawing/2008/diagram" xmlns:dgm="http://schemas.openxmlformats.org/drawingml/2006/diagram" xmlns:c="http://schemas.openxmlformats.org/drawingml/2006/chart" xmlns="">
+    <mc:Fallback xmlns="" xmlns:c="http://schemas.openxmlformats.org/drawingml/2006/chart" xmlns:dgm="http://schemas.openxmlformats.org/drawingml/2006/diagram" xmlns:dsp="http://schemas.microsoft.com/office/drawing/2008/diagram">
       <p:transition/>
     </mc:Fallback>
   </mc:AlternateContent>
@@ -18707,7 +18797,7 @@
     <mc:Choice Requires="p14">
       <p:transition/>
     </mc:Choice>
-    <mc:Fallback xmlns:dsp="http://schemas.microsoft.com/office/drawing/2008/diagram" xmlns:dgm="http://schemas.openxmlformats.org/drawingml/2006/diagram" xmlns:c="http://schemas.openxmlformats.org/drawingml/2006/chart" xmlns="">
+    <mc:Fallback xmlns="" xmlns:c="http://schemas.openxmlformats.org/drawingml/2006/chart" xmlns:dgm="http://schemas.openxmlformats.org/drawingml/2006/diagram" xmlns:dsp="http://schemas.microsoft.com/office/drawing/2008/diagram">
       <p:transition/>
     </mc:Fallback>
   </mc:AlternateContent>
@@ -18715,7 +18805,7 @@
 </file>
 
 <file path=ppt/slides/slide6.xml><?xml version="1.0" encoding="utf-8"?>
-<p:sld xmlns:r="http://schemas.openxmlformats.org/officeDocument/2006/relationships" xmlns:c="http://schemas.openxmlformats.org/drawingml/2006/chart" xmlns:a="http://schemas.openxmlformats.org/drawingml/2006/main" xmlns:dgm="http://schemas.openxmlformats.org/drawingml/2006/diagram" xmlns:dsp="http://schemas.microsoft.com/office/drawing/2008/diagram" xmlns:p="http://schemas.openxmlformats.org/presentationml/2006/main">
+<p:sld xmlns:a="http://schemas.openxmlformats.org/drawingml/2006/main" xmlns:r="http://schemas.openxmlformats.org/officeDocument/2006/relationships" xmlns:p="http://schemas.openxmlformats.org/presentationml/2006/main">
   <p:cSld>
     <p:spTree>
       <p:nvGrpSpPr>
@@ -18738,7 +18828,7 @@
             <a:spLocks noGrp="1"/>
           </p:cNvSpPr>
           <p:nvPr>
-            <p:ph type="title" idx="0"/>
+            <p:ph type="title"/>
           </p:nvPr>
         </p:nvSpPr>
         <p:spPr/>
@@ -18773,7 +18863,6 @@
               <a:rPr lang="ko-KR" altLang="en-US"/>
               <a:t>기술서 양식</a:t>
             </a:r>
-            <a:endParaRPr lang="ko-KR" altLang="en-US"/>
           </a:p>
         </p:txBody>
       </p:sp>
@@ -18787,7 +18876,7 @@
         </p:nvGraphicFramePr>
         <p:xfrm>
           <a:off x="513830" y="1205262"/>
-          <a:ext cx="11164340" cy="5009518"/>
+          <a:ext cx="11164340" cy="5007329"/>
         </p:xfrm>
         <a:graphic>
           <a:graphicData uri="http://schemas.openxmlformats.org/drawingml/2006/table">
@@ -18796,14 +18885,33 @@
                 <a:tableStyleId>{2D5ABB26-0587-4C30-8999-92F81FD0307C}</a:tableStyleId>
               </a:tblPr>
               <a:tblGrid>
-                <a:gridCol w="2315615"/>
-                <a:gridCol w="3990975"/>
-                <a:gridCol w="4857750"/>
+                <a:gridCol w="2315615">
+                  <a:extLst>
+                    <a:ext uri="{9D8B030D-6E8A-4147-A177-3AD203B41FA5}">
+                      <a16:colId xmlns:a16="http://schemas.microsoft.com/office/drawing/2014/main" val="20000"/>
+                    </a:ext>
+                  </a:extLst>
+                </a:gridCol>
+                <a:gridCol w="3990975">
+                  <a:extLst>
+                    <a:ext uri="{9D8B030D-6E8A-4147-A177-3AD203B41FA5}">
+                      <a16:colId xmlns:a16="http://schemas.microsoft.com/office/drawing/2014/main" val="20001"/>
+                    </a:ext>
+                  </a:extLst>
+                </a:gridCol>
+                <a:gridCol w="4857750">
+                  <a:extLst>
+                    <a:ext uri="{9D8B030D-6E8A-4147-A177-3AD203B41FA5}">
+                      <a16:colId xmlns:a16="http://schemas.microsoft.com/office/drawing/2014/main" val="20002"/>
+                    </a:ext>
+                  </a:extLst>
+                </a:gridCol>
               </a:tblGrid>
               <a:tr h="269513">
                 <a:tc>
                   <a:txBody>
-                    <a:bodyPr vert="horz" lIns="0" tIns="59055" rIns="0" bIns="0" anchor="t" anchorCtr="0"/>
+                    <a:bodyPr/>
+                    <a:lstStyle/>
                     <a:p>
                       <a:pPr marL="67945">
                         <a:lnSpc>
@@ -18861,7 +18969,8 @@
                 </a:tc>
                 <a:tc gridSpan="2">
                   <a:txBody>
-                    <a:bodyPr vert="horz" lIns="0" tIns="59055" rIns="0" bIns="0" anchor="t" anchorCtr="0"/>
+                    <a:bodyPr/>
+                    <a:lstStyle/>
                     <a:p>
                       <a:pPr marL="67945">
                         <a:lnSpc>
@@ -18879,10 +18988,6 @@
                         </a:rPr>
                         <a:t>UC-0001</a:t>
                       </a:r>
-                      <a:endParaRPr lang="en-US" altLang="ko-KR" sz="1200">
-                        <a:latin typeface="맑은 고딕"/>
-                        <a:cs typeface="맑은 고딕"/>
-                      </a:endParaRPr>
                     </a:p>
                   </a:txBody>
                   <a:tcPr marL="0" marR="0" marT="59055" marB="0">
@@ -18915,6 +19020,7 @@
                 <a:tc hMerge="1">
                   <a:txBody>
                     <a:bodyPr/>
+                    <a:lstStyle/>
                     <a:p>
                       <a:pPr latinLnBrk="1">
                         <a:defRPr/>
@@ -18922,13 +19028,19 @@
                       <a:endParaRPr lang="ko-KR" altLang="en-US"/>
                     </a:p>
                   </a:txBody>
-                  <a:tcPr marL="91440" marR="91440"/>
+                  <a:tcPr/>
                 </a:tc>
+                <a:extLst>
+                  <a:ext uri="{0D108BD9-81ED-4DB2-BD59-A6C34878D82A}">
+                    <a16:rowId xmlns:a16="http://schemas.microsoft.com/office/drawing/2014/main" val="10000"/>
+                  </a:ext>
+                </a:extLst>
               </a:tr>
               <a:tr h="269513">
                 <a:tc>
                   <a:txBody>
-                    <a:bodyPr vert="horz" lIns="0" tIns="59055" rIns="0" bIns="0" anchor="t" anchorCtr="0"/>
+                    <a:bodyPr/>
+                    <a:lstStyle/>
                     <a:p>
                       <a:pPr marL="67945">
                         <a:lnSpc>
@@ -18999,7 +19111,8 @@
                 </a:tc>
                 <a:tc gridSpan="2">
                   <a:txBody>
-                    <a:bodyPr vert="horz" lIns="0" tIns="59055" rIns="0" bIns="0" anchor="t" anchorCtr="0"/>
+                    <a:bodyPr/>
+                    <a:lstStyle/>
                     <a:p>
                       <a:pPr marL="67945">
                         <a:lnSpc>
@@ -19017,10 +19130,6 @@
                         </a:rPr>
                         <a:t>Child Lock Auto ON/OFF</a:t>
                       </a:r>
-                      <a:endParaRPr lang="en-US" altLang="ko-KR" sz="1200">
-                        <a:latin typeface="맑은 고딕"/>
-                        <a:cs typeface="맑은 고딕"/>
-                      </a:endParaRPr>
                     </a:p>
                   </a:txBody>
                   <a:tcPr marL="0" marR="0" marT="59055" marB="0">
@@ -19059,6 +19168,7 @@
                 <a:tc hMerge="1">
                   <a:txBody>
                     <a:bodyPr/>
+                    <a:lstStyle/>
                     <a:p>
                       <a:pPr latinLnBrk="1">
                         <a:defRPr/>
@@ -19066,13 +19176,19 @@
                       <a:endParaRPr lang="ko-KR" altLang="en-US"/>
                     </a:p>
                   </a:txBody>
-                  <a:tcPr marL="91440" marR="91440"/>
+                  <a:tcPr/>
                 </a:tc>
+                <a:extLst>
+                  <a:ext uri="{0D108BD9-81ED-4DB2-BD59-A6C34878D82A}">
+                    <a16:rowId xmlns:a16="http://schemas.microsoft.com/office/drawing/2014/main" val="10001"/>
+                  </a:ext>
+                </a:extLst>
               </a:tr>
               <a:tr h="269513">
                 <a:tc>
                   <a:txBody>
-                    <a:bodyPr vert="horz" lIns="0" tIns="59055" rIns="0" bIns="0" anchor="t" anchorCtr="0"/>
+                    <a:bodyPr/>
+                    <a:lstStyle/>
                     <a:p>
                       <a:pPr marL="67945">
                         <a:lnSpc>
@@ -19143,7 +19259,8 @@
                 </a:tc>
                 <a:tc gridSpan="2">
                   <a:txBody>
-                    <a:bodyPr vert="horz" lIns="0" tIns="59055" rIns="0" bIns="0" anchor="t" anchorCtr="0"/>
+                    <a:bodyPr/>
+                    <a:lstStyle/>
                     <a:p>
                       <a:pPr marL="67945" marR="0" lvl="0" indent="0" algn="l" defTabSz="914400" rtl="0" eaLnBrk="1" latinLnBrk="1" hangingPunct="1">
                         <a:lnSpc>
@@ -19195,10 +19312,6 @@
                         </a:rPr>
                         <a:t>.</a:t>
                       </a:r>
-                      <a:endParaRPr lang="en-US" altLang="ko-KR" sz="1200">
-                        <a:latin typeface="맑은 고딕"/>
-                        <a:cs typeface="맑은 고딕"/>
-                      </a:endParaRPr>
                     </a:p>
                   </a:txBody>
                   <a:tcPr marL="0" marR="0" marT="59055" marB="0">
@@ -19237,6 +19350,7 @@
                 <a:tc hMerge="1">
                   <a:txBody>
                     <a:bodyPr/>
+                    <a:lstStyle/>
                     <a:p>
                       <a:pPr latinLnBrk="1">
                         <a:defRPr/>
@@ -19244,13 +19358,19 @@
                       <a:endParaRPr lang="ko-KR" altLang="en-US"/>
                     </a:p>
                   </a:txBody>
-                  <a:tcPr marL="91440" marR="91440"/>
+                  <a:tcPr/>
                 </a:tc>
+                <a:extLst>
+                  <a:ext uri="{0D108BD9-81ED-4DB2-BD59-A6C34878D82A}">
+                    <a16:rowId xmlns:a16="http://schemas.microsoft.com/office/drawing/2014/main" val="10002"/>
+                  </a:ext>
+                </a:extLst>
               </a:tr>
               <a:tr h="257850">
                 <a:tc>
                   <a:txBody>
-                    <a:bodyPr vert="horz" lIns="0" tIns="59055" rIns="0" bIns="0" anchor="t" anchorCtr="0"/>
+                    <a:bodyPr/>
+                    <a:lstStyle/>
                     <a:p>
                       <a:pPr marL="67945">
                         <a:lnSpc>
@@ -19308,7 +19428,8 @@
                 </a:tc>
                 <a:tc gridSpan="2">
                   <a:txBody>
-                    <a:bodyPr vert="horz" lIns="0" tIns="59055" rIns="0" bIns="0" anchor="t" anchorCtr="0"/>
+                    <a:bodyPr/>
+                    <a:lstStyle/>
                     <a:p>
                       <a:pPr marL="67945">
                         <a:lnSpc>
@@ -19326,10 +19447,6 @@
                         </a:rPr>
                         <a:t>차량 시동 상태 </a:t>
                       </a:r>
-                      <a:endParaRPr lang="ko-KR" altLang="en-US" sz="1200">
-                        <a:latin typeface="맑은 고딕"/>
-                        <a:cs typeface="맑은 고딕"/>
-                      </a:endParaRPr>
                     </a:p>
                   </a:txBody>
                   <a:tcPr marL="0" marR="0" marT="59055" marB="0">
@@ -19362,6 +19479,7 @@
                 <a:tc hMerge="1">
                   <a:txBody>
                     <a:bodyPr/>
+                    <a:lstStyle/>
                     <a:p>
                       <a:pPr latinLnBrk="1">
                         <a:defRPr/>
@@ -19369,13 +19487,19 @@
                       <a:endParaRPr lang="ko-KR" altLang="en-US"/>
                     </a:p>
                   </a:txBody>
-                  <a:tcPr marL="91440" marR="91440"/>
+                  <a:tcPr/>
                 </a:tc>
+                <a:extLst>
+                  <a:ext uri="{0D108BD9-81ED-4DB2-BD59-A6C34878D82A}">
+                    <a16:rowId xmlns:a16="http://schemas.microsoft.com/office/drawing/2014/main" val="10003"/>
+                  </a:ext>
+                </a:extLst>
               </a:tr>
               <a:tr h="298212">
                 <a:tc>
                   <a:txBody>
-                    <a:bodyPr vert="horz" lIns="0" tIns="59055" rIns="0" bIns="0" anchor="t" anchorCtr="0"/>
+                    <a:bodyPr/>
+                    <a:lstStyle/>
                     <a:p>
                       <a:pPr marL="67945">
                         <a:lnSpc>
@@ -19433,7 +19557,8 @@
                 </a:tc>
                 <a:tc gridSpan="2">
                   <a:txBody>
-                    <a:bodyPr vert="horz" lIns="0" tIns="59055" rIns="0" bIns="0" anchor="t" anchorCtr="0"/>
+                    <a:bodyPr/>
+                    <a:lstStyle/>
                     <a:p>
                       <a:pPr marL="67945">
                         <a:lnSpc>
@@ -19451,10 +19576,6 @@
                         </a:rPr>
                         <a:t>Child Lock ON/OFF</a:t>
                       </a:r>
-                      <a:endParaRPr lang="en-US" altLang="ko-KR" sz="1200">
-                        <a:latin typeface="맑은 고딕"/>
-                        <a:cs typeface="맑은 고딕"/>
-                      </a:endParaRPr>
                     </a:p>
                   </a:txBody>
                   <a:tcPr marL="0" marR="0" marT="59055" marB="0">
@@ -19487,6 +19608,7 @@
                 <a:tc hMerge="1">
                   <a:txBody>
                     <a:bodyPr/>
+                    <a:lstStyle/>
                     <a:p>
                       <a:pPr latinLnBrk="1">
                         <a:defRPr/>
@@ -19494,13 +19616,19 @@
                       <a:endParaRPr lang="ko-KR" altLang="en-US"/>
                     </a:p>
                   </a:txBody>
-                  <a:tcPr marL="91440" marR="91440"/>
+                  <a:tcPr/>
                 </a:tc>
+                <a:extLst>
+                  <a:ext uri="{0D108BD9-81ED-4DB2-BD59-A6C34878D82A}">
+                    <a16:rowId xmlns:a16="http://schemas.microsoft.com/office/drawing/2014/main" val="10004"/>
+                  </a:ext>
+                </a:extLst>
               </a:tr>
               <a:tr h="269513">
                 <a:tc>
                   <a:txBody>
-                    <a:bodyPr vert="horz" lIns="0" tIns="59690" rIns="0" bIns="0" anchor="t" anchorCtr="0"/>
+                    <a:bodyPr/>
+                    <a:lstStyle/>
                     <a:p>
                       <a:pPr marL="67945">
                         <a:lnSpc>
@@ -19558,7 +19686,8 @@
                 </a:tc>
                 <a:tc gridSpan="2">
                   <a:txBody>
-                    <a:bodyPr vert="horz" lIns="0" tIns="59690" rIns="0" bIns="0" anchor="t" anchorCtr="0"/>
+                    <a:bodyPr/>
+                    <a:lstStyle/>
                     <a:p>
                       <a:pPr marL="67945">
                         <a:lnSpc>
@@ -19604,10 +19733,6 @@
                         </a:rPr>
                         <a:t>Child Lock OFF</a:t>
                       </a:r>
-                      <a:endParaRPr lang="en-US" altLang="ko-KR" sz="1200">
-                        <a:latin typeface="맑은 고딕"/>
-                        <a:cs typeface="맑은 고딕"/>
-                      </a:endParaRPr>
                     </a:p>
                   </a:txBody>
                   <a:tcPr marL="0" marR="0" marT="59690" marB="0">
@@ -19640,6 +19765,7 @@
                 <a:tc hMerge="1">
                   <a:txBody>
                     <a:bodyPr/>
+                    <a:lstStyle/>
                     <a:p>
                       <a:pPr latinLnBrk="1">
                         <a:defRPr/>
@@ -19647,13 +19773,19 @@
                       <a:endParaRPr lang="ko-KR" altLang="en-US"/>
                     </a:p>
                   </a:txBody>
-                  <a:tcPr marL="91440" marR="91440"/>
+                  <a:tcPr/>
                 </a:tc>
+                <a:extLst>
+                  <a:ext uri="{0D108BD9-81ED-4DB2-BD59-A6C34878D82A}">
+                    <a16:rowId xmlns:a16="http://schemas.microsoft.com/office/drawing/2014/main" val="10005"/>
+                  </a:ext>
+                </a:extLst>
               </a:tr>
               <a:tr h="269513">
                 <a:tc>
                   <a:txBody>
-                    <a:bodyPr vert="horz" lIns="0" tIns="59690" rIns="0" bIns="0" anchor="t" anchorCtr="0"/>
+                    <a:bodyPr/>
+                    <a:lstStyle/>
                     <a:p>
                       <a:pPr marL="67945">
                         <a:lnSpc>
@@ -19717,7 +19849,8 @@
                 </a:tc>
                 <a:tc>
                   <a:txBody>
-                    <a:bodyPr vert="horz" lIns="0" tIns="59690" rIns="0" bIns="0" anchor="t" anchorCtr="0"/>
+                    <a:bodyPr/>
+                    <a:lstStyle/>
                     <a:p>
                       <a:pPr marL="67945">
                         <a:lnSpc>
@@ -19784,7 +19917,8 @@
                 </a:tc>
                 <a:tc>
                   <a:txBody>
-                    <a:bodyPr vert="horz" lIns="0" tIns="59690" rIns="0" bIns="0" anchor="t" anchorCtr="0"/>
+                    <a:bodyPr/>
+                    <a:lstStyle/>
                     <a:p>
                       <a:pPr marL="67945">
                         <a:lnSpc>
@@ -19849,11 +19983,17 @@
                     </a:solidFill>
                   </a:tcPr>
                 </a:tc>
+                <a:extLst>
+                  <a:ext uri="{0D108BD9-81ED-4DB2-BD59-A6C34878D82A}">
+                    <a16:rowId xmlns:a16="http://schemas.microsoft.com/office/drawing/2014/main" val="10006"/>
+                  </a:ext>
+                </a:extLst>
               </a:tr>
               <a:tr h="269513">
                 <a:tc rowSpan="4">
                   <a:txBody>
-                    <a:bodyPr vert="horz" lIns="0" tIns="71120" rIns="0" bIns="0" anchor="t" anchorCtr="0"/>
+                    <a:bodyPr/>
+                    <a:lstStyle/>
                     <a:p>
                       <a:pPr marL="67945" marR="586740">
                         <a:lnSpc>
@@ -19925,7 +20065,8 @@
                 </a:tc>
                 <a:tc>
                   <a:txBody>
-                    <a:bodyPr vert="horz" lIns="0" tIns="44450" rIns="0" bIns="0" anchor="t" anchorCtr="0"/>
+                    <a:bodyPr/>
+                    <a:lstStyle/>
                     <a:p>
                       <a:pPr marL="67309" indent="0">
                         <a:lnSpc>
@@ -19975,10 +20116,6 @@
                         </a:rPr>
                         <a:t>.</a:t>
                       </a:r>
-                      <a:endParaRPr lang="en-US" altLang="ko-KR" sz="1200">
-                        <a:latin typeface="맑은 고딕"/>
-                        <a:cs typeface="맑은 고딕"/>
-                      </a:endParaRPr>
                     </a:p>
                   </a:txBody>
                   <a:tcPr marL="0" marR="0" marT="44450" marB="0">
@@ -20016,7 +20153,8 @@
                 </a:tc>
                 <a:tc>
                   <a:txBody>
-                    <a:bodyPr vert="horz" lIns="0" tIns="44450" rIns="0" bIns="0" anchor="t" anchorCtr="0"/>
+                    <a:bodyPr/>
+                    <a:lstStyle/>
                     <a:p>
                       <a:pPr marL="67309" indent="0">
                         <a:lnSpc>
@@ -20052,10 +20190,6 @@
                         </a:rPr>
                         <a:t>.</a:t>
                       </a:r>
-                      <a:endParaRPr lang="en-US" altLang="ko-KR" sz="1200">
-                        <a:latin typeface="맑은 고딕"/>
-                        <a:cs typeface="맑은 고딕"/>
-                      </a:endParaRPr>
                     </a:p>
                   </a:txBody>
                   <a:tcPr marL="0" marR="0" marT="44450" marB="0">
@@ -20094,11 +20228,17 @@
                     </a:lnB>
                   </a:tcPr>
                 </a:tc>
+                <a:extLst>
+                  <a:ext uri="{0D108BD9-81ED-4DB2-BD59-A6C34878D82A}">
+                    <a16:rowId xmlns:a16="http://schemas.microsoft.com/office/drawing/2014/main" val="10007"/>
+                  </a:ext>
+                </a:extLst>
               </a:tr>
               <a:tr h="269513">
                 <a:tc vMerge="1">
                   <a:txBody>
                     <a:bodyPr/>
+                    <a:lstStyle/>
                     <a:p>
                       <a:pPr latinLnBrk="1">
                         <a:defRPr/>
@@ -20106,11 +20246,12 @@
                       <a:endParaRPr lang="ko-KR" altLang="en-US"/>
                     </a:p>
                   </a:txBody>
-                  <a:tcPr marL="91440" marR="91440"/>
+                  <a:tcPr/>
                 </a:tc>
                 <a:tc>
                   <a:txBody>
-                    <a:bodyPr vert="horz" lIns="0" tIns="44450" rIns="0" bIns="0" anchor="t" anchorCtr="0"/>
+                    <a:bodyPr/>
+                    <a:lstStyle/>
                     <a:p>
                       <a:pPr marL="67309" indent="0">
                         <a:lnSpc>
@@ -20172,7 +20313,8 @@
                 </a:tc>
                 <a:tc>
                   <a:txBody>
-                    <a:bodyPr vert="horz" lIns="0" tIns="44450" rIns="0" bIns="0" anchor="t" anchorCtr="0"/>
+                    <a:bodyPr/>
+                    <a:lstStyle/>
                     <a:p>
                       <a:pPr marL="67309" indent="0">
                         <a:lnSpc>
@@ -20236,10 +20378,6 @@
                         </a:rPr>
                         <a:t>.</a:t>
                       </a:r>
-                      <a:endParaRPr lang="en-US" altLang="ko-KR" sz="1200">
-                        <a:latin typeface="맑은 고딕"/>
-                        <a:cs typeface="맑은 고딕"/>
-                      </a:endParaRPr>
                     </a:p>
                   </a:txBody>
                   <a:tcPr marL="0" marR="0" marT="44450" marB="0">
@@ -20281,11 +20419,17 @@
                     </a:lnB>
                   </a:tcPr>
                 </a:tc>
+                <a:extLst>
+                  <a:ext uri="{0D108BD9-81ED-4DB2-BD59-A6C34878D82A}">
+                    <a16:rowId xmlns:a16="http://schemas.microsoft.com/office/drawing/2014/main" val="10008"/>
+                  </a:ext>
+                </a:extLst>
               </a:tr>
               <a:tr h="269513">
                 <a:tc vMerge="1">
                   <a:txBody>
                     <a:bodyPr/>
+                    <a:lstStyle/>
                     <a:p>
                       <a:pPr latinLnBrk="1">
                         <a:defRPr/>
@@ -20293,11 +20437,12 @@
                       <a:endParaRPr lang="ko-KR" altLang="en-US"/>
                     </a:p>
                   </a:txBody>
-                  <a:tcPr marL="91440" marR="91440"/>
+                  <a:tcPr/>
                 </a:tc>
                 <a:tc>
                   <a:txBody>
-                    <a:bodyPr vert="horz" lIns="0" tIns="44450" rIns="0" bIns="0" anchor="t" anchorCtr="0"/>
+                    <a:bodyPr/>
+                    <a:lstStyle/>
                     <a:p>
                       <a:pPr marL="67309" indent="0">
                         <a:lnSpc>
@@ -20380,7 +20525,8 @@
                 </a:tc>
                 <a:tc>
                   <a:txBody>
-                    <a:bodyPr vert="horz" lIns="0" tIns="44450" rIns="0" bIns="0" anchor="t" anchorCtr="0"/>
+                    <a:bodyPr/>
+                    <a:lstStyle/>
                     <a:p>
                       <a:pPr marL="67309" indent="0">
                         <a:lnSpc>
@@ -20444,10 +20590,6 @@
                         </a:rPr>
                         <a:t>.</a:t>
                       </a:r>
-                      <a:endParaRPr lang="en-US" altLang="ko-KR" sz="1200">
-                        <a:latin typeface="맑은 고딕"/>
-                        <a:cs typeface="맑은 고딕"/>
-                      </a:endParaRPr>
                     </a:p>
                   </a:txBody>
                   <a:tcPr marL="0" marR="0" marT="44450" marB="0">
@@ -20489,11 +20631,17 @@
                     </a:lnB>
                   </a:tcPr>
                 </a:tc>
+                <a:extLst>
+                  <a:ext uri="{0D108BD9-81ED-4DB2-BD59-A6C34878D82A}">
+                    <a16:rowId xmlns:a16="http://schemas.microsoft.com/office/drawing/2014/main" val="10009"/>
+                  </a:ext>
+                </a:extLst>
               </a:tr>
               <a:tr h="269513">
                 <a:tc vMerge="1">
                   <a:txBody>
                     <a:bodyPr/>
+                    <a:lstStyle/>
                     <a:p>
                       <a:pPr latinLnBrk="1">
                         <a:defRPr/>
@@ -20501,11 +20649,12 @@
                       <a:endParaRPr lang="ko-KR" altLang="en-US"/>
                     </a:p>
                   </a:txBody>
-                  <a:tcPr marL="91440" marR="91440"/>
+                  <a:tcPr/>
                 </a:tc>
                 <a:tc>
                   <a:txBody>
-                    <a:bodyPr vert="horz" lIns="0" tIns="44450" rIns="0" bIns="0" anchor="t" anchorCtr="0"/>
+                    <a:bodyPr/>
+                    <a:lstStyle/>
                     <a:p>
                       <a:pPr marL="240029" indent="-172720">
                         <a:lnSpc>
@@ -20567,7 +20716,8 @@
                 </a:tc>
                 <a:tc>
                   <a:txBody>
-                    <a:bodyPr vert="horz" lIns="0" tIns="44450" rIns="0" bIns="0" anchor="t" anchorCtr="0"/>
+                    <a:bodyPr/>
+                    <a:lstStyle/>
                     <a:p>
                       <a:pPr marL="240029" indent="-172720">
                         <a:lnSpc>
@@ -20627,11 +20777,17 @@
                     </a:lnB>
                   </a:tcPr>
                 </a:tc>
+                <a:extLst>
+                  <a:ext uri="{0D108BD9-81ED-4DB2-BD59-A6C34878D82A}">
+                    <a16:rowId xmlns:a16="http://schemas.microsoft.com/office/drawing/2014/main" val="10010"/>
+                  </a:ext>
+                </a:extLst>
               </a:tr>
               <a:tr h="244558">
                 <a:tc rowSpan="3">
                   <a:txBody>
-                    <a:bodyPr vert="horz" lIns="0" tIns="59690" rIns="0" bIns="0" anchor="t" anchorCtr="0"/>
+                    <a:bodyPr/>
+                    <a:lstStyle/>
                     <a:p>
                       <a:pPr marL="67945">
                         <a:lnSpc>
@@ -20677,10 +20833,6 @@
                         </a:rPr>
                         <a:t>1</a:t>
                       </a:r>
-                      <a:endParaRPr sz="1200" b="1">
-                        <a:latin typeface="맑은 고딕"/>
-                        <a:cs typeface="맑은 고딕"/>
-                      </a:endParaRPr>
                     </a:p>
                   </a:txBody>
                   <a:tcPr marL="0" marR="0" marT="59690" marB="0">
@@ -20717,7 +20869,8 @@
                 </a:tc>
                 <a:tc>
                   <a:txBody>
-                    <a:bodyPr vert="horz" lIns="0" tIns="44450" rIns="0" bIns="0" anchor="t" anchorCtr="0"/>
+                    <a:bodyPr/>
+                    <a:lstStyle/>
                     <a:p>
                       <a:pPr marL="67309" indent="0">
                         <a:lnSpc>
@@ -20795,10 +20948,6 @@
                         </a:rPr>
                         <a:t>.</a:t>
                       </a:r>
-                      <a:endParaRPr lang="en-US" altLang="ko-KR" sz="1200">
-                        <a:latin typeface="맑은 고딕"/>
-                        <a:cs typeface="맑은 고딕"/>
-                      </a:endParaRPr>
                     </a:p>
                   </a:txBody>
                   <a:tcPr marL="0" marR="0" marT="44450" marB="0">
@@ -20836,7 +20985,8 @@
                 </a:tc>
                 <a:tc>
                   <a:txBody>
-                    <a:bodyPr vert="horz" lIns="0" tIns="71120" rIns="0" bIns="0" anchor="t" anchorCtr="0"/>
+                    <a:bodyPr/>
+                    <a:lstStyle/>
                     <a:p>
                       <a:pPr marL="176530" marR="1360170" indent="-107950">
                         <a:lnSpc>
@@ -20896,10 +21046,6 @@
                         </a:rPr>
                         <a:t>.</a:t>
                       </a:r>
-                      <a:endParaRPr lang="en-US" altLang="ko-KR" sz="1200">
-                        <a:latin typeface="맑은 고딕"/>
-                        <a:cs typeface="맑은 고딕"/>
-                      </a:endParaRPr>
                     </a:p>
                   </a:txBody>
                   <a:tcPr marL="0" marR="0" marT="71120" marB="0">
@@ -20938,11 +21084,17 @@
                     </a:lnB>
                   </a:tcPr>
                 </a:tc>
+                <a:extLst>
+                  <a:ext uri="{0D108BD9-81ED-4DB2-BD59-A6C34878D82A}">
+                    <a16:rowId xmlns:a16="http://schemas.microsoft.com/office/drawing/2014/main" val="10011"/>
+                  </a:ext>
+                </a:extLst>
               </a:tr>
               <a:tr h="244558">
                 <a:tc vMerge="1">
                   <a:txBody>
                     <a:bodyPr/>
+                    <a:lstStyle/>
                     <a:p>
                       <a:pPr latinLnBrk="1">
                         <a:defRPr/>
@@ -20950,11 +21102,12 @@
                       <a:endParaRPr lang="ko-KR" altLang="en-US"/>
                     </a:p>
                   </a:txBody>
-                  <a:tcPr marL="91440" marR="91440"/>
+                  <a:tcPr/>
                 </a:tc>
                 <a:tc>
                   <a:txBody>
-                    <a:bodyPr vert="horz" lIns="0" tIns="71120" rIns="0" bIns="0" anchor="t" anchorCtr="0"/>
+                    <a:bodyPr/>
+                    <a:lstStyle/>
                     <a:p>
                       <a:pPr marL="176530" marR="1360170" indent="-107950">
                         <a:lnSpc>
@@ -20993,10 +21146,6 @@
                         </a:rPr>
                         <a:t>이상의 속도로 움직이는 경우</a:t>
                       </a:r>
-                      <a:endParaRPr lang="ko-KR" altLang="en-US" sz="1200">
-                        <a:latin typeface="맑은 고딕"/>
-                        <a:cs typeface="맑은 고딕"/>
-                      </a:endParaRPr>
                     </a:p>
                   </a:txBody>
                   <a:tcPr marL="0" marR="0" marT="71120" marB="0">
@@ -21040,7 +21189,8 @@
                 </a:tc>
                 <a:tc>
                   <a:txBody>
-                    <a:bodyPr vert="horz" lIns="0" tIns="71120" rIns="0" bIns="0" anchor="t" anchorCtr="0"/>
+                    <a:bodyPr/>
+                    <a:lstStyle/>
                     <a:p>
                       <a:pPr marL="176530" marR="1360170" indent="-107950">
                         <a:lnSpc>
@@ -21100,10 +21250,6 @@
                         </a:rPr>
                         <a:t>.</a:t>
                       </a:r>
-                      <a:endParaRPr lang="en-US" altLang="ko-KR" sz="1200">
-                        <a:latin typeface="맑은 고딕"/>
-                        <a:cs typeface="맑은 고딕"/>
-                      </a:endParaRPr>
                     </a:p>
                   </a:txBody>
                   <a:tcPr marL="0" marR="0" marT="71120" marB="0">
@@ -21145,11 +21291,17 @@
                     </a:lnB>
                   </a:tcPr>
                 </a:tc>
+                <a:extLst>
+                  <a:ext uri="{0D108BD9-81ED-4DB2-BD59-A6C34878D82A}">
+                    <a16:rowId xmlns:a16="http://schemas.microsoft.com/office/drawing/2014/main" val="10012"/>
+                  </a:ext>
+                </a:extLst>
               </a:tr>
               <a:tr h="244558">
                 <a:tc vMerge="1">
                   <a:txBody>
                     <a:bodyPr/>
+                    <a:lstStyle/>
                     <a:p>
                       <a:pPr latinLnBrk="1">
                         <a:defRPr/>
@@ -21157,11 +21309,12 @@
                       <a:endParaRPr lang="ko-KR" altLang="en-US"/>
                     </a:p>
                   </a:txBody>
-                  <a:tcPr marL="91440" marR="91440"/>
+                  <a:tcPr/>
                 </a:tc>
                 <a:tc>
                   <a:txBody>
-                    <a:bodyPr vert="horz" lIns="0" tIns="71120" rIns="0" bIns="0" anchor="t" anchorCtr="0"/>
+                    <a:bodyPr/>
+                    <a:lstStyle/>
                     <a:p>
                       <a:pPr marL="176530" marR="1360170" indent="-107950">
                         <a:lnSpc>
@@ -21216,7 +21369,8 @@
                 </a:tc>
                 <a:tc>
                   <a:txBody>
-                    <a:bodyPr vert="horz" lIns="0" tIns="71120" rIns="0" bIns="0" anchor="t" anchorCtr="0"/>
+                    <a:bodyPr/>
+                    <a:lstStyle/>
                     <a:p>
                       <a:pPr marL="176530" marR="1360170" indent="-107950">
                         <a:lnSpc>
@@ -21272,11 +21426,17 @@
                     </a:lnB>
                   </a:tcPr>
                 </a:tc>
+                <a:extLst>
+                  <a:ext uri="{0D108BD9-81ED-4DB2-BD59-A6C34878D82A}">
+                    <a16:rowId xmlns:a16="http://schemas.microsoft.com/office/drawing/2014/main" val="10013"/>
+                  </a:ext>
+                </a:extLst>
               </a:tr>
               <a:tr h="233329">
                 <a:tc rowSpan="4">
                   <a:txBody>
-                    <a:bodyPr vert="horz" lIns="0" tIns="59690" rIns="0" bIns="0" anchor="t" anchorCtr="0"/>
+                    <a:bodyPr/>
+                    <a:lstStyle/>
                     <a:p>
                       <a:pPr marL="67945">
                         <a:lnSpc>
@@ -21354,7 +21514,8 @@
                 </a:tc>
                 <a:tc>
                   <a:txBody>
-                    <a:bodyPr vert="horz" lIns="0" tIns="59690" rIns="0" bIns="0" anchor="t" anchorCtr="0"/>
+                    <a:bodyPr/>
+                    <a:lstStyle/>
                     <a:p>
                       <a:pPr marL="67945" indent="0">
                         <a:lnSpc>
@@ -21380,10 +21541,6 @@
                         </a:rPr>
                         <a:t> 속도 센서가 고장난 경우</a:t>
                       </a:r>
-                      <a:endParaRPr lang="ko-KR" altLang="en-US" sz="1200">
-                        <a:latin typeface="맑은 고딕"/>
-                        <a:cs typeface="맑은 고딕"/>
-                      </a:endParaRPr>
                     </a:p>
                   </a:txBody>
                   <a:tcPr marL="0" marR="0" marT="59690" marB="0">
@@ -21427,7 +21584,8 @@
                 </a:tc>
                 <a:tc>
                   <a:txBody>
-                    <a:bodyPr vert="horz" lIns="0" tIns="59690" rIns="0" bIns="0" anchor="t" anchorCtr="0"/>
+                    <a:bodyPr/>
+                    <a:lstStyle/>
                     <a:p>
                       <a:pPr marL="67945" indent="0">
                         <a:lnSpc>
@@ -21453,10 +21611,6 @@
                         </a:rPr>
                         <a:t> 센서 데이터를 잘못 전달받은 경우</a:t>
                       </a:r>
-                      <a:endParaRPr lang="ko-KR" altLang="en-US" sz="1200">
-                        <a:latin typeface="맑은 고딕"/>
-                        <a:cs typeface="맑은 고딕"/>
-                      </a:endParaRPr>
                     </a:p>
                   </a:txBody>
                   <a:tcPr marL="0" marR="0" marT="59690" marB="0">
@@ -21495,11 +21649,17 @@
                     </a:lnB>
                   </a:tcPr>
                 </a:tc>
+                <a:extLst>
+                  <a:ext uri="{0D108BD9-81ED-4DB2-BD59-A6C34878D82A}">
+                    <a16:rowId xmlns:a16="http://schemas.microsoft.com/office/drawing/2014/main" val="10014"/>
+                  </a:ext>
+                </a:extLst>
               </a:tr>
               <a:tr h="233329">
                 <a:tc vMerge="1">
                   <a:txBody>
                     <a:bodyPr/>
+                    <a:lstStyle/>
                     <a:p>
                       <a:pPr latinLnBrk="1">
                         <a:defRPr/>
@@ -21507,11 +21667,12 @@
                       <a:endParaRPr lang="ko-KR" altLang="en-US"/>
                     </a:p>
                   </a:txBody>
-                  <a:tcPr marL="91440" marR="91440"/>
+                  <a:tcPr/>
                 </a:tc>
                 <a:tc>
                   <a:txBody>
-                    <a:bodyPr vert="horz" lIns="0" tIns="59690" rIns="0" bIns="0" anchor="t" anchorCtr="0"/>
+                    <a:bodyPr/>
+                    <a:lstStyle/>
                     <a:p>
                       <a:pPr marL="296545" indent="-228600">
                         <a:lnSpc>
@@ -21570,7 +21731,8 @@
                 </a:tc>
                 <a:tc>
                   <a:txBody>
-                    <a:bodyPr vert="horz" lIns="0" tIns="59690" rIns="0" bIns="0" anchor="t" anchorCtr="0"/>
+                    <a:bodyPr/>
+                    <a:lstStyle/>
                     <a:p>
                       <a:pPr marL="67945" indent="0">
                         <a:lnSpc>
@@ -21627,11 +21789,17 @@
                     </a:lnB>
                   </a:tcPr>
                 </a:tc>
+                <a:extLst>
+                  <a:ext uri="{0D108BD9-81ED-4DB2-BD59-A6C34878D82A}">
+                    <a16:rowId xmlns:a16="http://schemas.microsoft.com/office/drawing/2014/main" val="10015"/>
+                  </a:ext>
+                </a:extLst>
               </a:tr>
               <a:tr h="233329">
                 <a:tc vMerge="1">
                   <a:txBody>
                     <a:bodyPr/>
+                    <a:lstStyle/>
                     <a:p>
                       <a:pPr latinLnBrk="1">
                         <a:defRPr/>
@@ -21639,11 +21807,12 @@
                       <a:endParaRPr lang="ko-KR" altLang="en-US"/>
                     </a:p>
                   </a:txBody>
-                  <a:tcPr marL="91440" marR="91440"/>
+                  <a:tcPr/>
                 </a:tc>
                 <a:tc>
                   <a:txBody>
-                    <a:bodyPr vert="horz" lIns="0" tIns="59690" rIns="0" bIns="0" anchor="t" anchorCtr="0"/>
+                    <a:bodyPr/>
+                    <a:lstStyle/>
                     <a:p>
                       <a:pPr marL="296545" indent="-228600">
                         <a:lnSpc>
@@ -21702,7 +21871,8 @@
                 </a:tc>
                 <a:tc>
                   <a:txBody>
-                    <a:bodyPr vert="horz" lIns="0" tIns="59690" rIns="0" bIns="0" anchor="t" anchorCtr="0"/>
+                    <a:bodyPr/>
+                    <a:lstStyle/>
                     <a:p>
                       <a:pPr marL="67945" indent="0">
                         <a:lnSpc>
@@ -21759,11 +21929,17 @@
                     </a:lnB>
                   </a:tcPr>
                 </a:tc>
+                <a:extLst>
+                  <a:ext uri="{0D108BD9-81ED-4DB2-BD59-A6C34878D82A}">
+                    <a16:rowId xmlns:a16="http://schemas.microsoft.com/office/drawing/2014/main" val="10016"/>
+                  </a:ext>
+                </a:extLst>
               </a:tr>
               <a:tr h="233329">
                 <a:tc vMerge="1">
                   <a:txBody>
                     <a:bodyPr/>
+                    <a:lstStyle/>
                     <a:p>
                       <a:pPr latinLnBrk="1">
                         <a:defRPr/>
@@ -21771,11 +21947,12 @@
                       <a:endParaRPr lang="ko-KR" altLang="en-US"/>
                     </a:p>
                   </a:txBody>
-                  <a:tcPr marL="91440" marR="91440"/>
+                  <a:tcPr/>
                 </a:tc>
                 <a:tc>
                   <a:txBody>
-                    <a:bodyPr vert="horz" lIns="0" tIns="59690" rIns="0" bIns="0" anchor="t" anchorCtr="0"/>
+                    <a:bodyPr/>
+                    <a:lstStyle/>
                     <a:p>
                       <a:pPr marL="296545" indent="-228600">
                         <a:lnSpc>
@@ -21834,7 +22011,8 @@
                 </a:tc>
                 <a:tc>
                   <a:txBody>
-                    <a:bodyPr vert="horz" lIns="0" tIns="59690" rIns="0" bIns="0" anchor="t" anchorCtr="0"/>
+                    <a:bodyPr/>
+                    <a:lstStyle/>
                     <a:p>
                       <a:pPr marL="67945" indent="0">
                         <a:lnSpc>
@@ -21891,6 +22069,11 @@
                     </a:lnB>
                   </a:tcPr>
                 </a:tc>
+                <a:extLst>
+                  <a:ext uri="{0D108BD9-81ED-4DB2-BD59-A6C34878D82A}">
+                    <a16:rowId xmlns:a16="http://schemas.microsoft.com/office/drawing/2014/main" val="10017"/>
+                  </a:ext>
+                </a:extLst>
               </a:tr>
             </a:tbl>
           </a:graphicData>
@@ -21901,11 +22084,11 @@
   <p:clrMapOvr>
     <a:masterClrMapping/>
   </p:clrMapOvr>
-  <mc:AlternateContent xmlns:mc="http://schemas.openxmlformats.org/markup-compatibility/2006">
-    <mc:Choice xmlns:p14="http://schemas.microsoft.com/office/powerpoint/2010/main" Requires="p14">
-      <p:transition xmlns:mc="http://schemas.openxmlformats.org/markup-compatibility/2006" xmlns:p14="http://schemas.microsoft.com/office/powerpoint/2010/main" mc:Ignorable="p14" p14:dur="500"/>
+  <mc:AlternateContent xmlns:mc="http://schemas.openxmlformats.org/markup-compatibility/2006" xmlns:p14="http://schemas.microsoft.com/office/powerpoint/2010/main">
+    <mc:Choice Requires="p14">
+      <p:transition/>
     </mc:Choice>
-    <mc:Fallback>
+    <mc:Fallback xmlns:dsp="http://schemas.microsoft.com/office/drawing/2008/diagram" xmlns:dgm="http://schemas.openxmlformats.org/drawingml/2006/diagram" xmlns:c="http://schemas.openxmlformats.org/drawingml/2006/chart" xmlns="">
       <p:transition/>
     </mc:Fallback>
   </mc:AlternateContent>
@@ -21913,6 +22096,423 @@
 </file>
 
 <file path=ppt/slides/slide7.xml><?xml version="1.0" encoding="utf-8"?>
+<p:sld xmlns:a="http://schemas.openxmlformats.org/drawingml/2006/main" xmlns:r="http://schemas.openxmlformats.org/officeDocument/2006/relationships" xmlns:p="http://schemas.openxmlformats.org/presentationml/2006/main">
+  <p:cSld>
+    <p:spTree>
+      <p:nvGrpSpPr>
+        <p:cNvPr id="1" name=""/>
+        <p:cNvGrpSpPr/>
+        <p:nvPr/>
+      </p:nvGrpSpPr>
+      <p:grpSpPr>
+        <a:xfrm>
+          <a:off x="0" y="0"/>
+          <a:ext cx="0" cy="0"/>
+          <a:chOff x="0" y="0"/>
+          <a:chExt cx="0" cy="0"/>
+        </a:xfrm>
+      </p:grpSpPr>
+      <p:sp>
+        <p:nvSpPr>
+          <p:cNvPr id="2" name="제목 1">
+            <a:extLst>
+              <a:ext uri="{FF2B5EF4-FFF2-40B4-BE49-F238E27FC236}">
+                <a16:creationId xmlns:a16="http://schemas.microsoft.com/office/drawing/2014/main" id="{E4716E7D-9EE0-524C-EE2D-2E976E251827}"/>
+              </a:ext>
+            </a:extLst>
+          </p:cNvPr>
+          <p:cNvSpPr>
+            <a:spLocks noGrp="1"/>
+          </p:cNvSpPr>
+          <p:nvPr>
+            <p:ph type="title"/>
+          </p:nvPr>
+        </p:nvSpPr>
+        <p:spPr/>
+        <p:txBody>
+          <a:bodyPr/>
+          <a:lstStyle/>
+          <a:p>
+            <a:r>
+              <a:rPr lang="en-US" altLang="ko-KR" dirty="0"/>
+              <a:t>5. Sequence Diagram </a:t>
+            </a:r>
+            <a:r>
+              <a:rPr lang="ko-KR" altLang="en-US" dirty="0"/>
+              <a:t>실습</a:t>
+            </a:r>
+          </a:p>
+        </p:txBody>
+      </p:sp>
+      <p:sp>
+        <p:nvSpPr>
+          <p:cNvPr id="4" name="직사각형 3">
+            <a:extLst>
+              <a:ext uri="{FF2B5EF4-FFF2-40B4-BE49-F238E27FC236}">
+                <a16:creationId xmlns:a16="http://schemas.microsoft.com/office/drawing/2014/main" id="{113DB473-7B5D-4942-88EE-1376BECA3425}"/>
+              </a:ext>
+            </a:extLst>
+          </p:cNvPr>
+          <p:cNvSpPr/>
+          <p:nvPr/>
+        </p:nvSpPr>
+        <p:spPr>
+          <a:xfrm>
+            <a:off x="431801" y="1803396"/>
+            <a:ext cx="2065866" cy="548147"/>
+          </a:xfrm>
+          <a:prstGeom prst="rect">
+            <a:avLst/>
+          </a:prstGeom>
+          <a:ln/>
+        </p:spPr>
+        <p:style>
+          <a:lnRef idx="2">
+            <a:schemeClr val="accent4">
+              <a:shade val="15000"/>
+            </a:schemeClr>
+          </a:lnRef>
+          <a:fillRef idx="1">
+            <a:schemeClr val="accent4"/>
+          </a:fillRef>
+          <a:effectRef idx="0">
+            <a:schemeClr val="accent4"/>
+          </a:effectRef>
+          <a:fontRef idx="minor">
+            <a:schemeClr val="lt1"/>
+          </a:fontRef>
+        </p:style>
+        <p:txBody>
+          <a:bodyPr rtlCol="0" anchor="ctr"/>
+          <a:lstStyle/>
+          <a:p>
+            <a:pPr algn="ctr"/>
+            <a:r>
+              <a:rPr lang="en-US" altLang="ko-KR" sz="1200" b="1" dirty="0">
+                <a:solidFill>
+                  <a:schemeClr val="bg1"/>
+                </a:solidFill>
+                <a:latin typeface="프리젠테이션 7 Bold"/>
+                <a:ea typeface="프리젠테이션 7 Bold"/>
+              </a:rPr>
+              <a:t>&lt;&lt;boundary&gt;&gt;</a:t>
+            </a:r>
+          </a:p>
+          <a:p>
+            <a:pPr algn="ctr"/>
+            <a:r>
+              <a:rPr lang="en-US" altLang="ko-KR" sz="1200" b="1" dirty="0">
+                <a:solidFill>
+                  <a:schemeClr val="bg1"/>
+                </a:solidFill>
+                <a:latin typeface="프리젠테이션 7 Bold"/>
+                <a:ea typeface="프리젠테이션 7 Bold"/>
+              </a:rPr>
+              <a:t>Data Provider Interface</a:t>
+            </a:r>
+          </a:p>
+        </p:txBody>
+      </p:sp>
+      <p:sp>
+        <p:nvSpPr>
+          <p:cNvPr id="7" name="직사각형 6">
+            <a:extLst>
+              <a:ext uri="{FF2B5EF4-FFF2-40B4-BE49-F238E27FC236}">
+                <a16:creationId xmlns:a16="http://schemas.microsoft.com/office/drawing/2014/main" id="{B25D556D-7CC5-6D28-3CAA-384FB0EBF4F1}"/>
+              </a:ext>
+            </a:extLst>
+          </p:cNvPr>
+          <p:cNvSpPr/>
+          <p:nvPr/>
+        </p:nvSpPr>
+        <p:spPr>
+          <a:xfrm>
+            <a:off x="2747433" y="1803395"/>
+            <a:ext cx="2065866" cy="548147"/>
+          </a:xfrm>
+          <a:prstGeom prst="rect">
+            <a:avLst/>
+          </a:prstGeom>
+          <a:ln/>
+        </p:spPr>
+        <p:style>
+          <a:lnRef idx="2">
+            <a:schemeClr val="accent4">
+              <a:shade val="15000"/>
+            </a:schemeClr>
+          </a:lnRef>
+          <a:fillRef idx="1">
+            <a:schemeClr val="accent4"/>
+          </a:fillRef>
+          <a:effectRef idx="0">
+            <a:schemeClr val="accent4"/>
+          </a:effectRef>
+          <a:fontRef idx="minor">
+            <a:schemeClr val="lt1"/>
+          </a:fontRef>
+        </p:style>
+        <p:txBody>
+          <a:bodyPr rtlCol="0" anchor="ctr"/>
+          <a:lstStyle/>
+          <a:p>
+            <a:pPr algn="ctr"/>
+            <a:r>
+              <a:rPr lang="en-US" altLang="ko-KR" sz="1200" b="1" dirty="0">
+                <a:solidFill>
+                  <a:schemeClr val="bg1"/>
+                </a:solidFill>
+                <a:latin typeface="프리젠테이션 7 Bold"/>
+                <a:ea typeface="프리젠테이션 7 Bold"/>
+              </a:rPr>
+              <a:t>&lt;&lt;entity&gt;&gt;</a:t>
+            </a:r>
+          </a:p>
+          <a:p>
+            <a:pPr algn="ctr"/>
+            <a:r>
+              <a:rPr lang="en-US" altLang="ko-KR" sz="1200" b="1" dirty="0">
+                <a:solidFill>
+                  <a:schemeClr val="bg1"/>
+                </a:solidFill>
+                <a:latin typeface="프리젠테이션 7 Bold"/>
+                <a:ea typeface="프리젠테이션 7 Bold"/>
+              </a:rPr>
+              <a:t>Velocity Sensor Data</a:t>
+            </a:r>
+          </a:p>
+        </p:txBody>
+      </p:sp>
+      <p:sp>
+        <p:nvSpPr>
+          <p:cNvPr id="8" name="직사각형 7">
+            <a:extLst>
+              <a:ext uri="{FF2B5EF4-FFF2-40B4-BE49-F238E27FC236}">
+                <a16:creationId xmlns:a16="http://schemas.microsoft.com/office/drawing/2014/main" id="{2C2966F1-F7EA-E671-A8F4-A3E11D8BE5A3}"/>
+              </a:ext>
+            </a:extLst>
+          </p:cNvPr>
+          <p:cNvSpPr/>
+          <p:nvPr/>
+        </p:nvSpPr>
+        <p:spPr>
+          <a:xfrm>
+            <a:off x="9694329" y="1803394"/>
+            <a:ext cx="2065866" cy="548147"/>
+          </a:xfrm>
+          <a:prstGeom prst="rect">
+            <a:avLst/>
+          </a:prstGeom>
+          <a:ln/>
+        </p:spPr>
+        <p:style>
+          <a:lnRef idx="2">
+            <a:schemeClr val="accent4">
+              <a:shade val="15000"/>
+            </a:schemeClr>
+          </a:lnRef>
+          <a:fillRef idx="1">
+            <a:schemeClr val="accent4"/>
+          </a:fillRef>
+          <a:effectRef idx="0">
+            <a:schemeClr val="accent4"/>
+          </a:effectRef>
+          <a:fontRef idx="minor">
+            <a:schemeClr val="lt1"/>
+          </a:fontRef>
+        </p:style>
+        <p:txBody>
+          <a:bodyPr rtlCol="0" anchor="ctr"/>
+          <a:lstStyle/>
+          <a:p>
+            <a:pPr algn="ctr"/>
+            <a:r>
+              <a:rPr lang="en-US" altLang="ko-KR" sz="1200" b="1" dirty="0">
+                <a:solidFill>
+                  <a:schemeClr val="bg1"/>
+                </a:solidFill>
+                <a:latin typeface="프리젠테이션 7 Bold"/>
+                <a:ea typeface="프리젠테이션 7 Bold"/>
+              </a:rPr>
+              <a:t>&lt;&lt;control&gt;&gt;</a:t>
+            </a:r>
+          </a:p>
+          <a:p>
+            <a:pPr algn="ctr"/>
+            <a:r>
+              <a:rPr lang="en-US" altLang="ko-KR" sz="1200" b="1" dirty="0">
+                <a:solidFill>
+                  <a:schemeClr val="bg1"/>
+                </a:solidFill>
+                <a:latin typeface="프리젠테이션 7 Bold"/>
+                <a:ea typeface="프리젠테이션 7 Bold"/>
+              </a:rPr>
+              <a:t>Child Lock Control </a:t>
+            </a:r>
+          </a:p>
+        </p:txBody>
+      </p:sp>
+      <p:sp>
+        <p:nvSpPr>
+          <p:cNvPr id="9" name="직사각형 8">
+            <a:extLst>
+              <a:ext uri="{FF2B5EF4-FFF2-40B4-BE49-F238E27FC236}">
+                <a16:creationId xmlns:a16="http://schemas.microsoft.com/office/drawing/2014/main" id="{A8072F53-9BAD-EC8F-995C-6A019490482E}"/>
+              </a:ext>
+            </a:extLst>
+          </p:cNvPr>
+          <p:cNvSpPr/>
+          <p:nvPr/>
+        </p:nvSpPr>
+        <p:spPr>
+          <a:xfrm>
+            <a:off x="5063065" y="1803395"/>
+            <a:ext cx="2065866" cy="548147"/>
+          </a:xfrm>
+          <a:prstGeom prst="rect">
+            <a:avLst/>
+          </a:prstGeom>
+          <a:ln/>
+        </p:spPr>
+        <p:style>
+          <a:lnRef idx="2">
+            <a:schemeClr val="accent4">
+              <a:shade val="15000"/>
+            </a:schemeClr>
+          </a:lnRef>
+          <a:fillRef idx="1">
+            <a:schemeClr val="accent4"/>
+          </a:fillRef>
+          <a:effectRef idx="0">
+            <a:schemeClr val="accent4"/>
+          </a:effectRef>
+          <a:fontRef idx="minor">
+            <a:schemeClr val="lt1"/>
+          </a:fontRef>
+        </p:style>
+        <p:txBody>
+          <a:bodyPr rtlCol="0" anchor="ctr"/>
+          <a:lstStyle/>
+          <a:p>
+            <a:pPr algn="ctr"/>
+            <a:r>
+              <a:rPr lang="en-US" altLang="ko-KR" sz="1200" b="1" dirty="0">
+                <a:solidFill>
+                  <a:schemeClr val="bg1"/>
+                </a:solidFill>
+                <a:latin typeface="프리젠테이션 7 Bold"/>
+                <a:ea typeface="프리젠테이션 7 Bold"/>
+              </a:rPr>
+              <a:t>&lt;&lt;entity&gt;&gt;</a:t>
+            </a:r>
+          </a:p>
+          <a:p>
+            <a:pPr algn="ctr"/>
+            <a:r>
+              <a:rPr lang="ko-KR" altLang="en-US" sz="1200" b="1" dirty="0">
+                <a:solidFill>
+                  <a:schemeClr val="bg1"/>
+                </a:solidFill>
+                <a:latin typeface="프리젠테이션 7 Bold"/>
+                <a:ea typeface="프리젠테이션 7 Bold"/>
+              </a:rPr>
+              <a:t>시동 </a:t>
+            </a:r>
+            <a:r>
+              <a:rPr lang="en-US" altLang="ko-KR" sz="1200" b="1" dirty="0">
+                <a:solidFill>
+                  <a:schemeClr val="bg1"/>
+                </a:solidFill>
+                <a:latin typeface="프리젠테이션 7 Bold"/>
+                <a:ea typeface="프리젠테이션 7 Bold"/>
+              </a:rPr>
+              <a:t>Status Data</a:t>
+            </a:r>
+          </a:p>
+        </p:txBody>
+      </p:sp>
+      <p:sp>
+        <p:nvSpPr>
+          <p:cNvPr id="11" name="직사각형 10">
+            <a:extLst>
+              <a:ext uri="{FF2B5EF4-FFF2-40B4-BE49-F238E27FC236}">
+                <a16:creationId xmlns:a16="http://schemas.microsoft.com/office/drawing/2014/main" id="{C289BDC9-2831-6E8C-03B8-8E21795BEB20}"/>
+              </a:ext>
+            </a:extLst>
+          </p:cNvPr>
+          <p:cNvSpPr/>
+          <p:nvPr/>
+        </p:nvSpPr>
+        <p:spPr>
+          <a:xfrm>
+            <a:off x="7378697" y="1803394"/>
+            <a:ext cx="2065866" cy="548147"/>
+          </a:xfrm>
+          <a:prstGeom prst="rect">
+            <a:avLst/>
+          </a:prstGeom>
+          <a:ln/>
+        </p:spPr>
+        <p:style>
+          <a:lnRef idx="2">
+            <a:schemeClr val="accent4">
+              <a:shade val="15000"/>
+            </a:schemeClr>
+          </a:lnRef>
+          <a:fillRef idx="1">
+            <a:schemeClr val="accent4"/>
+          </a:fillRef>
+          <a:effectRef idx="0">
+            <a:schemeClr val="accent4"/>
+          </a:effectRef>
+          <a:fontRef idx="minor">
+            <a:schemeClr val="lt1"/>
+          </a:fontRef>
+        </p:style>
+        <p:txBody>
+          <a:bodyPr rtlCol="0" anchor="ctr"/>
+          <a:lstStyle/>
+          <a:p>
+            <a:pPr algn="ctr"/>
+            <a:r>
+              <a:rPr lang="en-US" altLang="ko-KR" sz="1200" b="1" dirty="0">
+                <a:solidFill>
+                  <a:schemeClr val="bg1"/>
+                </a:solidFill>
+                <a:latin typeface="프리젠테이션 7 Bold"/>
+                <a:ea typeface="프리젠테이션 7 Bold"/>
+              </a:rPr>
+              <a:t>&lt;&lt;entity&gt;&gt;</a:t>
+            </a:r>
+          </a:p>
+          <a:p>
+            <a:pPr algn="ctr"/>
+            <a:r>
+              <a:rPr lang="en-US" altLang="ko-KR" sz="1200" b="1" dirty="0">
+                <a:solidFill>
+                  <a:schemeClr val="bg1"/>
+                </a:solidFill>
+                <a:latin typeface="프리젠테이션 7 Bold"/>
+                <a:ea typeface="프리젠테이션 7 Bold"/>
+              </a:rPr>
+              <a:t>Feature</a:t>
+            </a:r>
+          </a:p>
+        </p:txBody>
+      </p:sp>
+    </p:spTree>
+    <p:extLst>
+      <p:ext uri="{BB962C8B-B14F-4D97-AF65-F5344CB8AC3E}">
+        <p14:creationId xmlns:p14="http://schemas.microsoft.com/office/powerpoint/2010/main" val="4097288605"/>
+      </p:ext>
+    </p:extLst>
+  </p:cSld>
+  <p:clrMapOvr>
+    <a:masterClrMapping/>
+  </p:clrMapOvr>
+</p:sld>
+</file>
+
+<file path=ppt/slides/slide8.xml><?xml version="1.0" encoding="utf-8"?>
 <p:sld xmlns:a="http://schemas.openxmlformats.org/drawingml/2006/main" xmlns:r="http://schemas.openxmlformats.org/officeDocument/2006/relationships" xmlns:p="http://schemas.openxmlformats.org/presentationml/2006/main">
   <p:cSld>
     <p:spTree>
@@ -22598,7 +23198,7 @@
 </p:sld>
 </file>
 
-<file path=ppt/slides/slide8.xml><?xml version="1.0" encoding="utf-8"?>
+<file path=ppt/slides/slide9.xml><?xml version="1.0" encoding="utf-8"?>
 <p:sld xmlns:a="http://schemas.openxmlformats.org/drawingml/2006/main" xmlns:r="http://schemas.openxmlformats.org/officeDocument/2006/relationships" xmlns:p="http://schemas.openxmlformats.org/presentationml/2006/main">
   <p:cSld>
     <p:spTree>
@@ -22685,132 +23285,45 @@
 </p:sld>
 </file>
 
-<file path=ppt/slides/slide9.xml><?xml version="1.0" encoding="utf-8"?>
-<p:sld xmlns:a="http://schemas.openxmlformats.org/drawingml/2006/main" xmlns:r="http://schemas.openxmlformats.org/officeDocument/2006/relationships" xmlns:p="http://schemas.openxmlformats.org/presentationml/2006/main">
-  <p:cSld>
-    <p:spTree>
-      <p:nvGrpSpPr>
-        <p:cNvPr id="1" name=""/>
-        <p:cNvGrpSpPr/>
-        <p:nvPr/>
-      </p:nvGrpSpPr>
-      <p:grpSpPr>
-        <a:xfrm>
-          <a:off x="0" y="0"/>
-          <a:ext cx="0" cy="0"/>
-          <a:chOff x="0" y="0"/>
-          <a:chExt cx="0" cy="0"/>
-        </a:xfrm>
-      </p:grpSpPr>
-      <p:sp>
-        <p:nvSpPr>
-          <p:cNvPr id="2" name="제목 1">
-            <a:extLst>
-              <a:ext uri="{FF2B5EF4-FFF2-40B4-BE49-F238E27FC236}">
-                <a16:creationId xmlns:a16="http://schemas.microsoft.com/office/drawing/2014/main" id="{8415BE52-74A9-6CE6-241C-41221B52733B}"/>
-              </a:ext>
-            </a:extLst>
-          </p:cNvPr>
-          <p:cNvSpPr>
-            <a:spLocks noGrp="1"/>
-          </p:cNvSpPr>
-          <p:nvPr>
-            <p:ph type="title"/>
-          </p:nvPr>
-        </p:nvSpPr>
-        <p:spPr/>
-        <p:txBody>
-          <a:bodyPr/>
-          <a:lstStyle/>
-          <a:p>
-            <a:r>
-              <a:rPr lang="en-US" altLang="ko-KR" dirty="0"/>
-              <a:t>7. </a:t>
-            </a:r>
-            <a:r>
-              <a:rPr lang="ko-KR" altLang="en-US" dirty="0"/>
-              <a:t>요구사항 검토 결과</a:t>
-            </a:r>
-          </a:p>
-        </p:txBody>
-      </p:sp>
-      <p:sp>
-        <p:nvSpPr>
-          <p:cNvPr id="3" name="텍스트 개체 틀 2">
-            <a:extLst>
-              <a:ext uri="{FF2B5EF4-FFF2-40B4-BE49-F238E27FC236}">
-                <a16:creationId xmlns:a16="http://schemas.microsoft.com/office/drawing/2014/main" id="{DA30BADA-989E-6918-B592-3555A2D1C1A3}"/>
-              </a:ext>
-            </a:extLst>
-          </p:cNvPr>
-          <p:cNvSpPr>
-            <a:spLocks noGrp="1"/>
-          </p:cNvSpPr>
-          <p:nvPr>
-            <p:ph type="body" sz="quarter" idx="10"/>
-          </p:nvPr>
-        </p:nvSpPr>
-        <p:spPr/>
-        <p:txBody>
-          <a:bodyPr/>
-          <a:lstStyle/>
-          <a:p>
-            <a:endParaRPr lang="ko-KR" altLang="en-US"/>
-          </a:p>
-        </p:txBody>
-      </p:sp>
-    </p:spTree>
-    <p:extLst>
-      <p:ext uri="{BB962C8B-B14F-4D97-AF65-F5344CB8AC3E}">
-        <p14:creationId xmlns:p14="http://schemas.microsoft.com/office/powerpoint/2010/main" val="2126507577"/>
-      </p:ext>
-    </p:extLst>
-  </p:cSld>
-  <p:clrMapOvr>
-    <a:masterClrMapping/>
-  </p:clrMapOvr>
-</p:sld>
-</file>
-
 <file path=ppt/theme/theme1.xml><?xml version="1.0" encoding="utf-8"?>
-<a:theme xmlns:r="http://schemas.openxmlformats.org/officeDocument/2006/relationships" xmlns:c="http://schemas.openxmlformats.org/drawingml/2006/chart" xmlns:dgm="http://schemas.openxmlformats.org/drawingml/2006/diagram" xmlns:dsp="http://schemas.microsoft.com/office/drawing/2008/diagram" xmlns:a="http://schemas.openxmlformats.org/drawingml/2006/main" xmlns:pic="http://schemas.openxmlformats.org/drawingml/2006/picture" xmlns:wp="http://schemas.openxmlformats.org/drawingml/2006/wordprocessingDrawing" xmlns:xdr="http://schemas.openxmlformats.org/drawingml/2006/spreadsheetDrawing" xmlns:lc="http://schemas.openxmlformats.org/drawingml/2006/lockedCanvas" xmlns:p="http://schemas.openxmlformats.org/presentationml/2006/main" name="1_Office 테마">
+<a:theme xmlns:a="http://schemas.openxmlformats.org/drawingml/2006/main" name="1_Office 테마">
   <a:themeElements>
     <a:clrScheme name="Office 2013 - 2022">
       <a:dk1>
         <a:sysClr val="windowText" lastClr="000000"/>
       </a:dk1>
       <a:lt1>
-        <a:sysClr val="window" lastClr="ffffff"/>
+        <a:sysClr val="window" lastClr="FFFFFF"/>
       </a:lt1>
       <a:dk2>
-        <a:srgbClr val="44546a"/>
+        <a:srgbClr val="44546A"/>
       </a:dk2>
       <a:lt2>
-        <a:srgbClr val="e7e6e6"/>
+        <a:srgbClr val="E7E6E6"/>
       </a:lt2>
       <a:accent1>
-        <a:srgbClr val="4472c4"/>
+        <a:srgbClr val="4472C4"/>
       </a:accent1>
       <a:accent2>
-        <a:srgbClr val="ed7d31"/>
+        <a:srgbClr val="ED7D31"/>
       </a:accent2>
       <a:accent3>
-        <a:srgbClr val="a5a5a5"/>
+        <a:srgbClr val="A5A5A5"/>
       </a:accent3>
       <a:accent4>
-        <a:srgbClr val="ffc000"/>
+        <a:srgbClr val="FFC000"/>
       </a:accent4>
       <a:accent5>
-        <a:srgbClr val="5b9bd5"/>
+        <a:srgbClr val="5B9BD5"/>
       </a:accent5>
       <a:accent6>
-        <a:srgbClr val="70ad47"/>
+        <a:srgbClr val="70AD47"/>
       </a:accent6>
       <a:hlink>
-        <a:srgbClr val="0563c1"/>
+        <a:srgbClr val="0563C1"/>
       </a:hlink>
       <a:folHlink>
-        <a:srgbClr val="954f72"/>
+        <a:srgbClr val="954F72"/>
       </a:folHlink>
     </a:clrScheme>
     <a:fontScheme name="사용자 지정 2">
@@ -22967,7 +23480,7 @@
     <a:spDef>
       <a:spPr>
         <a:solidFill>
-          <a:srgbClr val="356dde"/>
+          <a:srgbClr val="356DDE"/>
         </a:solidFill>
         <a:ln w="12700">
           <a:noFill/>
@@ -23045,48 +23558,49 @@
       </a:lstStyle>
     </a:txDef>
   </a:objectDefaults>
+  <a:extraClrSchemeLst/>
 </a:theme>
 </file>
 
 <file path=ppt/theme/theme2.xml><?xml version="1.0" encoding="utf-8"?>
-<a:theme xmlns:r="http://schemas.openxmlformats.org/officeDocument/2006/relationships" xmlns:c="http://schemas.openxmlformats.org/drawingml/2006/chart" xmlns:dgm="http://schemas.openxmlformats.org/drawingml/2006/diagram" xmlns:dsp="http://schemas.microsoft.com/office/drawing/2008/diagram" xmlns:a="http://schemas.openxmlformats.org/drawingml/2006/main" xmlns:pic="http://schemas.openxmlformats.org/drawingml/2006/picture" xmlns:wp="http://schemas.openxmlformats.org/drawingml/2006/wordprocessingDrawing" xmlns:xdr="http://schemas.openxmlformats.org/drawingml/2006/spreadsheetDrawing" xmlns:lc="http://schemas.openxmlformats.org/drawingml/2006/lockedCanvas" xmlns:p="http://schemas.openxmlformats.org/presentationml/2006/main" name="Office 테마">
+<a:theme xmlns:a="http://schemas.openxmlformats.org/drawingml/2006/main" name="Office 테마">
   <a:themeElements>
     <a:clrScheme name="Office">
       <a:dk1>
         <a:sysClr val="windowText" lastClr="000000"/>
       </a:dk1>
       <a:lt1>
-        <a:sysClr val="window" lastClr="ffffff"/>
+        <a:sysClr val="window" lastClr="FFFFFF"/>
       </a:lt1>
       <a:dk2>
-        <a:srgbClr val="44546a"/>
+        <a:srgbClr val="44546A"/>
       </a:dk2>
       <a:lt2>
-        <a:srgbClr val="e7e6e6"/>
+        <a:srgbClr val="E7E6E6"/>
       </a:lt2>
       <a:accent1>
-        <a:srgbClr val="5b9bd5"/>
+        <a:srgbClr val="5B9BD5"/>
       </a:accent1>
       <a:accent2>
-        <a:srgbClr val="ed7d31"/>
+        <a:srgbClr val="ED7D31"/>
       </a:accent2>
       <a:accent3>
-        <a:srgbClr val="a5a5a5"/>
+        <a:srgbClr val="A5A5A5"/>
       </a:accent3>
       <a:accent4>
-        <a:srgbClr val="ffc000"/>
+        <a:srgbClr val="FFC000"/>
       </a:accent4>
       <a:accent5>
-        <a:srgbClr val="4472c4"/>
+        <a:srgbClr val="4472C4"/>
       </a:accent5>
       <a:accent6>
-        <a:srgbClr val="70ad47"/>
+        <a:srgbClr val="70AD47"/>
       </a:accent6>
       <a:hlink>
-        <a:srgbClr val="0563c1"/>
+        <a:srgbClr val="0563C1"/>
       </a:hlink>
       <a:folHlink>
-        <a:srgbClr val="954f72"/>
+        <a:srgbClr val="954F72"/>
       </a:folHlink>
     </a:clrScheme>
     <a:fontScheme name="Office">
@@ -23299,48 +23813,50 @@
       </a:bgFillStyleLst>
     </a:fmtScheme>
   </a:themeElements>
+  <a:objectDefaults/>
+  <a:extraClrSchemeLst/>
 </a:theme>
 </file>
 
 <file path=ppt/theme/theme3.xml><?xml version="1.0" encoding="utf-8"?>
-<a:theme xmlns:r="http://schemas.openxmlformats.org/officeDocument/2006/relationships" xmlns:c="http://schemas.openxmlformats.org/drawingml/2006/chart" xmlns:dgm="http://schemas.openxmlformats.org/drawingml/2006/diagram" xmlns:dsp="http://schemas.microsoft.com/office/drawing/2008/diagram" xmlns:a="http://schemas.openxmlformats.org/drawingml/2006/main" xmlns:pic="http://schemas.openxmlformats.org/drawingml/2006/picture" xmlns:wp="http://schemas.openxmlformats.org/drawingml/2006/wordprocessingDrawing" xmlns:xdr="http://schemas.openxmlformats.org/drawingml/2006/spreadsheetDrawing" xmlns:lc="http://schemas.openxmlformats.org/drawingml/2006/lockedCanvas" xmlns:p="http://schemas.openxmlformats.org/presentationml/2006/main" name="Office 테마">
+<a:theme xmlns:a="http://schemas.openxmlformats.org/drawingml/2006/main" name="Office 테마">
   <a:themeElements>
     <a:clrScheme name="Office">
       <a:dk1>
         <a:sysClr val="windowText" lastClr="000000"/>
       </a:dk1>
       <a:lt1>
-        <a:sysClr val="window" lastClr="ffffff"/>
+        <a:sysClr val="window" lastClr="FFFFFF"/>
       </a:lt1>
       <a:dk2>
-        <a:srgbClr val="44546a"/>
+        <a:srgbClr val="44546A"/>
       </a:dk2>
       <a:lt2>
-        <a:srgbClr val="e7e6e6"/>
+        <a:srgbClr val="E7E6E6"/>
       </a:lt2>
       <a:accent1>
-        <a:srgbClr val="5b9bd5"/>
+        <a:srgbClr val="5B9BD5"/>
       </a:accent1>
       <a:accent2>
-        <a:srgbClr val="ed7d31"/>
+        <a:srgbClr val="ED7D31"/>
       </a:accent2>
       <a:accent3>
-        <a:srgbClr val="a5a5a5"/>
+        <a:srgbClr val="A5A5A5"/>
       </a:accent3>
       <a:accent4>
-        <a:srgbClr val="ffc000"/>
+        <a:srgbClr val="FFC000"/>
       </a:accent4>
       <a:accent5>
-        <a:srgbClr val="4472c4"/>
+        <a:srgbClr val="4472C4"/>
       </a:accent5>
       <a:accent6>
-        <a:srgbClr val="70ad47"/>
+        <a:srgbClr val="70AD47"/>
       </a:accent6>
       <a:hlink>
-        <a:srgbClr val="0563c1"/>
+        <a:srgbClr val="0563C1"/>
       </a:hlink>
       <a:folHlink>
-        <a:srgbClr val="954f72"/>
+        <a:srgbClr val="954F72"/>
       </a:folHlink>
     </a:clrScheme>
     <a:fontScheme name="Office">
@@ -23553,5 +24069,7 @@
       </a:bgFillStyleLst>
     </a:fmtScheme>
   </a:themeElements>
+  <a:objectDefaults/>
+  <a:extraClrSchemeLst/>
 </a:theme>
 </file>
--- a/01_요구사항 실습/SW 요구사항 분석 및 설계_3조.pptx
+++ b/01_요구사항 실습/SW 요구사항 분석 및 설계_3조.pptx
@@ -15570,7 +15570,7 @@
     <mc:Choice Requires="p14">
       <p:transition/>
     </mc:Choice>
-    <mc:Fallback xmlns="" xmlns:c="http://schemas.openxmlformats.org/drawingml/2006/chart" xmlns:dgm="http://schemas.openxmlformats.org/drawingml/2006/diagram" xmlns:dsp="http://schemas.microsoft.com/office/drawing/2008/diagram">
+    <mc:Fallback xmlns:dsp="http://schemas.microsoft.com/office/drawing/2008/diagram" xmlns:dgm="http://schemas.openxmlformats.org/drawingml/2006/diagram" xmlns:c="http://schemas.openxmlformats.org/drawingml/2006/chart" xmlns="">
       <p:transition/>
     </mc:Fallback>
   </mc:AlternateContent>
@@ -15840,7 +15840,7 @@
     <mc:Choice Requires="p14">
       <p:transition/>
     </mc:Choice>
-    <mc:Fallback xmlns="" xmlns:c="http://schemas.openxmlformats.org/drawingml/2006/chart" xmlns:dgm="http://schemas.openxmlformats.org/drawingml/2006/diagram" xmlns:dsp="http://schemas.microsoft.com/office/drawing/2008/diagram">
+    <mc:Fallback xmlns:dsp="http://schemas.microsoft.com/office/drawing/2008/diagram" xmlns:dgm="http://schemas.openxmlformats.org/drawingml/2006/diagram" xmlns:c="http://schemas.openxmlformats.org/drawingml/2006/chart" xmlns="">
       <p:transition/>
     </mc:Fallback>
   </mc:AlternateContent>
@@ -18049,7 +18049,7 @@
     <mc:Choice Requires="p14">
       <p:transition/>
     </mc:Choice>
-    <mc:Fallback xmlns="" xmlns:c="http://schemas.openxmlformats.org/drawingml/2006/chart" xmlns:dgm="http://schemas.openxmlformats.org/drawingml/2006/diagram" xmlns:dsp="http://schemas.microsoft.com/office/drawing/2008/diagram">
+    <mc:Fallback xmlns:dsp="http://schemas.microsoft.com/office/drawing/2008/diagram" xmlns:dgm="http://schemas.openxmlformats.org/drawingml/2006/diagram" xmlns:c="http://schemas.openxmlformats.org/drawingml/2006/chart" xmlns="">
       <p:transition/>
     </mc:Fallback>
   </mc:AlternateContent>
@@ -18797,7 +18797,7 @@
     <mc:Choice Requires="p14">
       <p:transition/>
     </mc:Choice>
-    <mc:Fallback xmlns="" xmlns:c="http://schemas.openxmlformats.org/drawingml/2006/chart" xmlns:dgm="http://schemas.openxmlformats.org/drawingml/2006/diagram" xmlns:dsp="http://schemas.microsoft.com/office/drawing/2008/diagram">
+    <mc:Fallback xmlns:dsp="http://schemas.microsoft.com/office/drawing/2008/diagram" xmlns:dgm="http://schemas.openxmlformats.org/drawingml/2006/diagram" xmlns:c="http://schemas.openxmlformats.org/drawingml/2006/chart" xmlns="">
       <p:transition/>
     </mc:Fallback>
   </mc:AlternateContent>
@@ -20082,35 +20082,42 @@
                         <a:defRPr/>
                       </a:pPr>
                       <a:r>
-                        <a:rPr lang="en-US" sz="1200">
+                        <a:rPr lang="en-US" sz="1200" dirty="0">
                           <a:latin typeface="맑은 고딕"/>
                           <a:cs typeface="맑은 고딕"/>
                         </a:rPr>
                         <a:t>1. </a:t>
                       </a:r>
                       <a:r>
-                        <a:rPr lang="ko-KR" altLang="en-US" sz="1200">
+                        <a:rPr lang="ko-KR" altLang="en-US" sz="1200" dirty="0">
                           <a:latin typeface="맑은 고딕"/>
                           <a:cs typeface="맑은 고딕"/>
                         </a:rPr>
                         <a:t>운전자가 </a:t>
                       </a:r>
                       <a:r>
-                        <a:rPr lang="en-US" altLang="ko-KR" sz="1200">
+                        <a:rPr lang="en-US" altLang="ko-KR" sz="1200" dirty="0">
                           <a:latin typeface="맑은 고딕"/>
                           <a:cs typeface="맑은 고딕"/>
                         </a:rPr>
                         <a:t>30km/h</a:t>
                       </a:r>
                       <a:r>
-                        <a:rPr lang="ko-KR" altLang="en-US" sz="1200">
+                        <a:rPr lang="ko-KR" altLang="en-US" sz="1200" dirty="0">
                           <a:latin typeface="맑은 고딕"/>
                           <a:cs typeface="맑은 고딕"/>
                         </a:rPr>
-                        <a:t> 이상의 속도로 주행중이다</a:t>
+                        <a:t> 이상의 속도로 </a:t>
                       </a:r>
                       <a:r>
-                        <a:rPr lang="en-US" altLang="ko-KR" sz="1200">
+                        <a:rPr lang="ko-KR" altLang="en-US" sz="1200" dirty="0" err="1">
+                          <a:latin typeface="맑은 고딕"/>
+                          <a:cs typeface="맑은 고딕"/>
+                        </a:rPr>
+                        <a:t>주행중이다</a:t>
+                      </a:r>
+                      <a:r>
+                        <a:rPr lang="en-US" altLang="ko-KR" sz="1200" dirty="0">
                           <a:latin typeface="맑은 고딕"/>
                           <a:cs typeface="맑은 고딕"/>
                         </a:rPr>
@@ -22024,7 +22031,7 @@
                         <a:buNone/>
                         <a:defRPr/>
                       </a:pPr>
-                      <a:endParaRPr sz="1200">
+                      <a:endParaRPr sz="1200" dirty="0">
                         <a:latin typeface="맑은 고딕"/>
                         <a:cs typeface="맑은 고딕"/>
                       </a:endParaRPr>
@@ -22088,7 +22095,7 @@
     <mc:Choice Requires="p14">
       <p:transition/>
     </mc:Choice>
-    <mc:Fallback xmlns:dsp="http://schemas.microsoft.com/office/drawing/2008/diagram" xmlns:dgm="http://schemas.openxmlformats.org/drawingml/2006/diagram" xmlns:c="http://schemas.openxmlformats.org/drawingml/2006/chart" xmlns="">
+    <mc:Fallback xmlns="" xmlns:c="http://schemas.openxmlformats.org/drawingml/2006/chart" xmlns:dgm="http://schemas.openxmlformats.org/drawingml/2006/diagram" xmlns:dsp="http://schemas.microsoft.com/office/drawing/2008/diagram">
       <p:transition/>
     </mc:Fallback>
   </mc:AlternateContent>
@@ -22158,7 +22165,7 @@
         </p:nvSpPr>
         <p:spPr>
           <a:xfrm>
-            <a:off x="431801" y="1803396"/>
+            <a:off x="1507068" y="1142995"/>
             <a:ext cx="2065866" cy="548147"/>
           </a:xfrm>
           <a:prstGeom prst="rect">
@@ -22227,7 +22234,7 @@
         </p:nvSpPr>
         <p:spPr>
           <a:xfrm>
-            <a:off x="2747433" y="1803395"/>
+            <a:off x="6074838" y="1142994"/>
             <a:ext cx="2065866" cy="548147"/>
           </a:xfrm>
           <a:prstGeom prst="rect">
@@ -22296,7 +22303,7 @@
         </p:nvSpPr>
         <p:spPr>
           <a:xfrm>
-            <a:off x="9694329" y="1803394"/>
+            <a:off x="3790953" y="1142993"/>
             <a:ext cx="2065866" cy="548147"/>
           </a:xfrm>
           <a:prstGeom prst="rect">
@@ -22353,85 +22360,6 @@
       </p:sp>
       <p:sp>
         <p:nvSpPr>
-          <p:cNvPr id="9" name="직사각형 8">
-            <a:extLst>
-              <a:ext uri="{FF2B5EF4-FFF2-40B4-BE49-F238E27FC236}">
-                <a16:creationId xmlns:a16="http://schemas.microsoft.com/office/drawing/2014/main" id="{A8072F53-9BAD-EC8F-995C-6A019490482E}"/>
-              </a:ext>
-            </a:extLst>
-          </p:cNvPr>
-          <p:cNvSpPr/>
-          <p:nvPr/>
-        </p:nvSpPr>
-        <p:spPr>
-          <a:xfrm>
-            <a:off x="5063065" y="1803395"/>
-            <a:ext cx="2065866" cy="548147"/>
-          </a:xfrm>
-          <a:prstGeom prst="rect">
-            <a:avLst/>
-          </a:prstGeom>
-          <a:ln/>
-        </p:spPr>
-        <p:style>
-          <a:lnRef idx="2">
-            <a:schemeClr val="accent4">
-              <a:shade val="15000"/>
-            </a:schemeClr>
-          </a:lnRef>
-          <a:fillRef idx="1">
-            <a:schemeClr val="accent4"/>
-          </a:fillRef>
-          <a:effectRef idx="0">
-            <a:schemeClr val="accent4"/>
-          </a:effectRef>
-          <a:fontRef idx="minor">
-            <a:schemeClr val="lt1"/>
-          </a:fontRef>
-        </p:style>
-        <p:txBody>
-          <a:bodyPr rtlCol="0" anchor="ctr"/>
-          <a:lstStyle/>
-          <a:p>
-            <a:pPr algn="ctr"/>
-            <a:r>
-              <a:rPr lang="en-US" altLang="ko-KR" sz="1200" b="1" dirty="0">
-                <a:solidFill>
-                  <a:schemeClr val="bg1"/>
-                </a:solidFill>
-                <a:latin typeface="프리젠테이션 7 Bold"/>
-                <a:ea typeface="프리젠테이션 7 Bold"/>
-              </a:rPr>
-              <a:t>&lt;&lt;entity&gt;&gt;</a:t>
-            </a:r>
-          </a:p>
-          <a:p>
-            <a:pPr algn="ctr"/>
-            <a:r>
-              <a:rPr lang="ko-KR" altLang="en-US" sz="1200" b="1" dirty="0">
-                <a:solidFill>
-                  <a:schemeClr val="bg1"/>
-                </a:solidFill>
-                <a:latin typeface="프리젠테이션 7 Bold"/>
-                <a:ea typeface="프리젠테이션 7 Bold"/>
-              </a:rPr>
-              <a:t>시동 </a:t>
-            </a:r>
-            <a:r>
-              <a:rPr lang="en-US" altLang="ko-KR" sz="1200" b="1" dirty="0">
-                <a:solidFill>
-                  <a:schemeClr val="bg1"/>
-                </a:solidFill>
-                <a:latin typeface="프리젠테이션 7 Bold"/>
-                <a:ea typeface="프리젠테이션 7 Bold"/>
-              </a:rPr>
-              <a:t>Status Data</a:t>
-            </a:r>
-          </a:p>
-        </p:txBody>
-      </p:sp>
-      <p:sp>
-        <p:nvSpPr>
           <p:cNvPr id="11" name="직사각형 10">
             <a:extLst>
               <a:ext uri="{FF2B5EF4-FFF2-40B4-BE49-F238E27FC236}">
@@ -22444,7 +22372,7 @@
         </p:nvSpPr>
         <p:spPr>
           <a:xfrm>
-            <a:off x="7378697" y="1803394"/>
+            <a:off x="8506890" y="1142993"/>
             <a:ext cx="2065866" cy="548147"/>
           </a:xfrm>
           <a:prstGeom prst="rect">
@@ -22496,6 +22424,733 @@
               </a:rPr>
               <a:t>Feature</a:t>
             </a:r>
+          </a:p>
+        </p:txBody>
+      </p:sp>
+      <p:cxnSp>
+        <p:nvCxnSpPr>
+          <p:cNvPr id="10" name="직선 연결선 9">
+            <a:extLst>
+              <a:ext uri="{FF2B5EF4-FFF2-40B4-BE49-F238E27FC236}">
+                <a16:creationId xmlns:a16="http://schemas.microsoft.com/office/drawing/2014/main" id="{06884B57-DFD7-F216-5CA8-7AC21989544B}"/>
+              </a:ext>
+            </a:extLst>
+          </p:cNvPr>
+          <p:cNvCxnSpPr>
+            <a:stCxn id="4" idx="2"/>
+          </p:cNvCxnSpPr>
+          <p:nvPr/>
+        </p:nvCxnSpPr>
+        <p:spPr>
+          <a:xfrm>
+            <a:off x="2540001" y="1691142"/>
+            <a:ext cx="33866" cy="4680000"/>
+          </a:xfrm>
+          <a:prstGeom prst="line">
+            <a:avLst/>
+          </a:prstGeom>
+          <a:ln w="28575"/>
+        </p:spPr>
+        <p:style>
+          <a:lnRef idx="1">
+            <a:schemeClr val="dk1"/>
+          </a:lnRef>
+          <a:fillRef idx="0">
+            <a:schemeClr val="dk1"/>
+          </a:fillRef>
+          <a:effectRef idx="0">
+            <a:schemeClr val="dk1"/>
+          </a:effectRef>
+          <a:fontRef idx="minor">
+            <a:schemeClr val="tx1"/>
+          </a:fontRef>
+        </p:style>
+      </p:cxnSp>
+      <p:cxnSp>
+        <p:nvCxnSpPr>
+          <p:cNvPr id="12" name="직선 연결선 11">
+            <a:extLst>
+              <a:ext uri="{FF2B5EF4-FFF2-40B4-BE49-F238E27FC236}">
+                <a16:creationId xmlns:a16="http://schemas.microsoft.com/office/drawing/2014/main" id="{DDEAB49F-B589-8929-931A-10488869E196}"/>
+              </a:ext>
+            </a:extLst>
+          </p:cNvPr>
+          <p:cNvCxnSpPr>
+            <a:cxnSpLocks/>
+          </p:cNvCxnSpPr>
+          <p:nvPr/>
+        </p:nvCxnSpPr>
+        <p:spPr>
+          <a:xfrm>
+            <a:off x="7107771" y="1691142"/>
+            <a:ext cx="33866" cy="4680000"/>
+          </a:xfrm>
+          <a:prstGeom prst="line">
+            <a:avLst/>
+          </a:prstGeom>
+          <a:ln w="28575"/>
+        </p:spPr>
+        <p:style>
+          <a:lnRef idx="1">
+            <a:schemeClr val="dk1"/>
+          </a:lnRef>
+          <a:fillRef idx="0">
+            <a:schemeClr val="dk1"/>
+          </a:fillRef>
+          <a:effectRef idx="0">
+            <a:schemeClr val="dk1"/>
+          </a:effectRef>
+          <a:fontRef idx="minor">
+            <a:schemeClr val="tx1"/>
+          </a:fontRef>
+        </p:style>
+      </p:cxnSp>
+      <p:cxnSp>
+        <p:nvCxnSpPr>
+          <p:cNvPr id="14" name="직선 연결선 13">
+            <a:extLst>
+              <a:ext uri="{FF2B5EF4-FFF2-40B4-BE49-F238E27FC236}">
+                <a16:creationId xmlns:a16="http://schemas.microsoft.com/office/drawing/2014/main" id="{F47AD6ED-87EA-684C-4B98-FF397E02AC31}"/>
+              </a:ext>
+            </a:extLst>
+          </p:cNvPr>
+          <p:cNvCxnSpPr>
+            <a:cxnSpLocks/>
+          </p:cNvCxnSpPr>
+          <p:nvPr/>
+        </p:nvCxnSpPr>
+        <p:spPr>
+          <a:xfrm>
+            <a:off x="9539823" y="1691142"/>
+            <a:ext cx="33866" cy="4680000"/>
+          </a:xfrm>
+          <a:prstGeom prst="line">
+            <a:avLst/>
+          </a:prstGeom>
+          <a:ln w="28575"/>
+        </p:spPr>
+        <p:style>
+          <a:lnRef idx="1">
+            <a:schemeClr val="dk1"/>
+          </a:lnRef>
+          <a:fillRef idx="0">
+            <a:schemeClr val="dk1"/>
+          </a:fillRef>
+          <a:effectRef idx="0">
+            <a:schemeClr val="dk1"/>
+          </a:effectRef>
+          <a:fontRef idx="minor">
+            <a:schemeClr val="tx1"/>
+          </a:fontRef>
+        </p:style>
+      </p:cxnSp>
+      <p:cxnSp>
+        <p:nvCxnSpPr>
+          <p:cNvPr id="15" name="직선 연결선 14">
+            <a:extLst>
+              <a:ext uri="{FF2B5EF4-FFF2-40B4-BE49-F238E27FC236}">
+                <a16:creationId xmlns:a16="http://schemas.microsoft.com/office/drawing/2014/main" id="{9A63EEB0-1EB0-5CC1-BF35-C1991CD2F868}"/>
+              </a:ext>
+            </a:extLst>
+          </p:cNvPr>
+          <p:cNvCxnSpPr>
+            <a:cxnSpLocks/>
+          </p:cNvCxnSpPr>
+          <p:nvPr/>
+        </p:nvCxnSpPr>
+        <p:spPr>
+          <a:xfrm>
+            <a:off x="4788960" y="1691142"/>
+            <a:ext cx="33866" cy="4680000"/>
+          </a:xfrm>
+          <a:prstGeom prst="line">
+            <a:avLst/>
+          </a:prstGeom>
+          <a:ln w="28575"/>
+        </p:spPr>
+        <p:style>
+          <a:lnRef idx="1">
+            <a:schemeClr val="dk1"/>
+          </a:lnRef>
+          <a:fillRef idx="0">
+            <a:schemeClr val="dk1"/>
+          </a:fillRef>
+          <a:effectRef idx="0">
+            <a:schemeClr val="dk1"/>
+          </a:effectRef>
+          <a:fontRef idx="minor">
+            <a:schemeClr val="tx1"/>
+          </a:fontRef>
+        </p:style>
+      </p:cxnSp>
+      <p:cxnSp>
+        <p:nvCxnSpPr>
+          <p:cNvPr id="25" name="직선 화살표 연결선 24">
+            <a:extLst>
+              <a:ext uri="{FF2B5EF4-FFF2-40B4-BE49-F238E27FC236}">
+                <a16:creationId xmlns:a16="http://schemas.microsoft.com/office/drawing/2014/main" id="{39E15F30-3027-8472-1C35-B0973FC22BA5}"/>
+              </a:ext>
+            </a:extLst>
+          </p:cNvPr>
+          <p:cNvCxnSpPr/>
+          <p:nvPr/>
+        </p:nvCxnSpPr>
+        <p:spPr>
+          <a:xfrm flipH="1">
+            <a:off x="2540001" y="2040466"/>
+            <a:ext cx="2248959" cy="0"/>
+          </a:xfrm>
+          <a:prstGeom prst="straightConnector1">
+            <a:avLst/>
+          </a:prstGeom>
+          <a:ln>
+            <a:solidFill>
+              <a:schemeClr val="bg1">
+                <a:lumMod val="50000"/>
+              </a:schemeClr>
+            </a:solidFill>
+            <a:tailEnd type="triangle"/>
+          </a:ln>
+        </p:spPr>
+        <p:style>
+          <a:lnRef idx="1">
+            <a:schemeClr val="accent1"/>
+          </a:lnRef>
+          <a:fillRef idx="0">
+            <a:schemeClr val="accent1"/>
+          </a:fillRef>
+          <a:effectRef idx="0">
+            <a:schemeClr val="accent1"/>
+          </a:effectRef>
+          <a:fontRef idx="minor">
+            <a:schemeClr val="tx1"/>
+          </a:fontRef>
+        </p:style>
+      </p:cxnSp>
+      <p:sp>
+        <p:nvSpPr>
+          <p:cNvPr id="26" name="TextBox 25">
+            <a:extLst>
+              <a:ext uri="{FF2B5EF4-FFF2-40B4-BE49-F238E27FC236}">
+                <a16:creationId xmlns:a16="http://schemas.microsoft.com/office/drawing/2014/main" id="{E922D29B-8B8F-FEC3-692F-43B3C906C393}"/>
+              </a:ext>
+            </a:extLst>
+          </p:cNvPr>
+          <p:cNvSpPr txBox="1"/>
+          <p:nvPr/>
+        </p:nvSpPr>
+        <p:spPr>
+          <a:xfrm>
+            <a:off x="3042180" y="1763465"/>
+            <a:ext cx="1244600" cy="276999"/>
+          </a:xfrm>
+          <a:prstGeom prst="rect">
+            <a:avLst/>
+          </a:prstGeom>
+          <a:noFill/>
+        </p:spPr>
+        <p:txBody>
+          <a:bodyPr wrap="square" rtlCol="0">
+            <a:spAutoFit/>
+          </a:bodyPr>
+          <a:lstStyle/>
+          <a:p>
+            <a:r>
+              <a:rPr lang="en-US" altLang="ko-KR" sz="1200" dirty="0">
+                <a:latin typeface="+mn-ea"/>
+              </a:rPr>
+              <a:t>1 : Data Request</a:t>
+            </a:r>
+            <a:endParaRPr lang="ko-KR" altLang="en-US" sz="1200" dirty="0">
+              <a:latin typeface="+mn-ea"/>
+            </a:endParaRPr>
+          </a:p>
+        </p:txBody>
+      </p:sp>
+      <p:cxnSp>
+        <p:nvCxnSpPr>
+          <p:cNvPr id="29" name="직선 화살표 연결선 28">
+            <a:extLst>
+              <a:ext uri="{FF2B5EF4-FFF2-40B4-BE49-F238E27FC236}">
+                <a16:creationId xmlns:a16="http://schemas.microsoft.com/office/drawing/2014/main" id="{0DADB269-E17B-D13C-B435-216416DC9123}"/>
+              </a:ext>
+            </a:extLst>
+          </p:cNvPr>
+          <p:cNvCxnSpPr/>
+          <p:nvPr/>
+        </p:nvCxnSpPr>
+        <p:spPr>
+          <a:xfrm>
+            <a:off x="2540001" y="2590799"/>
+            <a:ext cx="2248959" cy="0"/>
+          </a:xfrm>
+          <a:prstGeom prst="straightConnector1">
+            <a:avLst/>
+          </a:prstGeom>
+          <a:ln>
+            <a:solidFill>
+              <a:schemeClr val="bg1">
+                <a:lumMod val="50000"/>
+              </a:schemeClr>
+            </a:solidFill>
+            <a:tailEnd type="triangle"/>
+          </a:ln>
+        </p:spPr>
+        <p:style>
+          <a:lnRef idx="1">
+            <a:schemeClr val="accent1"/>
+          </a:lnRef>
+          <a:fillRef idx="0">
+            <a:schemeClr val="accent1"/>
+          </a:fillRef>
+          <a:effectRef idx="0">
+            <a:schemeClr val="accent1"/>
+          </a:effectRef>
+          <a:fontRef idx="minor">
+            <a:schemeClr val="tx1"/>
+          </a:fontRef>
+        </p:style>
+      </p:cxnSp>
+      <p:sp>
+        <p:nvSpPr>
+          <p:cNvPr id="30" name="TextBox 29">
+            <a:extLst>
+              <a:ext uri="{FF2B5EF4-FFF2-40B4-BE49-F238E27FC236}">
+                <a16:creationId xmlns:a16="http://schemas.microsoft.com/office/drawing/2014/main" id="{E46EE59D-50B4-BCBC-C111-2E7D6ED500C4}"/>
+              </a:ext>
+            </a:extLst>
+          </p:cNvPr>
+          <p:cNvSpPr txBox="1"/>
+          <p:nvPr/>
+        </p:nvSpPr>
+        <p:spPr>
+          <a:xfrm>
+            <a:off x="3027894" y="2313797"/>
+            <a:ext cx="1357843" cy="276999"/>
+          </a:xfrm>
+          <a:prstGeom prst="rect">
+            <a:avLst/>
+          </a:prstGeom>
+          <a:noFill/>
+        </p:spPr>
+        <p:txBody>
+          <a:bodyPr wrap="square" rtlCol="0">
+            <a:spAutoFit/>
+          </a:bodyPr>
+          <a:lstStyle/>
+          <a:p>
+            <a:r>
+              <a:rPr lang="en-US" altLang="ko-KR" sz="1200" dirty="0">
+                <a:latin typeface="+mn-ea"/>
+              </a:rPr>
+              <a:t>2 : Data Response</a:t>
+            </a:r>
+            <a:endParaRPr lang="ko-KR" altLang="en-US" sz="1200" dirty="0">
+              <a:latin typeface="+mn-ea"/>
+            </a:endParaRPr>
+          </a:p>
+        </p:txBody>
+      </p:sp>
+      <p:cxnSp>
+        <p:nvCxnSpPr>
+          <p:cNvPr id="31" name="직선 화살표 연결선 30">
+            <a:extLst>
+              <a:ext uri="{FF2B5EF4-FFF2-40B4-BE49-F238E27FC236}">
+                <a16:creationId xmlns:a16="http://schemas.microsoft.com/office/drawing/2014/main" id="{AAFC3F45-D6C4-B947-B346-C2138D44C086}"/>
+              </a:ext>
+            </a:extLst>
+          </p:cNvPr>
+          <p:cNvCxnSpPr>
+            <a:cxnSpLocks/>
+          </p:cNvCxnSpPr>
+          <p:nvPr/>
+        </p:nvCxnSpPr>
+        <p:spPr>
+          <a:xfrm>
+            <a:off x="4788960" y="2844799"/>
+            <a:ext cx="2352677" cy="0"/>
+          </a:xfrm>
+          <a:prstGeom prst="straightConnector1">
+            <a:avLst/>
+          </a:prstGeom>
+          <a:ln>
+            <a:solidFill>
+              <a:schemeClr val="bg1">
+                <a:lumMod val="50000"/>
+              </a:schemeClr>
+            </a:solidFill>
+            <a:tailEnd type="triangle"/>
+          </a:ln>
+        </p:spPr>
+        <p:style>
+          <a:lnRef idx="1">
+            <a:schemeClr val="accent1"/>
+          </a:lnRef>
+          <a:fillRef idx="0">
+            <a:schemeClr val="accent1"/>
+          </a:fillRef>
+          <a:effectRef idx="0">
+            <a:schemeClr val="accent1"/>
+          </a:effectRef>
+          <a:fontRef idx="minor">
+            <a:schemeClr val="tx1"/>
+          </a:fontRef>
+        </p:style>
+      </p:cxnSp>
+      <p:sp>
+        <p:nvSpPr>
+          <p:cNvPr id="34" name="TextBox 33">
+            <a:extLst>
+              <a:ext uri="{FF2B5EF4-FFF2-40B4-BE49-F238E27FC236}">
+                <a16:creationId xmlns:a16="http://schemas.microsoft.com/office/drawing/2014/main" id="{52670EBB-9628-1077-5B80-2A0C29EA1BB7}"/>
+              </a:ext>
+            </a:extLst>
+          </p:cNvPr>
+          <p:cNvSpPr txBox="1"/>
+          <p:nvPr/>
+        </p:nvSpPr>
+        <p:spPr>
+          <a:xfrm>
+            <a:off x="5168901" y="2567798"/>
+            <a:ext cx="1805515" cy="276999"/>
+          </a:xfrm>
+          <a:prstGeom prst="rect">
+            <a:avLst/>
+          </a:prstGeom>
+          <a:noFill/>
+        </p:spPr>
+        <p:txBody>
+          <a:bodyPr wrap="square" rtlCol="0">
+            <a:spAutoFit/>
+          </a:bodyPr>
+          <a:lstStyle/>
+          <a:p>
+            <a:r>
+              <a:rPr lang="en-US" altLang="ko-KR" sz="1200" dirty="0">
+                <a:latin typeface="+mn-ea"/>
+              </a:rPr>
+              <a:t>3 : set Velocity Data</a:t>
+            </a:r>
+            <a:endParaRPr lang="ko-KR" altLang="en-US" sz="1200" dirty="0">
+              <a:latin typeface="+mn-ea"/>
+            </a:endParaRPr>
+          </a:p>
+        </p:txBody>
+      </p:sp>
+      <p:cxnSp>
+        <p:nvCxnSpPr>
+          <p:cNvPr id="42" name="직선 화살표 연결선 41">
+            <a:extLst>
+              <a:ext uri="{FF2B5EF4-FFF2-40B4-BE49-F238E27FC236}">
+                <a16:creationId xmlns:a16="http://schemas.microsoft.com/office/drawing/2014/main" id="{AD3DE87C-66A4-2ECA-EFD9-AF234E94FCFD}"/>
+              </a:ext>
+            </a:extLst>
+          </p:cNvPr>
+          <p:cNvCxnSpPr/>
+          <p:nvPr/>
+        </p:nvCxnSpPr>
+        <p:spPr>
+          <a:xfrm flipH="1">
+            <a:off x="4822826" y="3344333"/>
+            <a:ext cx="2248959" cy="0"/>
+          </a:xfrm>
+          <a:prstGeom prst="straightConnector1">
+            <a:avLst/>
+          </a:prstGeom>
+          <a:ln>
+            <a:solidFill>
+              <a:schemeClr val="bg1">
+                <a:lumMod val="50000"/>
+              </a:schemeClr>
+            </a:solidFill>
+            <a:tailEnd type="triangle"/>
+          </a:ln>
+        </p:spPr>
+        <p:style>
+          <a:lnRef idx="1">
+            <a:schemeClr val="accent1"/>
+          </a:lnRef>
+          <a:fillRef idx="0">
+            <a:schemeClr val="accent1"/>
+          </a:fillRef>
+          <a:effectRef idx="0">
+            <a:schemeClr val="accent1"/>
+          </a:effectRef>
+          <a:fontRef idx="minor">
+            <a:schemeClr val="tx1"/>
+          </a:fontRef>
+        </p:style>
+      </p:cxnSp>
+      <p:sp>
+        <p:nvSpPr>
+          <p:cNvPr id="43" name="TextBox 42">
+            <a:extLst>
+              <a:ext uri="{FF2B5EF4-FFF2-40B4-BE49-F238E27FC236}">
+                <a16:creationId xmlns:a16="http://schemas.microsoft.com/office/drawing/2014/main" id="{5BBB5028-476D-62C2-9ED1-FB2A47F09F1F}"/>
+              </a:ext>
+            </a:extLst>
+          </p:cNvPr>
+          <p:cNvSpPr txBox="1"/>
+          <p:nvPr/>
+        </p:nvSpPr>
+        <p:spPr>
+          <a:xfrm>
+            <a:off x="5233458" y="3066044"/>
+            <a:ext cx="1514475" cy="276999"/>
+          </a:xfrm>
+          <a:prstGeom prst="rect">
+            <a:avLst/>
+          </a:prstGeom>
+          <a:noFill/>
+        </p:spPr>
+        <p:txBody>
+          <a:bodyPr wrap="square" rtlCol="0">
+            <a:spAutoFit/>
+          </a:bodyPr>
+          <a:lstStyle/>
+          <a:p>
+            <a:r>
+              <a:rPr lang="en-US" altLang="ko-KR" sz="1200" dirty="0">
+                <a:latin typeface="+mn-ea"/>
+              </a:rPr>
+              <a:t>4 : get Velocity Data</a:t>
+            </a:r>
+            <a:endParaRPr lang="ko-KR" altLang="en-US" sz="1200" dirty="0">
+              <a:latin typeface="+mn-ea"/>
+            </a:endParaRPr>
+          </a:p>
+        </p:txBody>
+      </p:sp>
+      <p:cxnSp>
+        <p:nvCxnSpPr>
+          <p:cNvPr id="45" name="직선 화살표 연결선 44">
+            <a:extLst>
+              <a:ext uri="{FF2B5EF4-FFF2-40B4-BE49-F238E27FC236}">
+                <a16:creationId xmlns:a16="http://schemas.microsoft.com/office/drawing/2014/main" id="{2D377C1A-2C62-EE9F-8A21-57064293241B}"/>
+              </a:ext>
+            </a:extLst>
+          </p:cNvPr>
+          <p:cNvCxnSpPr>
+            <a:cxnSpLocks/>
+          </p:cNvCxnSpPr>
+          <p:nvPr/>
+        </p:nvCxnSpPr>
+        <p:spPr>
+          <a:xfrm flipV="1">
+            <a:off x="4822826" y="3767665"/>
+            <a:ext cx="4716997" cy="1"/>
+          </a:xfrm>
+          <a:prstGeom prst="straightConnector1">
+            <a:avLst/>
+          </a:prstGeom>
+          <a:ln>
+            <a:solidFill>
+              <a:schemeClr val="bg1">
+                <a:lumMod val="50000"/>
+              </a:schemeClr>
+            </a:solidFill>
+            <a:tailEnd type="triangle"/>
+          </a:ln>
+        </p:spPr>
+        <p:style>
+          <a:lnRef idx="1">
+            <a:schemeClr val="accent1"/>
+          </a:lnRef>
+          <a:fillRef idx="0">
+            <a:schemeClr val="accent1"/>
+          </a:fillRef>
+          <a:effectRef idx="0">
+            <a:schemeClr val="accent1"/>
+          </a:effectRef>
+          <a:fontRef idx="minor">
+            <a:schemeClr val="tx1"/>
+          </a:fontRef>
+        </p:style>
+      </p:cxnSp>
+      <p:sp>
+        <p:nvSpPr>
+          <p:cNvPr id="47" name="TextBox 46">
+            <a:extLst>
+              <a:ext uri="{FF2B5EF4-FFF2-40B4-BE49-F238E27FC236}">
+                <a16:creationId xmlns:a16="http://schemas.microsoft.com/office/drawing/2014/main" id="{94C83698-2C66-DAA9-ED19-785D2CA2F5C9}"/>
+              </a:ext>
+            </a:extLst>
+          </p:cNvPr>
+          <p:cNvSpPr txBox="1"/>
+          <p:nvPr/>
+        </p:nvSpPr>
+        <p:spPr>
+          <a:xfrm>
+            <a:off x="7212551" y="3490666"/>
+            <a:ext cx="1810806" cy="276999"/>
+          </a:xfrm>
+          <a:prstGeom prst="rect">
+            <a:avLst/>
+          </a:prstGeom>
+          <a:noFill/>
+        </p:spPr>
+        <p:txBody>
+          <a:bodyPr wrap="square" rtlCol="0">
+            <a:spAutoFit/>
+          </a:bodyPr>
+          <a:lstStyle/>
+          <a:p>
+            <a:r>
+              <a:rPr lang="en-US" altLang="ko-KR" sz="1200" dirty="0">
+                <a:latin typeface="+mn-ea"/>
+              </a:rPr>
+              <a:t>5 : set Velocity Feature</a:t>
+            </a:r>
+            <a:endParaRPr lang="ko-KR" altLang="en-US" sz="1200" dirty="0">
+              <a:latin typeface="+mn-ea"/>
+            </a:endParaRPr>
+          </a:p>
+        </p:txBody>
+      </p:sp>
+      <p:cxnSp>
+        <p:nvCxnSpPr>
+          <p:cNvPr id="51" name="직선 화살표 연결선 50">
+            <a:extLst>
+              <a:ext uri="{FF2B5EF4-FFF2-40B4-BE49-F238E27FC236}">
+                <a16:creationId xmlns:a16="http://schemas.microsoft.com/office/drawing/2014/main" id="{5DCA359E-43D7-F05F-C662-6EAA31710555}"/>
+              </a:ext>
+            </a:extLst>
+          </p:cNvPr>
+          <p:cNvCxnSpPr>
+            <a:cxnSpLocks/>
+          </p:cNvCxnSpPr>
+          <p:nvPr/>
+        </p:nvCxnSpPr>
+        <p:spPr>
+          <a:xfrm flipH="1">
+            <a:off x="4822826" y="4301067"/>
+            <a:ext cx="4750863" cy="0"/>
+          </a:xfrm>
+          <a:prstGeom prst="straightConnector1">
+            <a:avLst/>
+          </a:prstGeom>
+          <a:ln>
+            <a:solidFill>
+              <a:schemeClr val="bg1">
+                <a:lumMod val="50000"/>
+              </a:schemeClr>
+            </a:solidFill>
+            <a:tailEnd type="triangle"/>
+          </a:ln>
+        </p:spPr>
+        <p:style>
+          <a:lnRef idx="1">
+            <a:schemeClr val="accent1"/>
+          </a:lnRef>
+          <a:fillRef idx="0">
+            <a:schemeClr val="accent1"/>
+          </a:fillRef>
+          <a:effectRef idx="0">
+            <a:schemeClr val="accent1"/>
+          </a:effectRef>
+          <a:fontRef idx="minor">
+            <a:schemeClr val="tx1"/>
+          </a:fontRef>
+        </p:style>
+      </p:cxnSp>
+      <p:sp>
+        <p:nvSpPr>
+          <p:cNvPr id="53" name="TextBox 52">
+            <a:extLst>
+              <a:ext uri="{FF2B5EF4-FFF2-40B4-BE49-F238E27FC236}">
+                <a16:creationId xmlns:a16="http://schemas.microsoft.com/office/drawing/2014/main" id="{A946779A-0D83-D059-2B25-783EF201D36D}"/>
+              </a:ext>
+            </a:extLst>
+          </p:cNvPr>
+          <p:cNvSpPr txBox="1"/>
+          <p:nvPr/>
+        </p:nvSpPr>
+        <p:spPr>
+          <a:xfrm>
+            <a:off x="7274992" y="4011933"/>
+            <a:ext cx="1810806" cy="276999"/>
+          </a:xfrm>
+          <a:prstGeom prst="rect">
+            <a:avLst/>
+          </a:prstGeom>
+          <a:noFill/>
+        </p:spPr>
+        <p:txBody>
+          <a:bodyPr wrap="square" rtlCol="0">
+            <a:spAutoFit/>
+          </a:bodyPr>
+          <a:lstStyle/>
+          <a:p>
+            <a:r>
+              <a:rPr lang="en-US" altLang="ko-KR" sz="1200" dirty="0">
+                <a:latin typeface="+mn-ea"/>
+              </a:rPr>
+              <a:t>6 : get Velocity Feature</a:t>
+            </a:r>
+            <a:endParaRPr lang="ko-KR" altLang="en-US" sz="1200" dirty="0">
+              <a:latin typeface="+mn-ea"/>
+            </a:endParaRPr>
+          </a:p>
+        </p:txBody>
+      </p:sp>
+      <p:sp>
+        <p:nvSpPr>
+          <p:cNvPr id="65" name="순서도: 처리 64">
+            <a:extLst>
+              <a:ext uri="{FF2B5EF4-FFF2-40B4-BE49-F238E27FC236}">
+                <a16:creationId xmlns:a16="http://schemas.microsoft.com/office/drawing/2014/main" id="{35D037EA-91D4-7310-CB0E-1931E539D3CB}"/>
+              </a:ext>
+            </a:extLst>
+          </p:cNvPr>
+          <p:cNvSpPr/>
+          <p:nvPr/>
+        </p:nvSpPr>
+        <p:spPr>
+          <a:xfrm>
+            <a:off x="4136235" y="5005456"/>
+            <a:ext cx="1383769" cy="576631"/>
+          </a:xfrm>
+          <a:prstGeom prst="flowChartProcess">
+            <a:avLst/>
+          </a:prstGeom>
+          <a:ln/>
+        </p:spPr>
+        <p:style>
+          <a:lnRef idx="2">
+            <a:schemeClr val="accent4"/>
+          </a:lnRef>
+          <a:fillRef idx="1">
+            <a:schemeClr val="lt1"/>
+          </a:fillRef>
+          <a:effectRef idx="0">
+            <a:schemeClr val="accent4"/>
+          </a:effectRef>
+          <a:fontRef idx="minor">
+            <a:schemeClr val="dk1"/>
+          </a:fontRef>
+        </p:style>
+        <p:txBody>
+          <a:bodyPr rtlCol="0" anchor="ctr"/>
+          <a:lstStyle/>
+          <a:p>
+            <a:pPr algn="ctr"/>
+            <a:r>
+              <a:rPr lang="en-US" altLang="ko-KR" sz="1200" dirty="0">
+                <a:solidFill>
+                  <a:schemeClr val="tx1"/>
+                </a:solidFill>
+                <a:latin typeface="프리젠테이션 7 Bold"/>
+                <a:ea typeface="프리젠테이션 7 Bold"/>
+              </a:rPr>
+              <a:t>7 : Set Child Lock Status</a:t>
+            </a:r>
+            <a:endParaRPr lang="ko-KR" altLang="en-US" sz="1200" dirty="0">
+              <a:solidFill>
+                <a:schemeClr val="tx1"/>
+              </a:solidFill>
+              <a:latin typeface="프리젠테이션 7 Bold"/>
+              <a:ea typeface="프리젠테이션 7 Bold"/>
+            </a:endParaRPr>
           </a:p>
         </p:txBody>
       </p:sp>
